--- a/Final Presentation 2.pptx
+++ b/Final Presentation 2.pptx
@@ -5,18 +5,37 @@
     <p:sldMasterId id="2147483660" r:id="rId1"/>
     <p:sldMasterId id="2147483678" r:id="rId2"/>
   </p:sldMasterIdLst>
+  <p:notesMasterIdLst>
+    <p:notesMasterId r:id="rId30"/>
+  </p:notesMasterIdLst>
   <p:sldIdLst>
     <p:sldId id="256" r:id="rId3"/>
     <p:sldId id="258" r:id="rId4"/>
     <p:sldId id="257" r:id="rId5"/>
     <p:sldId id="259" r:id="rId6"/>
-    <p:sldId id="263" r:id="rId7"/>
-    <p:sldId id="264" r:id="rId8"/>
-    <p:sldId id="265" r:id="rId9"/>
-    <p:sldId id="266" r:id="rId10"/>
-    <p:sldId id="260" r:id="rId11"/>
-    <p:sldId id="261" r:id="rId12"/>
-    <p:sldId id="262" r:id="rId13"/>
+    <p:sldId id="277" r:id="rId7"/>
+    <p:sldId id="281" r:id="rId8"/>
+    <p:sldId id="278" r:id="rId9"/>
+    <p:sldId id="267" r:id="rId10"/>
+    <p:sldId id="268" r:id="rId11"/>
+    <p:sldId id="279" r:id="rId12"/>
+    <p:sldId id="263" r:id="rId13"/>
+    <p:sldId id="264" r:id="rId14"/>
+    <p:sldId id="265" r:id="rId15"/>
+    <p:sldId id="266" r:id="rId16"/>
+    <p:sldId id="260" r:id="rId17"/>
+    <p:sldId id="269" r:id="rId18"/>
+    <p:sldId id="273" r:id="rId19"/>
+    <p:sldId id="274" r:id="rId20"/>
+    <p:sldId id="270" r:id="rId21"/>
+    <p:sldId id="272" r:id="rId22"/>
+    <p:sldId id="282" r:id="rId23"/>
+    <p:sldId id="275" r:id="rId24"/>
+    <p:sldId id="280" r:id="rId25"/>
+    <p:sldId id="271" r:id="rId26"/>
+    <p:sldId id="276" r:id="rId27"/>
+    <p:sldId id="261" r:id="rId28"/>
+    <p:sldId id="262" r:id="rId29"/>
   </p:sldIdLst>
   <p:sldSz cx="12192000" cy="6858000"/>
   <p:notesSz cx="6858000" cy="9144000"/>
@@ -115,7 +134,3056 @@
       </a:defRPr>
     </a:lvl9pPr>
   </p:defaultTextStyle>
+  <p:extLst>
+    <p:ext uri="{EFAFB233-063F-42B5-8137-9DF3F51BA10A}">
+      <p15:sldGuideLst xmlns:p15="http://schemas.microsoft.com/office/powerpoint/2012/main"/>
+    </p:ext>
+  </p:extLst>
 </p:presentation>
+</file>
+
+<file path=ppt/changesInfos/changesInfo1.xml><?xml version="1.0" encoding="utf-8"?>
+<pc:chgInfo xmlns:a="http://schemas.openxmlformats.org/drawingml/2006/main" xmlns:r="http://schemas.openxmlformats.org/officeDocument/2006/relationships" xmlns:ac="http://schemas.microsoft.com/office/drawing/2013/main/command" xmlns:pc="http://schemas.microsoft.com/office/powerpoint/2013/main/command">
+  <pc:docChgLst>
+    <pc:chgData name="Brooke Taylor" userId="cb809024d88b5de5" providerId="LiveId" clId="{64E839F8-BAE3-4197-B080-5F39667F52ED}"/>
+    <pc:docChg chg="undo custSel addSld delSld modSld sldOrd modMainMaster">
+      <pc:chgData name="Brooke Taylor" userId="cb809024d88b5de5" providerId="LiveId" clId="{64E839F8-BAE3-4197-B080-5F39667F52ED}" dt="2017-12-13T05:33:37.537" v="2608" actId="20577"/>
+      <pc:docMkLst>
+        <pc:docMk/>
+      </pc:docMkLst>
+      <pc:sldChg chg="modNotesTx">
+        <pc:chgData name="Brooke Taylor" userId="cb809024d88b5de5" providerId="LiveId" clId="{64E839F8-BAE3-4197-B080-5F39667F52ED}" dt="2017-12-13T04:00:19.045" v="1542" actId="20577"/>
+        <pc:sldMkLst>
+          <pc:docMk/>
+          <pc:sldMk cId="1380476433" sldId="256"/>
+        </pc:sldMkLst>
+      </pc:sldChg>
+      <pc:sldChg chg="addSp delSp modSp modNotesTx">
+        <pc:chgData name="Brooke Taylor" userId="cb809024d88b5de5" providerId="LiveId" clId="{64E839F8-BAE3-4197-B080-5F39667F52ED}" dt="2017-12-13T05:16:18.961" v="2168"/>
+        <pc:sldMkLst>
+          <pc:docMk/>
+          <pc:sldMk cId="1646366259" sldId="257"/>
+        </pc:sldMkLst>
+        <pc:spChg chg="mod">
+          <ac:chgData name="Brooke Taylor" userId="cb809024d88b5de5" providerId="LiveId" clId="{64E839F8-BAE3-4197-B080-5F39667F52ED}" dt="2017-12-13T03:32:26.260" v="865" actId="113"/>
+          <ac:spMkLst>
+            <pc:docMk/>
+            <pc:sldMk cId="1646366259" sldId="257"/>
+            <ac:spMk id="2" creationId="{55249C7B-8667-4F35-AFFD-53CF7D4846C8}"/>
+          </ac:spMkLst>
+        </pc:spChg>
+        <pc:spChg chg="mod">
+          <ac:chgData name="Brooke Taylor" userId="cb809024d88b5de5" providerId="LiveId" clId="{64E839F8-BAE3-4197-B080-5F39667F52ED}" dt="2017-12-13T04:24:56.581" v="1555" actId="20577"/>
+          <ac:spMkLst>
+            <pc:docMk/>
+            <pc:sldMk cId="1646366259" sldId="257"/>
+            <ac:spMk id="3" creationId="{1190CB5F-5388-46FC-B9EE-096420D57445}"/>
+          </ac:spMkLst>
+        </pc:spChg>
+        <pc:spChg chg="add del mod">
+          <ac:chgData name="Brooke Taylor" userId="cb809024d88b5de5" providerId="LiveId" clId="{64E839F8-BAE3-4197-B080-5F39667F52ED}" dt="2017-12-13T05:16:11.739" v="2167"/>
+          <ac:spMkLst>
+            <pc:docMk/>
+            <pc:sldMk cId="1646366259" sldId="257"/>
+            <ac:spMk id="4" creationId="{B4CDF09E-0061-44AE-A2E4-09FDBB798ADE}"/>
+          </ac:spMkLst>
+        </pc:spChg>
+        <pc:spChg chg="add del mod">
+          <ac:chgData name="Brooke Taylor" userId="cb809024d88b5de5" providerId="LiveId" clId="{64E839F8-BAE3-4197-B080-5F39667F52ED}" dt="2017-12-13T05:16:11.739" v="2167"/>
+          <ac:spMkLst>
+            <pc:docMk/>
+            <pc:sldMk cId="1646366259" sldId="257"/>
+            <ac:spMk id="5" creationId="{92992B0A-9489-47B3-BCF2-004EB188A61D}"/>
+          </ac:spMkLst>
+        </pc:spChg>
+        <pc:spChg chg="add del mod">
+          <ac:chgData name="Brooke Taylor" userId="cb809024d88b5de5" providerId="LiveId" clId="{64E839F8-BAE3-4197-B080-5F39667F52ED}" dt="2017-12-13T05:16:18.961" v="2168"/>
+          <ac:spMkLst>
+            <pc:docMk/>
+            <pc:sldMk cId="1646366259" sldId="257"/>
+            <ac:spMk id="6" creationId="{B119E845-06A1-486B-8E6C-2C21E9AA0E74}"/>
+          </ac:spMkLst>
+        </pc:spChg>
+        <pc:spChg chg="add del mod">
+          <ac:chgData name="Brooke Taylor" userId="cb809024d88b5de5" providerId="LiveId" clId="{64E839F8-BAE3-4197-B080-5F39667F52ED}" dt="2017-12-13T05:16:18.961" v="2168"/>
+          <ac:spMkLst>
+            <pc:docMk/>
+            <pc:sldMk cId="1646366259" sldId="257"/>
+            <ac:spMk id="7" creationId="{E503B283-84C4-4E1A-B3A9-5261D8E16CB0}"/>
+          </ac:spMkLst>
+        </pc:spChg>
+      </pc:sldChg>
+      <pc:sldChg chg="modSp">
+        <pc:chgData name="Brooke Taylor" userId="cb809024d88b5de5" providerId="LiveId" clId="{64E839F8-BAE3-4197-B080-5F39667F52ED}" dt="2017-12-13T03:32:22.976" v="864" actId="113"/>
+        <pc:sldMkLst>
+          <pc:docMk/>
+          <pc:sldMk cId="2456124830" sldId="258"/>
+        </pc:sldMkLst>
+        <pc:spChg chg="mod">
+          <ac:chgData name="Brooke Taylor" userId="cb809024d88b5de5" providerId="LiveId" clId="{64E839F8-BAE3-4197-B080-5F39667F52ED}" dt="2017-12-13T03:32:22.976" v="864" actId="113"/>
+          <ac:spMkLst>
+            <pc:docMk/>
+            <pc:sldMk cId="2456124830" sldId="258"/>
+            <ac:spMk id="4" creationId="{BCED0135-CB4C-4A30-9981-F8C4862A23A7}"/>
+          </ac:spMkLst>
+        </pc:spChg>
+      </pc:sldChg>
+      <pc:sldChg chg="modSp">
+        <pc:chgData name="Brooke Taylor" userId="cb809024d88b5de5" providerId="LiveId" clId="{64E839F8-BAE3-4197-B080-5F39667F52ED}" dt="2017-12-13T03:32:18.010" v="863" actId="113"/>
+        <pc:sldMkLst>
+          <pc:docMk/>
+          <pc:sldMk cId="1148675691" sldId="259"/>
+        </pc:sldMkLst>
+        <pc:spChg chg="mod">
+          <ac:chgData name="Brooke Taylor" userId="cb809024d88b5de5" providerId="LiveId" clId="{64E839F8-BAE3-4197-B080-5F39667F52ED}" dt="2017-12-13T03:32:18.010" v="863" actId="113"/>
+          <ac:spMkLst>
+            <pc:docMk/>
+            <pc:sldMk cId="1148675691" sldId="259"/>
+            <ac:spMk id="4" creationId="{BCED0135-CB4C-4A30-9981-F8C4862A23A7}"/>
+          </ac:spMkLst>
+        </pc:spChg>
+      </pc:sldChg>
+      <pc:sldChg chg="addSp delSp modSp">
+        <pc:chgData name="Brooke Taylor" userId="cb809024d88b5de5" providerId="LiveId" clId="{64E839F8-BAE3-4197-B080-5F39667F52ED}" dt="2017-12-13T05:20:18.002" v="2329" actId="20577"/>
+        <pc:sldMkLst>
+          <pc:docMk/>
+          <pc:sldMk cId="2133794410" sldId="260"/>
+        </pc:sldMkLst>
+        <pc:spChg chg="del">
+          <ac:chgData name="Brooke Taylor" userId="cb809024d88b5de5" providerId="LiveId" clId="{64E839F8-BAE3-4197-B080-5F39667F52ED}" dt="2017-12-13T03:20:37.591" v="399"/>
+          <ac:spMkLst>
+            <pc:docMk/>
+            <pc:sldMk cId="2133794410" sldId="260"/>
+            <ac:spMk id="2" creationId="{55249C7B-8667-4F35-AFFD-53CF7D4846C8}"/>
+          </ac:spMkLst>
+        </pc:spChg>
+        <pc:spChg chg="del">
+          <ac:chgData name="Brooke Taylor" userId="cb809024d88b5de5" providerId="LiveId" clId="{64E839F8-BAE3-4197-B080-5F39667F52ED}" dt="2017-12-13T03:20:37.591" v="399"/>
+          <ac:spMkLst>
+            <pc:docMk/>
+            <pc:sldMk cId="2133794410" sldId="260"/>
+            <ac:spMk id="3" creationId="{1190CB5F-5388-46FC-B9EE-096420D57445}"/>
+          </ac:spMkLst>
+        </pc:spChg>
+        <pc:spChg chg="add mod">
+          <ac:chgData name="Brooke Taylor" userId="cb809024d88b5de5" providerId="LiveId" clId="{64E839F8-BAE3-4197-B080-5F39667F52ED}" dt="2017-12-13T05:20:18.002" v="2329" actId="20577"/>
+          <ac:spMkLst>
+            <pc:docMk/>
+            <pc:sldMk cId="2133794410" sldId="260"/>
+            <ac:spMk id="4" creationId="{F8397634-23B0-436B-877C-FC01BEC10200}"/>
+          </ac:spMkLst>
+        </pc:spChg>
+        <pc:spChg chg="add del mod">
+          <ac:chgData name="Brooke Taylor" userId="cb809024d88b5de5" providerId="LiveId" clId="{64E839F8-BAE3-4197-B080-5F39667F52ED}" dt="2017-12-13T05:16:36.381" v="2177"/>
+          <ac:spMkLst>
+            <pc:docMk/>
+            <pc:sldMk cId="2133794410" sldId="260"/>
+            <ac:spMk id="5" creationId="{11304842-A50A-4D4A-B92C-64DB41B23DF4}"/>
+          </ac:spMkLst>
+        </pc:spChg>
+        <pc:spChg chg="add del mod">
+          <ac:chgData name="Brooke Taylor" userId="cb809024d88b5de5" providerId="LiveId" clId="{64E839F8-BAE3-4197-B080-5F39667F52ED}" dt="2017-12-13T05:16:36.381" v="2177"/>
+          <ac:spMkLst>
+            <pc:docMk/>
+            <pc:sldMk cId="2133794410" sldId="260"/>
+            <ac:spMk id="6" creationId="{74E47AA9-7C44-412D-923D-36C1B9C46CA6}"/>
+          </ac:spMkLst>
+        </pc:spChg>
+        <pc:spChg chg="add mod">
+          <ac:chgData name="Brooke Taylor" userId="cb809024d88b5de5" providerId="LiveId" clId="{64E839F8-BAE3-4197-B080-5F39667F52ED}" dt="2017-12-13T05:16:36.381" v="2177"/>
+          <ac:spMkLst>
+            <pc:docMk/>
+            <pc:sldMk cId="2133794410" sldId="260"/>
+            <ac:spMk id="7" creationId="{B79DC387-34F4-4BAB-9622-EB12B7D1DF1D}"/>
+          </ac:spMkLst>
+        </pc:spChg>
+      </pc:sldChg>
+      <pc:sldChg chg="modSp">
+        <pc:chgData name="Brooke Taylor" userId="cb809024d88b5de5" providerId="LiveId" clId="{64E839F8-BAE3-4197-B080-5F39667F52ED}" dt="2017-12-13T03:32:09.687" v="862" actId="113"/>
+        <pc:sldMkLst>
+          <pc:docMk/>
+          <pc:sldMk cId="3847192227" sldId="261"/>
+        </pc:sldMkLst>
+        <pc:spChg chg="mod">
+          <ac:chgData name="Brooke Taylor" userId="cb809024d88b5de5" providerId="LiveId" clId="{64E839F8-BAE3-4197-B080-5F39667F52ED}" dt="2017-12-13T03:32:09.687" v="862" actId="113"/>
+          <ac:spMkLst>
+            <pc:docMk/>
+            <pc:sldMk cId="3847192227" sldId="261"/>
+            <ac:spMk id="4" creationId="{BCED0135-CB4C-4A30-9981-F8C4862A23A7}"/>
+          </ac:spMkLst>
+        </pc:spChg>
+      </pc:sldChg>
+      <pc:sldChg chg="addSp delSp modSp modNotesTx">
+        <pc:chgData name="Brooke Taylor" userId="cb809024d88b5de5" providerId="LiveId" clId="{64E839F8-BAE3-4197-B080-5F39667F52ED}" dt="2017-12-13T05:16:45.195" v="2184"/>
+        <pc:sldMkLst>
+          <pc:docMk/>
+          <pc:sldMk cId="3809937203" sldId="262"/>
+        </pc:sldMkLst>
+        <pc:spChg chg="mod">
+          <ac:chgData name="Brooke Taylor" userId="cb809024d88b5de5" providerId="LiveId" clId="{64E839F8-BAE3-4197-B080-5F39667F52ED}" dt="2017-12-13T03:37:37.272" v="954" actId="20577"/>
+          <ac:spMkLst>
+            <pc:docMk/>
+            <pc:sldMk cId="3809937203" sldId="262"/>
+            <ac:spMk id="2" creationId="{55249C7B-8667-4F35-AFFD-53CF7D4846C8}"/>
+          </ac:spMkLst>
+        </pc:spChg>
+        <pc:spChg chg="mod">
+          <ac:chgData name="Brooke Taylor" userId="cb809024d88b5de5" providerId="LiveId" clId="{64E839F8-BAE3-4197-B080-5F39667F52ED}" dt="2017-12-13T03:47:34.461" v="1077" actId="20577"/>
+          <ac:spMkLst>
+            <pc:docMk/>
+            <pc:sldMk cId="3809937203" sldId="262"/>
+            <ac:spMk id="3" creationId="{1190CB5F-5388-46FC-B9EE-096420D57445}"/>
+          </ac:spMkLst>
+        </pc:spChg>
+        <pc:spChg chg="add del mod">
+          <ac:chgData name="Brooke Taylor" userId="cb809024d88b5de5" providerId="LiveId" clId="{64E839F8-BAE3-4197-B080-5F39667F52ED}" dt="2017-12-13T05:16:45.195" v="2184"/>
+          <ac:spMkLst>
+            <pc:docMk/>
+            <pc:sldMk cId="3809937203" sldId="262"/>
+            <ac:spMk id="4" creationId="{E1B3876E-6F1B-4114-B3D0-CBA7213C2DAA}"/>
+          </ac:spMkLst>
+        </pc:spChg>
+        <pc:spChg chg="add del mod">
+          <ac:chgData name="Brooke Taylor" userId="cb809024d88b5de5" providerId="LiveId" clId="{64E839F8-BAE3-4197-B080-5F39667F52ED}" dt="2017-12-13T05:16:45.195" v="2184"/>
+          <ac:spMkLst>
+            <pc:docMk/>
+            <pc:sldMk cId="3809937203" sldId="262"/>
+            <ac:spMk id="5" creationId="{883C9FE5-744D-43BE-8133-73C1856331AD}"/>
+          </ac:spMkLst>
+        </pc:spChg>
+      </pc:sldChg>
+      <pc:sldChg chg="addSp delSp modSp modNotesTx">
+        <pc:chgData name="Brooke Taylor" userId="cb809024d88b5de5" providerId="LiveId" clId="{64E839F8-BAE3-4197-B080-5F39667F52ED}" dt="2017-12-13T05:31:28.571" v="2577" actId="20577"/>
+        <pc:sldMkLst>
+          <pc:docMk/>
+          <pc:sldMk cId="3542548571" sldId="263"/>
+        </pc:sldMkLst>
+        <pc:spChg chg="del">
+          <ac:chgData name="Brooke Taylor" userId="cb809024d88b5de5" providerId="LiveId" clId="{64E839F8-BAE3-4197-B080-5F39667F52ED}" dt="2017-12-13T05:19:02.482" v="2221" actId="478"/>
+          <ac:spMkLst>
+            <pc:docMk/>
+            <pc:sldMk cId="3542548571" sldId="263"/>
+            <ac:spMk id="2" creationId="{B8AA21D3-3FFF-4C26-A70C-8422968B1BE5}"/>
+          </ac:spMkLst>
+        </pc:spChg>
+        <pc:spChg chg="add del mod">
+          <ac:chgData name="Brooke Taylor" userId="cb809024d88b5de5" providerId="LiveId" clId="{64E839F8-BAE3-4197-B080-5F39667F52ED}" dt="2017-12-13T05:19:04.087" v="2222" actId="478"/>
+          <ac:spMkLst>
+            <pc:docMk/>
+            <pc:sldMk cId="3542548571" sldId="263"/>
+            <ac:spMk id="4" creationId="{2A139422-D318-4D13-AA71-FC715304BC44}"/>
+          </ac:spMkLst>
+        </pc:spChg>
+        <pc:spChg chg="mod">
+          <ac:chgData name="Brooke Taylor" userId="cb809024d88b5de5" providerId="LiveId" clId="{64E839F8-BAE3-4197-B080-5F39667F52ED}" dt="2017-12-13T04:30:26.968" v="1862" actId="20577"/>
+          <ac:spMkLst>
+            <pc:docMk/>
+            <pc:sldMk cId="3542548571" sldId="263"/>
+            <ac:spMk id="5" creationId="{91BF6840-6557-4E1B-BA39-6FFCFC6B0AC1}"/>
+          </ac:spMkLst>
+        </pc:spChg>
+        <pc:spChg chg="add del">
+          <ac:chgData name="Brooke Taylor" userId="cb809024d88b5de5" providerId="LiveId" clId="{64E839F8-BAE3-4197-B080-5F39667F52ED}" dt="2017-12-13T05:19:16.988" v="2224" actId="478"/>
+          <ac:spMkLst>
+            <pc:docMk/>
+            <pc:sldMk cId="3542548571" sldId="263"/>
+            <ac:spMk id="7" creationId="{DAB6C30C-6909-43CD-A668-CE933BC8E8AA}"/>
+          </ac:spMkLst>
+        </pc:spChg>
+        <pc:spChg chg="add mod">
+          <ac:chgData name="Brooke Taylor" userId="cb809024d88b5de5" providerId="LiveId" clId="{64E839F8-BAE3-4197-B080-5F39667F52ED}" dt="2017-12-13T05:19:21.225" v="2237" actId="20577"/>
+          <ac:spMkLst>
+            <pc:docMk/>
+            <pc:sldMk cId="3542548571" sldId="263"/>
+            <ac:spMk id="10" creationId="{D40C90BC-CCE5-4A31-A461-264462F5DD8F}"/>
+          </ac:spMkLst>
+        </pc:spChg>
+      </pc:sldChg>
+      <pc:sldChg chg="addSp delSp modSp">
+        <pc:chgData name="Brooke Taylor" userId="cb809024d88b5de5" providerId="LiveId" clId="{64E839F8-BAE3-4197-B080-5F39667F52ED}" dt="2017-12-13T05:19:38.245" v="2263" actId="20577"/>
+        <pc:sldMkLst>
+          <pc:docMk/>
+          <pc:sldMk cId="3759347381" sldId="264"/>
+        </pc:sldMkLst>
+        <pc:spChg chg="del">
+          <ac:chgData name="Brooke Taylor" userId="cb809024d88b5de5" providerId="LiveId" clId="{64E839F8-BAE3-4197-B080-5F39667F52ED}" dt="2017-12-13T05:19:29.991" v="2239" actId="478"/>
+          <ac:spMkLst>
+            <pc:docMk/>
+            <pc:sldMk cId="3759347381" sldId="264"/>
+            <ac:spMk id="2" creationId="{57283607-0508-4DB1-B38B-9AC96E22C483}"/>
+          </ac:spMkLst>
+        </pc:spChg>
+        <pc:spChg chg="add del mod">
+          <ac:chgData name="Brooke Taylor" userId="cb809024d88b5de5" providerId="LiveId" clId="{64E839F8-BAE3-4197-B080-5F39667F52ED}" dt="2017-12-13T05:19:33.022" v="2240" actId="478"/>
+          <ac:spMkLst>
+            <pc:docMk/>
+            <pc:sldMk cId="3759347381" sldId="264"/>
+            <ac:spMk id="4" creationId="{D6B063CD-3364-48C1-9850-EE7C0320F07F}"/>
+          </ac:spMkLst>
+        </pc:spChg>
+        <pc:spChg chg="add mod">
+          <ac:chgData name="Brooke Taylor" userId="cb809024d88b5de5" providerId="LiveId" clId="{64E839F8-BAE3-4197-B080-5F39667F52ED}" dt="2017-12-13T05:19:38.245" v="2263" actId="20577"/>
+          <ac:spMkLst>
+            <pc:docMk/>
+            <pc:sldMk cId="3759347381" sldId="264"/>
+            <ac:spMk id="14" creationId="{C80B17AE-C419-40F3-BDD6-932453F18460}"/>
+          </ac:spMkLst>
+        </pc:spChg>
+      </pc:sldChg>
+      <pc:sldChg chg="addSp delSp modSp">
+        <pc:chgData name="Brooke Taylor" userId="cb809024d88b5de5" providerId="LiveId" clId="{64E839F8-BAE3-4197-B080-5F39667F52ED}" dt="2017-12-13T05:19:51.657" v="2296" actId="20577"/>
+        <pc:sldMkLst>
+          <pc:docMk/>
+          <pc:sldMk cId="2610293620" sldId="265"/>
+        </pc:sldMkLst>
+        <pc:spChg chg="del">
+          <ac:chgData name="Brooke Taylor" userId="cb809024d88b5de5" providerId="LiveId" clId="{64E839F8-BAE3-4197-B080-5F39667F52ED}" dt="2017-12-13T05:19:43.404" v="2265" actId="478"/>
+          <ac:spMkLst>
+            <pc:docMk/>
+            <pc:sldMk cId="2610293620" sldId="265"/>
+            <ac:spMk id="2" creationId="{760F9B28-FDEB-4281-9193-54F63C3B02E1}"/>
+          </ac:spMkLst>
+        </pc:spChg>
+        <pc:spChg chg="add del mod">
+          <ac:chgData name="Brooke Taylor" userId="cb809024d88b5de5" providerId="LiveId" clId="{64E839F8-BAE3-4197-B080-5F39667F52ED}" dt="2017-12-13T05:19:45.929" v="2266" actId="478"/>
+          <ac:spMkLst>
+            <pc:docMk/>
+            <pc:sldMk cId="2610293620" sldId="265"/>
+            <ac:spMk id="4" creationId="{EC235F3A-5F3D-4F07-A2F8-E9DF9D63BE5F}"/>
+          </ac:spMkLst>
+        </pc:spChg>
+        <pc:spChg chg="add mod">
+          <ac:chgData name="Brooke Taylor" userId="cb809024d88b5de5" providerId="LiveId" clId="{64E839F8-BAE3-4197-B080-5F39667F52ED}" dt="2017-12-13T05:19:51.657" v="2296" actId="20577"/>
+          <ac:spMkLst>
+            <pc:docMk/>
+            <pc:sldMk cId="2610293620" sldId="265"/>
+            <ac:spMk id="44" creationId="{21F8089E-43FE-4910-898D-E35C031FACBB}"/>
+          </ac:spMkLst>
+        </pc:spChg>
+      </pc:sldChg>
+      <pc:sldChg chg="addSp delSp modSp">
+        <pc:chgData name="Brooke Taylor" userId="cb809024d88b5de5" providerId="LiveId" clId="{64E839F8-BAE3-4197-B080-5F39667F52ED}" dt="2017-12-13T05:20:02.839" v="2321" actId="20577"/>
+        <pc:sldMkLst>
+          <pc:docMk/>
+          <pc:sldMk cId="71787495" sldId="266"/>
+        </pc:sldMkLst>
+        <pc:spChg chg="del">
+          <ac:chgData name="Brooke Taylor" userId="cb809024d88b5de5" providerId="LiveId" clId="{64E839F8-BAE3-4197-B080-5F39667F52ED}" dt="2017-12-13T05:19:57.213" v="2298" actId="478"/>
+          <ac:spMkLst>
+            <pc:docMk/>
+            <pc:sldMk cId="71787495" sldId="266"/>
+            <ac:spMk id="2" creationId="{A0CA6E79-07DD-413F-8490-B6DBC10965A7}"/>
+          </ac:spMkLst>
+        </pc:spChg>
+        <pc:spChg chg="add del mod">
+          <ac:chgData name="Brooke Taylor" userId="cb809024d88b5de5" providerId="LiveId" clId="{64E839F8-BAE3-4197-B080-5F39667F52ED}" dt="2017-12-13T05:19:59.167" v="2299" actId="478"/>
+          <ac:spMkLst>
+            <pc:docMk/>
+            <pc:sldMk cId="71787495" sldId="266"/>
+            <ac:spMk id="4" creationId="{C1A0CD19-6C26-4F61-8265-0F17A9630860}"/>
+          </ac:spMkLst>
+        </pc:spChg>
+        <pc:spChg chg="add mod">
+          <ac:chgData name="Brooke Taylor" userId="cb809024d88b5de5" providerId="LiveId" clId="{64E839F8-BAE3-4197-B080-5F39667F52ED}" dt="2017-12-13T05:20:02.839" v="2321" actId="20577"/>
+          <ac:spMkLst>
+            <pc:docMk/>
+            <pc:sldMk cId="71787495" sldId="266"/>
+            <ac:spMk id="44" creationId="{02A8AED4-D0FA-477A-9B33-E27A074B76FF}"/>
+          </ac:spMkLst>
+        </pc:spChg>
+      </pc:sldChg>
+      <pc:sldChg chg="modSp add ord">
+        <pc:chgData name="Brooke Taylor" userId="cb809024d88b5de5" providerId="LiveId" clId="{64E839F8-BAE3-4197-B080-5F39667F52ED}" dt="2017-12-13T04:24:15.970" v="1550" actId="20577"/>
+        <pc:sldMkLst>
+          <pc:docMk/>
+          <pc:sldMk cId="3547329901" sldId="267"/>
+        </pc:sldMkLst>
+        <pc:spChg chg="mod">
+          <ac:chgData name="Brooke Taylor" userId="cb809024d88b5de5" providerId="LiveId" clId="{64E839F8-BAE3-4197-B080-5F39667F52ED}" dt="2017-12-13T04:24:15.970" v="1550" actId="20577"/>
+          <ac:spMkLst>
+            <pc:docMk/>
+            <pc:sldMk cId="3547329901" sldId="267"/>
+            <ac:spMk id="2" creationId="{BB9F8000-842A-4772-B6BE-8F3D12580A75}"/>
+          </ac:spMkLst>
+        </pc:spChg>
+      </pc:sldChg>
+      <pc:sldChg chg="addSp delSp modSp add modNotesTx">
+        <pc:chgData name="Brooke Taylor" userId="cb809024d88b5de5" providerId="LiveId" clId="{64E839F8-BAE3-4197-B080-5F39667F52ED}" dt="2017-12-13T05:33:33.803" v="2603" actId="20577"/>
+        <pc:sldMkLst>
+          <pc:docMk/>
+          <pc:sldMk cId="1609058928" sldId="268"/>
+        </pc:sldMkLst>
+        <pc:spChg chg="del">
+          <ac:chgData name="Brooke Taylor" userId="cb809024d88b5de5" providerId="LiveId" clId="{64E839F8-BAE3-4197-B080-5F39667F52ED}" dt="2017-12-13T03:18:35.209" v="327"/>
+          <ac:spMkLst>
+            <pc:docMk/>
+            <pc:sldMk cId="1609058928" sldId="268"/>
+            <ac:spMk id="2" creationId="{E78D1BC4-2462-4D3B-9EEB-B870DFC6B4E1}"/>
+          </ac:spMkLst>
+        </pc:spChg>
+        <pc:spChg chg="del">
+          <ac:chgData name="Brooke Taylor" userId="cb809024d88b5de5" providerId="LiveId" clId="{64E839F8-BAE3-4197-B080-5F39667F52ED}" dt="2017-12-13T03:18:35.209" v="327"/>
+          <ac:spMkLst>
+            <pc:docMk/>
+            <pc:sldMk cId="1609058928" sldId="268"/>
+            <ac:spMk id="3" creationId="{31787EDF-1C3B-4A66-B193-B3D1310D4E04}"/>
+          </ac:spMkLst>
+        </pc:spChg>
+        <pc:spChg chg="add mod">
+          <ac:chgData name="Brooke Taylor" userId="cb809024d88b5de5" providerId="LiveId" clId="{64E839F8-BAE3-4197-B080-5F39667F52ED}" dt="2017-12-13T03:18:40.463" v="340" actId="20577"/>
+          <ac:spMkLst>
+            <pc:docMk/>
+            <pc:sldMk cId="1609058928" sldId="268"/>
+            <ac:spMk id="4" creationId="{E5D543D4-9976-4D6B-916F-F26097A0D7B2}"/>
+          </ac:spMkLst>
+        </pc:spChg>
+        <pc:spChg chg="add mod">
+          <ac:chgData name="Brooke Taylor" userId="cb809024d88b5de5" providerId="LiveId" clId="{64E839F8-BAE3-4197-B080-5F39667F52ED}" dt="2017-12-13T05:18:43.682" v="2219" actId="114"/>
+          <ac:spMkLst>
+            <pc:docMk/>
+            <pc:sldMk cId="1609058928" sldId="268"/>
+            <ac:spMk id="5" creationId="{FEC174D1-73CF-4EC1-A2E1-15CEA9201463}"/>
+          </ac:spMkLst>
+        </pc:spChg>
+        <pc:spChg chg="add del mod">
+          <ac:chgData name="Brooke Taylor" userId="cb809024d88b5de5" providerId="LiveId" clId="{64E839F8-BAE3-4197-B080-5F39667F52ED}" dt="2017-12-13T05:16:24.897" v="2171"/>
+          <ac:spMkLst>
+            <pc:docMk/>
+            <pc:sldMk cId="1609058928" sldId="268"/>
+            <ac:spMk id="6" creationId="{0AD7A092-2454-4C5E-A253-06F0F2E049EB}"/>
+          </ac:spMkLst>
+        </pc:spChg>
+        <pc:spChg chg="add del mod">
+          <ac:chgData name="Brooke Taylor" userId="cb809024d88b5de5" providerId="LiveId" clId="{64E839F8-BAE3-4197-B080-5F39667F52ED}" dt="2017-12-13T05:16:24.897" v="2171"/>
+          <ac:spMkLst>
+            <pc:docMk/>
+            <pc:sldMk cId="1609058928" sldId="268"/>
+            <ac:spMk id="7" creationId="{062A81A4-7AEA-4F65-B84E-BCA5CFE28CCA}"/>
+          </ac:spMkLst>
+        </pc:spChg>
+      </pc:sldChg>
+      <pc:sldChg chg="add del ord">
+        <pc:chgData name="Brooke Taylor" userId="cb809024d88b5de5" providerId="LiveId" clId="{64E839F8-BAE3-4197-B080-5F39667F52ED}" dt="2017-12-13T03:18:29.158" v="325"/>
+        <pc:sldMkLst>
+          <pc:docMk/>
+          <pc:sldMk cId="3879684520" sldId="268"/>
+        </pc:sldMkLst>
+      </pc:sldChg>
+      <pc:sldChg chg="addSp delSp modSp add modNotesTx">
+        <pc:chgData name="Brooke Taylor" userId="cb809024d88b5de5" providerId="LiveId" clId="{64E839F8-BAE3-4197-B080-5F39667F52ED}" dt="2017-12-13T05:32:59.809" v="2598" actId="20577"/>
+        <pc:sldMkLst>
+          <pc:docMk/>
+          <pc:sldMk cId="931317673" sldId="269"/>
+        </pc:sldMkLst>
+        <pc:spChg chg="mod">
+          <ac:chgData name="Brooke Taylor" userId="cb809024d88b5de5" providerId="LiveId" clId="{64E839F8-BAE3-4197-B080-5F39667F52ED}" dt="2017-12-13T05:20:31.256" v="2335" actId="20577"/>
+          <ac:spMkLst>
+            <pc:docMk/>
+            <pc:sldMk cId="931317673" sldId="269"/>
+            <ac:spMk id="2" creationId="{6108C28F-983D-4CFB-B135-C7FFC7B292E5}"/>
+          </ac:spMkLst>
+        </pc:spChg>
+        <pc:spChg chg="del mod">
+          <ac:chgData name="Brooke Taylor" userId="cb809024d88b5de5" providerId="LiveId" clId="{64E839F8-BAE3-4197-B080-5F39667F52ED}" dt="2017-12-13T05:20:34.744" v="2336" actId="478"/>
+          <ac:spMkLst>
+            <pc:docMk/>
+            <pc:sldMk cId="931317673" sldId="269"/>
+            <ac:spMk id="3" creationId="{C375F61E-E353-4FC8-A977-8790869293A6}"/>
+          </ac:spMkLst>
+        </pc:spChg>
+        <pc:spChg chg="add del mod">
+          <ac:chgData name="Brooke Taylor" userId="cb809024d88b5de5" providerId="LiveId" clId="{64E839F8-BAE3-4197-B080-5F39667F52ED}" dt="2017-12-13T05:16:35.759" v="2176"/>
+          <ac:spMkLst>
+            <pc:docMk/>
+            <pc:sldMk cId="931317673" sldId="269"/>
+            <ac:spMk id="6" creationId="{C6F823CB-A290-44B7-BB6A-A9946E6A0B30}"/>
+          </ac:spMkLst>
+        </pc:spChg>
+        <pc:spChg chg="add del mod">
+          <ac:chgData name="Brooke Taylor" userId="cb809024d88b5de5" providerId="LiveId" clId="{64E839F8-BAE3-4197-B080-5F39667F52ED}" dt="2017-12-13T05:16:35.759" v="2176"/>
+          <ac:spMkLst>
+            <pc:docMk/>
+            <pc:sldMk cId="931317673" sldId="269"/>
+            <ac:spMk id="7" creationId="{F5508016-C5CF-458E-8D86-C64562757F6C}"/>
+          </ac:spMkLst>
+        </pc:spChg>
+        <pc:spChg chg="add del mod">
+          <ac:chgData name="Brooke Taylor" userId="cb809024d88b5de5" providerId="LiveId" clId="{64E839F8-BAE3-4197-B080-5F39667F52ED}" dt="2017-12-13T05:20:36.294" v="2337" actId="478"/>
+          <ac:spMkLst>
+            <pc:docMk/>
+            <pc:sldMk cId="931317673" sldId="269"/>
+            <ac:spMk id="9" creationId="{AC4AF505-5AF5-4A3E-B60C-33E7B4A89A2E}"/>
+          </ac:spMkLst>
+        </pc:spChg>
+        <pc:picChg chg="add mod">
+          <ac:chgData name="Brooke Taylor" userId="cb809024d88b5de5" providerId="LiveId" clId="{64E839F8-BAE3-4197-B080-5F39667F52ED}" dt="2017-12-13T05:20:57.039" v="2343" actId="12788"/>
+          <ac:picMkLst>
+            <pc:docMk/>
+            <pc:sldMk cId="931317673" sldId="269"/>
+            <ac:picMk id="4" creationId="{597C3BDB-629E-4C51-BE0A-E75A3940D918}"/>
+          </ac:picMkLst>
+        </pc:picChg>
+        <pc:picChg chg="add mod">
+          <ac:chgData name="Brooke Taylor" userId="cb809024d88b5de5" providerId="LiveId" clId="{64E839F8-BAE3-4197-B080-5F39667F52ED}" dt="2017-12-13T05:20:59.713" v="2344" actId="12788"/>
+          <ac:picMkLst>
+            <pc:docMk/>
+            <pc:sldMk cId="931317673" sldId="269"/>
+            <ac:picMk id="5" creationId="{DF5E9D33-8D23-4A68-9812-98F1678B5C4B}"/>
+          </ac:picMkLst>
+        </pc:picChg>
+      </pc:sldChg>
+      <pc:sldChg chg="addSp delSp modSp add ord modNotesTx">
+        <pc:chgData name="Brooke Taylor" userId="cb809024d88b5de5" providerId="LiveId" clId="{64E839F8-BAE3-4197-B080-5F39667F52ED}" dt="2017-12-13T05:16:39.109" v="2178"/>
+        <pc:sldMkLst>
+          <pc:docMk/>
+          <pc:sldMk cId="2507992030" sldId="270"/>
+        </pc:sldMkLst>
+        <pc:spChg chg="mod">
+          <ac:chgData name="Brooke Taylor" userId="cb809024d88b5de5" providerId="LiveId" clId="{64E839F8-BAE3-4197-B080-5F39667F52ED}" dt="2017-12-13T03:23:08.990" v="558" actId="20577"/>
+          <ac:spMkLst>
+            <pc:docMk/>
+            <pc:sldMk cId="2507992030" sldId="270"/>
+            <ac:spMk id="2" creationId="{C3DD979F-40FE-4519-89C6-8817E05AE58A}"/>
+          </ac:spMkLst>
+        </pc:spChg>
+        <pc:spChg chg="mod">
+          <ac:chgData name="Brooke Taylor" userId="cb809024d88b5de5" providerId="LiveId" clId="{64E839F8-BAE3-4197-B080-5F39667F52ED}" dt="2017-12-13T05:06:27.092" v="2052" actId="20577"/>
+          <ac:spMkLst>
+            <pc:docMk/>
+            <pc:sldMk cId="2507992030" sldId="270"/>
+            <ac:spMk id="3" creationId="{FA6930F8-1D6C-4E85-BD98-F27D23D719F0}"/>
+          </ac:spMkLst>
+        </pc:spChg>
+        <pc:spChg chg="add del mod">
+          <ac:chgData name="Brooke Taylor" userId="cb809024d88b5de5" providerId="LiveId" clId="{64E839F8-BAE3-4197-B080-5F39667F52ED}" dt="2017-12-13T05:16:33.427" v="2173"/>
+          <ac:spMkLst>
+            <pc:docMk/>
+            <pc:sldMk cId="2507992030" sldId="270"/>
+            <ac:spMk id="4" creationId="{847274C4-2358-49FB-BBDB-F838A9D24A97}"/>
+          </ac:spMkLst>
+        </pc:spChg>
+        <pc:spChg chg="add del mod">
+          <ac:chgData name="Brooke Taylor" userId="cb809024d88b5de5" providerId="LiveId" clId="{64E839F8-BAE3-4197-B080-5F39667F52ED}" dt="2017-12-13T05:16:33.427" v="2173"/>
+          <ac:spMkLst>
+            <pc:docMk/>
+            <pc:sldMk cId="2507992030" sldId="270"/>
+            <ac:spMk id="5" creationId="{31807A6B-EC3E-48E2-BB5E-BB3A681742AC}"/>
+          </ac:spMkLst>
+        </pc:spChg>
+        <pc:spChg chg="add del mod">
+          <ac:chgData name="Brooke Taylor" userId="cb809024d88b5de5" providerId="LiveId" clId="{64E839F8-BAE3-4197-B080-5F39667F52ED}" dt="2017-12-13T05:16:39.109" v="2178"/>
+          <ac:spMkLst>
+            <pc:docMk/>
+            <pc:sldMk cId="2507992030" sldId="270"/>
+            <ac:spMk id="6" creationId="{44839F46-1135-4E2A-8C28-C1B7458AAC1C}"/>
+          </ac:spMkLst>
+        </pc:spChg>
+        <pc:spChg chg="add del mod">
+          <ac:chgData name="Brooke Taylor" userId="cb809024d88b5de5" providerId="LiveId" clId="{64E839F8-BAE3-4197-B080-5F39667F52ED}" dt="2017-12-13T05:16:39.109" v="2178"/>
+          <ac:spMkLst>
+            <pc:docMk/>
+            <pc:sldMk cId="2507992030" sldId="270"/>
+            <ac:spMk id="7" creationId="{883E60CB-D1B8-4A1B-921B-2DDA1516D104}"/>
+          </ac:spMkLst>
+        </pc:spChg>
+      </pc:sldChg>
+      <pc:sldChg chg="addSp delSp modSp add">
+        <pc:chgData name="Brooke Taylor" userId="cb809024d88b5de5" providerId="LiveId" clId="{64E839F8-BAE3-4197-B080-5F39667F52ED}" dt="2017-12-13T05:16:41.757" v="2182"/>
+        <pc:sldMkLst>
+          <pc:docMk/>
+          <pc:sldMk cId="2401087165" sldId="271"/>
+        </pc:sldMkLst>
+        <pc:spChg chg="del">
+          <ac:chgData name="Brooke Taylor" userId="cb809024d88b5de5" providerId="LiveId" clId="{64E839F8-BAE3-4197-B080-5F39667F52ED}" dt="2017-12-13T03:28:30.844" v="611"/>
+          <ac:spMkLst>
+            <pc:docMk/>
+            <pc:sldMk cId="2401087165" sldId="271"/>
+            <ac:spMk id="2" creationId="{56AF9437-24B3-4DFE-B582-31F023453851}"/>
+          </ac:spMkLst>
+        </pc:spChg>
+        <pc:spChg chg="del">
+          <ac:chgData name="Brooke Taylor" userId="cb809024d88b5de5" providerId="LiveId" clId="{64E839F8-BAE3-4197-B080-5F39667F52ED}" dt="2017-12-13T03:28:30.844" v="611"/>
+          <ac:spMkLst>
+            <pc:docMk/>
+            <pc:sldMk cId="2401087165" sldId="271"/>
+            <ac:spMk id="3" creationId="{12F5A7CB-4935-4CC9-B601-6B68CAFB96E2}"/>
+          </ac:spMkLst>
+        </pc:spChg>
+        <pc:spChg chg="add mod">
+          <ac:chgData name="Brooke Taylor" userId="cb809024d88b5de5" providerId="LiveId" clId="{64E839F8-BAE3-4197-B080-5F39667F52ED}" dt="2017-12-13T04:24:26.720" v="1554" actId="20577"/>
+          <ac:spMkLst>
+            <pc:docMk/>
+            <pc:sldMk cId="2401087165" sldId="271"/>
+            <ac:spMk id="4" creationId="{903FC904-FF96-47EE-9E35-FAB09FC45D9D}"/>
+          </ac:spMkLst>
+        </pc:spChg>
+        <pc:spChg chg="add del mod">
+          <ac:chgData name="Brooke Taylor" userId="cb809024d88b5de5" providerId="LiveId" clId="{64E839F8-BAE3-4197-B080-5F39667F52ED}" dt="2017-12-13T05:16:41.757" v="2182"/>
+          <ac:spMkLst>
+            <pc:docMk/>
+            <pc:sldMk cId="2401087165" sldId="271"/>
+            <ac:spMk id="5" creationId="{4205E1F4-6CA3-4A88-8877-C29E004124BA}"/>
+          </ac:spMkLst>
+        </pc:spChg>
+        <pc:spChg chg="add del mod">
+          <ac:chgData name="Brooke Taylor" userId="cb809024d88b5de5" providerId="LiveId" clId="{64E839F8-BAE3-4197-B080-5F39667F52ED}" dt="2017-12-13T05:16:41.757" v="2182"/>
+          <ac:spMkLst>
+            <pc:docMk/>
+            <pc:sldMk cId="2401087165" sldId="271"/>
+            <ac:spMk id="6" creationId="{8042F592-5752-45FA-9FDC-C2F30EAF90DA}"/>
+          </ac:spMkLst>
+        </pc:spChg>
+        <pc:spChg chg="add mod">
+          <ac:chgData name="Brooke Taylor" userId="cb809024d88b5de5" providerId="LiveId" clId="{64E839F8-BAE3-4197-B080-5F39667F52ED}" dt="2017-12-13T05:16:41.757" v="2182"/>
+          <ac:spMkLst>
+            <pc:docMk/>
+            <pc:sldMk cId="2401087165" sldId="271"/>
+            <ac:spMk id="7" creationId="{93EEF00A-A23A-4734-A55D-B8800A5D7EC9}"/>
+          </ac:spMkLst>
+        </pc:spChg>
+      </pc:sldChg>
+      <pc:sldChg chg="addSp delSp modSp add modNotesTx">
+        <pc:chgData name="Brooke Taylor" userId="cb809024d88b5de5" providerId="LiveId" clId="{64E839F8-BAE3-4197-B080-5F39667F52ED}" dt="2017-12-13T05:23:06.024" v="2421" actId="1076"/>
+        <pc:sldMkLst>
+          <pc:docMk/>
+          <pc:sldMk cId="518891357" sldId="272"/>
+        </pc:sldMkLst>
+        <pc:spChg chg="mod">
+          <ac:chgData name="Brooke Taylor" userId="cb809024d88b5de5" providerId="LiveId" clId="{64E839F8-BAE3-4197-B080-5F39667F52ED}" dt="2017-12-13T05:22:28.984" v="2410" actId="20577"/>
+          <ac:spMkLst>
+            <pc:docMk/>
+            <pc:sldMk cId="518891357" sldId="272"/>
+            <ac:spMk id="2" creationId="{6108C28F-983D-4CFB-B135-C7FFC7B292E5}"/>
+          </ac:spMkLst>
+        </pc:spChg>
+        <pc:spChg chg="del mod">
+          <ac:chgData name="Brooke Taylor" userId="cb809024d88b5de5" providerId="LiveId" clId="{64E839F8-BAE3-4197-B080-5F39667F52ED}" dt="2017-12-13T05:22:39.886" v="2414" actId="478"/>
+          <ac:spMkLst>
+            <pc:docMk/>
+            <pc:sldMk cId="518891357" sldId="272"/>
+            <ac:spMk id="3" creationId="{C375F61E-E353-4FC8-A977-8790869293A6}"/>
+          </ac:spMkLst>
+        </pc:spChg>
+        <pc:spChg chg="add del mod">
+          <ac:chgData name="Brooke Taylor" userId="cb809024d88b5de5" providerId="LiveId" clId="{64E839F8-BAE3-4197-B080-5F39667F52ED}" dt="2017-12-13T05:16:39.741" v="2179"/>
+          <ac:spMkLst>
+            <pc:docMk/>
+            <pc:sldMk cId="518891357" sldId="272"/>
+            <ac:spMk id="6" creationId="{EDC2B2F8-E3DC-46B6-BE9B-B41CBFAE05C0}"/>
+          </ac:spMkLst>
+        </pc:spChg>
+        <pc:spChg chg="add del mod">
+          <ac:chgData name="Brooke Taylor" userId="cb809024d88b5de5" providerId="LiveId" clId="{64E839F8-BAE3-4197-B080-5F39667F52ED}" dt="2017-12-13T05:16:39.741" v="2179"/>
+          <ac:spMkLst>
+            <pc:docMk/>
+            <pc:sldMk cId="518891357" sldId="272"/>
+            <ac:spMk id="7" creationId="{A81BA24D-6DE2-4F17-B278-016D9F7CE45A}"/>
+          </ac:spMkLst>
+        </pc:spChg>
+        <pc:spChg chg="add del mod">
+          <ac:chgData name="Brooke Taylor" userId="cb809024d88b5de5" providerId="LiveId" clId="{64E839F8-BAE3-4197-B080-5F39667F52ED}" dt="2017-12-13T05:22:41.984" v="2415" actId="478"/>
+          <ac:spMkLst>
+            <pc:docMk/>
+            <pc:sldMk cId="518891357" sldId="272"/>
+            <ac:spMk id="9" creationId="{F617DF65-816A-49C8-AAA6-A01A10EC2864}"/>
+          </ac:spMkLst>
+        </pc:spChg>
+        <pc:picChg chg="add mod">
+          <ac:chgData name="Brooke Taylor" userId="cb809024d88b5de5" providerId="LiveId" clId="{64E839F8-BAE3-4197-B080-5F39667F52ED}" dt="2017-12-13T05:23:06.024" v="2421" actId="1076"/>
+          <ac:picMkLst>
+            <pc:docMk/>
+            <pc:sldMk cId="518891357" sldId="272"/>
+            <ac:picMk id="4" creationId="{C0DF1FCE-8BD1-4D9B-9A38-786EF1A7B8BB}"/>
+          </ac:picMkLst>
+        </pc:picChg>
+        <pc:picChg chg="add del mod">
+          <ac:chgData name="Brooke Taylor" userId="cb809024d88b5de5" providerId="LiveId" clId="{64E839F8-BAE3-4197-B080-5F39667F52ED}" dt="2017-12-13T05:23:00.544" v="2420"/>
+          <ac:picMkLst>
+            <pc:docMk/>
+            <pc:sldMk cId="518891357" sldId="272"/>
+            <ac:picMk id="5" creationId="{365001EB-5949-48BC-9E64-424D8E39137C}"/>
+          </ac:picMkLst>
+        </pc:picChg>
+      </pc:sldChg>
+      <pc:sldChg chg="addSp delSp modSp add modNotesTx">
+        <pc:chgData name="Brooke Taylor" userId="cb809024d88b5de5" providerId="LiveId" clId="{64E839F8-BAE3-4197-B080-5F39667F52ED}" dt="2017-12-13T05:21:41.977" v="2386" actId="313"/>
+        <pc:sldMkLst>
+          <pc:docMk/>
+          <pc:sldMk cId="3709083137" sldId="273"/>
+        </pc:sldMkLst>
+        <pc:spChg chg="mod">
+          <ac:chgData name="Brooke Taylor" userId="cb809024d88b5de5" providerId="LiveId" clId="{64E839F8-BAE3-4197-B080-5F39667F52ED}" dt="2017-12-13T05:21:41.977" v="2386" actId="313"/>
+          <ac:spMkLst>
+            <pc:docMk/>
+            <pc:sldMk cId="3709083137" sldId="273"/>
+            <ac:spMk id="2" creationId="{6108C28F-983D-4CFB-B135-C7FFC7B292E5}"/>
+          </ac:spMkLst>
+        </pc:spChg>
+        <pc:spChg chg="del mod">
+          <ac:chgData name="Brooke Taylor" userId="cb809024d88b5de5" providerId="LiveId" clId="{64E839F8-BAE3-4197-B080-5F39667F52ED}" dt="2017-12-13T05:21:11.517" v="2345" actId="478"/>
+          <ac:spMkLst>
+            <pc:docMk/>
+            <pc:sldMk cId="3709083137" sldId="273"/>
+            <ac:spMk id="3" creationId="{C375F61E-E353-4FC8-A977-8790869293A6}"/>
+          </ac:spMkLst>
+        </pc:spChg>
+        <pc:spChg chg="add del mod">
+          <ac:chgData name="Brooke Taylor" userId="cb809024d88b5de5" providerId="LiveId" clId="{64E839F8-BAE3-4197-B080-5F39667F52ED}" dt="2017-12-13T05:16:35.136" v="2175"/>
+          <ac:spMkLst>
+            <pc:docMk/>
+            <pc:sldMk cId="3709083137" sldId="273"/>
+            <ac:spMk id="6" creationId="{D00CCEAE-476E-4743-8921-70C4BDE4B08E}"/>
+          </ac:spMkLst>
+        </pc:spChg>
+        <pc:spChg chg="add del mod">
+          <ac:chgData name="Brooke Taylor" userId="cb809024d88b5de5" providerId="LiveId" clId="{64E839F8-BAE3-4197-B080-5F39667F52ED}" dt="2017-12-13T05:16:35.136" v="2175"/>
+          <ac:spMkLst>
+            <pc:docMk/>
+            <pc:sldMk cId="3709083137" sldId="273"/>
+            <ac:spMk id="7" creationId="{4C0B617C-CE06-49BC-8286-FE566E4C02AD}"/>
+          </ac:spMkLst>
+        </pc:spChg>
+        <pc:spChg chg="add del mod">
+          <ac:chgData name="Brooke Taylor" userId="cb809024d88b5de5" providerId="LiveId" clId="{64E839F8-BAE3-4197-B080-5F39667F52ED}" dt="2017-12-13T05:21:13.149" v="2346" actId="478"/>
+          <ac:spMkLst>
+            <pc:docMk/>
+            <pc:sldMk cId="3709083137" sldId="273"/>
+            <ac:spMk id="9" creationId="{728F7035-D3DB-4CE0-B335-87E885A17E64}"/>
+          </ac:spMkLst>
+        </pc:spChg>
+        <pc:picChg chg="add mod">
+          <ac:chgData name="Brooke Taylor" userId="cb809024d88b5de5" providerId="LiveId" clId="{64E839F8-BAE3-4197-B080-5F39667F52ED}" dt="2017-12-13T05:21:20.596" v="2348" actId="12788"/>
+          <ac:picMkLst>
+            <pc:docMk/>
+            <pc:sldMk cId="3709083137" sldId="273"/>
+            <ac:picMk id="4" creationId="{846B01C9-DEC6-4E62-9676-7809F0A08C3D}"/>
+          </ac:picMkLst>
+        </pc:picChg>
+        <pc:picChg chg="add del">
+          <ac:chgData name="Brooke Taylor" userId="cb809024d88b5de5" providerId="LiveId" clId="{64E839F8-BAE3-4197-B080-5F39667F52ED}" dt="2017-12-13T05:04:59.437" v="1886"/>
+          <ac:picMkLst>
+            <pc:docMk/>
+            <pc:sldMk cId="3709083137" sldId="273"/>
+            <ac:picMk id="5" creationId="{B432B9ED-1680-4819-A623-677A8BCC99F1}"/>
+          </ac:picMkLst>
+        </pc:picChg>
+      </pc:sldChg>
+      <pc:sldChg chg="addSp delSp modSp add ord modNotesTx">
+        <pc:chgData name="Brooke Taylor" userId="cb809024d88b5de5" providerId="LiveId" clId="{64E839F8-BAE3-4197-B080-5F39667F52ED}" dt="2017-12-13T05:21:57.519" v="2389" actId="1076"/>
+        <pc:sldMkLst>
+          <pc:docMk/>
+          <pc:sldMk cId="3163671574" sldId="274"/>
+        </pc:sldMkLst>
+        <pc:spChg chg="mod">
+          <ac:chgData name="Brooke Taylor" userId="cb809024d88b5de5" providerId="LiveId" clId="{64E839F8-BAE3-4197-B080-5F39667F52ED}" dt="2017-12-13T03:26:52.721" v="584" actId="20577"/>
+          <ac:spMkLst>
+            <pc:docMk/>
+            <pc:sldMk cId="3163671574" sldId="274"/>
+            <ac:spMk id="2" creationId="{7895CEC2-5257-4918-8324-6ADEC7FBCDA8}"/>
+          </ac:spMkLst>
+        </pc:spChg>
+        <pc:spChg chg="del">
+          <ac:chgData name="Brooke Taylor" userId="cb809024d88b5de5" providerId="LiveId" clId="{64E839F8-BAE3-4197-B080-5F39667F52ED}" dt="2017-12-13T05:16:34.434" v="2174"/>
+          <ac:spMkLst>
+            <pc:docMk/>
+            <pc:sldMk cId="3163671574" sldId="274"/>
+            <ac:spMk id="3" creationId="{479436DE-98E0-49F1-A61E-1F926510D407}"/>
+          </ac:spMkLst>
+        </pc:spChg>
+        <pc:spChg chg="add del mod">
+          <ac:chgData name="Brooke Taylor" userId="cb809024d88b5de5" providerId="LiveId" clId="{64E839F8-BAE3-4197-B080-5F39667F52ED}" dt="2017-12-13T05:16:34.434" v="2174"/>
+          <ac:spMkLst>
+            <pc:docMk/>
+            <pc:sldMk cId="3163671574" sldId="274"/>
+            <ac:spMk id="5" creationId="{A0A9534A-C727-4353-B119-3E6B059963C9}"/>
+          </ac:spMkLst>
+        </pc:spChg>
+        <pc:spChg chg="add del mod">
+          <ac:chgData name="Brooke Taylor" userId="cb809024d88b5de5" providerId="LiveId" clId="{64E839F8-BAE3-4197-B080-5F39667F52ED}" dt="2017-12-13T05:21:47.927" v="2387" actId="478"/>
+          <ac:spMkLst>
+            <pc:docMk/>
+            <pc:sldMk cId="3163671574" sldId="274"/>
+            <ac:spMk id="6" creationId="{AAC0A19B-F039-4CD7-8D9D-0EB4808D51AF}"/>
+          </ac:spMkLst>
+        </pc:spChg>
+        <pc:picChg chg="add mod">
+          <ac:chgData name="Brooke Taylor" userId="cb809024d88b5de5" providerId="LiveId" clId="{64E839F8-BAE3-4197-B080-5F39667F52ED}" dt="2017-12-13T05:21:57.519" v="2389" actId="1076"/>
+          <ac:picMkLst>
+            <pc:docMk/>
+            <pc:sldMk cId="3163671574" sldId="274"/>
+            <ac:picMk id="4" creationId="{9E946A69-3A53-44D4-999E-AE773E697E34}"/>
+          </ac:picMkLst>
+        </pc:picChg>
+      </pc:sldChg>
+      <pc:sldChg chg="addSp delSp modSp add modNotesTx">
+        <pc:chgData name="Brooke Taylor" userId="cb809024d88b5de5" providerId="LiveId" clId="{64E839F8-BAE3-4197-B080-5F39667F52ED}" dt="2017-12-13T05:30:00.966" v="2565" actId="12788"/>
+        <pc:sldMkLst>
+          <pc:docMk/>
+          <pc:sldMk cId="3749200995" sldId="275"/>
+        </pc:sldMkLst>
+        <pc:spChg chg="mod">
+          <ac:chgData name="Brooke Taylor" userId="cb809024d88b5de5" providerId="LiveId" clId="{64E839F8-BAE3-4197-B080-5F39667F52ED}" dt="2017-12-13T03:27:34.064" v="609" actId="20577"/>
+          <ac:spMkLst>
+            <pc:docMk/>
+            <pc:sldMk cId="3749200995" sldId="275"/>
+            <ac:spMk id="2" creationId="{38A526D0-9142-4A5C-921E-3DDF8DF0131F}"/>
+          </ac:spMkLst>
+        </pc:spChg>
+        <pc:spChg chg="del">
+          <ac:chgData name="Brooke Taylor" userId="cb809024d88b5de5" providerId="LiveId" clId="{64E839F8-BAE3-4197-B080-5F39667F52ED}" dt="2017-12-13T05:16:40.372" v="2180"/>
+          <ac:spMkLst>
+            <pc:docMk/>
+            <pc:sldMk cId="3749200995" sldId="275"/>
+            <ac:spMk id="3" creationId="{D1E1884C-6BDC-4969-9C86-9D143EE1E53A}"/>
+          </ac:spMkLst>
+        </pc:spChg>
+        <pc:spChg chg="add del mod">
+          <ac:chgData name="Brooke Taylor" userId="cb809024d88b5de5" providerId="LiveId" clId="{64E839F8-BAE3-4197-B080-5F39667F52ED}" dt="2017-12-13T05:16:40.372" v="2180"/>
+          <ac:spMkLst>
+            <pc:docMk/>
+            <pc:sldMk cId="3749200995" sldId="275"/>
+            <ac:spMk id="5" creationId="{506EB647-2C40-46FA-95C9-9ECCA7F55577}"/>
+          </ac:spMkLst>
+        </pc:spChg>
+        <pc:spChg chg="add del mod">
+          <ac:chgData name="Brooke Taylor" userId="cb809024d88b5de5" providerId="LiveId" clId="{64E839F8-BAE3-4197-B080-5F39667F52ED}" dt="2017-12-13T05:29:51.238" v="2562" actId="478"/>
+          <ac:spMkLst>
+            <pc:docMk/>
+            <pc:sldMk cId="3749200995" sldId="275"/>
+            <ac:spMk id="6" creationId="{2E4E0FD0-7142-4C92-B757-E588FD3E7D2B}"/>
+          </ac:spMkLst>
+        </pc:spChg>
+        <pc:picChg chg="add mod">
+          <ac:chgData name="Brooke Taylor" userId="cb809024d88b5de5" providerId="LiveId" clId="{64E839F8-BAE3-4197-B080-5F39667F52ED}" dt="2017-12-13T05:30:00.966" v="2565" actId="12788"/>
+          <ac:picMkLst>
+            <pc:docMk/>
+            <pc:sldMk cId="3749200995" sldId="275"/>
+            <ac:picMk id="4" creationId="{518418B4-CDE0-4F5D-B76C-95A2E3BE5D33}"/>
+          </ac:picMkLst>
+        </pc:picChg>
+      </pc:sldChg>
+      <pc:sldChg chg="addSp delSp modSp add modNotesTx">
+        <pc:chgData name="Brooke Taylor" userId="cb809024d88b5de5" providerId="LiveId" clId="{64E839F8-BAE3-4197-B080-5F39667F52ED}" dt="2017-12-13T05:16:43.311" v="2183"/>
+        <pc:sldMkLst>
+          <pc:docMk/>
+          <pc:sldMk cId="3041520044" sldId="276"/>
+        </pc:sldMkLst>
+        <pc:spChg chg="mod">
+          <ac:chgData name="Brooke Taylor" userId="cb809024d88b5de5" providerId="LiveId" clId="{64E839F8-BAE3-4197-B080-5F39667F52ED}" dt="2017-12-13T03:31:50.442" v="861" actId="20577"/>
+          <ac:spMkLst>
+            <pc:docMk/>
+            <pc:sldMk cId="3041520044" sldId="276"/>
+            <ac:spMk id="2" creationId="{7EBC5EDE-AAF5-4406-B1FB-09C6481EFA8F}"/>
+          </ac:spMkLst>
+        </pc:spChg>
+        <pc:spChg chg="mod">
+          <ac:chgData name="Brooke Taylor" userId="cb809024d88b5de5" providerId="LiveId" clId="{64E839F8-BAE3-4197-B080-5F39667F52ED}" dt="2017-12-13T03:36:15.032" v="938" actId="20577"/>
+          <ac:spMkLst>
+            <pc:docMk/>
+            <pc:sldMk cId="3041520044" sldId="276"/>
+            <ac:spMk id="3" creationId="{EFAEE3ED-29AB-4D3F-9B5B-B1EF45A25107}"/>
+          </ac:spMkLst>
+        </pc:spChg>
+        <pc:spChg chg="add del mod">
+          <ac:chgData name="Brooke Taylor" userId="cb809024d88b5de5" providerId="LiveId" clId="{64E839F8-BAE3-4197-B080-5F39667F52ED}" dt="2017-12-13T05:16:43.311" v="2183"/>
+          <ac:spMkLst>
+            <pc:docMk/>
+            <pc:sldMk cId="3041520044" sldId="276"/>
+            <ac:spMk id="4" creationId="{03FC08C0-8987-43DA-909E-E6D8C248B2AA}"/>
+          </ac:spMkLst>
+        </pc:spChg>
+        <pc:spChg chg="add del mod">
+          <ac:chgData name="Brooke Taylor" userId="cb809024d88b5de5" providerId="LiveId" clId="{64E839F8-BAE3-4197-B080-5F39667F52ED}" dt="2017-12-13T05:16:43.311" v="2183"/>
+          <ac:spMkLst>
+            <pc:docMk/>
+            <pc:sldMk cId="3041520044" sldId="276"/>
+            <ac:spMk id="5" creationId="{80B3C805-2F7B-4954-8410-0731777FE6A1}"/>
+          </ac:spMkLst>
+        </pc:spChg>
+      </pc:sldChg>
+      <pc:sldChg chg="modSp add">
+        <pc:chgData name="Brooke Taylor" userId="cb809024d88b5de5" providerId="LiveId" clId="{64E839F8-BAE3-4197-B080-5F39667F52ED}" dt="2017-12-13T04:24:11.115" v="1549" actId="20577"/>
+        <pc:sldMkLst>
+          <pc:docMk/>
+          <pc:sldMk cId="1675900481" sldId="277"/>
+        </pc:sldMkLst>
+        <pc:spChg chg="mod">
+          <ac:chgData name="Brooke Taylor" userId="cb809024d88b5de5" providerId="LiveId" clId="{64E839F8-BAE3-4197-B080-5F39667F52ED}" dt="2017-12-13T04:24:11.115" v="1549" actId="20577"/>
+          <ac:spMkLst>
+            <pc:docMk/>
+            <pc:sldMk cId="1675900481" sldId="277"/>
+            <ac:spMk id="2" creationId="{5DD9D1D6-04DA-4F02-813B-F67DC81C8989}"/>
+          </ac:spMkLst>
+        </pc:spChg>
+      </pc:sldChg>
+      <pc:sldChg chg="addSp delSp modSp add modNotesTx">
+        <pc:chgData name="Brooke Taylor" userId="cb809024d88b5de5" providerId="LiveId" clId="{64E839F8-BAE3-4197-B080-5F39667F52ED}" dt="2017-12-13T05:18:34.616" v="2218" actId="1036"/>
+        <pc:sldMkLst>
+          <pc:docMk/>
+          <pc:sldMk cId="687624691" sldId="278"/>
+        </pc:sldMkLst>
+        <pc:spChg chg="del">
+          <ac:chgData name="Brooke Taylor" userId="cb809024d88b5de5" providerId="LiveId" clId="{64E839F8-BAE3-4197-B080-5F39667F52ED}" dt="2017-12-13T03:50:17.272" v="1111"/>
+          <ac:spMkLst>
+            <pc:docMk/>
+            <pc:sldMk cId="687624691" sldId="278"/>
+            <ac:spMk id="2" creationId="{98AAEB9E-3985-45E3-B4C2-437C6B2461B5}"/>
+          </ac:spMkLst>
+        </pc:spChg>
+        <pc:spChg chg="del">
+          <ac:chgData name="Brooke Taylor" userId="cb809024d88b5de5" providerId="LiveId" clId="{64E839F8-BAE3-4197-B080-5F39667F52ED}" dt="2017-12-13T03:50:17.272" v="1111"/>
+          <ac:spMkLst>
+            <pc:docMk/>
+            <pc:sldMk cId="687624691" sldId="278"/>
+            <ac:spMk id="3" creationId="{A90D5DC5-AA56-47D7-8FC2-EA089E7876F0}"/>
+          </ac:spMkLst>
+        </pc:spChg>
+        <pc:spChg chg="add mod">
+          <ac:chgData name="Brooke Taylor" userId="cb809024d88b5de5" providerId="LiveId" clId="{64E839F8-BAE3-4197-B080-5F39667F52ED}" dt="2017-12-13T03:50:31.080" v="1131" actId="20577"/>
+          <ac:spMkLst>
+            <pc:docMk/>
+            <pc:sldMk cId="687624691" sldId="278"/>
+            <ac:spMk id="4" creationId="{84B1386E-21D0-4952-85BE-B33D2AE83871}"/>
+          </ac:spMkLst>
+        </pc:spChg>
+        <pc:spChg chg="add mod">
+          <ac:chgData name="Brooke Taylor" userId="cb809024d88b5de5" providerId="LiveId" clId="{64E839F8-BAE3-4197-B080-5F39667F52ED}" dt="2017-12-13T05:17:40.043" v="2203" actId="14100"/>
+          <ac:spMkLst>
+            <pc:docMk/>
+            <pc:sldMk cId="687624691" sldId="278"/>
+            <ac:spMk id="5" creationId="{05DC967F-4FA6-4C65-A21A-204A3BB10828}"/>
+          </ac:spMkLst>
+        </pc:spChg>
+        <pc:spChg chg="add del mod">
+          <ac:chgData name="Brooke Taylor" userId="cb809024d88b5de5" providerId="LiveId" clId="{64E839F8-BAE3-4197-B080-5F39667F52ED}" dt="2017-12-13T05:11:42.568" v="2092" actId="478"/>
+          <ac:spMkLst>
+            <pc:docMk/>
+            <pc:sldMk cId="687624691" sldId="278"/>
+            <ac:spMk id="6" creationId="{D58D21B4-9E7A-4A38-B758-A9345C095EF4}"/>
+          </ac:spMkLst>
+        </pc:spChg>
+        <pc:spChg chg="add del mod">
+          <ac:chgData name="Brooke Taylor" userId="cb809024d88b5de5" providerId="LiveId" clId="{64E839F8-BAE3-4197-B080-5F39667F52ED}" dt="2017-12-13T04:25:44.643" v="1565"/>
+          <ac:spMkLst>
+            <pc:docMk/>
+            <pc:sldMk cId="687624691" sldId="278"/>
+            <ac:spMk id="7" creationId="{8E379D7C-1E61-4720-A7D5-A4CAC611F1AC}"/>
+          </ac:spMkLst>
+        </pc:spChg>
+        <pc:spChg chg="add del mod">
+          <ac:chgData name="Brooke Taylor" userId="cb809024d88b5de5" providerId="LiveId" clId="{64E839F8-BAE3-4197-B080-5F39667F52ED}" dt="2017-12-13T04:25:44.643" v="1565"/>
+          <ac:spMkLst>
+            <pc:docMk/>
+            <pc:sldMk cId="687624691" sldId="278"/>
+            <ac:spMk id="8" creationId="{2F85A1F7-8282-4949-BD53-F58D1EA3CA4C}"/>
+          </ac:spMkLst>
+        </pc:spChg>
+        <pc:spChg chg="add del mod">
+          <ac:chgData name="Brooke Taylor" userId="cb809024d88b5de5" providerId="LiveId" clId="{64E839F8-BAE3-4197-B080-5F39667F52ED}" dt="2017-12-13T05:16:23.332" v="2170"/>
+          <ac:spMkLst>
+            <pc:docMk/>
+            <pc:sldMk cId="687624691" sldId="278"/>
+            <ac:spMk id="11" creationId="{4D691C92-B4B8-47EB-B303-E17897E444F8}"/>
+          </ac:spMkLst>
+        </pc:spChg>
+        <pc:spChg chg="add del mod">
+          <ac:chgData name="Brooke Taylor" userId="cb809024d88b5de5" providerId="LiveId" clId="{64E839F8-BAE3-4197-B080-5F39667F52ED}" dt="2017-12-13T05:16:23.332" v="2170"/>
+          <ac:spMkLst>
+            <pc:docMk/>
+            <pc:sldMk cId="687624691" sldId="278"/>
+            <ac:spMk id="12" creationId="{88038AF5-9EFC-4D91-A811-FAFA8E02633A}"/>
+          </ac:spMkLst>
+        </pc:spChg>
+        <pc:spChg chg="add del mod">
+          <ac:chgData name="Brooke Taylor" userId="cb809024d88b5de5" providerId="LiveId" clId="{64E839F8-BAE3-4197-B080-5F39667F52ED}" dt="2017-12-13T05:18:24.743" v="2208"/>
+          <ac:spMkLst>
+            <pc:docMk/>
+            <pc:sldMk cId="687624691" sldId="278"/>
+            <ac:spMk id="13" creationId="{8D78D343-56BB-4366-A00D-D535171F1DD0}"/>
+          </ac:spMkLst>
+        </pc:spChg>
+        <pc:spChg chg="add del mod">
+          <ac:chgData name="Brooke Taylor" userId="cb809024d88b5de5" providerId="LiveId" clId="{64E839F8-BAE3-4197-B080-5F39667F52ED}" dt="2017-12-13T05:18:24.743" v="2208"/>
+          <ac:spMkLst>
+            <pc:docMk/>
+            <pc:sldMk cId="687624691" sldId="278"/>
+            <ac:spMk id="14" creationId="{8D4500B4-3B1A-4656-A43E-37B764D7B761}"/>
+          </ac:spMkLst>
+        </pc:spChg>
+        <pc:picChg chg="add mod modCrop">
+          <ac:chgData name="Brooke Taylor" userId="cb809024d88b5de5" providerId="LiveId" clId="{64E839F8-BAE3-4197-B080-5F39667F52ED}" dt="2017-12-13T05:18:34.616" v="2218" actId="1036"/>
+          <ac:picMkLst>
+            <pc:docMk/>
+            <pc:sldMk cId="687624691" sldId="278"/>
+            <ac:picMk id="9" creationId="{B4CF2A4F-49F9-4020-8B01-D47F1F06F2A2}"/>
+          </ac:picMkLst>
+        </pc:picChg>
+        <pc:picChg chg="add del mod">
+          <ac:chgData name="Brooke Taylor" userId="cb809024d88b5de5" providerId="LiveId" clId="{64E839F8-BAE3-4197-B080-5F39667F52ED}" dt="2017-12-13T05:17:12.340" v="2189" actId="478"/>
+          <ac:picMkLst>
+            <pc:docMk/>
+            <pc:sldMk cId="687624691" sldId="278"/>
+            <ac:picMk id="10" creationId="{FAA6E9E3-EA35-4848-B024-BFE14A02F3EC}"/>
+          </ac:picMkLst>
+        </pc:picChg>
+      </pc:sldChg>
+      <pc:sldChg chg="addSp delSp modSp add modNotesTx">
+        <pc:chgData name="Brooke Taylor" userId="cb809024d88b5de5" providerId="LiveId" clId="{64E839F8-BAE3-4197-B080-5F39667F52ED}" dt="2017-12-13T05:33:37.537" v="2608" actId="20577"/>
+        <pc:sldMkLst>
+          <pc:docMk/>
+          <pc:sldMk cId="649205620" sldId="279"/>
+        </pc:sldMkLst>
+        <pc:spChg chg="mod">
+          <ac:chgData name="Brooke Taylor" userId="cb809024d88b5de5" providerId="LiveId" clId="{64E839F8-BAE3-4197-B080-5F39667F52ED}" dt="2017-12-13T03:53:41.075" v="1226" actId="20577"/>
+          <ac:spMkLst>
+            <pc:docMk/>
+            <pc:sldMk cId="649205620" sldId="279"/>
+            <ac:spMk id="2" creationId="{53CA4536-6417-4152-95A5-E423F06CBD68}"/>
+          </ac:spMkLst>
+        </pc:spChg>
+        <pc:spChg chg="mod">
+          <ac:chgData name="Brooke Taylor" userId="cb809024d88b5de5" providerId="LiveId" clId="{64E839F8-BAE3-4197-B080-5F39667F52ED}" dt="2017-12-13T04:29:54.054" v="1857" actId="20577"/>
+          <ac:spMkLst>
+            <pc:docMk/>
+            <pc:sldMk cId="649205620" sldId="279"/>
+            <ac:spMk id="3" creationId="{BF985EE4-B8F0-4E37-8AD3-64A781EF853F}"/>
+          </ac:spMkLst>
+        </pc:spChg>
+        <pc:spChg chg="add del mod">
+          <ac:chgData name="Brooke Taylor" userId="cb809024d88b5de5" providerId="LiveId" clId="{64E839F8-BAE3-4197-B080-5F39667F52ED}" dt="2017-12-13T05:16:26.263" v="2172"/>
+          <ac:spMkLst>
+            <pc:docMk/>
+            <pc:sldMk cId="649205620" sldId="279"/>
+            <ac:spMk id="4" creationId="{02E7AE05-B66F-4AE9-9AB2-5720CB475570}"/>
+          </ac:spMkLst>
+        </pc:spChg>
+        <pc:spChg chg="add del mod">
+          <ac:chgData name="Brooke Taylor" userId="cb809024d88b5de5" providerId="LiveId" clId="{64E839F8-BAE3-4197-B080-5F39667F52ED}" dt="2017-12-13T05:16:26.263" v="2172"/>
+          <ac:spMkLst>
+            <pc:docMk/>
+            <pc:sldMk cId="649205620" sldId="279"/>
+            <ac:spMk id="5" creationId="{338ABEB0-C470-4E2A-8DB6-E42E891AA89E}"/>
+          </ac:spMkLst>
+        </pc:spChg>
+      </pc:sldChg>
+      <pc:sldChg chg="addSp delSp modSp add modNotesTx">
+        <pc:chgData name="Brooke Taylor" userId="cb809024d88b5de5" providerId="LiveId" clId="{64E839F8-BAE3-4197-B080-5F39667F52ED}" dt="2017-12-13T05:32:45.661" v="2592" actId="20577"/>
+        <pc:sldMkLst>
+          <pc:docMk/>
+          <pc:sldMk cId="2117871772" sldId="280"/>
+        </pc:sldMkLst>
+        <pc:spChg chg="mod">
+          <ac:chgData name="Brooke Taylor" userId="cb809024d88b5de5" providerId="LiveId" clId="{64E839F8-BAE3-4197-B080-5F39667F52ED}" dt="2017-12-13T05:08:19.984" v="2080" actId="20577"/>
+          <ac:spMkLst>
+            <pc:docMk/>
+            <pc:sldMk cId="2117871772" sldId="280"/>
+            <ac:spMk id="2" creationId="{B80A01F1-530A-4256-AE4B-BB5AD0B15FD5}"/>
+          </ac:spMkLst>
+        </pc:spChg>
+        <pc:spChg chg="del">
+          <ac:chgData name="Brooke Taylor" userId="cb809024d88b5de5" providerId="LiveId" clId="{64E839F8-BAE3-4197-B080-5F39667F52ED}" dt="2017-12-13T05:16:40.992" v="2181"/>
+          <ac:spMkLst>
+            <pc:docMk/>
+            <pc:sldMk cId="2117871772" sldId="280"/>
+            <ac:spMk id="3" creationId="{1A06F3EC-2B21-46E4-99FA-2DF28580892E}"/>
+          </ac:spMkLst>
+        </pc:spChg>
+        <pc:spChg chg="add del mod">
+          <ac:chgData name="Brooke Taylor" userId="cb809024d88b5de5" providerId="LiveId" clId="{64E839F8-BAE3-4197-B080-5F39667F52ED}" dt="2017-12-13T05:16:40.992" v="2181"/>
+          <ac:spMkLst>
+            <pc:docMk/>
+            <pc:sldMk cId="2117871772" sldId="280"/>
+            <ac:spMk id="5" creationId="{3D5C5110-AAB3-4167-B9A1-AA5EDD67188C}"/>
+          </ac:spMkLst>
+        </pc:spChg>
+        <pc:spChg chg="add del mod">
+          <ac:chgData name="Brooke Taylor" userId="cb809024d88b5de5" providerId="LiveId" clId="{64E839F8-BAE3-4197-B080-5F39667F52ED}" dt="2017-12-13T05:30:11.477" v="2567" actId="478"/>
+          <ac:spMkLst>
+            <pc:docMk/>
+            <pc:sldMk cId="2117871772" sldId="280"/>
+            <ac:spMk id="6" creationId="{97A18868-2467-4887-A75B-CA60EE2DC0C3}"/>
+          </ac:spMkLst>
+        </pc:spChg>
+        <pc:picChg chg="add mod">
+          <ac:chgData name="Brooke Taylor" userId="cb809024d88b5de5" providerId="LiveId" clId="{64E839F8-BAE3-4197-B080-5F39667F52ED}" dt="2017-12-13T05:30:31.340" v="2571" actId="12788"/>
+          <ac:picMkLst>
+            <pc:docMk/>
+            <pc:sldMk cId="2117871772" sldId="280"/>
+            <ac:picMk id="4" creationId="{7C0D7061-060F-487A-9728-5755E13ED480}"/>
+          </ac:picMkLst>
+        </pc:picChg>
+      </pc:sldChg>
+      <pc:sldChg chg="addSp delSp modSp add ord">
+        <pc:chgData name="Brooke Taylor" userId="cb809024d88b5de5" providerId="LiveId" clId="{64E839F8-BAE3-4197-B080-5F39667F52ED}" dt="2017-12-13T05:17:05.243" v="2188" actId="12788"/>
+        <pc:sldMkLst>
+          <pc:docMk/>
+          <pc:sldMk cId="118655642" sldId="281"/>
+        </pc:sldMkLst>
+        <pc:spChg chg="add del mod">
+          <ac:chgData name="Brooke Taylor" userId="cb809024d88b5de5" providerId="LiveId" clId="{64E839F8-BAE3-4197-B080-5F39667F52ED}" dt="2017-12-13T05:16:21.569" v="2169"/>
+          <ac:spMkLst>
+            <pc:docMk/>
+            <pc:sldMk cId="118655642" sldId="281"/>
+            <ac:spMk id="2" creationId="{15D9D674-0FEA-480B-886E-A41A44C6325B}"/>
+          </ac:spMkLst>
+        </pc:spChg>
+        <pc:spChg chg="add del mod">
+          <ac:chgData name="Brooke Taylor" userId="cb809024d88b5de5" providerId="LiveId" clId="{64E839F8-BAE3-4197-B080-5F39667F52ED}" dt="2017-12-13T05:16:21.569" v="2169"/>
+          <ac:spMkLst>
+            <pc:docMk/>
+            <pc:sldMk cId="118655642" sldId="281"/>
+            <ac:spMk id="3" creationId="{56730AF8-E9BF-40F0-A1BE-2713B53866E5}"/>
+          </ac:spMkLst>
+        </pc:spChg>
+        <pc:spChg chg="mod">
+          <ac:chgData name="Brooke Taylor" userId="cb809024d88b5de5" providerId="LiveId" clId="{64E839F8-BAE3-4197-B080-5F39667F52ED}" dt="2017-12-13T05:13:43.030" v="2159" actId="20577"/>
+          <ac:spMkLst>
+            <pc:docMk/>
+            <pc:sldMk cId="118655642" sldId="281"/>
+            <ac:spMk id="5" creationId="{05DC967F-4FA6-4C65-A21A-204A3BB10828}"/>
+          </ac:spMkLst>
+        </pc:spChg>
+        <pc:picChg chg="del">
+          <ac:chgData name="Brooke Taylor" userId="cb809024d88b5de5" providerId="LiveId" clId="{64E839F8-BAE3-4197-B080-5F39667F52ED}" dt="2017-12-13T05:16:55.068" v="2185" actId="478"/>
+          <ac:picMkLst>
+            <pc:docMk/>
+            <pc:sldMk cId="118655642" sldId="281"/>
+            <ac:picMk id="9" creationId="{B4CF2A4F-49F9-4020-8B01-D47F1F06F2A2}"/>
+          </ac:picMkLst>
+        </pc:picChg>
+        <pc:picChg chg="mod">
+          <ac:chgData name="Brooke Taylor" userId="cb809024d88b5de5" providerId="LiveId" clId="{64E839F8-BAE3-4197-B080-5F39667F52ED}" dt="2017-12-13T05:17:05.243" v="2188" actId="12788"/>
+          <ac:picMkLst>
+            <pc:docMk/>
+            <pc:sldMk cId="118655642" sldId="281"/>
+            <ac:picMk id="10" creationId="{FAA6E9E3-EA35-4848-B024-BFE14A02F3EC}"/>
+          </ac:picMkLst>
+        </pc:picChg>
+      </pc:sldChg>
+      <pc:sldChg chg="addSp delSp modSp add modNotesTx">
+        <pc:chgData name="Brooke Taylor" userId="cb809024d88b5de5" providerId="LiveId" clId="{64E839F8-BAE3-4197-B080-5F39667F52ED}" dt="2017-12-13T05:32:29.307" v="2586" actId="20577"/>
+        <pc:sldMkLst>
+          <pc:docMk/>
+          <pc:sldMk cId="1504402160" sldId="282"/>
+        </pc:sldMkLst>
+        <pc:spChg chg="mod">
+          <ac:chgData name="Brooke Taylor" userId="cb809024d88b5de5" providerId="LiveId" clId="{64E839F8-BAE3-4197-B080-5F39667F52ED}" dt="2017-12-13T05:23:14.825" v="2446" actId="20577"/>
+          <ac:spMkLst>
+            <pc:docMk/>
+            <pc:sldMk cId="1504402160" sldId="282"/>
+            <ac:spMk id="2" creationId="{FC9B5003-85DC-459A-8796-90C5DEFEADD3}"/>
+          </ac:spMkLst>
+        </pc:spChg>
+        <pc:spChg chg="del">
+          <ac:chgData name="Brooke Taylor" userId="cb809024d88b5de5" providerId="LiveId" clId="{64E839F8-BAE3-4197-B080-5F39667F52ED}" dt="2017-12-13T05:23:17.586" v="2447" actId="478"/>
+          <ac:spMkLst>
+            <pc:docMk/>
+            <pc:sldMk cId="1504402160" sldId="282"/>
+            <ac:spMk id="3" creationId="{1127BC37-EA6D-4A3F-9D9F-7CAAD2095B99}"/>
+          </ac:spMkLst>
+        </pc:spChg>
+        <pc:spChg chg="add mod">
+          <ac:chgData name="Brooke Taylor" userId="cb809024d88b5de5" providerId="LiveId" clId="{64E839F8-BAE3-4197-B080-5F39667F52ED}" dt="2017-12-13T05:29:32.833" v="2558" actId="164"/>
+          <ac:spMkLst>
+            <pc:docMk/>
+            <pc:sldMk cId="1504402160" sldId="282"/>
+            <ac:spMk id="6" creationId="{BBFA50F9-166C-4F53-872F-C491A154EC66}"/>
+          </ac:spMkLst>
+        </pc:spChg>
+        <pc:grpChg chg="add mod">
+          <ac:chgData name="Brooke Taylor" userId="cb809024d88b5de5" providerId="LiveId" clId="{64E839F8-BAE3-4197-B080-5F39667F52ED}" dt="2017-12-13T05:29:32.833" v="2558" actId="164"/>
+          <ac:grpSpMkLst>
+            <pc:docMk/>
+            <pc:sldMk cId="1504402160" sldId="282"/>
+            <ac:grpSpMk id="7" creationId="{057C880B-4F67-4704-B04D-3D5D17A5116B}"/>
+          </ac:grpSpMkLst>
+        </pc:grpChg>
+        <pc:picChg chg="add mod ord">
+          <ac:chgData name="Brooke Taylor" userId="cb809024d88b5de5" providerId="LiveId" clId="{64E839F8-BAE3-4197-B080-5F39667F52ED}" dt="2017-12-13T05:29:40.978" v="2559" actId="12788"/>
+          <ac:picMkLst>
+            <pc:docMk/>
+            <pc:sldMk cId="1504402160" sldId="282"/>
+            <ac:picMk id="4" creationId="{549480E8-F933-477E-9633-FFEB1FE8B9AC}"/>
+          </ac:picMkLst>
+        </pc:picChg>
+        <pc:picChg chg="add mod">
+          <ac:chgData name="Brooke Taylor" userId="cb809024d88b5de5" providerId="LiveId" clId="{64E839F8-BAE3-4197-B080-5F39667F52ED}" dt="2017-12-13T05:29:32.833" v="2558" actId="164"/>
+          <ac:picMkLst>
+            <pc:docMk/>
+            <pc:sldMk cId="1504402160" sldId="282"/>
+            <ac:picMk id="5" creationId="{B096E520-CD44-4FDA-982E-81254AC35B74}"/>
+          </ac:picMkLst>
+        </pc:picChg>
+      </pc:sldChg>
+      <pc:sldMasterChg chg="modSldLayout">
+        <pc:chgData name="Brooke Taylor" userId="cb809024d88b5de5" providerId="LiveId" clId="{64E839F8-BAE3-4197-B080-5F39667F52ED}" dt="2017-12-13T05:15:58.704" v="2166" actId="242"/>
+        <pc:sldMasterMkLst>
+          <pc:docMk/>
+          <pc:sldMasterMk cId="1716680990" sldId="2147483660"/>
+        </pc:sldMasterMkLst>
+        <pc:sldLayoutChg chg="modSp">
+          <pc:chgData name="Brooke Taylor" userId="cb809024d88b5de5" providerId="LiveId" clId="{64E839F8-BAE3-4197-B080-5F39667F52ED}" dt="2017-12-13T05:15:58.704" v="2166" actId="242"/>
+          <pc:sldLayoutMkLst>
+            <pc:docMk/>
+            <pc:sldMasterMk cId="1716680990" sldId="2147483660"/>
+            <pc:sldLayoutMk cId="435937177" sldId="2147483662"/>
+          </pc:sldLayoutMkLst>
+          <pc:spChg chg="mod">
+            <ac:chgData name="Brooke Taylor" userId="cb809024d88b5de5" providerId="LiveId" clId="{64E839F8-BAE3-4197-B080-5F39667F52ED}" dt="2017-12-13T05:12:11.116" v="2119" actId="1036"/>
+            <ac:spMkLst>
+              <pc:docMk/>
+              <pc:sldMasterMk cId="1716680990" sldId="2147483660"/>
+              <pc:sldLayoutMk cId="435937177" sldId="2147483662"/>
+              <ac:spMk id="2" creationId="{00000000-0000-0000-0000-000000000000}"/>
+            </ac:spMkLst>
+          </pc:spChg>
+          <pc:spChg chg="mod">
+            <ac:chgData name="Brooke Taylor" userId="cb809024d88b5de5" providerId="LiveId" clId="{64E839F8-BAE3-4197-B080-5F39667F52ED}" dt="2017-12-13T05:15:58.704" v="2166" actId="242"/>
+            <ac:spMkLst>
+              <pc:docMk/>
+              <pc:sldMasterMk cId="1716680990" sldId="2147483660"/>
+              <pc:sldLayoutMk cId="435937177" sldId="2147483662"/>
+              <ac:spMk id="3" creationId="{00000000-0000-0000-0000-000000000000}"/>
+            </ac:spMkLst>
+          </pc:spChg>
+        </pc:sldLayoutChg>
+      </pc:sldMasterChg>
+    </pc:docChg>
+  </pc:docChgLst>
+</pc:chgInfo>
+</file>
+
+<file path=ppt/notesMasters/notesMaster1.xml><?xml version="1.0" encoding="utf-8"?>
+<p:notesMaster xmlns:a="http://schemas.openxmlformats.org/drawingml/2006/main" xmlns:r="http://schemas.openxmlformats.org/officeDocument/2006/relationships" xmlns:p="http://schemas.openxmlformats.org/presentationml/2006/main">
+  <p:cSld>
+    <p:bg>
+      <p:bgRef idx="1001">
+        <a:schemeClr val="bg1"/>
+      </p:bgRef>
+    </p:bg>
+    <p:spTree>
+      <p:nvGrpSpPr>
+        <p:cNvPr id="1" name=""/>
+        <p:cNvGrpSpPr/>
+        <p:nvPr/>
+      </p:nvGrpSpPr>
+      <p:grpSpPr>
+        <a:xfrm>
+          <a:off x="0" y="0"/>
+          <a:ext cx="0" cy="0"/>
+          <a:chOff x="0" y="0"/>
+          <a:chExt cx="0" cy="0"/>
+        </a:xfrm>
+      </p:grpSpPr>
+      <p:sp>
+        <p:nvSpPr>
+          <p:cNvPr id="2" name="Header Placeholder 1"/>
+          <p:cNvSpPr>
+            <a:spLocks noGrp="1"/>
+          </p:cNvSpPr>
+          <p:nvPr>
+            <p:ph type="hdr" sz="quarter"/>
+          </p:nvPr>
+        </p:nvSpPr>
+        <p:spPr>
+          <a:xfrm>
+            <a:off x="0" y="0"/>
+            <a:ext cx="2971800" cy="458788"/>
+          </a:xfrm>
+          <a:prstGeom prst="rect">
+            <a:avLst/>
+          </a:prstGeom>
+        </p:spPr>
+        <p:txBody>
+          <a:bodyPr vert="horz" lIns="91440" tIns="45720" rIns="91440" bIns="45720" rtlCol="0"/>
+          <a:lstStyle>
+            <a:lvl1pPr algn="l">
+              <a:defRPr sz="1200"/>
+            </a:lvl1pPr>
+          </a:lstStyle>
+          <a:p>
+            <a:endParaRPr lang="en-US"/>
+          </a:p>
+        </p:txBody>
+      </p:sp>
+      <p:sp>
+        <p:nvSpPr>
+          <p:cNvPr id="3" name="Date Placeholder 2"/>
+          <p:cNvSpPr>
+            <a:spLocks noGrp="1"/>
+          </p:cNvSpPr>
+          <p:nvPr>
+            <p:ph type="dt" idx="1"/>
+          </p:nvPr>
+        </p:nvSpPr>
+        <p:spPr>
+          <a:xfrm>
+            <a:off x="3884613" y="0"/>
+            <a:ext cx="2971800" cy="458788"/>
+          </a:xfrm>
+          <a:prstGeom prst="rect">
+            <a:avLst/>
+          </a:prstGeom>
+        </p:spPr>
+        <p:txBody>
+          <a:bodyPr vert="horz" lIns="91440" tIns="45720" rIns="91440" bIns="45720" rtlCol="0"/>
+          <a:lstStyle>
+            <a:lvl1pPr algn="r">
+              <a:defRPr sz="1200"/>
+            </a:lvl1pPr>
+          </a:lstStyle>
+          <a:p>
+            <a:fld id="{40C55673-2846-4F05-BA30-652B17DACF9E}" type="datetimeFigureOut">
+              <a:rPr lang="en-US" smtClean="0"/>
+              <a:t>12/12/2017</a:t>
+            </a:fld>
+            <a:endParaRPr lang="en-US"/>
+          </a:p>
+        </p:txBody>
+      </p:sp>
+      <p:sp>
+        <p:nvSpPr>
+          <p:cNvPr id="4" name="Slide Image Placeholder 3"/>
+          <p:cNvSpPr>
+            <a:spLocks noGrp="1" noRot="1" noChangeAspect="1"/>
+          </p:cNvSpPr>
+          <p:nvPr>
+            <p:ph type="sldImg" idx="2"/>
+          </p:nvPr>
+        </p:nvSpPr>
+        <p:spPr>
+          <a:xfrm>
+            <a:off x="685800" y="1143000"/>
+            <a:ext cx="5486400" cy="3086100"/>
+          </a:xfrm>
+          <a:prstGeom prst="rect">
+            <a:avLst/>
+          </a:prstGeom>
+          <a:noFill/>
+          <a:ln w="12700">
+            <a:solidFill>
+              <a:prstClr val="black"/>
+            </a:solidFill>
+          </a:ln>
+        </p:spPr>
+        <p:txBody>
+          <a:bodyPr vert="horz" lIns="91440" tIns="45720" rIns="91440" bIns="45720" rtlCol="0" anchor="ctr"/>
+          <a:lstStyle/>
+          <a:p>
+            <a:endParaRPr lang="en-US"/>
+          </a:p>
+        </p:txBody>
+      </p:sp>
+      <p:sp>
+        <p:nvSpPr>
+          <p:cNvPr id="5" name="Notes Placeholder 4"/>
+          <p:cNvSpPr>
+            <a:spLocks noGrp="1"/>
+          </p:cNvSpPr>
+          <p:nvPr>
+            <p:ph type="body" sz="quarter" idx="3"/>
+          </p:nvPr>
+        </p:nvSpPr>
+        <p:spPr>
+          <a:xfrm>
+            <a:off x="685800" y="4400550"/>
+            <a:ext cx="5486400" cy="3600450"/>
+          </a:xfrm>
+          <a:prstGeom prst="rect">
+            <a:avLst/>
+          </a:prstGeom>
+        </p:spPr>
+        <p:txBody>
+          <a:bodyPr vert="horz" lIns="91440" tIns="45720" rIns="91440" bIns="45720" rtlCol="0"/>
+          <a:lstStyle/>
+          <a:p>
+            <a:pPr lvl="0"/>
+            <a:r>
+              <a:rPr lang="en-US"/>
+              <a:t>Edit Master text styles</a:t>
+            </a:r>
+          </a:p>
+          <a:p>
+            <a:pPr lvl="1"/>
+            <a:r>
+              <a:rPr lang="en-US"/>
+              <a:t>Second level</a:t>
+            </a:r>
+          </a:p>
+          <a:p>
+            <a:pPr lvl="2"/>
+            <a:r>
+              <a:rPr lang="en-US"/>
+              <a:t>Third level</a:t>
+            </a:r>
+          </a:p>
+          <a:p>
+            <a:pPr lvl="3"/>
+            <a:r>
+              <a:rPr lang="en-US"/>
+              <a:t>Fourth level</a:t>
+            </a:r>
+          </a:p>
+          <a:p>
+            <a:pPr lvl="4"/>
+            <a:r>
+              <a:rPr lang="en-US"/>
+              <a:t>Fifth level</a:t>
+            </a:r>
+          </a:p>
+        </p:txBody>
+      </p:sp>
+      <p:sp>
+        <p:nvSpPr>
+          <p:cNvPr id="6" name="Footer Placeholder 5"/>
+          <p:cNvSpPr>
+            <a:spLocks noGrp="1"/>
+          </p:cNvSpPr>
+          <p:nvPr>
+            <p:ph type="ftr" sz="quarter" idx="4"/>
+          </p:nvPr>
+        </p:nvSpPr>
+        <p:spPr>
+          <a:xfrm>
+            <a:off x="0" y="8685213"/>
+            <a:ext cx="2971800" cy="458787"/>
+          </a:xfrm>
+          <a:prstGeom prst="rect">
+            <a:avLst/>
+          </a:prstGeom>
+        </p:spPr>
+        <p:txBody>
+          <a:bodyPr vert="horz" lIns="91440" tIns="45720" rIns="91440" bIns="45720" rtlCol="0" anchor="b"/>
+          <a:lstStyle>
+            <a:lvl1pPr algn="l">
+              <a:defRPr sz="1200"/>
+            </a:lvl1pPr>
+          </a:lstStyle>
+          <a:p>
+            <a:endParaRPr lang="en-US"/>
+          </a:p>
+        </p:txBody>
+      </p:sp>
+      <p:sp>
+        <p:nvSpPr>
+          <p:cNvPr id="7" name="Slide Number Placeholder 6"/>
+          <p:cNvSpPr>
+            <a:spLocks noGrp="1"/>
+          </p:cNvSpPr>
+          <p:nvPr>
+            <p:ph type="sldNum" sz="quarter" idx="5"/>
+          </p:nvPr>
+        </p:nvSpPr>
+        <p:spPr>
+          <a:xfrm>
+            <a:off x="3884613" y="8685213"/>
+            <a:ext cx="2971800" cy="458787"/>
+          </a:xfrm>
+          <a:prstGeom prst="rect">
+            <a:avLst/>
+          </a:prstGeom>
+        </p:spPr>
+        <p:txBody>
+          <a:bodyPr vert="horz" lIns="91440" tIns="45720" rIns="91440" bIns="45720" rtlCol="0" anchor="b"/>
+          <a:lstStyle>
+            <a:lvl1pPr algn="r">
+              <a:defRPr sz="1200"/>
+            </a:lvl1pPr>
+          </a:lstStyle>
+          <a:p>
+            <a:fld id="{E036C5E8-C651-4855-8408-5DA77CFDB230}" type="slidenum">
+              <a:rPr lang="en-US" smtClean="0"/>
+              <a:t>‹#›</a:t>
+            </a:fld>
+            <a:endParaRPr lang="en-US"/>
+          </a:p>
+        </p:txBody>
+      </p:sp>
+    </p:spTree>
+    <p:extLst>
+      <p:ext uri="{BB962C8B-B14F-4D97-AF65-F5344CB8AC3E}">
+        <p14:creationId xmlns:p14="http://schemas.microsoft.com/office/powerpoint/2010/main" val="2313812580"/>
+      </p:ext>
+    </p:extLst>
+  </p:cSld>
+  <p:clrMap bg1="lt1" tx1="dk1" bg2="lt2" tx2="dk2" accent1="accent1" accent2="accent2" accent3="accent3" accent4="accent4" accent5="accent5" accent6="accent6" hlink="hlink" folHlink="folHlink"/>
+  <p:notesStyle>
+    <a:lvl1pPr marL="0" algn="l" defTabSz="914400" rtl="0" eaLnBrk="1" latinLnBrk="0" hangingPunct="1">
+      <a:defRPr sz="1200" kern="1200">
+        <a:solidFill>
+          <a:schemeClr val="tx1"/>
+        </a:solidFill>
+        <a:latin typeface="+mn-lt"/>
+        <a:ea typeface="+mn-ea"/>
+        <a:cs typeface="+mn-cs"/>
+      </a:defRPr>
+    </a:lvl1pPr>
+    <a:lvl2pPr marL="457200" algn="l" defTabSz="914400" rtl="0" eaLnBrk="1" latinLnBrk="0" hangingPunct="1">
+      <a:defRPr sz="1200" kern="1200">
+        <a:solidFill>
+          <a:schemeClr val="tx1"/>
+        </a:solidFill>
+        <a:latin typeface="+mn-lt"/>
+        <a:ea typeface="+mn-ea"/>
+        <a:cs typeface="+mn-cs"/>
+      </a:defRPr>
+    </a:lvl2pPr>
+    <a:lvl3pPr marL="914400" algn="l" defTabSz="914400" rtl="0" eaLnBrk="1" latinLnBrk="0" hangingPunct="1">
+      <a:defRPr sz="1200" kern="1200">
+        <a:solidFill>
+          <a:schemeClr val="tx1"/>
+        </a:solidFill>
+        <a:latin typeface="+mn-lt"/>
+        <a:ea typeface="+mn-ea"/>
+        <a:cs typeface="+mn-cs"/>
+      </a:defRPr>
+    </a:lvl3pPr>
+    <a:lvl4pPr marL="1371600" algn="l" defTabSz="914400" rtl="0" eaLnBrk="1" latinLnBrk="0" hangingPunct="1">
+      <a:defRPr sz="1200" kern="1200">
+        <a:solidFill>
+          <a:schemeClr val="tx1"/>
+        </a:solidFill>
+        <a:latin typeface="+mn-lt"/>
+        <a:ea typeface="+mn-ea"/>
+        <a:cs typeface="+mn-cs"/>
+      </a:defRPr>
+    </a:lvl4pPr>
+    <a:lvl5pPr marL="1828800" algn="l" defTabSz="914400" rtl="0" eaLnBrk="1" latinLnBrk="0" hangingPunct="1">
+      <a:defRPr sz="1200" kern="1200">
+        <a:solidFill>
+          <a:schemeClr val="tx1"/>
+        </a:solidFill>
+        <a:latin typeface="+mn-lt"/>
+        <a:ea typeface="+mn-ea"/>
+        <a:cs typeface="+mn-cs"/>
+      </a:defRPr>
+    </a:lvl5pPr>
+    <a:lvl6pPr marL="2286000" algn="l" defTabSz="914400" rtl="0" eaLnBrk="1" latinLnBrk="0" hangingPunct="1">
+      <a:defRPr sz="1200" kern="1200">
+        <a:solidFill>
+          <a:schemeClr val="tx1"/>
+        </a:solidFill>
+        <a:latin typeface="+mn-lt"/>
+        <a:ea typeface="+mn-ea"/>
+        <a:cs typeface="+mn-cs"/>
+      </a:defRPr>
+    </a:lvl6pPr>
+    <a:lvl7pPr marL="2743200" algn="l" defTabSz="914400" rtl="0" eaLnBrk="1" latinLnBrk="0" hangingPunct="1">
+      <a:defRPr sz="1200" kern="1200">
+        <a:solidFill>
+          <a:schemeClr val="tx1"/>
+        </a:solidFill>
+        <a:latin typeface="+mn-lt"/>
+        <a:ea typeface="+mn-ea"/>
+        <a:cs typeface="+mn-cs"/>
+      </a:defRPr>
+    </a:lvl7pPr>
+    <a:lvl8pPr marL="3200400" algn="l" defTabSz="914400" rtl="0" eaLnBrk="1" latinLnBrk="0" hangingPunct="1">
+      <a:defRPr sz="1200" kern="1200">
+        <a:solidFill>
+          <a:schemeClr val="tx1"/>
+        </a:solidFill>
+        <a:latin typeface="+mn-lt"/>
+        <a:ea typeface="+mn-ea"/>
+        <a:cs typeface="+mn-cs"/>
+      </a:defRPr>
+    </a:lvl8pPr>
+    <a:lvl9pPr marL="3657600" algn="l" defTabSz="914400" rtl="0" eaLnBrk="1" latinLnBrk="0" hangingPunct="1">
+      <a:defRPr sz="1200" kern="1200">
+        <a:solidFill>
+          <a:schemeClr val="tx1"/>
+        </a:solidFill>
+        <a:latin typeface="+mn-lt"/>
+        <a:ea typeface="+mn-ea"/>
+        <a:cs typeface="+mn-cs"/>
+      </a:defRPr>
+    </a:lvl9pPr>
+  </p:notesStyle>
+</p:notesMaster>
+</file>
+
+<file path=ppt/notesSlides/notesSlide1.xml><?xml version="1.0" encoding="utf-8"?>
+<p:notes xmlns:a="http://schemas.openxmlformats.org/drawingml/2006/main" xmlns:r="http://schemas.openxmlformats.org/officeDocument/2006/relationships" xmlns:p="http://schemas.openxmlformats.org/presentationml/2006/main">
+  <p:cSld>
+    <p:spTree>
+      <p:nvGrpSpPr>
+        <p:cNvPr id="1" name=""/>
+        <p:cNvGrpSpPr/>
+        <p:nvPr/>
+      </p:nvGrpSpPr>
+      <p:grpSpPr>
+        <a:xfrm>
+          <a:off x="0" y="0"/>
+          <a:ext cx="0" cy="0"/>
+          <a:chOff x="0" y="0"/>
+          <a:chExt cx="0" cy="0"/>
+        </a:xfrm>
+      </p:grpSpPr>
+      <p:sp>
+        <p:nvSpPr>
+          <p:cNvPr id="2" name="Slide Image Placeholder 1"/>
+          <p:cNvSpPr>
+            <a:spLocks noGrp="1" noRot="1" noChangeAspect="1"/>
+          </p:cNvSpPr>
+          <p:nvPr>
+            <p:ph type="sldImg"/>
+          </p:nvPr>
+        </p:nvSpPr>
+        <p:spPr/>
+      </p:sp>
+      <p:sp>
+        <p:nvSpPr>
+          <p:cNvPr id="3" name="Notes Placeholder 2"/>
+          <p:cNvSpPr>
+            <a:spLocks noGrp="1"/>
+          </p:cNvSpPr>
+          <p:nvPr>
+            <p:ph type="body" idx="1"/>
+          </p:nvPr>
+        </p:nvSpPr>
+        <p:spPr/>
+        <p:txBody>
+          <a:bodyPr/>
+          <a:lstStyle/>
+          <a:p>
+            <a:r>
+              <a:rPr lang="en-US" dirty="0"/>
+              <a:t>Ben</a:t>
+            </a:r>
+          </a:p>
+        </p:txBody>
+      </p:sp>
+      <p:sp>
+        <p:nvSpPr>
+          <p:cNvPr id="4" name="Slide Number Placeholder 3"/>
+          <p:cNvSpPr>
+            <a:spLocks noGrp="1"/>
+          </p:cNvSpPr>
+          <p:nvPr>
+            <p:ph type="sldNum" sz="quarter" idx="10"/>
+          </p:nvPr>
+        </p:nvSpPr>
+        <p:spPr/>
+        <p:txBody>
+          <a:bodyPr/>
+          <a:lstStyle/>
+          <a:p>
+            <a:fld id="{E036C5E8-C651-4855-8408-5DA77CFDB230}" type="slidenum">
+              <a:rPr lang="en-US" smtClean="0"/>
+              <a:t>1</a:t>
+            </a:fld>
+            <a:endParaRPr lang="en-US"/>
+          </a:p>
+        </p:txBody>
+      </p:sp>
+    </p:spTree>
+    <p:extLst>
+      <p:ext uri="{BB962C8B-B14F-4D97-AF65-F5344CB8AC3E}">
+        <p14:creationId xmlns:p14="http://schemas.microsoft.com/office/powerpoint/2010/main" val="579841401"/>
+      </p:ext>
+    </p:extLst>
+  </p:cSld>
+  <p:clrMapOvr>
+    <a:masterClrMapping/>
+  </p:clrMapOvr>
+</p:notes>
+</file>
+
+<file path=ppt/notesSlides/notesSlide10.xml><?xml version="1.0" encoding="utf-8"?>
+<p:notes xmlns:a="http://schemas.openxmlformats.org/drawingml/2006/main" xmlns:r="http://schemas.openxmlformats.org/officeDocument/2006/relationships" xmlns:p="http://schemas.openxmlformats.org/presentationml/2006/main">
+  <p:cSld>
+    <p:spTree>
+      <p:nvGrpSpPr>
+        <p:cNvPr id="1" name=""/>
+        <p:cNvGrpSpPr/>
+        <p:nvPr/>
+      </p:nvGrpSpPr>
+      <p:grpSpPr>
+        <a:xfrm>
+          <a:off x="0" y="0"/>
+          <a:ext cx="0" cy="0"/>
+          <a:chOff x="0" y="0"/>
+          <a:chExt cx="0" cy="0"/>
+        </a:xfrm>
+      </p:grpSpPr>
+      <p:sp>
+        <p:nvSpPr>
+          <p:cNvPr id="2" name="Slide Image Placeholder 1"/>
+          <p:cNvSpPr>
+            <a:spLocks noGrp="1" noRot="1" noChangeAspect="1"/>
+          </p:cNvSpPr>
+          <p:nvPr>
+            <p:ph type="sldImg"/>
+          </p:nvPr>
+        </p:nvSpPr>
+        <p:spPr/>
+      </p:sp>
+      <p:sp>
+        <p:nvSpPr>
+          <p:cNvPr id="3" name="Notes Placeholder 2"/>
+          <p:cNvSpPr>
+            <a:spLocks noGrp="1"/>
+          </p:cNvSpPr>
+          <p:nvPr>
+            <p:ph type="body" idx="1"/>
+          </p:nvPr>
+        </p:nvSpPr>
+        <p:spPr/>
+        <p:txBody>
+          <a:bodyPr/>
+          <a:lstStyle/>
+          <a:p>
+            <a:r>
+              <a:rPr lang="en-US" dirty="0" err="1"/>
+              <a:t>Yarden</a:t>
+            </a:r>
+            <a:endParaRPr lang="en-US" dirty="0"/>
+          </a:p>
+        </p:txBody>
+      </p:sp>
+      <p:sp>
+        <p:nvSpPr>
+          <p:cNvPr id="4" name="Slide Number Placeholder 3"/>
+          <p:cNvSpPr>
+            <a:spLocks noGrp="1"/>
+          </p:cNvSpPr>
+          <p:nvPr>
+            <p:ph type="sldNum" sz="quarter" idx="10"/>
+          </p:nvPr>
+        </p:nvSpPr>
+        <p:spPr/>
+        <p:txBody>
+          <a:bodyPr/>
+          <a:lstStyle/>
+          <a:p>
+            <a:fld id="{E036C5E8-C651-4855-8408-5DA77CFDB230}" type="slidenum">
+              <a:rPr lang="en-US" smtClean="0"/>
+              <a:t>18</a:t>
+            </a:fld>
+            <a:endParaRPr lang="en-US"/>
+          </a:p>
+        </p:txBody>
+      </p:sp>
+    </p:spTree>
+    <p:extLst>
+      <p:ext uri="{BB962C8B-B14F-4D97-AF65-F5344CB8AC3E}">
+        <p14:creationId xmlns:p14="http://schemas.microsoft.com/office/powerpoint/2010/main" val="411267071"/>
+      </p:ext>
+    </p:extLst>
+  </p:cSld>
+  <p:clrMapOvr>
+    <a:masterClrMapping/>
+  </p:clrMapOvr>
+</p:notes>
+</file>
+
+<file path=ppt/notesSlides/notesSlide11.xml><?xml version="1.0" encoding="utf-8"?>
+<p:notes xmlns:a="http://schemas.openxmlformats.org/drawingml/2006/main" xmlns:r="http://schemas.openxmlformats.org/officeDocument/2006/relationships" xmlns:p="http://schemas.openxmlformats.org/presentationml/2006/main">
+  <p:cSld>
+    <p:spTree>
+      <p:nvGrpSpPr>
+        <p:cNvPr id="1" name=""/>
+        <p:cNvGrpSpPr/>
+        <p:nvPr/>
+      </p:nvGrpSpPr>
+      <p:grpSpPr>
+        <a:xfrm>
+          <a:off x="0" y="0"/>
+          <a:ext cx="0" cy="0"/>
+          <a:chOff x="0" y="0"/>
+          <a:chExt cx="0" cy="0"/>
+        </a:xfrm>
+      </p:grpSpPr>
+      <p:sp>
+        <p:nvSpPr>
+          <p:cNvPr id="2" name="Slide Image Placeholder 1"/>
+          <p:cNvSpPr>
+            <a:spLocks noGrp="1" noRot="1" noChangeAspect="1"/>
+          </p:cNvSpPr>
+          <p:nvPr>
+            <p:ph type="sldImg"/>
+          </p:nvPr>
+        </p:nvSpPr>
+        <p:spPr/>
+      </p:sp>
+      <p:sp>
+        <p:nvSpPr>
+          <p:cNvPr id="3" name="Notes Placeholder 2"/>
+          <p:cNvSpPr>
+            <a:spLocks noGrp="1"/>
+          </p:cNvSpPr>
+          <p:nvPr>
+            <p:ph type="body" idx="1"/>
+          </p:nvPr>
+        </p:nvSpPr>
+        <p:spPr/>
+        <p:txBody>
+          <a:bodyPr/>
+          <a:lstStyle/>
+          <a:p>
+            <a:r>
+              <a:rPr lang="en-US" dirty="0"/>
+              <a:t>Ben</a:t>
+            </a:r>
+          </a:p>
+        </p:txBody>
+      </p:sp>
+      <p:sp>
+        <p:nvSpPr>
+          <p:cNvPr id="4" name="Slide Number Placeholder 3"/>
+          <p:cNvSpPr>
+            <a:spLocks noGrp="1"/>
+          </p:cNvSpPr>
+          <p:nvPr>
+            <p:ph type="sldNum" sz="quarter" idx="10"/>
+          </p:nvPr>
+        </p:nvSpPr>
+        <p:spPr/>
+        <p:txBody>
+          <a:bodyPr/>
+          <a:lstStyle/>
+          <a:p>
+            <a:fld id="{E036C5E8-C651-4855-8408-5DA77CFDB230}" type="slidenum">
+              <a:rPr lang="en-US" smtClean="0"/>
+              <a:t>19</a:t>
+            </a:fld>
+            <a:endParaRPr lang="en-US"/>
+          </a:p>
+        </p:txBody>
+      </p:sp>
+    </p:spTree>
+    <p:extLst>
+      <p:ext uri="{BB962C8B-B14F-4D97-AF65-F5344CB8AC3E}">
+        <p14:creationId xmlns:p14="http://schemas.microsoft.com/office/powerpoint/2010/main" val="1060790127"/>
+      </p:ext>
+    </p:extLst>
+  </p:cSld>
+  <p:clrMapOvr>
+    <a:masterClrMapping/>
+  </p:clrMapOvr>
+</p:notes>
+</file>
+
+<file path=ppt/notesSlides/notesSlide12.xml><?xml version="1.0" encoding="utf-8"?>
+<p:notes xmlns:a="http://schemas.openxmlformats.org/drawingml/2006/main" xmlns:r="http://schemas.openxmlformats.org/officeDocument/2006/relationships" xmlns:p="http://schemas.openxmlformats.org/presentationml/2006/main">
+  <p:cSld>
+    <p:spTree>
+      <p:nvGrpSpPr>
+        <p:cNvPr id="1" name=""/>
+        <p:cNvGrpSpPr/>
+        <p:nvPr/>
+      </p:nvGrpSpPr>
+      <p:grpSpPr>
+        <a:xfrm>
+          <a:off x="0" y="0"/>
+          <a:ext cx="0" cy="0"/>
+          <a:chOff x="0" y="0"/>
+          <a:chExt cx="0" cy="0"/>
+        </a:xfrm>
+      </p:grpSpPr>
+      <p:sp>
+        <p:nvSpPr>
+          <p:cNvPr id="2" name="Slide Image Placeholder 1"/>
+          <p:cNvSpPr>
+            <a:spLocks noGrp="1" noRot="1" noChangeAspect="1"/>
+          </p:cNvSpPr>
+          <p:nvPr>
+            <p:ph type="sldImg"/>
+          </p:nvPr>
+        </p:nvSpPr>
+        <p:spPr/>
+      </p:sp>
+      <p:sp>
+        <p:nvSpPr>
+          <p:cNvPr id="3" name="Notes Placeholder 2"/>
+          <p:cNvSpPr>
+            <a:spLocks noGrp="1"/>
+          </p:cNvSpPr>
+          <p:nvPr>
+            <p:ph type="body" idx="1"/>
+          </p:nvPr>
+        </p:nvSpPr>
+        <p:spPr/>
+        <p:txBody>
+          <a:bodyPr/>
+          <a:lstStyle/>
+          <a:p>
+            <a:r>
+              <a:rPr lang="en-US" dirty="0"/>
+              <a:t>Ben</a:t>
+            </a:r>
+          </a:p>
+        </p:txBody>
+      </p:sp>
+      <p:sp>
+        <p:nvSpPr>
+          <p:cNvPr id="4" name="Slide Number Placeholder 3"/>
+          <p:cNvSpPr>
+            <a:spLocks noGrp="1"/>
+          </p:cNvSpPr>
+          <p:nvPr>
+            <p:ph type="sldNum" sz="quarter" idx="10"/>
+          </p:nvPr>
+        </p:nvSpPr>
+        <p:spPr/>
+        <p:txBody>
+          <a:bodyPr/>
+          <a:lstStyle/>
+          <a:p>
+            <a:fld id="{E036C5E8-C651-4855-8408-5DA77CFDB230}" type="slidenum">
+              <a:rPr lang="en-US" smtClean="0"/>
+              <a:t>20</a:t>
+            </a:fld>
+            <a:endParaRPr lang="en-US"/>
+          </a:p>
+        </p:txBody>
+      </p:sp>
+    </p:spTree>
+    <p:extLst>
+      <p:ext uri="{BB962C8B-B14F-4D97-AF65-F5344CB8AC3E}">
+        <p14:creationId xmlns:p14="http://schemas.microsoft.com/office/powerpoint/2010/main" val="4078879270"/>
+      </p:ext>
+    </p:extLst>
+  </p:cSld>
+  <p:clrMapOvr>
+    <a:masterClrMapping/>
+  </p:clrMapOvr>
+</p:notes>
+</file>
+
+<file path=ppt/notesSlides/notesSlide13.xml><?xml version="1.0" encoding="utf-8"?>
+<p:notes xmlns:a="http://schemas.openxmlformats.org/drawingml/2006/main" xmlns:r="http://schemas.openxmlformats.org/officeDocument/2006/relationships" xmlns:p="http://schemas.openxmlformats.org/presentationml/2006/main">
+  <p:cSld>
+    <p:spTree>
+      <p:nvGrpSpPr>
+        <p:cNvPr id="1" name=""/>
+        <p:cNvGrpSpPr/>
+        <p:nvPr/>
+      </p:nvGrpSpPr>
+      <p:grpSpPr>
+        <a:xfrm>
+          <a:off x="0" y="0"/>
+          <a:ext cx="0" cy="0"/>
+          <a:chOff x="0" y="0"/>
+          <a:chExt cx="0" cy="0"/>
+        </a:xfrm>
+      </p:grpSpPr>
+      <p:sp>
+        <p:nvSpPr>
+          <p:cNvPr id="2" name="Slide Image Placeholder 1"/>
+          <p:cNvSpPr>
+            <a:spLocks noGrp="1" noRot="1" noChangeAspect="1"/>
+          </p:cNvSpPr>
+          <p:nvPr>
+            <p:ph type="sldImg"/>
+          </p:nvPr>
+        </p:nvSpPr>
+        <p:spPr/>
+      </p:sp>
+      <p:sp>
+        <p:nvSpPr>
+          <p:cNvPr id="3" name="Notes Placeholder 2"/>
+          <p:cNvSpPr>
+            <a:spLocks noGrp="1"/>
+          </p:cNvSpPr>
+          <p:nvPr>
+            <p:ph type="body" idx="1"/>
+          </p:nvPr>
+        </p:nvSpPr>
+        <p:spPr/>
+        <p:txBody>
+          <a:bodyPr/>
+          <a:lstStyle/>
+          <a:p>
+            <a:r>
+              <a:rPr lang="en-US" dirty="0"/>
+              <a:t>Ben</a:t>
+            </a:r>
+          </a:p>
+        </p:txBody>
+      </p:sp>
+      <p:sp>
+        <p:nvSpPr>
+          <p:cNvPr id="4" name="Slide Number Placeholder 3"/>
+          <p:cNvSpPr>
+            <a:spLocks noGrp="1"/>
+          </p:cNvSpPr>
+          <p:nvPr>
+            <p:ph type="sldNum" sz="quarter" idx="10"/>
+          </p:nvPr>
+        </p:nvSpPr>
+        <p:spPr/>
+        <p:txBody>
+          <a:bodyPr/>
+          <a:lstStyle/>
+          <a:p>
+            <a:fld id="{E036C5E8-C651-4855-8408-5DA77CFDB230}" type="slidenum">
+              <a:rPr lang="en-US" smtClean="0"/>
+              <a:t>21</a:t>
+            </a:fld>
+            <a:endParaRPr lang="en-US"/>
+          </a:p>
+        </p:txBody>
+      </p:sp>
+    </p:spTree>
+    <p:extLst>
+      <p:ext uri="{BB962C8B-B14F-4D97-AF65-F5344CB8AC3E}">
+        <p14:creationId xmlns:p14="http://schemas.microsoft.com/office/powerpoint/2010/main" val="658627183"/>
+      </p:ext>
+    </p:extLst>
+  </p:cSld>
+  <p:clrMapOvr>
+    <a:masterClrMapping/>
+  </p:clrMapOvr>
+</p:notes>
+</file>
+
+<file path=ppt/notesSlides/notesSlide14.xml><?xml version="1.0" encoding="utf-8"?>
+<p:notes xmlns:a="http://schemas.openxmlformats.org/drawingml/2006/main" xmlns:r="http://schemas.openxmlformats.org/officeDocument/2006/relationships" xmlns:p="http://schemas.openxmlformats.org/presentationml/2006/main">
+  <p:cSld>
+    <p:spTree>
+      <p:nvGrpSpPr>
+        <p:cNvPr id="1" name=""/>
+        <p:cNvGrpSpPr/>
+        <p:nvPr/>
+      </p:nvGrpSpPr>
+      <p:grpSpPr>
+        <a:xfrm>
+          <a:off x="0" y="0"/>
+          <a:ext cx="0" cy="0"/>
+          <a:chOff x="0" y="0"/>
+          <a:chExt cx="0" cy="0"/>
+        </a:xfrm>
+      </p:grpSpPr>
+      <p:sp>
+        <p:nvSpPr>
+          <p:cNvPr id="2" name="Slide Image Placeholder 1"/>
+          <p:cNvSpPr>
+            <a:spLocks noGrp="1" noRot="1" noChangeAspect="1"/>
+          </p:cNvSpPr>
+          <p:nvPr>
+            <p:ph type="sldImg"/>
+          </p:nvPr>
+        </p:nvSpPr>
+        <p:spPr/>
+      </p:sp>
+      <p:sp>
+        <p:nvSpPr>
+          <p:cNvPr id="3" name="Notes Placeholder 2"/>
+          <p:cNvSpPr>
+            <a:spLocks noGrp="1"/>
+          </p:cNvSpPr>
+          <p:nvPr>
+            <p:ph type="body" idx="1"/>
+          </p:nvPr>
+        </p:nvSpPr>
+        <p:spPr/>
+        <p:txBody>
+          <a:bodyPr/>
+          <a:lstStyle/>
+          <a:p>
+            <a:r>
+              <a:rPr lang="en-US" dirty="0"/>
+              <a:t>Brooke</a:t>
+            </a:r>
+          </a:p>
+        </p:txBody>
+      </p:sp>
+      <p:sp>
+        <p:nvSpPr>
+          <p:cNvPr id="4" name="Slide Number Placeholder 3"/>
+          <p:cNvSpPr>
+            <a:spLocks noGrp="1"/>
+          </p:cNvSpPr>
+          <p:nvPr>
+            <p:ph type="sldNum" sz="quarter" idx="10"/>
+          </p:nvPr>
+        </p:nvSpPr>
+        <p:spPr/>
+        <p:txBody>
+          <a:bodyPr/>
+          <a:lstStyle/>
+          <a:p>
+            <a:fld id="{E036C5E8-C651-4855-8408-5DA77CFDB230}" type="slidenum">
+              <a:rPr lang="en-US" smtClean="0"/>
+              <a:t>22</a:t>
+            </a:fld>
+            <a:endParaRPr lang="en-US"/>
+          </a:p>
+        </p:txBody>
+      </p:sp>
+    </p:spTree>
+    <p:extLst>
+      <p:ext uri="{BB962C8B-B14F-4D97-AF65-F5344CB8AC3E}">
+        <p14:creationId xmlns:p14="http://schemas.microsoft.com/office/powerpoint/2010/main" val="1278824168"/>
+      </p:ext>
+    </p:extLst>
+  </p:cSld>
+  <p:clrMapOvr>
+    <a:masterClrMapping/>
+  </p:clrMapOvr>
+</p:notes>
+</file>
+
+<file path=ppt/notesSlides/notesSlide15.xml><?xml version="1.0" encoding="utf-8"?>
+<p:notes xmlns:a="http://schemas.openxmlformats.org/drawingml/2006/main" xmlns:r="http://schemas.openxmlformats.org/officeDocument/2006/relationships" xmlns:p="http://schemas.openxmlformats.org/presentationml/2006/main">
+  <p:cSld>
+    <p:spTree>
+      <p:nvGrpSpPr>
+        <p:cNvPr id="1" name=""/>
+        <p:cNvGrpSpPr/>
+        <p:nvPr/>
+      </p:nvGrpSpPr>
+      <p:grpSpPr>
+        <a:xfrm>
+          <a:off x="0" y="0"/>
+          <a:ext cx="0" cy="0"/>
+          <a:chOff x="0" y="0"/>
+          <a:chExt cx="0" cy="0"/>
+        </a:xfrm>
+      </p:grpSpPr>
+      <p:sp>
+        <p:nvSpPr>
+          <p:cNvPr id="2" name="Slide Image Placeholder 1"/>
+          <p:cNvSpPr>
+            <a:spLocks noGrp="1" noRot="1" noChangeAspect="1"/>
+          </p:cNvSpPr>
+          <p:nvPr>
+            <p:ph type="sldImg"/>
+          </p:nvPr>
+        </p:nvSpPr>
+        <p:spPr/>
+      </p:sp>
+      <p:sp>
+        <p:nvSpPr>
+          <p:cNvPr id="3" name="Notes Placeholder 2"/>
+          <p:cNvSpPr>
+            <a:spLocks noGrp="1"/>
+          </p:cNvSpPr>
+          <p:nvPr>
+            <p:ph type="body" idx="1"/>
+          </p:nvPr>
+        </p:nvSpPr>
+        <p:spPr/>
+        <p:txBody>
+          <a:bodyPr/>
+          <a:lstStyle/>
+          <a:p>
+            <a:r>
+              <a:rPr lang="en-US" dirty="0"/>
+              <a:t>Brooke</a:t>
+            </a:r>
+          </a:p>
+        </p:txBody>
+      </p:sp>
+      <p:sp>
+        <p:nvSpPr>
+          <p:cNvPr id="4" name="Slide Number Placeholder 3"/>
+          <p:cNvSpPr>
+            <a:spLocks noGrp="1"/>
+          </p:cNvSpPr>
+          <p:nvPr>
+            <p:ph type="sldNum" sz="quarter" idx="10"/>
+          </p:nvPr>
+        </p:nvSpPr>
+        <p:spPr/>
+        <p:txBody>
+          <a:bodyPr/>
+          <a:lstStyle/>
+          <a:p>
+            <a:fld id="{E036C5E8-C651-4855-8408-5DA77CFDB230}" type="slidenum">
+              <a:rPr lang="en-US" smtClean="0"/>
+              <a:t>23</a:t>
+            </a:fld>
+            <a:endParaRPr lang="en-US"/>
+          </a:p>
+        </p:txBody>
+      </p:sp>
+    </p:spTree>
+    <p:extLst>
+      <p:ext uri="{BB962C8B-B14F-4D97-AF65-F5344CB8AC3E}">
+        <p14:creationId xmlns:p14="http://schemas.microsoft.com/office/powerpoint/2010/main" val="1592982143"/>
+      </p:ext>
+    </p:extLst>
+  </p:cSld>
+  <p:clrMapOvr>
+    <a:masterClrMapping/>
+  </p:clrMapOvr>
+</p:notes>
+</file>
+
+<file path=ppt/notesSlides/notesSlide16.xml><?xml version="1.0" encoding="utf-8"?>
+<p:notes xmlns:a="http://schemas.openxmlformats.org/drawingml/2006/main" xmlns:r="http://schemas.openxmlformats.org/officeDocument/2006/relationships" xmlns:p="http://schemas.openxmlformats.org/presentationml/2006/main">
+  <p:cSld>
+    <p:spTree>
+      <p:nvGrpSpPr>
+        <p:cNvPr id="1" name=""/>
+        <p:cNvGrpSpPr/>
+        <p:nvPr/>
+      </p:nvGrpSpPr>
+      <p:grpSpPr>
+        <a:xfrm>
+          <a:off x="0" y="0"/>
+          <a:ext cx="0" cy="0"/>
+          <a:chOff x="0" y="0"/>
+          <a:chExt cx="0" cy="0"/>
+        </a:xfrm>
+      </p:grpSpPr>
+      <p:sp>
+        <p:nvSpPr>
+          <p:cNvPr id="2" name="Slide Image Placeholder 1"/>
+          <p:cNvSpPr>
+            <a:spLocks noGrp="1" noRot="1" noChangeAspect="1"/>
+          </p:cNvSpPr>
+          <p:nvPr>
+            <p:ph type="sldImg"/>
+          </p:nvPr>
+        </p:nvSpPr>
+        <p:spPr/>
+      </p:sp>
+      <p:sp>
+        <p:nvSpPr>
+          <p:cNvPr id="3" name="Notes Placeholder 2"/>
+          <p:cNvSpPr>
+            <a:spLocks noGrp="1"/>
+          </p:cNvSpPr>
+          <p:nvPr>
+            <p:ph type="body" idx="1"/>
+          </p:nvPr>
+        </p:nvSpPr>
+        <p:spPr/>
+        <p:txBody>
+          <a:bodyPr/>
+          <a:lstStyle/>
+          <a:p>
+            <a:r>
+              <a:rPr lang="en-US" dirty="0"/>
+              <a:t>Missy</a:t>
+            </a:r>
+          </a:p>
+        </p:txBody>
+      </p:sp>
+      <p:sp>
+        <p:nvSpPr>
+          <p:cNvPr id="4" name="Slide Number Placeholder 3"/>
+          <p:cNvSpPr>
+            <a:spLocks noGrp="1"/>
+          </p:cNvSpPr>
+          <p:nvPr>
+            <p:ph type="sldNum" sz="quarter" idx="10"/>
+          </p:nvPr>
+        </p:nvSpPr>
+        <p:spPr/>
+        <p:txBody>
+          <a:bodyPr/>
+          <a:lstStyle/>
+          <a:p>
+            <a:fld id="{E036C5E8-C651-4855-8408-5DA77CFDB230}" type="slidenum">
+              <a:rPr lang="en-US" smtClean="0"/>
+              <a:t>25</a:t>
+            </a:fld>
+            <a:endParaRPr lang="en-US"/>
+          </a:p>
+        </p:txBody>
+      </p:sp>
+    </p:spTree>
+    <p:extLst>
+      <p:ext uri="{BB962C8B-B14F-4D97-AF65-F5344CB8AC3E}">
+        <p14:creationId xmlns:p14="http://schemas.microsoft.com/office/powerpoint/2010/main" val="3815605021"/>
+      </p:ext>
+    </p:extLst>
+  </p:cSld>
+  <p:clrMapOvr>
+    <a:masterClrMapping/>
+  </p:clrMapOvr>
+</p:notes>
+</file>
+
+<file path=ppt/notesSlides/notesSlide17.xml><?xml version="1.0" encoding="utf-8"?>
+<p:notes xmlns:a="http://schemas.openxmlformats.org/drawingml/2006/main" xmlns:r="http://schemas.openxmlformats.org/officeDocument/2006/relationships" xmlns:p="http://schemas.openxmlformats.org/presentationml/2006/main">
+  <p:cSld>
+    <p:spTree>
+      <p:nvGrpSpPr>
+        <p:cNvPr id="1" name=""/>
+        <p:cNvGrpSpPr/>
+        <p:nvPr/>
+      </p:nvGrpSpPr>
+      <p:grpSpPr>
+        <a:xfrm>
+          <a:off x="0" y="0"/>
+          <a:ext cx="0" cy="0"/>
+          <a:chOff x="0" y="0"/>
+          <a:chExt cx="0" cy="0"/>
+        </a:xfrm>
+      </p:grpSpPr>
+      <p:sp>
+        <p:nvSpPr>
+          <p:cNvPr id="2" name="Slide Image Placeholder 1"/>
+          <p:cNvSpPr>
+            <a:spLocks noGrp="1" noRot="1" noChangeAspect="1"/>
+          </p:cNvSpPr>
+          <p:nvPr>
+            <p:ph type="sldImg"/>
+          </p:nvPr>
+        </p:nvSpPr>
+        <p:spPr/>
+      </p:sp>
+      <p:sp>
+        <p:nvSpPr>
+          <p:cNvPr id="3" name="Notes Placeholder 2"/>
+          <p:cNvSpPr>
+            <a:spLocks noGrp="1"/>
+          </p:cNvSpPr>
+          <p:nvPr>
+            <p:ph type="body" idx="1"/>
+          </p:nvPr>
+        </p:nvSpPr>
+        <p:spPr/>
+        <p:txBody>
+          <a:bodyPr/>
+          <a:lstStyle/>
+          <a:p>
+            <a:r>
+              <a:rPr lang="en-US" dirty="0"/>
+              <a:t>Ben, et. al.</a:t>
+            </a:r>
+          </a:p>
+        </p:txBody>
+      </p:sp>
+      <p:sp>
+        <p:nvSpPr>
+          <p:cNvPr id="4" name="Slide Number Placeholder 3"/>
+          <p:cNvSpPr>
+            <a:spLocks noGrp="1"/>
+          </p:cNvSpPr>
+          <p:nvPr>
+            <p:ph type="sldNum" sz="quarter" idx="10"/>
+          </p:nvPr>
+        </p:nvSpPr>
+        <p:spPr/>
+        <p:txBody>
+          <a:bodyPr/>
+          <a:lstStyle/>
+          <a:p>
+            <a:fld id="{E036C5E8-C651-4855-8408-5DA77CFDB230}" type="slidenum">
+              <a:rPr lang="en-US" smtClean="0"/>
+              <a:t>27</a:t>
+            </a:fld>
+            <a:endParaRPr lang="en-US"/>
+          </a:p>
+        </p:txBody>
+      </p:sp>
+    </p:spTree>
+    <p:extLst>
+      <p:ext uri="{BB962C8B-B14F-4D97-AF65-F5344CB8AC3E}">
+        <p14:creationId xmlns:p14="http://schemas.microsoft.com/office/powerpoint/2010/main" val="677419118"/>
+      </p:ext>
+    </p:extLst>
+  </p:cSld>
+  <p:clrMapOvr>
+    <a:masterClrMapping/>
+  </p:clrMapOvr>
+</p:notes>
+</file>
+
+<file path=ppt/notesSlides/notesSlide2.xml><?xml version="1.0" encoding="utf-8"?>
+<p:notes xmlns:a="http://schemas.openxmlformats.org/drawingml/2006/main" xmlns:r="http://schemas.openxmlformats.org/officeDocument/2006/relationships" xmlns:p="http://schemas.openxmlformats.org/presentationml/2006/main">
+  <p:cSld>
+    <p:spTree>
+      <p:nvGrpSpPr>
+        <p:cNvPr id="1" name=""/>
+        <p:cNvGrpSpPr/>
+        <p:nvPr/>
+      </p:nvGrpSpPr>
+      <p:grpSpPr>
+        <a:xfrm>
+          <a:off x="0" y="0"/>
+          <a:ext cx="0" cy="0"/>
+          <a:chOff x="0" y="0"/>
+          <a:chExt cx="0" cy="0"/>
+        </a:xfrm>
+      </p:grpSpPr>
+      <p:sp>
+        <p:nvSpPr>
+          <p:cNvPr id="2" name="Slide Image Placeholder 1"/>
+          <p:cNvSpPr>
+            <a:spLocks noGrp="1" noRot="1" noChangeAspect="1"/>
+          </p:cNvSpPr>
+          <p:nvPr>
+            <p:ph type="sldImg"/>
+          </p:nvPr>
+        </p:nvSpPr>
+        <p:spPr/>
+      </p:sp>
+      <p:sp>
+        <p:nvSpPr>
+          <p:cNvPr id="3" name="Notes Placeholder 2"/>
+          <p:cNvSpPr>
+            <a:spLocks noGrp="1"/>
+          </p:cNvSpPr>
+          <p:nvPr>
+            <p:ph type="body" idx="1"/>
+          </p:nvPr>
+        </p:nvSpPr>
+        <p:spPr/>
+        <p:txBody>
+          <a:bodyPr/>
+          <a:lstStyle/>
+          <a:p>
+            <a:r>
+              <a:rPr lang="en-US" dirty="0"/>
+              <a:t>Missy</a:t>
+            </a:r>
+          </a:p>
+        </p:txBody>
+      </p:sp>
+      <p:sp>
+        <p:nvSpPr>
+          <p:cNvPr id="4" name="Slide Number Placeholder 3"/>
+          <p:cNvSpPr>
+            <a:spLocks noGrp="1"/>
+          </p:cNvSpPr>
+          <p:nvPr>
+            <p:ph type="sldNum" sz="quarter" idx="10"/>
+          </p:nvPr>
+        </p:nvSpPr>
+        <p:spPr/>
+        <p:txBody>
+          <a:bodyPr/>
+          <a:lstStyle/>
+          <a:p>
+            <a:fld id="{E036C5E8-C651-4855-8408-5DA77CFDB230}" type="slidenum">
+              <a:rPr lang="en-US" smtClean="0"/>
+              <a:t>3</a:t>
+            </a:fld>
+            <a:endParaRPr lang="en-US"/>
+          </a:p>
+        </p:txBody>
+      </p:sp>
+    </p:spTree>
+    <p:extLst>
+      <p:ext uri="{BB962C8B-B14F-4D97-AF65-F5344CB8AC3E}">
+        <p14:creationId xmlns:p14="http://schemas.microsoft.com/office/powerpoint/2010/main" val="770398398"/>
+      </p:ext>
+    </p:extLst>
+  </p:cSld>
+  <p:clrMapOvr>
+    <a:masterClrMapping/>
+  </p:clrMapOvr>
+</p:notes>
+</file>
+
+<file path=ppt/notesSlides/notesSlide3.xml><?xml version="1.0" encoding="utf-8"?>
+<p:notes xmlns:a="http://schemas.openxmlformats.org/drawingml/2006/main" xmlns:r="http://schemas.openxmlformats.org/officeDocument/2006/relationships" xmlns:p="http://schemas.openxmlformats.org/presentationml/2006/main">
+  <p:cSld>
+    <p:spTree>
+      <p:nvGrpSpPr>
+        <p:cNvPr id="1" name=""/>
+        <p:cNvGrpSpPr/>
+        <p:nvPr/>
+      </p:nvGrpSpPr>
+      <p:grpSpPr>
+        <a:xfrm>
+          <a:off x="0" y="0"/>
+          <a:ext cx="0" cy="0"/>
+          <a:chOff x="0" y="0"/>
+          <a:chExt cx="0" cy="0"/>
+        </a:xfrm>
+      </p:grpSpPr>
+      <p:sp>
+        <p:nvSpPr>
+          <p:cNvPr id="2" name="Slide Image Placeholder 1"/>
+          <p:cNvSpPr>
+            <a:spLocks noGrp="1" noRot="1" noChangeAspect="1"/>
+          </p:cNvSpPr>
+          <p:nvPr>
+            <p:ph type="sldImg"/>
+          </p:nvPr>
+        </p:nvSpPr>
+        <p:spPr/>
+      </p:sp>
+      <p:sp>
+        <p:nvSpPr>
+          <p:cNvPr id="3" name="Notes Placeholder 2"/>
+          <p:cNvSpPr>
+            <a:spLocks noGrp="1"/>
+          </p:cNvSpPr>
+          <p:nvPr>
+            <p:ph type="body" idx="1"/>
+          </p:nvPr>
+        </p:nvSpPr>
+        <p:spPr/>
+        <p:txBody>
+          <a:bodyPr/>
+          <a:lstStyle/>
+          <a:p>
+            <a:r>
+              <a:rPr lang="en-US" dirty="0" err="1"/>
+              <a:t>Yarden</a:t>
+            </a:r>
+            <a:endParaRPr lang="en-US" dirty="0"/>
+          </a:p>
+        </p:txBody>
+      </p:sp>
+      <p:sp>
+        <p:nvSpPr>
+          <p:cNvPr id="4" name="Slide Number Placeholder 3"/>
+          <p:cNvSpPr>
+            <a:spLocks noGrp="1"/>
+          </p:cNvSpPr>
+          <p:nvPr>
+            <p:ph type="sldNum" sz="quarter" idx="10"/>
+          </p:nvPr>
+        </p:nvSpPr>
+        <p:spPr/>
+        <p:txBody>
+          <a:bodyPr/>
+          <a:lstStyle/>
+          <a:p>
+            <a:fld id="{E036C5E8-C651-4855-8408-5DA77CFDB230}" type="slidenum">
+              <a:rPr lang="en-US" smtClean="0"/>
+              <a:t>6</a:t>
+            </a:fld>
+            <a:endParaRPr lang="en-US"/>
+          </a:p>
+        </p:txBody>
+      </p:sp>
+    </p:spTree>
+    <p:extLst>
+      <p:ext uri="{BB962C8B-B14F-4D97-AF65-F5344CB8AC3E}">
+        <p14:creationId xmlns:p14="http://schemas.microsoft.com/office/powerpoint/2010/main" val="3992577736"/>
+      </p:ext>
+    </p:extLst>
+  </p:cSld>
+  <p:clrMapOvr>
+    <a:masterClrMapping/>
+  </p:clrMapOvr>
+</p:notes>
+</file>
+
+<file path=ppt/notesSlides/notesSlide4.xml><?xml version="1.0" encoding="utf-8"?>
+<p:notes xmlns:a="http://schemas.openxmlformats.org/drawingml/2006/main" xmlns:r="http://schemas.openxmlformats.org/officeDocument/2006/relationships" xmlns:p="http://schemas.openxmlformats.org/presentationml/2006/main">
+  <p:cSld>
+    <p:spTree>
+      <p:nvGrpSpPr>
+        <p:cNvPr id="1" name=""/>
+        <p:cNvGrpSpPr/>
+        <p:nvPr/>
+      </p:nvGrpSpPr>
+      <p:grpSpPr>
+        <a:xfrm>
+          <a:off x="0" y="0"/>
+          <a:ext cx="0" cy="0"/>
+          <a:chOff x="0" y="0"/>
+          <a:chExt cx="0" cy="0"/>
+        </a:xfrm>
+      </p:grpSpPr>
+      <p:sp>
+        <p:nvSpPr>
+          <p:cNvPr id="2" name="Slide Image Placeholder 1"/>
+          <p:cNvSpPr>
+            <a:spLocks noGrp="1" noRot="1" noChangeAspect="1"/>
+          </p:cNvSpPr>
+          <p:nvPr>
+            <p:ph type="sldImg"/>
+          </p:nvPr>
+        </p:nvSpPr>
+        <p:spPr/>
+      </p:sp>
+      <p:sp>
+        <p:nvSpPr>
+          <p:cNvPr id="3" name="Notes Placeholder 2"/>
+          <p:cNvSpPr>
+            <a:spLocks noGrp="1"/>
+          </p:cNvSpPr>
+          <p:nvPr>
+            <p:ph type="body" idx="1"/>
+          </p:nvPr>
+        </p:nvSpPr>
+        <p:spPr/>
+        <p:txBody>
+          <a:bodyPr/>
+          <a:lstStyle/>
+          <a:p>
+            <a:r>
+              <a:rPr lang="en-US" dirty="0" err="1"/>
+              <a:t>Yarden</a:t>
+            </a:r>
+            <a:endParaRPr lang="en-US" dirty="0"/>
+          </a:p>
+        </p:txBody>
+      </p:sp>
+      <p:sp>
+        <p:nvSpPr>
+          <p:cNvPr id="4" name="Slide Number Placeholder 3"/>
+          <p:cNvSpPr>
+            <a:spLocks noGrp="1"/>
+          </p:cNvSpPr>
+          <p:nvPr>
+            <p:ph type="sldNum" sz="quarter" idx="10"/>
+          </p:nvPr>
+        </p:nvSpPr>
+        <p:spPr/>
+        <p:txBody>
+          <a:bodyPr/>
+          <a:lstStyle/>
+          <a:p>
+            <a:fld id="{E036C5E8-C651-4855-8408-5DA77CFDB230}" type="slidenum">
+              <a:rPr lang="en-US" smtClean="0"/>
+              <a:t>7</a:t>
+            </a:fld>
+            <a:endParaRPr lang="en-US"/>
+          </a:p>
+        </p:txBody>
+      </p:sp>
+    </p:spTree>
+    <p:extLst>
+      <p:ext uri="{BB962C8B-B14F-4D97-AF65-F5344CB8AC3E}">
+        <p14:creationId xmlns:p14="http://schemas.microsoft.com/office/powerpoint/2010/main" val="2314654739"/>
+      </p:ext>
+    </p:extLst>
+  </p:cSld>
+  <p:clrMapOvr>
+    <a:masterClrMapping/>
+  </p:clrMapOvr>
+</p:notes>
+</file>
+
+<file path=ppt/notesSlides/notesSlide5.xml><?xml version="1.0" encoding="utf-8"?>
+<p:notes xmlns:a="http://schemas.openxmlformats.org/drawingml/2006/main" xmlns:r="http://schemas.openxmlformats.org/officeDocument/2006/relationships" xmlns:p="http://schemas.openxmlformats.org/presentationml/2006/main">
+  <p:cSld>
+    <p:spTree>
+      <p:nvGrpSpPr>
+        <p:cNvPr id="1" name=""/>
+        <p:cNvGrpSpPr/>
+        <p:nvPr/>
+      </p:nvGrpSpPr>
+      <p:grpSpPr>
+        <a:xfrm>
+          <a:off x="0" y="0"/>
+          <a:ext cx="0" cy="0"/>
+          <a:chOff x="0" y="0"/>
+          <a:chExt cx="0" cy="0"/>
+        </a:xfrm>
+      </p:grpSpPr>
+      <p:sp>
+        <p:nvSpPr>
+          <p:cNvPr id="2" name="Slide Image Placeholder 1"/>
+          <p:cNvSpPr>
+            <a:spLocks noGrp="1" noRot="1" noChangeAspect="1"/>
+          </p:cNvSpPr>
+          <p:nvPr>
+            <p:ph type="sldImg"/>
+          </p:nvPr>
+        </p:nvSpPr>
+        <p:spPr/>
+      </p:sp>
+      <p:sp>
+        <p:nvSpPr>
+          <p:cNvPr id="3" name="Notes Placeholder 2"/>
+          <p:cNvSpPr>
+            <a:spLocks noGrp="1"/>
+          </p:cNvSpPr>
+          <p:nvPr>
+            <p:ph type="body" idx="1"/>
+          </p:nvPr>
+        </p:nvSpPr>
+        <p:spPr/>
+        <p:txBody>
+          <a:bodyPr/>
+          <a:lstStyle/>
+          <a:p>
+            <a:r>
+              <a:rPr lang="en-US" dirty="0"/>
+              <a:t>Missy</a:t>
+            </a:r>
+          </a:p>
+        </p:txBody>
+      </p:sp>
+      <p:sp>
+        <p:nvSpPr>
+          <p:cNvPr id="4" name="Slide Number Placeholder 3"/>
+          <p:cNvSpPr>
+            <a:spLocks noGrp="1"/>
+          </p:cNvSpPr>
+          <p:nvPr>
+            <p:ph type="sldNum" sz="quarter" idx="10"/>
+          </p:nvPr>
+        </p:nvSpPr>
+        <p:spPr/>
+        <p:txBody>
+          <a:bodyPr/>
+          <a:lstStyle/>
+          <a:p>
+            <a:fld id="{E036C5E8-C651-4855-8408-5DA77CFDB230}" type="slidenum">
+              <a:rPr lang="en-US" smtClean="0"/>
+              <a:t>9</a:t>
+            </a:fld>
+            <a:endParaRPr lang="en-US"/>
+          </a:p>
+        </p:txBody>
+      </p:sp>
+    </p:spTree>
+    <p:extLst>
+      <p:ext uri="{BB962C8B-B14F-4D97-AF65-F5344CB8AC3E}">
+        <p14:creationId xmlns:p14="http://schemas.microsoft.com/office/powerpoint/2010/main" val="2454676457"/>
+      </p:ext>
+    </p:extLst>
+  </p:cSld>
+  <p:clrMapOvr>
+    <a:masterClrMapping/>
+  </p:clrMapOvr>
+</p:notes>
+</file>
+
+<file path=ppt/notesSlides/notesSlide6.xml><?xml version="1.0" encoding="utf-8"?>
+<p:notes xmlns:a="http://schemas.openxmlformats.org/drawingml/2006/main" xmlns:r="http://schemas.openxmlformats.org/officeDocument/2006/relationships" xmlns:p="http://schemas.openxmlformats.org/presentationml/2006/main">
+  <p:cSld>
+    <p:spTree>
+      <p:nvGrpSpPr>
+        <p:cNvPr id="1" name=""/>
+        <p:cNvGrpSpPr/>
+        <p:nvPr/>
+      </p:nvGrpSpPr>
+      <p:grpSpPr>
+        <a:xfrm>
+          <a:off x="0" y="0"/>
+          <a:ext cx="0" cy="0"/>
+          <a:chOff x="0" y="0"/>
+          <a:chExt cx="0" cy="0"/>
+        </a:xfrm>
+      </p:grpSpPr>
+      <p:sp>
+        <p:nvSpPr>
+          <p:cNvPr id="2" name="Slide Image Placeholder 1"/>
+          <p:cNvSpPr>
+            <a:spLocks noGrp="1" noRot="1" noChangeAspect="1"/>
+          </p:cNvSpPr>
+          <p:nvPr>
+            <p:ph type="sldImg"/>
+          </p:nvPr>
+        </p:nvSpPr>
+        <p:spPr/>
+      </p:sp>
+      <p:sp>
+        <p:nvSpPr>
+          <p:cNvPr id="3" name="Notes Placeholder 2"/>
+          <p:cNvSpPr>
+            <a:spLocks noGrp="1"/>
+          </p:cNvSpPr>
+          <p:nvPr>
+            <p:ph type="body" idx="1"/>
+          </p:nvPr>
+        </p:nvSpPr>
+        <p:spPr/>
+        <p:txBody>
+          <a:bodyPr/>
+          <a:lstStyle/>
+          <a:p>
+            <a:r>
+              <a:rPr lang="en-US" dirty="0"/>
+              <a:t>Missy</a:t>
+            </a:r>
+          </a:p>
+        </p:txBody>
+      </p:sp>
+      <p:sp>
+        <p:nvSpPr>
+          <p:cNvPr id="4" name="Slide Number Placeholder 3"/>
+          <p:cNvSpPr>
+            <a:spLocks noGrp="1"/>
+          </p:cNvSpPr>
+          <p:nvPr>
+            <p:ph type="sldNum" sz="quarter" idx="10"/>
+          </p:nvPr>
+        </p:nvSpPr>
+        <p:spPr/>
+        <p:txBody>
+          <a:bodyPr/>
+          <a:lstStyle/>
+          <a:p>
+            <a:fld id="{E036C5E8-C651-4855-8408-5DA77CFDB230}" type="slidenum">
+              <a:rPr lang="en-US" smtClean="0"/>
+              <a:t>10</a:t>
+            </a:fld>
+            <a:endParaRPr lang="en-US"/>
+          </a:p>
+        </p:txBody>
+      </p:sp>
+    </p:spTree>
+    <p:extLst>
+      <p:ext uri="{BB962C8B-B14F-4D97-AF65-F5344CB8AC3E}">
+        <p14:creationId xmlns:p14="http://schemas.microsoft.com/office/powerpoint/2010/main" val="3895042694"/>
+      </p:ext>
+    </p:extLst>
+  </p:cSld>
+  <p:clrMapOvr>
+    <a:masterClrMapping/>
+  </p:clrMapOvr>
+</p:notes>
+</file>
+
+<file path=ppt/notesSlides/notesSlide7.xml><?xml version="1.0" encoding="utf-8"?>
+<p:notes xmlns:a="http://schemas.openxmlformats.org/drawingml/2006/main" xmlns:r="http://schemas.openxmlformats.org/officeDocument/2006/relationships" xmlns:p="http://schemas.openxmlformats.org/presentationml/2006/main">
+  <p:cSld>
+    <p:spTree>
+      <p:nvGrpSpPr>
+        <p:cNvPr id="1" name=""/>
+        <p:cNvGrpSpPr/>
+        <p:nvPr/>
+      </p:nvGrpSpPr>
+      <p:grpSpPr>
+        <a:xfrm>
+          <a:off x="0" y="0"/>
+          <a:ext cx="0" cy="0"/>
+          <a:chOff x="0" y="0"/>
+          <a:chExt cx="0" cy="0"/>
+        </a:xfrm>
+      </p:grpSpPr>
+      <p:sp>
+        <p:nvSpPr>
+          <p:cNvPr id="2" name="Slide Image Placeholder 1"/>
+          <p:cNvSpPr>
+            <a:spLocks noGrp="1" noRot="1" noChangeAspect="1"/>
+          </p:cNvSpPr>
+          <p:nvPr>
+            <p:ph type="sldImg"/>
+          </p:nvPr>
+        </p:nvSpPr>
+        <p:spPr/>
+      </p:sp>
+      <p:sp>
+        <p:nvSpPr>
+          <p:cNvPr id="3" name="Notes Placeholder 2"/>
+          <p:cNvSpPr>
+            <a:spLocks noGrp="1"/>
+          </p:cNvSpPr>
+          <p:nvPr>
+            <p:ph type="body" idx="1"/>
+          </p:nvPr>
+        </p:nvSpPr>
+        <p:spPr/>
+        <p:txBody>
+          <a:bodyPr/>
+          <a:lstStyle/>
+          <a:p>
+            <a:r>
+              <a:rPr lang="en-US" dirty="0"/>
+              <a:t>Brooke</a:t>
+            </a:r>
+          </a:p>
+        </p:txBody>
+      </p:sp>
+      <p:sp>
+        <p:nvSpPr>
+          <p:cNvPr id="4" name="Slide Number Placeholder 3"/>
+          <p:cNvSpPr>
+            <a:spLocks noGrp="1"/>
+          </p:cNvSpPr>
+          <p:nvPr>
+            <p:ph type="sldNum" sz="quarter" idx="10"/>
+          </p:nvPr>
+        </p:nvSpPr>
+        <p:spPr/>
+        <p:txBody>
+          <a:bodyPr/>
+          <a:lstStyle/>
+          <a:p>
+            <a:fld id="{E036C5E8-C651-4855-8408-5DA77CFDB230}" type="slidenum">
+              <a:rPr lang="en-US" smtClean="0"/>
+              <a:t>11</a:t>
+            </a:fld>
+            <a:endParaRPr lang="en-US"/>
+          </a:p>
+        </p:txBody>
+      </p:sp>
+    </p:spTree>
+    <p:extLst>
+      <p:ext uri="{BB962C8B-B14F-4D97-AF65-F5344CB8AC3E}">
+        <p14:creationId xmlns:p14="http://schemas.microsoft.com/office/powerpoint/2010/main" val="1305436485"/>
+      </p:ext>
+    </p:extLst>
+  </p:cSld>
+  <p:clrMapOvr>
+    <a:masterClrMapping/>
+  </p:clrMapOvr>
+</p:notes>
+</file>
+
+<file path=ppt/notesSlides/notesSlide8.xml><?xml version="1.0" encoding="utf-8"?>
+<p:notes xmlns:a="http://schemas.openxmlformats.org/drawingml/2006/main" xmlns:r="http://schemas.openxmlformats.org/officeDocument/2006/relationships" xmlns:p="http://schemas.openxmlformats.org/presentationml/2006/main">
+  <p:cSld>
+    <p:spTree>
+      <p:nvGrpSpPr>
+        <p:cNvPr id="1" name=""/>
+        <p:cNvGrpSpPr/>
+        <p:nvPr/>
+      </p:nvGrpSpPr>
+      <p:grpSpPr>
+        <a:xfrm>
+          <a:off x="0" y="0"/>
+          <a:ext cx="0" cy="0"/>
+          <a:chOff x="0" y="0"/>
+          <a:chExt cx="0" cy="0"/>
+        </a:xfrm>
+      </p:grpSpPr>
+      <p:sp>
+        <p:nvSpPr>
+          <p:cNvPr id="2" name="Slide Image Placeholder 1"/>
+          <p:cNvSpPr>
+            <a:spLocks noGrp="1" noRot="1" noChangeAspect="1"/>
+          </p:cNvSpPr>
+          <p:nvPr>
+            <p:ph type="sldImg"/>
+          </p:nvPr>
+        </p:nvSpPr>
+        <p:spPr/>
+      </p:sp>
+      <p:sp>
+        <p:nvSpPr>
+          <p:cNvPr id="3" name="Notes Placeholder 2"/>
+          <p:cNvSpPr>
+            <a:spLocks noGrp="1"/>
+          </p:cNvSpPr>
+          <p:nvPr>
+            <p:ph type="body" idx="1"/>
+          </p:nvPr>
+        </p:nvSpPr>
+        <p:spPr/>
+        <p:txBody>
+          <a:bodyPr/>
+          <a:lstStyle/>
+          <a:p>
+            <a:r>
+              <a:rPr lang="en-US" dirty="0" err="1"/>
+              <a:t>Yarden</a:t>
+            </a:r>
+            <a:endParaRPr lang="en-US" dirty="0"/>
+          </a:p>
+        </p:txBody>
+      </p:sp>
+      <p:sp>
+        <p:nvSpPr>
+          <p:cNvPr id="4" name="Slide Number Placeholder 3"/>
+          <p:cNvSpPr>
+            <a:spLocks noGrp="1"/>
+          </p:cNvSpPr>
+          <p:nvPr>
+            <p:ph type="sldNum" sz="quarter" idx="10"/>
+          </p:nvPr>
+        </p:nvSpPr>
+        <p:spPr/>
+        <p:txBody>
+          <a:bodyPr/>
+          <a:lstStyle/>
+          <a:p>
+            <a:fld id="{E036C5E8-C651-4855-8408-5DA77CFDB230}" type="slidenum">
+              <a:rPr lang="en-US" smtClean="0"/>
+              <a:t>16</a:t>
+            </a:fld>
+            <a:endParaRPr lang="en-US"/>
+          </a:p>
+        </p:txBody>
+      </p:sp>
+    </p:spTree>
+    <p:extLst>
+      <p:ext uri="{BB962C8B-B14F-4D97-AF65-F5344CB8AC3E}">
+        <p14:creationId xmlns:p14="http://schemas.microsoft.com/office/powerpoint/2010/main" val="115802962"/>
+      </p:ext>
+    </p:extLst>
+  </p:cSld>
+  <p:clrMapOvr>
+    <a:masterClrMapping/>
+  </p:clrMapOvr>
+</p:notes>
+</file>
+
+<file path=ppt/notesSlides/notesSlide9.xml><?xml version="1.0" encoding="utf-8"?>
+<p:notes xmlns:a="http://schemas.openxmlformats.org/drawingml/2006/main" xmlns:r="http://schemas.openxmlformats.org/officeDocument/2006/relationships" xmlns:p="http://schemas.openxmlformats.org/presentationml/2006/main">
+  <p:cSld>
+    <p:spTree>
+      <p:nvGrpSpPr>
+        <p:cNvPr id="1" name=""/>
+        <p:cNvGrpSpPr/>
+        <p:nvPr/>
+      </p:nvGrpSpPr>
+      <p:grpSpPr>
+        <a:xfrm>
+          <a:off x="0" y="0"/>
+          <a:ext cx="0" cy="0"/>
+          <a:chOff x="0" y="0"/>
+          <a:chExt cx="0" cy="0"/>
+        </a:xfrm>
+      </p:grpSpPr>
+      <p:sp>
+        <p:nvSpPr>
+          <p:cNvPr id="2" name="Slide Image Placeholder 1"/>
+          <p:cNvSpPr>
+            <a:spLocks noGrp="1" noRot="1" noChangeAspect="1"/>
+          </p:cNvSpPr>
+          <p:nvPr>
+            <p:ph type="sldImg"/>
+          </p:nvPr>
+        </p:nvSpPr>
+        <p:spPr/>
+      </p:sp>
+      <p:sp>
+        <p:nvSpPr>
+          <p:cNvPr id="3" name="Notes Placeholder 2"/>
+          <p:cNvSpPr>
+            <a:spLocks noGrp="1"/>
+          </p:cNvSpPr>
+          <p:nvPr>
+            <p:ph type="body" idx="1"/>
+          </p:nvPr>
+        </p:nvSpPr>
+        <p:spPr/>
+        <p:txBody>
+          <a:bodyPr/>
+          <a:lstStyle/>
+          <a:p>
+            <a:r>
+              <a:rPr lang="en-US" dirty="0" err="1"/>
+              <a:t>Yarden</a:t>
+            </a:r>
+            <a:endParaRPr lang="en-US" dirty="0"/>
+          </a:p>
+        </p:txBody>
+      </p:sp>
+      <p:sp>
+        <p:nvSpPr>
+          <p:cNvPr id="4" name="Slide Number Placeholder 3"/>
+          <p:cNvSpPr>
+            <a:spLocks noGrp="1"/>
+          </p:cNvSpPr>
+          <p:nvPr>
+            <p:ph type="sldNum" sz="quarter" idx="10"/>
+          </p:nvPr>
+        </p:nvSpPr>
+        <p:spPr/>
+        <p:txBody>
+          <a:bodyPr/>
+          <a:lstStyle/>
+          <a:p>
+            <a:fld id="{E036C5E8-C651-4855-8408-5DA77CFDB230}" type="slidenum">
+              <a:rPr lang="en-US" smtClean="0"/>
+              <a:t>17</a:t>
+            </a:fld>
+            <a:endParaRPr lang="en-US"/>
+          </a:p>
+        </p:txBody>
+      </p:sp>
+    </p:spTree>
+    <p:extLst>
+      <p:ext uri="{BB962C8B-B14F-4D97-AF65-F5344CB8AC3E}">
+        <p14:creationId xmlns:p14="http://schemas.microsoft.com/office/powerpoint/2010/main" val="138414510"/>
+      </p:ext>
+    </p:extLst>
+  </p:cSld>
+  <p:clrMapOvr>
+    <a:masterClrMapping/>
+  </p:clrMapOvr>
+</p:notes>
 </file>
 
 <file path=ppt/slideLayouts/slideLayout1.xml><?xml version="1.0" encoding="utf-8"?>
@@ -620,7 +3688,7 @@
           <a:p>
             <a:fld id="{293A057B-733E-4B68-9481-D602CC5F4E3A}" type="datetimeFigureOut">
               <a:rPr lang="en-US" smtClean="0"/>
-              <a:t>12/9/2017</a:t>
+              <a:t>12/12/2017</a:t>
             </a:fld>
             <a:endParaRPr lang="en-US"/>
           </a:p>
@@ -916,7 +3984,7 @@
           <a:p>
             <a:fld id="{293A057B-733E-4B68-9481-D602CC5F4E3A}" type="datetimeFigureOut">
               <a:rPr lang="en-US" smtClean="0"/>
-              <a:t>12/9/2017</a:t>
+              <a:t>12/12/2017</a:t>
             </a:fld>
             <a:endParaRPr lang="en-US"/>
           </a:p>
@@ -1164,7 +4232,7 @@
           <a:p>
             <a:fld id="{293A057B-733E-4B68-9481-D602CC5F4E3A}" type="datetimeFigureOut">
               <a:rPr lang="en-US" smtClean="0"/>
-              <a:t>12/9/2017</a:t>
+              <a:t>12/12/2017</a:t>
             </a:fld>
             <a:endParaRPr lang="en-US"/>
           </a:p>
@@ -1704,7 +4772,7 @@
           <a:p>
             <a:fld id="{293A057B-733E-4B68-9481-D602CC5F4E3A}" type="datetimeFigureOut">
               <a:rPr lang="en-US" smtClean="0"/>
-              <a:t>12/9/2017</a:t>
+              <a:t>12/12/2017</a:t>
             </a:fld>
             <a:endParaRPr lang="en-US"/>
           </a:p>
@@ -1952,7 +5020,7 @@
           <a:p>
             <a:fld id="{293A057B-733E-4B68-9481-D602CC5F4E3A}" type="datetimeFigureOut">
               <a:rPr lang="en-US" smtClean="0"/>
-              <a:t>12/9/2017</a:t>
+              <a:t>12/12/2017</a:t>
             </a:fld>
             <a:endParaRPr lang="en-US"/>
           </a:p>
@@ -2484,7 +5552,7 @@
           <a:p>
             <a:fld id="{293A057B-733E-4B68-9481-D602CC5F4E3A}" type="datetimeFigureOut">
               <a:rPr lang="en-US" smtClean="0"/>
-              <a:t>12/9/2017</a:t>
+              <a:t>12/12/2017</a:t>
             </a:fld>
             <a:endParaRPr lang="en-US"/>
           </a:p>
@@ -2781,7 +5849,7 @@
           <a:p>
             <a:fld id="{293A057B-733E-4B68-9481-D602CC5F4E3A}" type="datetimeFigureOut">
               <a:rPr lang="en-US" smtClean="0"/>
-              <a:t>12/9/2017</a:t>
+              <a:t>12/12/2017</a:t>
             </a:fld>
             <a:endParaRPr lang="en-US"/>
           </a:p>
@@ -2955,7 +6023,7 @@
           <a:p>
             <a:fld id="{293A057B-733E-4B68-9481-D602CC5F4E3A}" type="datetimeFigureOut">
               <a:rPr lang="en-US" smtClean="0"/>
-              <a:t>12/9/2017</a:t>
+              <a:t>12/12/2017</a:t>
             </a:fld>
             <a:endParaRPr lang="en-US"/>
           </a:p>
@@ -3135,7 +6203,7 @@
           <a:p>
             <a:fld id="{293A057B-733E-4B68-9481-D602CC5F4E3A}" type="datetimeFigureOut">
               <a:rPr lang="en-US" smtClean="0"/>
-              <a:t>12/9/2017</a:t>
+              <a:t>12/12/2017</a:t>
             </a:fld>
             <a:endParaRPr lang="en-US"/>
           </a:p>
@@ -3343,7 +6411,7 @@
           <a:p>
             <a:fld id="{CC085063-1073-4AF6-BCF3-BD09E594287C}" type="datetimeFigureOut">
               <a:rPr lang="en-US" smtClean="0"/>
-              <a:t>12/9/2017</a:t>
+              <a:t>12/12/2017</a:t>
             </a:fld>
             <a:endParaRPr lang="en-US"/>
           </a:p>
@@ -3541,7 +6609,7 @@
           <a:p>
             <a:fld id="{CC085063-1073-4AF6-BCF3-BD09E594287C}" type="datetimeFigureOut">
               <a:rPr lang="en-US" smtClean="0"/>
-              <a:t>12/9/2017</a:t>
+              <a:t>12/12/2017</a:t>
             </a:fld>
             <a:endParaRPr lang="en-US"/>
           </a:p>
@@ -3641,7 +6709,12 @@
             <p:ph type="title"/>
           </p:nvPr>
         </p:nvSpPr>
-        <p:spPr/>
+        <p:spPr>
+          <a:xfrm>
+            <a:off x="1484311" y="154858"/>
+            <a:ext cx="10018713" cy="1752599"/>
+          </a:xfrm>
+        </p:spPr>
         <p:txBody>
           <a:bodyPr/>
           <a:lstStyle/>
@@ -3664,45 +6737,49 @@
             <p:ph idx="1"/>
           </p:nvPr>
         </p:nvSpPr>
-        <p:spPr/>
-        <p:txBody>
-          <a:bodyPr anchor="ctr"/>
+        <p:spPr>
+          <a:xfrm>
+            <a:off x="1484310" y="2150809"/>
+            <a:ext cx="10018713" cy="3660056"/>
+          </a:xfrm>
+        </p:spPr>
+        <p:txBody>
+          <a:bodyPr anchor="t"/>
           <a:lstStyle/>
           <a:p>
             <a:pPr lvl="0"/>
             <a:r>
-              <a:rPr lang="en-US"/>
+              <a:rPr lang="en-US" dirty="0"/>
               <a:t>Edit Master text styles</a:t>
             </a:r>
           </a:p>
           <a:p>
             <a:pPr lvl="1"/>
             <a:r>
-              <a:rPr lang="en-US"/>
+              <a:rPr lang="en-US" dirty="0"/>
               <a:t>Second level</a:t>
             </a:r>
           </a:p>
           <a:p>
             <a:pPr lvl="2"/>
             <a:r>
-              <a:rPr lang="en-US"/>
+              <a:rPr lang="en-US" dirty="0"/>
               <a:t>Third level</a:t>
             </a:r>
           </a:p>
           <a:p>
             <a:pPr lvl="3"/>
             <a:r>
-              <a:rPr lang="en-US"/>
+              <a:rPr lang="en-US" dirty="0"/>
               <a:t>Fourth level</a:t>
             </a:r>
           </a:p>
           <a:p>
             <a:pPr lvl="4"/>
             <a:r>
-              <a:rPr lang="en-US"/>
+              <a:rPr lang="en-US" dirty="0"/>
               <a:t>Fifth level</a:t>
             </a:r>
-            <a:endParaRPr lang="en-US" dirty="0"/>
           </a:p>
         </p:txBody>
       </p:sp>
@@ -3723,7 +6800,7 @@
           <a:p>
             <a:fld id="{293A057B-733E-4B68-9481-D602CC5F4E3A}" type="datetimeFigureOut">
               <a:rPr lang="en-US" smtClean="0"/>
-              <a:t>12/9/2017</a:t>
+              <a:t>12/12/2017</a:t>
             </a:fld>
             <a:endParaRPr lang="en-US"/>
           </a:p>
@@ -3991,7 +7068,7 @@
           <a:p>
             <a:fld id="{CC085063-1073-4AF6-BCF3-BD09E594287C}" type="datetimeFigureOut">
               <a:rPr lang="en-US" smtClean="0"/>
-              <a:t>12/9/2017</a:t>
+              <a:t>12/12/2017</a:t>
             </a:fld>
             <a:endParaRPr lang="en-US"/>
           </a:p>
@@ -4256,7 +7333,7 @@
           <a:p>
             <a:fld id="{CC085063-1073-4AF6-BCF3-BD09E594287C}" type="datetimeFigureOut">
               <a:rPr lang="en-US" smtClean="0"/>
-              <a:t>12/9/2017</a:t>
+              <a:t>12/12/2017</a:t>
             </a:fld>
             <a:endParaRPr lang="en-US"/>
           </a:p>
@@ -4668,7 +7745,7 @@
           <a:p>
             <a:fld id="{CC085063-1073-4AF6-BCF3-BD09E594287C}" type="datetimeFigureOut">
               <a:rPr lang="en-US" smtClean="0"/>
-              <a:t>12/9/2017</a:t>
+              <a:t>12/12/2017</a:t>
             </a:fld>
             <a:endParaRPr lang="en-US"/>
           </a:p>
@@ -4809,7 +7886,7 @@
           <a:p>
             <a:fld id="{CC085063-1073-4AF6-BCF3-BD09E594287C}" type="datetimeFigureOut">
               <a:rPr lang="en-US" smtClean="0"/>
-              <a:t>12/9/2017</a:t>
+              <a:t>12/12/2017</a:t>
             </a:fld>
             <a:endParaRPr lang="en-US"/>
           </a:p>
@@ -4922,7 +7999,7 @@
           <a:p>
             <a:fld id="{CC085063-1073-4AF6-BCF3-BD09E594287C}" type="datetimeFigureOut">
               <a:rPr lang="en-US" smtClean="0"/>
-              <a:t>12/9/2017</a:t>
+              <a:t>12/12/2017</a:t>
             </a:fld>
             <a:endParaRPr lang="en-US"/>
           </a:p>
@@ -5233,7 +8310,7 @@
           <a:p>
             <a:fld id="{CC085063-1073-4AF6-BCF3-BD09E594287C}" type="datetimeFigureOut">
               <a:rPr lang="en-US" smtClean="0"/>
-              <a:t>12/9/2017</a:t>
+              <a:t>12/12/2017</a:t>
             </a:fld>
             <a:endParaRPr lang="en-US"/>
           </a:p>
@@ -5521,7 +8598,7 @@
           <a:p>
             <a:fld id="{CC085063-1073-4AF6-BCF3-BD09E594287C}" type="datetimeFigureOut">
               <a:rPr lang="en-US" smtClean="0"/>
-              <a:t>12/9/2017</a:t>
+              <a:t>12/12/2017</a:t>
             </a:fld>
             <a:endParaRPr lang="en-US"/>
           </a:p>
@@ -5719,7 +8796,7 @@
           <a:p>
             <a:fld id="{CC085063-1073-4AF6-BCF3-BD09E594287C}" type="datetimeFigureOut">
               <a:rPr lang="en-US" smtClean="0"/>
-              <a:t>12/9/2017</a:t>
+              <a:t>12/12/2017</a:t>
             </a:fld>
             <a:endParaRPr lang="en-US"/>
           </a:p>
@@ -5927,7 +9004,7 @@
           <a:p>
             <a:fld id="{CC085063-1073-4AF6-BCF3-BD09E594287C}" type="datetimeFigureOut">
               <a:rPr lang="en-US" smtClean="0"/>
-              <a:t>12/9/2017</a:t>
+              <a:t>12/12/2017</a:t>
             </a:fld>
             <a:endParaRPr lang="en-US"/>
           </a:p>
@@ -6187,7 +9264,7 @@
           <a:p>
             <a:fld id="{293A057B-733E-4B68-9481-D602CC5F4E3A}" type="datetimeFigureOut">
               <a:rPr lang="en-US" smtClean="0"/>
-              <a:t>12/9/2017</a:t>
+              <a:t>12/12/2017</a:t>
             </a:fld>
             <a:endParaRPr lang="en-US"/>
           </a:p>
@@ -6484,7 +9561,7 @@
           <a:p>
             <a:fld id="{293A057B-733E-4B68-9481-D602CC5F4E3A}" type="datetimeFigureOut">
               <a:rPr lang="en-US" smtClean="0"/>
-              <a:t>12/9/2017</a:t>
+              <a:t>12/12/2017</a:t>
             </a:fld>
             <a:endParaRPr lang="en-US"/>
           </a:p>
@@ -6926,7 +10003,7 @@
           <a:p>
             <a:fld id="{293A057B-733E-4B68-9481-D602CC5F4E3A}" type="datetimeFigureOut">
               <a:rPr lang="en-US" smtClean="0"/>
-              <a:t>12/9/2017</a:t>
+              <a:t>12/12/2017</a:t>
             </a:fld>
             <a:endParaRPr lang="en-US"/>
           </a:p>
@@ -7044,7 +10121,7 @@
           <a:p>
             <a:fld id="{293A057B-733E-4B68-9481-D602CC5F4E3A}" type="datetimeFigureOut">
               <a:rPr lang="en-US" smtClean="0"/>
-              <a:t>12/9/2017</a:t>
+              <a:t>12/12/2017</a:t>
             </a:fld>
             <a:endParaRPr lang="en-US"/>
           </a:p>
@@ -7139,7 +10216,7 @@
           <a:p>
             <a:fld id="{293A057B-733E-4B68-9481-D602CC5F4E3A}" type="datetimeFigureOut">
               <a:rPr lang="en-US" smtClean="0"/>
-              <a:t>12/9/2017</a:t>
+              <a:t>12/12/2017</a:t>
             </a:fld>
             <a:endParaRPr lang="en-US"/>
           </a:p>
@@ -7422,7 +10499,7 @@
           <a:p>
             <a:fld id="{293A057B-733E-4B68-9481-D602CC5F4E3A}" type="datetimeFigureOut">
               <a:rPr lang="en-US" smtClean="0"/>
-              <a:t>12/9/2017</a:t>
+              <a:t>12/12/2017</a:t>
             </a:fld>
             <a:endParaRPr lang="en-US"/>
           </a:p>
@@ -7713,7 +10790,7 @@
           <a:p>
             <a:fld id="{293A057B-733E-4B68-9481-D602CC5F4E3A}" type="datetimeFigureOut">
               <a:rPr lang="en-US" smtClean="0"/>
-              <a:t>12/9/2017</a:t>
+              <a:t>12/12/2017</a:t>
             </a:fld>
             <a:endParaRPr lang="en-US"/>
           </a:p>
@@ -8243,7 +11320,7 @@
           <a:p>
             <a:fld id="{293A057B-733E-4B68-9481-D602CC5F4E3A}" type="datetimeFigureOut">
               <a:rPr lang="en-US" smtClean="0"/>
-              <a:t>12/9/2017</a:t>
+              <a:t>12/12/2017</a:t>
             </a:fld>
             <a:endParaRPr lang="en-US"/>
           </a:p>
@@ -8949,7 +12026,7 @@
           <a:p>
             <a:fld id="{CC085063-1073-4AF6-BCF3-BD09E594287C}" type="datetimeFigureOut">
               <a:rPr lang="en-US" smtClean="0"/>
-              <a:t>12/9/2017</a:t>
+              <a:t>12/12/2017</a:t>
             </a:fld>
             <a:endParaRPr lang="en-US"/>
           </a:p>
@@ -9489,10 +12566,10 @@
       </p:grpSpPr>
       <p:sp>
         <p:nvSpPr>
-          <p:cNvPr id="4" name="Title 3">
+          <p:cNvPr id="2" name="Title 1">
             <a:extLst>
               <a:ext uri="{FF2B5EF4-FFF2-40B4-BE49-F238E27FC236}">
-                <a16:creationId xmlns:a16="http://schemas.microsoft.com/office/drawing/2014/main" id="{BCED0135-CB4C-4A30-9981-F8C4862A23A7}"/>
+                <a16:creationId xmlns:a16="http://schemas.microsoft.com/office/drawing/2014/main" id="{53CA4536-6417-4152-95A5-E423F06CBD68}"/>
               </a:ext>
             </a:extLst>
           </p:cNvPr>
@@ -9510,17 +12587,17 @@
           <a:p>
             <a:r>
               <a:rPr lang="en-US" dirty="0"/>
-              <a:t>Showcase</a:t>
-            </a:r>
-          </a:p>
-        </p:txBody>
-      </p:sp>
-      <p:sp>
-        <p:nvSpPr>
-          <p:cNvPr id="5" name="Text Placeholder 4">
+              <a:t>What We Actually Did</a:t>
+            </a:r>
+          </a:p>
+        </p:txBody>
+      </p:sp>
+      <p:sp>
+        <p:nvSpPr>
+          <p:cNvPr id="3" name="Content Placeholder 2">
             <a:extLst>
               <a:ext uri="{FF2B5EF4-FFF2-40B4-BE49-F238E27FC236}">
-                <a16:creationId xmlns:a16="http://schemas.microsoft.com/office/drawing/2014/main" id="{346A94D0-EA9E-41D4-AC24-761C06D018E9}"/>
+                <a16:creationId xmlns:a16="http://schemas.microsoft.com/office/drawing/2014/main" id="{BF985EE4-B8F0-4E37-8AD3-64A781EF853F}"/>
               </a:ext>
             </a:extLst>
           </p:cNvPr>
@@ -9528,7 +12605,7 @@
             <a:spLocks noGrp="1"/>
           </p:cNvSpPr>
           <p:nvPr>
-            <p:ph type="body" idx="1"/>
+            <p:ph idx="1"/>
           </p:nvPr>
         </p:nvSpPr>
         <p:spPr/>
@@ -9536,14 +12613,39 @@
           <a:bodyPr/>
           <a:lstStyle/>
           <a:p>
-            <a:endParaRPr lang="en-US"/>
+            <a:r>
+              <a:rPr lang="en-US"/>
+              <a:t>Discrete population:</a:t>
+            </a:r>
+          </a:p>
+          <a:p>
+            <a:pPr lvl="1"/>
+            <a:r>
+              <a:rPr lang="en-US"/>
+              <a:t>Voters that always vote Democrat</a:t>
+            </a:r>
+          </a:p>
+          <a:p>
+            <a:pPr lvl="1"/>
+            <a:r>
+              <a:rPr lang="en-US"/>
+              <a:t>Voters that always vote Republican</a:t>
+            </a:r>
+          </a:p>
+          <a:p>
+            <a:pPr lvl="1"/>
+            <a:r>
+              <a:rPr lang="en-US"/>
+              <a:t>Swing voters whose political opinions can be changed</a:t>
+            </a:r>
+            <a:endParaRPr lang="en-US" dirty="0"/>
           </a:p>
         </p:txBody>
       </p:sp>
     </p:spTree>
     <p:extLst>
       <p:ext uri="{BB962C8B-B14F-4D97-AF65-F5344CB8AC3E}">
-        <p14:creationId xmlns:p14="http://schemas.microsoft.com/office/powerpoint/2010/main" val="3847192227"/>
+        <p14:creationId xmlns:p14="http://schemas.microsoft.com/office/powerpoint/2010/main" val="649205620"/>
       </p:ext>
     </p:extLst>
   </p:cSld>
@@ -9554,332 +12656,6 @@
 </file>
 
 <file path=ppt/slides/slide11.xml><?xml version="1.0" encoding="utf-8"?>
-<p:sld xmlns:a="http://schemas.openxmlformats.org/drawingml/2006/main" xmlns:r="http://schemas.openxmlformats.org/officeDocument/2006/relationships" xmlns:p="http://schemas.openxmlformats.org/presentationml/2006/main">
-  <p:cSld>
-    <p:spTree>
-      <p:nvGrpSpPr>
-        <p:cNvPr id="1" name=""/>
-        <p:cNvGrpSpPr/>
-        <p:nvPr/>
-      </p:nvGrpSpPr>
-      <p:grpSpPr>
-        <a:xfrm>
-          <a:off x="0" y="0"/>
-          <a:ext cx="0" cy="0"/>
-          <a:chOff x="0" y="0"/>
-          <a:chExt cx="0" cy="0"/>
-        </a:xfrm>
-      </p:grpSpPr>
-      <p:sp>
-        <p:nvSpPr>
-          <p:cNvPr id="2" name="Title 1">
-            <a:extLst>
-              <a:ext uri="{FF2B5EF4-FFF2-40B4-BE49-F238E27FC236}">
-                <a16:creationId xmlns:a16="http://schemas.microsoft.com/office/drawing/2014/main" id="{55249C7B-8667-4F35-AFFD-53CF7D4846C8}"/>
-              </a:ext>
-            </a:extLst>
-          </p:cNvPr>
-          <p:cNvSpPr>
-            <a:spLocks noGrp="1"/>
-          </p:cNvSpPr>
-          <p:nvPr>
-            <p:ph type="title"/>
-          </p:nvPr>
-        </p:nvSpPr>
-        <p:spPr/>
-        <p:txBody>
-          <a:bodyPr/>
-          <a:lstStyle/>
-          <a:p>
-            <a:endParaRPr lang="en-US"/>
-          </a:p>
-        </p:txBody>
-      </p:sp>
-      <p:sp>
-        <p:nvSpPr>
-          <p:cNvPr id="3" name="Content Placeholder 2">
-            <a:extLst>
-              <a:ext uri="{FF2B5EF4-FFF2-40B4-BE49-F238E27FC236}">
-                <a16:creationId xmlns:a16="http://schemas.microsoft.com/office/drawing/2014/main" id="{1190CB5F-5388-46FC-B9EE-096420D57445}"/>
-              </a:ext>
-            </a:extLst>
-          </p:cNvPr>
-          <p:cNvSpPr>
-            <a:spLocks noGrp="1"/>
-          </p:cNvSpPr>
-          <p:nvPr>
-            <p:ph idx="1"/>
-          </p:nvPr>
-        </p:nvSpPr>
-        <p:spPr/>
-        <p:txBody>
-          <a:bodyPr/>
-          <a:lstStyle/>
-          <a:p>
-            <a:endParaRPr lang="en-US"/>
-          </a:p>
-        </p:txBody>
-      </p:sp>
-    </p:spTree>
-    <p:extLst>
-      <p:ext uri="{BB962C8B-B14F-4D97-AF65-F5344CB8AC3E}">
-        <p14:creationId xmlns:p14="http://schemas.microsoft.com/office/powerpoint/2010/main" val="3809937203"/>
-      </p:ext>
-    </p:extLst>
-  </p:cSld>
-  <p:clrMapOvr>
-    <a:masterClrMapping/>
-  </p:clrMapOvr>
-</p:sld>
-</file>
-
-<file path=ppt/slides/slide2.xml><?xml version="1.0" encoding="utf-8"?>
-<p:sld xmlns:a="http://schemas.openxmlformats.org/drawingml/2006/main" xmlns:r="http://schemas.openxmlformats.org/officeDocument/2006/relationships" xmlns:p="http://schemas.openxmlformats.org/presentationml/2006/main">
-  <p:cSld>
-    <p:spTree>
-      <p:nvGrpSpPr>
-        <p:cNvPr id="1" name=""/>
-        <p:cNvGrpSpPr/>
-        <p:nvPr/>
-      </p:nvGrpSpPr>
-      <p:grpSpPr>
-        <a:xfrm>
-          <a:off x="0" y="0"/>
-          <a:ext cx="0" cy="0"/>
-          <a:chOff x="0" y="0"/>
-          <a:chExt cx="0" cy="0"/>
-        </a:xfrm>
-      </p:grpSpPr>
-      <p:sp>
-        <p:nvSpPr>
-          <p:cNvPr id="4" name="Title 3">
-            <a:extLst>
-              <a:ext uri="{FF2B5EF4-FFF2-40B4-BE49-F238E27FC236}">
-                <a16:creationId xmlns:a16="http://schemas.microsoft.com/office/drawing/2014/main" id="{BCED0135-CB4C-4A30-9981-F8C4862A23A7}"/>
-              </a:ext>
-            </a:extLst>
-          </p:cNvPr>
-          <p:cNvSpPr>
-            <a:spLocks noGrp="1"/>
-          </p:cNvSpPr>
-          <p:nvPr>
-            <p:ph type="title"/>
-          </p:nvPr>
-        </p:nvSpPr>
-        <p:spPr/>
-        <p:txBody>
-          <a:bodyPr/>
-          <a:lstStyle/>
-          <a:p>
-            <a:r>
-              <a:rPr lang="en-US" dirty="0"/>
-              <a:t>???</a:t>
-            </a:r>
-          </a:p>
-        </p:txBody>
-      </p:sp>
-      <p:sp>
-        <p:nvSpPr>
-          <p:cNvPr id="5" name="Text Placeholder 4">
-            <a:extLst>
-              <a:ext uri="{FF2B5EF4-FFF2-40B4-BE49-F238E27FC236}">
-                <a16:creationId xmlns:a16="http://schemas.microsoft.com/office/drawing/2014/main" id="{346A94D0-EA9E-41D4-AC24-761C06D018E9}"/>
-              </a:ext>
-            </a:extLst>
-          </p:cNvPr>
-          <p:cNvSpPr>
-            <a:spLocks noGrp="1"/>
-          </p:cNvSpPr>
-          <p:nvPr>
-            <p:ph type="body" idx="1"/>
-          </p:nvPr>
-        </p:nvSpPr>
-        <p:spPr/>
-        <p:txBody>
-          <a:bodyPr/>
-          <a:lstStyle/>
-          <a:p>
-            <a:endParaRPr lang="en-US"/>
-          </a:p>
-        </p:txBody>
-      </p:sp>
-    </p:spTree>
-    <p:extLst>
-      <p:ext uri="{BB962C8B-B14F-4D97-AF65-F5344CB8AC3E}">
-        <p14:creationId xmlns:p14="http://schemas.microsoft.com/office/powerpoint/2010/main" val="2456124830"/>
-      </p:ext>
-    </p:extLst>
-  </p:cSld>
-  <p:clrMapOvr>
-    <a:masterClrMapping/>
-  </p:clrMapOvr>
-</p:sld>
-</file>
-
-<file path=ppt/slides/slide3.xml><?xml version="1.0" encoding="utf-8"?>
-<p:sld xmlns:a="http://schemas.openxmlformats.org/drawingml/2006/main" xmlns:r="http://schemas.openxmlformats.org/officeDocument/2006/relationships" xmlns:p="http://schemas.openxmlformats.org/presentationml/2006/main">
-  <p:cSld>
-    <p:spTree>
-      <p:nvGrpSpPr>
-        <p:cNvPr id="1" name=""/>
-        <p:cNvGrpSpPr/>
-        <p:nvPr/>
-      </p:nvGrpSpPr>
-      <p:grpSpPr>
-        <a:xfrm>
-          <a:off x="0" y="0"/>
-          <a:ext cx="0" cy="0"/>
-          <a:chOff x="0" y="0"/>
-          <a:chExt cx="0" cy="0"/>
-        </a:xfrm>
-      </p:grpSpPr>
-      <p:sp>
-        <p:nvSpPr>
-          <p:cNvPr id="2" name="Title 1">
-            <a:extLst>
-              <a:ext uri="{FF2B5EF4-FFF2-40B4-BE49-F238E27FC236}">
-                <a16:creationId xmlns:a16="http://schemas.microsoft.com/office/drawing/2014/main" id="{55249C7B-8667-4F35-AFFD-53CF7D4846C8}"/>
-              </a:ext>
-            </a:extLst>
-          </p:cNvPr>
-          <p:cNvSpPr>
-            <a:spLocks noGrp="1"/>
-          </p:cNvSpPr>
-          <p:nvPr>
-            <p:ph type="title"/>
-          </p:nvPr>
-        </p:nvSpPr>
-        <p:spPr/>
-        <p:txBody>
-          <a:bodyPr/>
-          <a:lstStyle/>
-          <a:p>
-            <a:endParaRPr lang="en-US"/>
-          </a:p>
-        </p:txBody>
-      </p:sp>
-      <p:sp>
-        <p:nvSpPr>
-          <p:cNvPr id="3" name="Content Placeholder 2">
-            <a:extLst>
-              <a:ext uri="{FF2B5EF4-FFF2-40B4-BE49-F238E27FC236}">
-                <a16:creationId xmlns:a16="http://schemas.microsoft.com/office/drawing/2014/main" id="{1190CB5F-5388-46FC-B9EE-096420D57445}"/>
-              </a:ext>
-            </a:extLst>
-          </p:cNvPr>
-          <p:cNvSpPr>
-            <a:spLocks noGrp="1"/>
-          </p:cNvSpPr>
-          <p:nvPr>
-            <p:ph idx="1"/>
-          </p:nvPr>
-        </p:nvSpPr>
-        <p:spPr/>
-        <p:txBody>
-          <a:bodyPr/>
-          <a:lstStyle/>
-          <a:p>
-            <a:endParaRPr lang="en-US"/>
-          </a:p>
-        </p:txBody>
-      </p:sp>
-    </p:spTree>
-    <p:extLst>
-      <p:ext uri="{BB962C8B-B14F-4D97-AF65-F5344CB8AC3E}">
-        <p14:creationId xmlns:p14="http://schemas.microsoft.com/office/powerpoint/2010/main" val="1646366259"/>
-      </p:ext>
-    </p:extLst>
-  </p:cSld>
-  <p:clrMapOvr>
-    <a:masterClrMapping/>
-  </p:clrMapOvr>
-</p:sld>
-</file>
-
-<file path=ppt/slides/slide4.xml><?xml version="1.0" encoding="utf-8"?>
-<p:sld xmlns:a="http://schemas.openxmlformats.org/drawingml/2006/main" xmlns:r="http://schemas.openxmlformats.org/officeDocument/2006/relationships" xmlns:p="http://schemas.openxmlformats.org/presentationml/2006/main">
-  <p:cSld>
-    <p:spTree>
-      <p:nvGrpSpPr>
-        <p:cNvPr id="1" name=""/>
-        <p:cNvGrpSpPr/>
-        <p:nvPr/>
-      </p:nvGrpSpPr>
-      <p:grpSpPr>
-        <a:xfrm>
-          <a:off x="0" y="0"/>
-          <a:ext cx="0" cy="0"/>
-          <a:chOff x="0" y="0"/>
-          <a:chExt cx="0" cy="0"/>
-        </a:xfrm>
-      </p:grpSpPr>
-      <p:sp>
-        <p:nvSpPr>
-          <p:cNvPr id="4" name="Title 3">
-            <a:extLst>
-              <a:ext uri="{FF2B5EF4-FFF2-40B4-BE49-F238E27FC236}">
-                <a16:creationId xmlns:a16="http://schemas.microsoft.com/office/drawing/2014/main" id="{BCED0135-CB4C-4A30-9981-F8C4862A23A7}"/>
-              </a:ext>
-            </a:extLst>
-          </p:cNvPr>
-          <p:cNvSpPr>
-            <a:spLocks noGrp="1"/>
-          </p:cNvSpPr>
-          <p:nvPr>
-            <p:ph type="title"/>
-          </p:nvPr>
-        </p:nvSpPr>
-        <p:spPr/>
-        <p:txBody>
-          <a:bodyPr/>
-          <a:lstStyle/>
-          <a:p>
-            <a:r>
-              <a:rPr lang="en-US" dirty="0"/>
-              <a:t>Methodology</a:t>
-            </a:r>
-          </a:p>
-        </p:txBody>
-      </p:sp>
-      <p:sp>
-        <p:nvSpPr>
-          <p:cNvPr id="5" name="Text Placeholder 4">
-            <a:extLst>
-              <a:ext uri="{FF2B5EF4-FFF2-40B4-BE49-F238E27FC236}">
-                <a16:creationId xmlns:a16="http://schemas.microsoft.com/office/drawing/2014/main" id="{346A94D0-EA9E-41D4-AC24-761C06D018E9}"/>
-              </a:ext>
-            </a:extLst>
-          </p:cNvPr>
-          <p:cNvSpPr>
-            <a:spLocks noGrp="1"/>
-          </p:cNvSpPr>
-          <p:nvPr>
-            <p:ph type="body" idx="1"/>
-          </p:nvPr>
-        </p:nvSpPr>
-        <p:spPr/>
-        <p:txBody>
-          <a:bodyPr/>
-          <a:lstStyle/>
-          <a:p>
-            <a:endParaRPr lang="en-US"/>
-          </a:p>
-        </p:txBody>
-      </p:sp>
-    </p:spTree>
-    <p:extLst>
-      <p:ext uri="{BB962C8B-B14F-4D97-AF65-F5344CB8AC3E}">
-        <p14:creationId xmlns:p14="http://schemas.microsoft.com/office/powerpoint/2010/main" val="1148675691"/>
-      </p:ext>
-    </p:extLst>
-  </p:cSld>
-  <p:clrMapOvr>
-    <a:masterClrMapping/>
-  </p:clrMapOvr>
-</p:sld>
-</file>
-
-<file path=ppt/slides/slide5.xml><?xml version="1.0" encoding="utf-8"?>
 <p:sld xmlns:a="http://schemas.openxmlformats.org/drawingml/2006/main" xmlns:r="http://schemas.openxmlformats.org/officeDocument/2006/relationships" xmlns:p="http://schemas.openxmlformats.org/presentationml/2006/main">
   <p:cSld>
     <p:bg>
@@ -10027,7 +12803,7 @@
                   <a:ea typeface="+mn-ea"/>
                   <a:cs typeface="+mn-cs"/>
                 </a:rPr>
-                <a:t>Undecided / Other</a:t>
+                <a:t>Swing</a:t>
               </a:r>
             </a:p>
           </p:txBody>
@@ -10207,28 +12983,140 @@
       </p:grpSp>
       <p:sp>
         <p:nvSpPr>
-          <p:cNvPr id="2" name="Title 1">
+          <p:cNvPr id="10" name="Title 1">
             <a:extLst>
               <a:ext uri="{FF2B5EF4-FFF2-40B4-BE49-F238E27FC236}">
-                <a16:creationId xmlns:a16="http://schemas.microsoft.com/office/drawing/2014/main" id="{B8AA21D3-3FFF-4C26-A70C-8422968B1BE5}"/>
+                <a16:creationId xmlns:a16="http://schemas.microsoft.com/office/drawing/2014/main" id="{D40C90BC-CCE5-4A31-A461-264462F5DD8F}"/>
               </a:ext>
             </a:extLst>
           </p:cNvPr>
-          <p:cNvSpPr>
-            <a:spLocks noGrp="1"/>
-          </p:cNvSpPr>
-          <p:nvPr>
-            <p:ph type="title"/>
-          </p:nvPr>
-        </p:nvSpPr>
-        <p:spPr/>
-        <p:txBody>
-          <a:bodyPr/>
-          <a:lstStyle/>
-          <a:p>
-            <a:r>
-              <a:rPr lang="en-US" dirty="0">
-                <a:latin typeface="Corbel" panose="020B0503020204020204" pitchFamily="34" charset="0"/>
+          <p:cNvSpPr txBox="1">
+            <a:spLocks/>
+          </p:cNvSpPr>
+          <p:nvPr/>
+        </p:nvSpPr>
+        <p:spPr>
+          <a:xfrm>
+            <a:off x="1636711" y="307258"/>
+            <a:ext cx="10018713" cy="1752599"/>
+          </a:xfrm>
+          <a:prstGeom prst="rect">
+            <a:avLst/>
+          </a:prstGeom>
+          <a:effectLst/>
+        </p:spPr>
+        <p:txBody>
+          <a:bodyPr vert="horz" lIns="91440" tIns="45720" rIns="91440" bIns="45720" rtlCol="0" anchor="ctr">
+            <a:normAutofit/>
+          </a:bodyPr>
+          <a:lstStyle>
+            <a:lvl1pPr algn="ctr" defTabSz="457200" rtl="0" eaLnBrk="1" latinLnBrk="0" hangingPunct="1">
+              <a:spcBef>
+                <a:spcPct val="0"/>
+              </a:spcBef>
+              <a:buNone/>
+              <a:defRPr sz="4000" kern="1200" cap="none">
+                <a:ln w="3175" cmpd="sng">
+                  <a:noFill/>
+                </a:ln>
+                <a:solidFill>
+                  <a:schemeClr val="tx1"/>
+                </a:solidFill>
+                <a:effectLst/>
+                <a:latin typeface="+mj-lt"/>
+                <a:ea typeface="+mj-ea"/>
+                <a:cs typeface="+mj-cs"/>
+              </a:defRPr>
+            </a:lvl1pPr>
+            <a:lvl2pPr eaLnBrk="1" hangingPunct="1">
+              <a:defRPr>
+                <a:solidFill>
+                  <a:schemeClr val="tx2"/>
+                </a:solidFill>
+              </a:defRPr>
+            </a:lvl2pPr>
+            <a:lvl3pPr eaLnBrk="1" hangingPunct="1">
+              <a:defRPr>
+                <a:solidFill>
+                  <a:schemeClr val="tx2"/>
+                </a:solidFill>
+              </a:defRPr>
+            </a:lvl3pPr>
+            <a:lvl4pPr eaLnBrk="1" hangingPunct="1">
+              <a:defRPr>
+                <a:solidFill>
+                  <a:schemeClr val="tx2"/>
+                </a:solidFill>
+              </a:defRPr>
+            </a:lvl4pPr>
+            <a:lvl5pPr eaLnBrk="1" hangingPunct="1">
+              <a:defRPr>
+                <a:solidFill>
+                  <a:schemeClr val="tx2"/>
+                </a:solidFill>
+              </a:defRPr>
+            </a:lvl5pPr>
+            <a:lvl6pPr eaLnBrk="1" hangingPunct="1">
+              <a:defRPr>
+                <a:solidFill>
+                  <a:schemeClr val="tx2"/>
+                </a:solidFill>
+              </a:defRPr>
+            </a:lvl6pPr>
+            <a:lvl7pPr eaLnBrk="1" hangingPunct="1">
+              <a:defRPr>
+                <a:solidFill>
+                  <a:schemeClr val="tx2"/>
+                </a:solidFill>
+              </a:defRPr>
+            </a:lvl7pPr>
+            <a:lvl8pPr eaLnBrk="1" hangingPunct="1">
+              <a:defRPr>
+                <a:solidFill>
+                  <a:schemeClr val="tx2"/>
+                </a:solidFill>
+              </a:defRPr>
+            </a:lvl8pPr>
+            <a:lvl9pPr eaLnBrk="1" hangingPunct="1">
+              <a:defRPr>
+                <a:solidFill>
+                  <a:schemeClr val="tx2"/>
+                </a:solidFill>
+              </a:defRPr>
+            </a:lvl9pPr>
+          </a:lstStyle>
+          <a:p>
+            <a:pPr marL="0" marR="0" lvl="0" indent="0" algn="ctr" defTabSz="457200" rtl="0" eaLnBrk="1" fontAlgn="auto" latinLnBrk="0" hangingPunct="1">
+              <a:lnSpc>
+                <a:spcPct val="100000"/>
+              </a:lnSpc>
+              <a:spcBef>
+                <a:spcPct val="0"/>
+              </a:spcBef>
+              <a:spcAft>
+                <a:spcPts val="0"/>
+              </a:spcAft>
+              <a:buClrTx/>
+              <a:buSzTx/>
+              <a:buFontTx/>
+              <a:buNone/>
+              <a:tabLst/>
+              <a:defRPr/>
+            </a:pPr>
+            <a:r>
+              <a:rPr kumimoji="0" lang="en-US" sz="4000" b="0" i="0" u="none" strike="noStrike" kern="1200" cap="none" spc="0" normalizeH="0" baseline="0" noProof="0" dirty="0">
+                <a:ln w="3175" cmpd="sng">
+                  <a:noFill/>
+                </a:ln>
+                <a:solidFill>
+                  <a:srgbClr val="000000"/>
+                </a:solidFill>
+                <a:effectLst/>
+                <a:uLnTx/>
+                <a:uFillTx/>
+                <a:latin typeface="Corbel" panose="020B0503020204020204"/>
+                <a:ea typeface="+mj-ea"/>
+                <a:cs typeface="+mj-cs"/>
               </a:rPr>
               <a:t>Party Loyalty</a:t>
             </a:r>
@@ -10248,7 +13136,7 @@
 </p:sld>
 </file>
 
-<file path=ppt/slides/slide6.xml><?xml version="1.0" encoding="utf-8"?>
+<file path=ppt/slides/slide12.xml><?xml version="1.0" encoding="utf-8"?>
 <p:sld xmlns:a="http://schemas.openxmlformats.org/drawingml/2006/main" xmlns:r="http://schemas.openxmlformats.org/officeDocument/2006/relationships" xmlns:p="http://schemas.openxmlformats.org/presentationml/2006/main">
   <p:cSld>
     <p:bg>
@@ -11252,32 +14140,143 @@
       </p:sp>
       <p:sp>
         <p:nvSpPr>
-          <p:cNvPr id="2" name="Title 1">
+          <p:cNvPr id="14" name="Title 1">
             <a:extLst>
               <a:ext uri="{FF2B5EF4-FFF2-40B4-BE49-F238E27FC236}">
-                <a16:creationId xmlns:a16="http://schemas.microsoft.com/office/drawing/2014/main" id="{57283607-0508-4DB1-B38B-9AC96E22C483}"/>
+                <a16:creationId xmlns:a16="http://schemas.microsoft.com/office/drawing/2014/main" id="{C80B17AE-C419-40F3-BDD6-932453F18460}"/>
               </a:ext>
             </a:extLst>
           </p:cNvPr>
-          <p:cNvSpPr>
-            <a:spLocks noGrp="1"/>
-          </p:cNvSpPr>
-          <p:nvPr>
-            <p:ph type="title"/>
-          </p:nvPr>
-        </p:nvSpPr>
-        <p:spPr/>
-        <p:txBody>
-          <a:bodyPr/>
-          <a:lstStyle/>
-          <a:p>
-            <a:r>
-              <a:rPr lang="en-US" dirty="0">
-                <a:latin typeface="Corbel" panose="020B0503020204020204" pitchFamily="34" charset="0"/>
+          <p:cNvSpPr txBox="1">
+            <a:spLocks/>
+          </p:cNvSpPr>
+          <p:nvPr/>
+        </p:nvSpPr>
+        <p:spPr>
+          <a:xfrm>
+            <a:off x="1484311" y="154858"/>
+            <a:ext cx="10018713" cy="1752599"/>
+          </a:xfrm>
+          <a:prstGeom prst="rect">
+            <a:avLst/>
+          </a:prstGeom>
+          <a:effectLst/>
+        </p:spPr>
+        <p:txBody>
+          <a:bodyPr vert="horz" lIns="91440" tIns="45720" rIns="91440" bIns="45720" rtlCol="0" anchor="ctr">
+            <a:normAutofit/>
+          </a:bodyPr>
+          <a:lstStyle>
+            <a:lvl1pPr algn="ctr" defTabSz="457200" rtl="0" eaLnBrk="1" latinLnBrk="0" hangingPunct="1">
+              <a:spcBef>
+                <a:spcPct val="0"/>
+              </a:spcBef>
+              <a:buNone/>
+              <a:defRPr sz="4000" kern="1200" cap="none">
+                <a:ln w="3175" cmpd="sng">
+                  <a:noFill/>
+                </a:ln>
+                <a:solidFill>
+                  <a:schemeClr val="tx1"/>
+                </a:solidFill>
+                <a:effectLst/>
+                <a:latin typeface="+mj-lt"/>
+                <a:ea typeface="+mj-ea"/>
+                <a:cs typeface="+mj-cs"/>
+              </a:defRPr>
+            </a:lvl1pPr>
+            <a:lvl2pPr eaLnBrk="1" hangingPunct="1">
+              <a:defRPr>
+                <a:solidFill>
+                  <a:schemeClr val="tx2"/>
+                </a:solidFill>
+              </a:defRPr>
+            </a:lvl2pPr>
+            <a:lvl3pPr eaLnBrk="1" hangingPunct="1">
+              <a:defRPr>
+                <a:solidFill>
+                  <a:schemeClr val="tx2"/>
+                </a:solidFill>
+              </a:defRPr>
+            </a:lvl3pPr>
+            <a:lvl4pPr eaLnBrk="1" hangingPunct="1">
+              <a:defRPr>
+                <a:solidFill>
+                  <a:schemeClr val="tx2"/>
+                </a:solidFill>
+              </a:defRPr>
+            </a:lvl4pPr>
+            <a:lvl5pPr eaLnBrk="1" hangingPunct="1">
+              <a:defRPr>
+                <a:solidFill>
+                  <a:schemeClr val="tx2"/>
+                </a:solidFill>
+              </a:defRPr>
+            </a:lvl5pPr>
+            <a:lvl6pPr eaLnBrk="1" hangingPunct="1">
+              <a:defRPr>
+                <a:solidFill>
+                  <a:schemeClr val="tx2"/>
+                </a:solidFill>
+              </a:defRPr>
+            </a:lvl6pPr>
+            <a:lvl7pPr eaLnBrk="1" hangingPunct="1">
+              <a:defRPr>
+                <a:solidFill>
+                  <a:schemeClr val="tx2"/>
+                </a:solidFill>
+              </a:defRPr>
+            </a:lvl7pPr>
+            <a:lvl8pPr eaLnBrk="1" hangingPunct="1">
+              <a:defRPr>
+                <a:solidFill>
+                  <a:schemeClr val="tx2"/>
+                </a:solidFill>
+              </a:defRPr>
+            </a:lvl8pPr>
+            <a:lvl9pPr eaLnBrk="1" hangingPunct="1">
+              <a:defRPr>
+                <a:solidFill>
+                  <a:schemeClr val="tx2"/>
+                </a:solidFill>
+              </a:defRPr>
+            </a:lvl9pPr>
+          </a:lstStyle>
+          <a:p>
+            <a:pPr marL="0" marR="0" lvl="0" indent="0" algn="ctr" defTabSz="457200" rtl="0" eaLnBrk="1" fontAlgn="auto" latinLnBrk="0" hangingPunct="1">
+              <a:lnSpc>
+                <a:spcPct val="100000"/>
+              </a:lnSpc>
+              <a:spcBef>
+                <a:spcPct val="0"/>
+              </a:spcBef>
+              <a:spcAft>
+                <a:spcPts val="0"/>
+              </a:spcAft>
+              <a:buClrTx/>
+              <a:buSzTx/>
+              <a:buFontTx/>
+              <a:buNone/>
+              <a:tabLst/>
+              <a:defRPr/>
+            </a:pPr>
+            <a:r>
+              <a:rPr kumimoji="0" lang="en-US" sz="4000" b="0" i="0" u="none" strike="noStrike" kern="1200" cap="none" spc="0" normalizeH="0" baseline="0" noProof="0" dirty="0">
+                <a:ln w="3175" cmpd="sng">
+                  <a:noFill/>
+                </a:ln>
+                <a:solidFill>
+                  <a:srgbClr val="000000"/>
+                </a:solidFill>
+                <a:effectLst/>
+                <a:uLnTx/>
+                <a:uFillTx/>
+                <a:latin typeface="Corbel" panose="020B0503020204020204"/>
+                <a:ea typeface="+mj-ea"/>
+                <a:cs typeface="+mj-cs"/>
               </a:rPr>
-              <a:t>Political Topics</a:t>
-            </a:r>
-            <a:endParaRPr lang="en-US" dirty="0"/>
+              <a:t>Political Topics/Groups</a:t>
+            </a:r>
           </a:p>
         </p:txBody>
       </p:sp>
@@ -11294,7 +14293,7 @@
 </p:sld>
 </file>
 
-<file path=ppt/slides/slide7.xml><?xml version="1.0" encoding="utf-8"?>
+<file path=ppt/slides/slide13.xml><?xml version="1.0" encoding="utf-8"?>
 <p:sld xmlns:a="http://schemas.openxmlformats.org/drawingml/2006/main" xmlns:r="http://schemas.openxmlformats.org/officeDocument/2006/relationships" xmlns:p="http://schemas.openxmlformats.org/presentationml/2006/main">
   <p:cSld>
     <p:bg>
@@ -13976,32 +16975,143 @@
       </p:sp>
       <p:sp>
         <p:nvSpPr>
-          <p:cNvPr id="2" name="Title 1">
+          <p:cNvPr id="44" name="Title 1">
             <a:extLst>
               <a:ext uri="{FF2B5EF4-FFF2-40B4-BE49-F238E27FC236}">
-                <a16:creationId xmlns:a16="http://schemas.microsoft.com/office/drawing/2014/main" id="{760F9B28-FDEB-4281-9193-54F63C3B02E1}"/>
+                <a16:creationId xmlns:a16="http://schemas.microsoft.com/office/drawing/2014/main" id="{21F8089E-43FE-4910-898D-E35C031FACBB}"/>
               </a:ext>
             </a:extLst>
           </p:cNvPr>
-          <p:cNvSpPr>
-            <a:spLocks noGrp="1"/>
-          </p:cNvSpPr>
-          <p:nvPr>
-            <p:ph type="title"/>
-          </p:nvPr>
-        </p:nvSpPr>
-        <p:spPr/>
-        <p:txBody>
-          <a:bodyPr/>
-          <a:lstStyle/>
-          <a:p>
-            <a:r>
-              <a:rPr lang="en-US" dirty="0">
-                <a:latin typeface="Corbel" panose="020B0503020204020204" pitchFamily="34" charset="0"/>
+          <p:cNvSpPr txBox="1">
+            <a:spLocks/>
+          </p:cNvSpPr>
+          <p:nvPr/>
+        </p:nvSpPr>
+        <p:spPr>
+          <a:xfrm>
+            <a:off x="1484311" y="154858"/>
+            <a:ext cx="10018713" cy="1752599"/>
+          </a:xfrm>
+          <a:prstGeom prst="rect">
+            <a:avLst/>
+          </a:prstGeom>
+          <a:effectLst/>
+        </p:spPr>
+        <p:txBody>
+          <a:bodyPr vert="horz" lIns="91440" tIns="45720" rIns="91440" bIns="45720" rtlCol="0" anchor="ctr">
+            <a:normAutofit/>
+          </a:bodyPr>
+          <a:lstStyle>
+            <a:lvl1pPr algn="ctr" defTabSz="457200" rtl="0" eaLnBrk="1" latinLnBrk="0" hangingPunct="1">
+              <a:spcBef>
+                <a:spcPct val="0"/>
+              </a:spcBef>
+              <a:buNone/>
+              <a:defRPr sz="4000" kern="1200" cap="none">
+                <a:ln w="3175" cmpd="sng">
+                  <a:noFill/>
+                </a:ln>
+                <a:solidFill>
+                  <a:schemeClr val="tx1"/>
+                </a:solidFill>
+                <a:effectLst/>
+                <a:latin typeface="+mj-lt"/>
+                <a:ea typeface="+mj-ea"/>
+                <a:cs typeface="+mj-cs"/>
+              </a:defRPr>
+            </a:lvl1pPr>
+            <a:lvl2pPr eaLnBrk="1" hangingPunct="1">
+              <a:defRPr>
+                <a:solidFill>
+                  <a:schemeClr val="tx2"/>
+                </a:solidFill>
+              </a:defRPr>
+            </a:lvl2pPr>
+            <a:lvl3pPr eaLnBrk="1" hangingPunct="1">
+              <a:defRPr>
+                <a:solidFill>
+                  <a:schemeClr val="tx2"/>
+                </a:solidFill>
+              </a:defRPr>
+            </a:lvl3pPr>
+            <a:lvl4pPr eaLnBrk="1" hangingPunct="1">
+              <a:defRPr>
+                <a:solidFill>
+                  <a:schemeClr val="tx2"/>
+                </a:solidFill>
+              </a:defRPr>
+            </a:lvl4pPr>
+            <a:lvl5pPr eaLnBrk="1" hangingPunct="1">
+              <a:defRPr>
+                <a:solidFill>
+                  <a:schemeClr val="tx2"/>
+                </a:solidFill>
+              </a:defRPr>
+            </a:lvl5pPr>
+            <a:lvl6pPr eaLnBrk="1" hangingPunct="1">
+              <a:defRPr>
+                <a:solidFill>
+                  <a:schemeClr val="tx2"/>
+                </a:solidFill>
+              </a:defRPr>
+            </a:lvl6pPr>
+            <a:lvl7pPr eaLnBrk="1" hangingPunct="1">
+              <a:defRPr>
+                <a:solidFill>
+                  <a:schemeClr val="tx2"/>
+                </a:solidFill>
+              </a:defRPr>
+            </a:lvl7pPr>
+            <a:lvl8pPr eaLnBrk="1" hangingPunct="1">
+              <a:defRPr>
+                <a:solidFill>
+                  <a:schemeClr val="tx2"/>
+                </a:solidFill>
+              </a:defRPr>
+            </a:lvl8pPr>
+            <a:lvl9pPr eaLnBrk="1" hangingPunct="1">
+              <a:defRPr>
+                <a:solidFill>
+                  <a:schemeClr val="tx2"/>
+                </a:solidFill>
+              </a:defRPr>
+            </a:lvl9pPr>
+          </a:lstStyle>
+          <a:p>
+            <a:pPr marL="0" marR="0" lvl="0" indent="0" algn="ctr" defTabSz="457200" rtl="0" eaLnBrk="1" fontAlgn="auto" latinLnBrk="0" hangingPunct="1">
+              <a:lnSpc>
+                <a:spcPct val="100000"/>
+              </a:lnSpc>
+              <a:spcBef>
+                <a:spcPct val="0"/>
+              </a:spcBef>
+              <a:spcAft>
+                <a:spcPts val="0"/>
+              </a:spcAft>
+              <a:buClrTx/>
+              <a:buSzTx/>
+              <a:buFontTx/>
+              <a:buNone/>
+              <a:tabLst/>
+              <a:defRPr/>
+            </a:pPr>
+            <a:r>
+              <a:rPr kumimoji="0" lang="en-US" sz="4000" b="0" i="0" u="none" strike="noStrike" kern="1200" cap="none" spc="0" normalizeH="0" baseline="0" noProof="0" dirty="0">
+                <a:ln w="3175" cmpd="sng">
+                  <a:noFill/>
+                </a:ln>
+                <a:solidFill>
+                  <a:srgbClr val="000000"/>
+                </a:solidFill>
+                <a:effectLst/>
+                <a:uLnTx/>
+                <a:uFillTx/>
+                <a:latin typeface="Corbel" panose="020B0503020204020204"/>
+                <a:ea typeface="+mj-ea"/>
+                <a:cs typeface="+mj-cs"/>
               </a:rPr>
               <a:t>Initial Voting Decisions</a:t>
             </a:r>
-            <a:endParaRPr lang="en-US" dirty="0"/>
           </a:p>
         </p:txBody>
       </p:sp>
@@ -14018,7 +17128,7 @@
 </p:sld>
 </file>
 
-<file path=ppt/slides/slide8.xml><?xml version="1.0" encoding="utf-8"?>
+<file path=ppt/slides/slide14.xml><?xml version="1.0" encoding="utf-8"?>
 <p:sld xmlns:a="http://schemas.openxmlformats.org/drawingml/2006/main" xmlns:r="http://schemas.openxmlformats.org/officeDocument/2006/relationships" xmlns:p="http://schemas.openxmlformats.org/presentationml/2006/main">
   <p:cSld>
     <p:bg>
@@ -16700,32 +19810,143 @@
       </p:sp>
       <p:sp>
         <p:nvSpPr>
-          <p:cNvPr id="2" name="Title 1">
+          <p:cNvPr id="44" name="Title 1">
             <a:extLst>
               <a:ext uri="{FF2B5EF4-FFF2-40B4-BE49-F238E27FC236}">
-                <a16:creationId xmlns:a16="http://schemas.microsoft.com/office/drawing/2014/main" id="{A0CA6E79-07DD-413F-8490-B6DBC10965A7}"/>
+                <a16:creationId xmlns:a16="http://schemas.microsoft.com/office/drawing/2014/main" id="{02A8AED4-D0FA-477A-9B33-E27A074B76FF}"/>
               </a:ext>
             </a:extLst>
           </p:cNvPr>
-          <p:cNvSpPr>
-            <a:spLocks noGrp="1"/>
-          </p:cNvSpPr>
-          <p:nvPr>
-            <p:ph type="title"/>
-          </p:nvPr>
-        </p:nvSpPr>
-        <p:spPr/>
-        <p:txBody>
-          <a:bodyPr/>
-          <a:lstStyle/>
-          <a:p>
-            <a:r>
-              <a:rPr lang="en-US" dirty="0">
-                <a:latin typeface="Corbel" panose="020B0503020204020204" pitchFamily="34" charset="0"/>
+          <p:cNvSpPr txBox="1">
+            <a:spLocks/>
+          </p:cNvSpPr>
+          <p:nvPr/>
+        </p:nvSpPr>
+        <p:spPr>
+          <a:xfrm>
+            <a:off x="1484311" y="154858"/>
+            <a:ext cx="10018713" cy="1752599"/>
+          </a:xfrm>
+          <a:prstGeom prst="rect">
+            <a:avLst/>
+          </a:prstGeom>
+          <a:effectLst/>
+        </p:spPr>
+        <p:txBody>
+          <a:bodyPr vert="horz" lIns="91440" tIns="45720" rIns="91440" bIns="45720" rtlCol="0" anchor="ctr">
+            <a:normAutofit/>
+          </a:bodyPr>
+          <a:lstStyle>
+            <a:lvl1pPr algn="ctr" defTabSz="457200" rtl="0" eaLnBrk="1" latinLnBrk="0" hangingPunct="1">
+              <a:spcBef>
+                <a:spcPct val="0"/>
+              </a:spcBef>
+              <a:buNone/>
+              <a:defRPr sz="4000" kern="1200" cap="none">
+                <a:ln w="3175" cmpd="sng">
+                  <a:noFill/>
+                </a:ln>
+                <a:solidFill>
+                  <a:schemeClr val="tx1"/>
+                </a:solidFill>
+                <a:effectLst/>
+                <a:latin typeface="+mj-lt"/>
+                <a:ea typeface="+mj-ea"/>
+                <a:cs typeface="+mj-cs"/>
+              </a:defRPr>
+            </a:lvl1pPr>
+            <a:lvl2pPr eaLnBrk="1" hangingPunct="1">
+              <a:defRPr>
+                <a:solidFill>
+                  <a:schemeClr val="tx2"/>
+                </a:solidFill>
+              </a:defRPr>
+            </a:lvl2pPr>
+            <a:lvl3pPr eaLnBrk="1" hangingPunct="1">
+              <a:defRPr>
+                <a:solidFill>
+                  <a:schemeClr val="tx2"/>
+                </a:solidFill>
+              </a:defRPr>
+            </a:lvl3pPr>
+            <a:lvl4pPr eaLnBrk="1" hangingPunct="1">
+              <a:defRPr>
+                <a:solidFill>
+                  <a:schemeClr val="tx2"/>
+                </a:solidFill>
+              </a:defRPr>
+            </a:lvl4pPr>
+            <a:lvl5pPr eaLnBrk="1" hangingPunct="1">
+              <a:defRPr>
+                <a:solidFill>
+                  <a:schemeClr val="tx2"/>
+                </a:solidFill>
+              </a:defRPr>
+            </a:lvl5pPr>
+            <a:lvl6pPr eaLnBrk="1" hangingPunct="1">
+              <a:defRPr>
+                <a:solidFill>
+                  <a:schemeClr val="tx2"/>
+                </a:solidFill>
+              </a:defRPr>
+            </a:lvl6pPr>
+            <a:lvl7pPr eaLnBrk="1" hangingPunct="1">
+              <a:defRPr>
+                <a:solidFill>
+                  <a:schemeClr val="tx2"/>
+                </a:solidFill>
+              </a:defRPr>
+            </a:lvl7pPr>
+            <a:lvl8pPr eaLnBrk="1" hangingPunct="1">
+              <a:defRPr>
+                <a:solidFill>
+                  <a:schemeClr val="tx2"/>
+                </a:solidFill>
+              </a:defRPr>
+            </a:lvl8pPr>
+            <a:lvl9pPr eaLnBrk="1" hangingPunct="1">
+              <a:defRPr>
+                <a:solidFill>
+                  <a:schemeClr val="tx2"/>
+                </a:solidFill>
+              </a:defRPr>
+            </a:lvl9pPr>
+          </a:lstStyle>
+          <a:p>
+            <a:pPr marL="0" marR="0" lvl="0" indent="0" algn="ctr" defTabSz="457200" rtl="0" eaLnBrk="1" fontAlgn="auto" latinLnBrk="0" hangingPunct="1">
+              <a:lnSpc>
+                <a:spcPct val="100000"/>
+              </a:lnSpc>
+              <a:spcBef>
+                <a:spcPct val="0"/>
+              </a:spcBef>
+              <a:spcAft>
+                <a:spcPts val="0"/>
+              </a:spcAft>
+              <a:buClrTx/>
+              <a:buSzTx/>
+              <a:buFontTx/>
+              <a:buNone/>
+              <a:tabLst/>
+              <a:defRPr/>
+            </a:pPr>
+            <a:r>
+              <a:rPr kumimoji="0" lang="en-US" sz="4000" b="0" i="0" u="none" strike="noStrike" kern="1200" cap="none" spc="0" normalizeH="0" baseline="0" noProof="0" dirty="0">
+                <a:ln w="3175" cmpd="sng">
+                  <a:noFill/>
+                </a:ln>
+                <a:solidFill>
+                  <a:srgbClr val="000000"/>
+                </a:solidFill>
+                <a:effectLst/>
+                <a:uLnTx/>
+                <a:uFillTx/>
+                <a:latin typeface="Corbel" panose="020B0503020204020204"/>
+                <a:ea typeface="+mj-ea"/>
+                <a:cs typeface="+mj-cs"/>
               </a:rPr>
               <a:t>Final Voting Decisions</a:t>
             </a:r>
-            <a:endParaRPr lang="en-US" dirty="0"/>
           </a:p>
         </p:txBody>
       </p:sp>
@@ -16733,6 +19954,2054 @@
     <p:extLst>
       <p:ext uri="{BB962C8B-B14F-4D97-AF65-F5344CB8AC3E}">
         <p14:creationId xmlns:p14="http://schemas.microsoft.com/office/powerpoint/2010/main" val="71787495"/>
+      </p:ext>
+    </p:extLst>
+  </p:cSld>
+  <p:clrMapOvr>
+    <a:masterClrMapping/>
+  </p:clrMapOvr>
+</p:sld>
+</file>
+
+<file path=ppt/slides/slide15.xml><?xml version="1.0" encoding="utf-8"?>
+<p:sld xmlns:a="http://schemas.openxmlformats.org/drawingml/2006/main" xmlns:r="http://schemas.openxmlformats.org/officeDocument/2006/relationships" xmlns:p="http://schemas.openxmlformats.org/presentationml/2006/main">
+  <p:cSld>
+    <p:spTree>
+      <p:nvGrpSpPr>
+        <p:cNvPr id="1" name=""/>
+        <p:cNvGrpSpPr/>
+        <p:nvPr/>
+      </p:nvGrpSpPr>
+      <p:grpSpPr>
+        <a:xfrm>
+          <a:off x="0" y="0"/>
+          <a:ext cx="0" cy="0"/>
+          <a:chOff x="0" y="0"/>
+          <a:chExt cx="0" cy="0"/>
+        </a:xfrm>
+      </p:grpSpPr>
+      <p:sp>
+        <p:nvSpPr>
+          <p:cNvPr id="4" name="Title 3">
+            <a:extLst>
+              <a:ext uri="{FF2B5EF4-FFF2-40B4-BE49-F238E27FC236}">
+                <a16:creationId xmlns:a16="http://schemas.microsoft.com/office/drawing/2014/main" id="{F8397634-23B0-436B-877C-FC01BEC10200}"/>
+              </a:ext>
+            </a:extLst>
+          </p:cNvPr>
+          <p:cNvSpPr>
+            <a:spLocks noGrp="1"/>
+          </p:cNvSpPr>
+          <p:nvPr>
+            <p:ph type="title"/>
+          </p:nvPr>
+        </p:nvSpPr>
+        <p:spPr/>
+        <p:txBody>
+          <a:bodyPr/>
+          <a:lstStyle/>
+          <a:p>
+            <a:r>
+              <a:rPr lang="en-US" dirty="0"/>
+              <a:t>III. The Code</a:t>
+            </a:r>
+          </a:p>
+        </p:txBody>
+      </p:sp>
+      <p:sp>
+        <p:nvSpPr>
+          <p:cNvPr id="7" name="Text Placeholder 6">
+            <a:extLst>
+              <a:ext uri="{FF2B5EF4-FFF2-40B4-BE49-F238E27FC236}">
+                <a16:creationId xmlns:a16="http://schemas.microsoft.com/office/drawing/2014/main" id="{B79DC387-34F4-4BAB-9622-EB12B7D1DF1D}"/>
+              </a:ext>
+            </a:extLst>
+          </p:cNvPr>
+          <p:cNvSpPr>
+            <a:spLocks noGrp="1"/>
+          </p:cNvSpPr>
+          <p:nvPr>
+            <p:ph type="body" idx="1"/>
+          </p:nvPr>
+        </p:nvSpPr>
+        <p:spPr/>
+        <p:txBody>
+          <a:bodyPr/>
+          <a:lstStyle/>
+          <a:p>
+            <a:endParaRPr lang="en-US"/>
+          </a:p>
+        </p:txBody>
+      </p:sp>
+    </p:spTree>
+    <p:extLst>
+      <p:ext uri="{BB962C8B-B14F-4D97-AF65-F5344CB8AC3E}">
+        <p14:creationId xmlns:p14="http://schemas.microsoft.com/office/powerpoint/2010/main" val="2133794410"/>
+      </p:ext>
+    </p:extLst>
+  </p:cSld>
+  <p:clrMapOvr>
+    <a:masterClrMapping/>
+  </p:clrMapOvr>
+</p:sld>
+</file>
+
+<file path=ppt/slides/slide16.xml><?xml version="1.0" encoding="utf-8"?>
+<p:sld xmlns:a="http://schemas.openxmlformats.org/drawingml/2006/main" xmlns:r="http://schemas.openxmlformats.org/officeDocument/2006/relationships" xmlns:p="http://schemas.openxmlformats.org/presentationml/2006/main">
+  <p:cSld>
+    <p:spTree>
+      <p:nvGrpSpPr>
+        <p:cNvPr id="1" name=""/>
+        <p:cNvGrpSpPr/>
+        <p:nvPr/>
+      </p:nvGrpSpPr>
+      <p:grpSpPr>
+        <a:xfrm>
+          <a:off x="0" y="0"/>
+          <a:ext cx="0" cy="0"/>
+          <a:chOff x="0" y="0"/>
+          <a:chExt cx="0" cy="0"/>
+        </a:xfrm>
+      </p:grpSpPr>
+      <p:sp>
+        <p:nvSpPr>
+          <p:cNvPr id="2" name="Title 1">
+            <a:extLst>
+              <a:ext uri="{FF2B5EF4-FFF2-40B4-BE49-F238E27FC236}">
+                <a16:creationId xmlns:a16="http://schemas.microsoft.com/office/drawing/2014/main" id="{6108C28F-983D-4CFB-B135-C7FFC7B292E5}"/>
+              </a:ext>
+            </a:extLst>
+          </p:cNvPr>
+          <p:cNvSpPr>
+            <a:spLocks noGrp="1"/>
+          </p:cNvSpPr>
+          <p:nvPr>
+            <p:ph type="title"/>
+          </p:nvPr>
+        </p:nvSpPr>
+        <p:spPr/>
+        <p:txBody>
+          <a:bodyPr/>
+          <a:lstStyle/>
+          <a:p>
+            <a:r>
+              <a:rPr lang="en-US" dirty="0"/>
+              <a:t>Voters</a:t>
+            </a:r>
+          </a:p>
+        </p:txBody>
+      </p:sp>
+      <p:pic>
+        <p:nvPicPr>
+          <p:cNvPr id="4" name="Picture 3">
+            <a:extLst>
+              <a:ext uri="{FF2B5EF4-FFF2-40B4-BE49-F238E27FC236}">
+                <a16:creationId xmlns:a16="http://schemas.microsoft.com/office/drawing/2014/main" id="{597C3BDB-629E-4C51-BE0A-E75A3940D918}"/>
+              </a:ext>
+            </a:extLst>
+          </p:cNvPr>
+          <p:cNvPicPr>
+            <a:picLocks noChangeAspect="1"/>
+          </p:cNvPicPr>
+          <p:nvPr/>
+        </p:nvPicPr>
+        <p:blipFill>
+          <a:blip r:embed="rId3"/>
+          <a:stretch>
+            <a:fillRect/>
+          </a:stretch>
+        </p:blipFill>
+        <p:spPr>
+          <a:xfrm>
+            <a:off x="2643188" y="1786783"/>
+            <a:ext cx="6905625" cy="2171700"/>
+          </a:xfrm>
+          <a:prstGeom prst="rect">
+            <a:avLst/>
+          </a:prstGeom>
+        </p:spPr>
+      </p:pic>
+      <p:pic>
+        <p:nvPicPr>
+          <p:cNvPr id="5" name="Picture 4">
+            <a:extLst>
+              <a:ext uri="{FF2B5EF4-FFF2-40B4-BE49-F238E27FC236}">
+                <a16:creationId xmlns:a16="http://schemas.microsoft.com/office/drawing/2014/main" id="{DF5E9D33-8D23-4A68-9812-98F1678B5C4B}"/>
+              </a:ext>
+            </a:extLst>
+          </p:cNvPr>
+          <p:cNvPicPr>
+            <a:picLocks noChangeAspect="1"/>
+          </p:cNvPicPr>
+          <p:nvPr/>
+        </p:nvPicPr>
+        <p:blipFill>
+          <a:blip r:embed="rId4"/>
+          <a:stretch>
+            <a:fillRect/>
+          </a:stretch>
+        </p:blipFill>
+        <p:spPr>
+          <a:xfrm>
+            <a:off x="344488" y="4445682"/>
+            <a:ext cx="11503024" cy="1503236"/>
+          </a:xfrm>
+          <a:prstGeom prst="rect">
+            <a:avLst/>
+          </a:prstGeom>
+        </p:spPr>
+      </p:pic>
+    </p:spTree>
+    <p:extLst>
+      <p:ext uri="{BB962C8B-B14F-4D97-AF65-F5344CB8AC3E}">
+        <p14:creationId xmlns:p14="http://schemas.microsoft.com/office/powerpoint/2010/main" val="931317673"/>
+      </p:ext>
+    </p:extLst>
+  </p:cSld>
+  <p:clrMapOvr>
+    <a:masterClrMapping/>
+  </p:clrMapOvr>
+</p:sld>
+</file>
+
+<file path=ppt/slides/slide17.xml><?xml version="1.0" encoding="utf-8"?>
+<p:sld xmlns:a="http://schemas.openxmlformats.org/drawingml/2006/main" xmlns:r="http://schemas.openxmlformats.org/officeDocument/2006/relationships" xmlns:p="http://schemas.openxmlformats.org/presentationml/2006/main">
+  <p:cSld>
+    <p:spTree>
+      <p:nvGrpSpPr>
+        <p:cNvPr id="1" name=""/>
+        <p:cNvGrpSpPr/>
+        <p:nvPr/>
+      </p:nvGrpSpPr>
+      <p:grpSpPr>
+        <a:xfrm>
+          <a:off x="0" y="0"/>
+          <a:ext cx="0" cy="0"/>
+          <a:chOff x="0" y="0"/>
+          <a:chExt cx="0" cy="0"/>
+        </a:xfrm>
+      </p:grpSpPr>
+      <p:sp>
+        <p:nvSpPr>
+          <p:cNvPr id="2" name="Title 1">
+            <a:extLst>
+              <a:ext uri="{FF2B5EF4-FFF2-40B4-BE49-F238E27FC236}">
+                <a16:creationId xmlns:a16="http://schemas.microsoft.com/office/drawing/2014/main" id="{6108C28F-983D-4CFB-B135-C7FFC7B292E5}"/>
+              </a:ext>
+            </a:extLst>
+          </p:cNvPr>
+          <p:cNvSpPr>
+            <a:spLocks noGrp="1"/>
+          </p:cNvSpPr>
+          <p:nvPr>
+            <p:ph type="title"/>
+          </p:nvPr>
+        </p:nvSpPr>
+        <p:spPr/>
+        <p:txBody>
+          <a:bodyPr/>
+          <a:lstStyle/>
+          <a:p>
+            <a:r>
+              <a:rPr lang="en-US" dirty="0"/>
+              <a:t>Swing Voters’ Important Topics</a:t>
+            </a:r>
+          </a:p>
+        </p:txBody>
+      </p:sp>
+      <p:pic>
+        <p:nvPicPr>
+          <p:cNvPr id="4" name="Picture 3">
+            <a:extLst>
+              <a:ext uri="{FF2B5EF4-FFF2-40B4-BE49-F238E27FC236}">
+                <a16:creationId xmlns:a16="http://schemas.microsoft.com/office/drawing/2014/main" id="{846B01C9-DEC6-4E62-9676-7809F0A08C3D}"/>
+              </a:ext>
+            </a:extLst>
+          </p:cNvPr>
+          <p:cNvPicPr>
+            <a:picLocks noChangeAspect="1"/>
+          </p:cNvPicPr>
+          <p:nvPr/>
+        </p:nvPicPr>
+        <p:blipFill>
+          <a:blip r:embed="rId3"/>
+          <a:stretch>
+            <a:fillRect/>
+          </a:stretch>
+        </p:blipFill>
+        <p:spPr>
+          <a:xfrm>
+            <a:off x="393107" y="2485511"/>
+            <a:ext cx="11405787" cy="3054668"/>
+          </a:xfrm>
+          <a:prstGeom prst="rect">
+            <a:avLst/>
+          </a:prstGeom>
+        </p:spPr>
+      </p:pic>
+    </p:spTree>
+    <p:extLst>
+      <p:ext uri="{BB962C8B-B14F-4D97-AF65-F5344CB8AC3E}">
+        <p14:creationId xmlns:p14="http://schemas.microsoft.com/office/powerpoint/2010/main" val="3709083137"/>
+      </p:ext>
+    </p:extLst>
+  </p:cSld>
+  <p:clrMapOvr>
+    <a:masterClrMapping/>
+  </p:clrMapOvr>
+</p:sld>
+</file>
+
+<file path=ppt/slides/slide18.xml><?xml version="1.0" encoding="utf-8"?>
+<p:sld xmlns:a="http://schemas.openxmlformats.org/drawingml/2006/main" xmlns:r="http://schemas.openxmlformats.org/officeDocument/2006/relationships" xmlns:p="http://schemas.openxmlformats.org/presentationml/2006/main">
+  <p:cSld>
+    <p:spTree>
+      <p:nvGrpSpPr>
+        <p:cNvPr id="1" name=""/>
+        <p:cNvGrpSpPr/>
+        <p:nvPr/>
+      </p:nvGrpSpPr>
+      <p:grpSpPr>
+        <a:xfrm>
+          <a:off x="0" y="0"/>
+          <a:ext cx="0" cy="0"/>
+          <a:chOff x="0" y="0"/>
+          <a:chExt cx="0" cy="0"/>
+        </a:xfrm>
+      </p:grpSpPr>
+      <p:sp>
+        <p:nvSpPr>
+          <p:cNvPr id="2" name="Title 1">
+            <a:extLst>
+              <a:ext uri="{FF2B5EF4-FFF2-40B4-BE49-F238E27FC236}">
+                <a16:creationId xmlns:a16="http://schemas.microsoft.com/office/drawing/2014/main" id="{7895CEC2-5257-4918-8324-6ADEC7FBCDA8}"/>
+              </a:ext>
+            </a:extLst>
+          </p:cNvPr>
+          <p:cNvSpPr>
+            <a:spLocks noGrp="1"/>
+          </p:cNvSpPr>
+          <p:nvPr>
+            <p:ph type="title"/>
+          </p:nvPr>
+        </p:nvSpPr>
+        <p:spPr/>
+        <p:txBody>
+          <a:bodyPr/>
+          <a:lstStyle/>
+          <a:p>
+            <a:r>
+              <a:rPr lang="en-US"/>
+              <a:t>Candidate Objects</a:t>
+            </a:r>
+            <a:endParaRPr lang="en-US" dirty="0"/>
+          </a:p>
+        </p:txBody>
+      </p:sp>
+      <p:pic>
+        <p:nvPicPr>
+          <p:cNvPr id="4" name="Picture 3">
+            <a:extLst>
+              <a:ext uri="{FF2B5EF4-FFF2-40B4-BE49-F238E27FC236}">
+                <a16:creationId xmlns:a16="http://schemas.microsoft.com/office/drawing/2014/main" id="{9E946A69-3A53-44D4-999E-AE773E697E34}"/>
+              </a:ext>
+            </a:extLst>
+          </p:cNvPr>
+          <p:cNvPicPr>
+            <a:picLocks noChangeAspect="1"/>
+          </p:cNvPicPr>
+          <p:nvPr/>
+        </p:nvPicPr>
+        <p:blipFill>
+          <a:blip r:embed="rId3"/>
+          <a:stretch>
+            <a:fillRect/>
+          </a:stretch>
+        </p:blipFill>
+        <p:spPr>
+          <a:xfrm>
+            <a:off x="2333625" y="2861194"/>
+            <a:ext cx="7524750" cy="1819275"/>
+          </a:xfrm>
+          <a:prstGeom prst="rect">
+            <a:avLst/>
+          </a:prstGeom>
+        </p:spPr>
+      </p:pic>
+    </p:spTree>
+    <p:extLst>
+      <p:ext uri="{BB962C8B-B14F-4D97-AF65-F5344CB8AC3E}">
+        <p14:creationId xmlns:p14="http://schemas.microsoft.com/office/powerpoint/2010/main" val="3163671574"/>
+      </p:ext>
+    </p:extLst>
+  </p:cSld>
+  <p:clrMapOvr>
+    <a:masterClrMapping/>
+  </p:clrMapOvr>
+</p:sld>
+</file>
+
+<file path=ppt/slides/slide19.xml><?xml version="1.0" encoding="utf-8"?>
+<p:sld xmlns:a="http://schemas.openxmlformats.org/drawingml/2006/main" xmlns:r="http://schemas.openxmlformats.org/officeDocument/2006/relationships" xmlns:p="http://schemas.openxmlformats.org/presentationml/2006/main">
+  <p:cSld>
+    <p:spTree>
+      <p:nvGrpSpPr>
+        <p:cNvPr id="1" name=""/>
+        <p:cNvGrpSpPr/>
+        <p:nvPr/>
+      </p:nvGrpSpPr>
+      <p:grpSpPr>
+        <a:xfrm>
+          <a:off x="0" y="0"/>
+          <a:ext cx="0" cy="0"/>
+          <a:chOff x="0" y="0"/>
+          <a:chExt cx="0" cy="0"/>
+        </a:xfrm>
+      </p:grpSpPr>
+      <p:sp>
+        <p:nvSpPr>
+          <p:cNvPr id="2" name="Title 1">
+            <a:extLst>
+              <a:ext uri="{FF2B5EF4-FFF2-40B4-BE49-F238E27FC236}">
+                <a16:creationId xmlns:a16="http://schemas.microsoft.com/office/drawing/2014/main" id="{C3DD979F-40FE-4519-89C6-8817E05AE58A}"/>
+              </a:ext>
+            </a:extLst>
+          </p:cNvPr>
+          <p:cNvSpPr>
+            <a:spLocks noGrp="1"/>
+          </p:cNvSpPr>
+          <p:nvPr>
+            <p:ph type="title"/>
+          </p:nvPr>
+        </p:nvSpPr>
+        <p:spPr/>
+        <p:txBody>
+          <a:bodyPr/>
+          <a:lstStyle/>
+          <a:p>
+            <a:r>
+              <a:rPr lang="en-US"/>
+              <a:t>List of Events</a:t>
+            </a:r>
+            <a:endParaRPr lang="en-US" dirty="0"/>
+          </a:p>
+        </p:txBody>
+      </p:sp>
+      <p:sp>
+        <p:nvSpPr>
+          <p:cNvPr id="3" name="Content Placeholder 2">
+            <a:extLst>
+              <a:ext uri="{FF2B5EF4-FFF2-40B4-BE49-F238E27FC236}">
+                <a16:creationId xmlns:a16="http://schemas.microsoft.com/office/drawing/2014/main" id="{FA6930F8-1D6C-4E85-BD98-F27D23D719F0}"/>
+              </a:ext>
+            </a:extLst>
+          </p:cNvPr>
+          <p:cNvSpPr>
+            <a:spLocks noGrp="1"/>
+          </p:cNvSpPr>
+          <p:nvPr>
+            <p:ph idx="1"/>
+          </p:nvPr>
+        </p:nvSpPr>
+        <p:spPr/>
+        <p:txBody>
+          <a:bodyPr/>
+          <a:lstStyle/>
+          <a:p>
+            <a:r>
+              <a:rPr lang="en-US"/>
+              <a:t>Sex scandal (by Democrat or by Republican)</a:t>
+            </a:r>
+          </a:p>
+          <a:p>
+            <a:r>
+              <a:rPr lang="en-US"/>
+              <a:t>Economic upturn and economic downturn</a:t>
+            </a:r>
+          </a:p>
+          <a:p>
+            <a:r>
+              <a:rPr lang="en-US"/>
+              <a:t>Terrorist attack</a:t>
+            </a:r>
+          </a:p>
+          <a:p>
+            <a:r>
+              <a:rPr lang="en-US"/>
+              <a:t>Environmental disaster</a:t>
+            </a:r>
+          </a:p>
+          <a:p>
+            <a:r>
+              <a:rPr lang="en-US"/>
+              <a:t>War starts</a:t>
+            </a:r>
+          </a:p>
+          <a:p>
+            <a:r>
+              <a:rPr lang="en-US"/>
+              <a:t>Political debate</a:t>
+            </a:r>
+            <a:endParaRPr lang="en-US" dirty="0"/>
+          </a:p>
+        </p:txBody>
+      </p:sp>
+    </p:spTree>
+    <p:extLst>
+      <p:ext uri="{BB962C8B-B14F-4D97-AF65-F5344CB8AC3E}">
+        <p14:creationId xmlns:p14="http://schemas.microsoft.com/office/powerpoint/2010/main" val="2507992030"/>
+      </p:ext>
+    </p:extLst>
+  </p:cSld>
+  <p:clrMapOvr>
+    <a:masterClrMapping/>
+  </p:clrMapOvr>
+</p:sld>
+</file>
+
+<file path=ppt/slides/slide2.xml><?xml version="1.0" encoding="utf-8"?>
+<p:sld xmlns:a="http://schemas.openxmlformats.org/drawingml/2006/main" xmlns:r="http://schemas.openxmlformats.org/officeDocument/2006/relationships" xmlns:p="http://schemas.openxmlformats.org/presentationml/2006/main">
+  <p:cSld>
+    <p:spTree>
+      <p:nvGrpSpPr>
+        <p:cNvPr id="1" name=""/>
+        <p:cNvGrpSpPr/>
+        <p:nvPr/>
+      </p:nvGrpSpPr>
+      <p:grpSpPr>
+        <a:xfrm>
+          <a:off x="0" y="0"/>
+          <a:ext cx="0" cy="0"/>
+          <a:chOff x="0" y="0"/>
+          <a:chExt cx="0" cy="0"/>
+        </a:xfrm>
+      </p:grpSpPr>
+      <p:sp>
+        <p:nvSpPr>
+          <p:cNvPr id="4" name="Title 3">
+            <a:extLst>
+              <a:ext uri="{FF2B5EF4-FFF2-40B4-BE49-F238E27FC236}">
+                <a16:creationId xmlns:a16="http://schemas.microsoft.com/office/drawing/2014/main" id="{BCED0135-CB4C-4A30-9981-F8C4862A23A7}"/>
+              </a:ext>
+            </a:extLst>
+          </p:cNvPr>
+          <p:cNvSpPr>
+            <a:spLocks noGrp="1"/>
+          </p:cNvSpPr>
+          <p:nvPr>
+            <p:ph type="title"/>
+          </p:nvPr>
+        </p:nvSpPr>
+        <p:spPr/>
+        <p:txBody>
+          <a:bodyPr/>
+          <a:lstStyle/>
+          <a:p>
+            <a:r>
+              <a:rPr lang="en-US" b="1" dirty="0"/>
+              <a:t>Goals</a:t>
+            </a:r>
+          </a:p>
+        </p:txBody>
+      </p:sp>
+      <p:sp>
+        <p:nvSpPr>
+          <p:cNvPr id="5" name="Text Placeholder 4">
+            <a:extLst>
+              <a:ext uri="{FF2B5EF4-FFF2-40B4-BE49-F238E27FC236}">
+                <a16:creationId xmlns:a16="http://schemas.microsoft.com/office/drawing/2014/main" id="{346A94D0-EA9E-41D4-AC24-761C06D018E9}"/>
+              </a:ext>
+            </a:extLst>
+          </p:cNvPr>
+          <p:cNvSpPr>
+            <a:spLocks noGrp="1"/>
+          </p:cNvSpPr>
+          <p:nvPr>
+            <p:ph type="body" idx="1"/>
+          </p:nvPr>
+        </p:nvSpPr>
+        <p:spPr/>
+        <p:txBody>
+          <a:bodyPr/>
+          <a:lstStyle/>
+          <a:p>
+            <a:endParaRPr lang="en-US"/>
+          </a:p>
+        </p:txBody>
+      </p:sp>
+    </p:spTree>
+    <p:extLst>
+      <p:ext uri="{BB962C8B-B14F-4D97-AF65-F5344CB8AC3E}">
+        <p14:creationId xmlns:p14="http://schemas.microsoft.com/office/powerpoint/2010/main" val="2456124830"/>
+      </p:ext>
+    </p:extLst>
+  </p:cSld>
+  <p:clrMapOvr>
+    <a:masterClrMapping/>
+  </p:clrMapOvr>
+</p:sld>
+</file>
+
+<file path=ppt/slides/slide20.xml><?xml version="1.0" encoding="utf-8"?>
+<p:sld xmlns:a="http://schemas.openxmlformats.org/drawingml/2006/main" xmlns:r="http://schemas.openxmlformats.org/officeDocument/2006/relationships" xmlns:p="http://schemas.openxmlformats.org/presentationml/2006/main">
+  <p:cSld>
+    <p:spTree>
+      <p:nvGrpSpPr>
+        <p:cNvPr id="1" name=""/>
+        <p:cNvGrpSpPr/>
+        <p:nvPr/>
+      </p:nvGrpSpPr>
+      <p:grpSpPr>
+        <a:xfrm>
+          <a:off x="0" y="0"/>
+          <a:ext cx="0" cy="0"/>
+          <a:chOff x="0" y="0"/>
+          <a:chExt cx="0" cy="0"/>
+        </a:xfrm>
+      </p:grpSpPr>
+      <p:sp>
+        <p:nvSpPr>
+          <p:cNvPr id="2" name="Title 1">
+            <a:extLst>
+              <a:ext uri="{FF2B5EF4-FFF2-40B4-BE49-F238E27FC236}">
+                <a16:creationId xmlns:a16="http://schemas.microsoft.com/office/drawing/2014/main" id="{6108C28F-983D-4CFB-B135-C7FFC7B292E5}"/>
+              </a:ext>
+            </a:extLst>
+          </p:cNvPr>
+          <p:cNvSpPr>
+            <a:spLocks noGrp="1"/>
+          </p:cNvSpPr>
+          <p:nvPr>
+            <p:ph type="title"/>
+          </p:nvPr>
+        </p:nvSpPr>
+        <p:spPr/>
+        <p:txBody>
+          <a:bodyPr/>
+          <a:lstStyle/>
+          <a:p>
+            <a:r>
+              <a:rPr lang="en-US" dirty="0"/>
+              <a:t>What an Event Does</a:t>
+            </a:r>
+          </a:p>
+        </p:txBody>
+      </p:sp>
+      <p:pic>
+        <p:nvPicPr>
+          <p:cNvPr id="4" name="Picture 3">
+            <a:extLst>
+              <a:ext uri="{FF2B5EF4-FFF2-40B4-BE49-F238E27FC236}">
+                <a16:creationId xmlns:a16="http://schemas.microsoft.com/office/drawing/2014/main" id="{C0DF1FCE-8BD1-4D9B-9A38-786EF1A7B8BB}"/>
+              </a:ext>
+            </a:extLst>
+          </p:cNvPr>
+          <p:cNvPicPr>
+            <a:picLocks noChangeAspect="1"/>
+          </p:cNvPicPr>
+          <p:nvPr/>
+        </p:nvPicPr>
+        <p:blipFill>
+          <a:blip r:embed="rId3"/>
+          <a:stretch>
+            <a:fillRect/>
+          </a:stretch>
+        </p:blipFill>
+        <p:spPr>
+          <a:xfrm>
+            <a:off x="1071456" y="2898769"/>
+            <a:ext cx="10707690" cy="1755023"/>
+          </a:xfrm>
+          <a:prstGeom prst="rect">
+            <a:avLst/>
+          </a:prstGeom>
+        </p:spPr>
+      </p:pic>
+    </p:spTree>
+    <p:extLst>
+      <p:ext uri="{BB962C8B-B14F-4D97-AF65-F5344CB8AC3E}">
+        <p14:creationId xmlns:p14="http://schemas.microsoft.com/office/powerpoint/2010/main" val="518891357"/>
+      </p:ext>
+    </p:extLst>
+  </p:cSld>
+  <p:clrMapOvr>
+    <a:masterClrMapping/>
+  </p:clrMapOvr>
+</p:sld>
+</file>
+
+<file path=ppt/slides/slide21.xml><?xml version="1.0" encoding="utf-8"?>
+<p:sld xmlns:a="http://schemas.openxmlformats.org/drawingml/2006/main" xmlns:r="http://schemas.openxmlformats.org/officeDocument/2006/relationships" xmlns:p="http://schemas.openxmlformats.org/presentationml/2006/main">
+  <p:cSld>
+    <p:spTree>
+      <p:nvGrpSpPr>
+        <p:cNvPr id="1" name=""/>
+        <p:cNvGrpSpPr/>
+        <p:nvPr/>
+      </p:nvGrpSpPr>
+      <p:grpSpPr>
+        <a:xfrm>
+          <a:off x="0" y="0"/>
+          <a:ext cx="0" cy="0"/>
+          <a:chOff x="0" y="0"/>
+          <a:chExt cx="0" cy="0"/>
+        </a:xfrm>
+      </p:grpSpPr>
+      <p:sp>
+        <p:nvSpPr>
+          <p:cNvPr id="2" name="Title 1">
+            <a:extLst>
+              <a:ext uri="{FF2B5EF4-FFF2-40B4-BE49-F238E27FC236}">
+                <a16:creationId xmlns:a16="http://schemas.microsoft.com/office/drawing/2014/main" id="{FC9B5003-85DC-459A-8796-90C5DEFEADD3}"/>
+              </a:ext>
+            </a:extLst>
+          </p:cNvPr>
+          <p:cNvSpPr>
+            <a:spLocks noGrp="1"/>
+          </p:cNvSpPr>
+          <p:nvPr>
+            <p:ph type="title"/>
+          </p:nvPr>
+        </p:nvSpPr>
+        <p:spPr/>
+        <p:txBody>
+          <a:bodyPr/>
+          <a:lstStyle/>
+          <a:p>
+            <a:r>
+              <a:rPr lang="en-US" dirty="0"/>
+              <a:t>What an Event Does</a:t>
+            </a:r>
+          </a:p>
+        </p:txBody>
+      </p:sp>
+      <p:pic>
+        <p:nvPicPr>
+          <p:cNvPr id="4" name="Picture 3">
+            <a:extLst>
+              <a:ext uri="{FF2B5EF4-FFF2-40B4-BE49-F238E27FC236}">
+                <a16:creationId xmlns:a16="http://schemas.microsoft.com/office/drawing/2014/main" id="{549480E8-F933-477E-9633-FFEB1FE8B9AC}"/>
+              </a:ext>
+            </a:extLst>
+          </p:cNvPr>
+          <p:cNvPicPr>
+            <a:picLocks noChangeAspect="1"/>
+          </p:cNvPicPr>
+          <p:nvPr/>
+        </p:nvPicPr>
+        <p:blipFill>
+          <a:blip r:embed="rId3"/>
+          <a:stretch>
+            <a:fillRect/>
+          </a:stretch>
+        </p:blipFill>
+        <p:spPr>
+          <a:xfrm>
+            <a:off x="1418602" y="2710761"/>
+            <a:ext cx="9354796" cy="3925784"/>
+          </a:xfrm>
+          <a:prstGeom prst="rect">
+            <a:avLst/>
+          </a:prstGeom>
+        </p:spPr>
+      </p:pic>
+      <p:grpSp>
+        <p:nvGrpSpPr>
+          <p:cNvPr id="7" name="Group 6">
+            <a:extLst>
+              <a:ext uri="{FF2B5EF4-FFF2-40B4-BE49-F238E27FC236}">
+                <a16:creationId xmlns:a16="http://schemas.microsoft.com/office/drawing/2014/main" id="{057C880B-4F67-4704-B04D-3D5D17A5116B}"/>
+              </a:ext>
+            </a:extLst>
+          </p:cNvPr>
+          <p:cNvGrpSpPr/>
+          <p:nvPr/>
+        </p:nvGrpSpPr>
+        <p:grpSpPr>
+          <a:xfrm>
+            <a:off x="179462" y="1548533"/>
+            <a:ext cx="6594122" cy="1080797"/>
+            <a:chOff x="179462" y="1548533"/>
+            <a:chExt cx="6594122" cy="1080797"/>
+          </a:xfrm>
+        </p:grpSpPr>
+        <p:pic>
+          <p:nvPicPr>
+            <p:cNvPr id="5" name="Picture 4">
+              <a:extLst>
+                <a:ext uri="{FF2B5EF4-FFF2-40B4-BE49-F238E27FC236}">
+                  <a16:creationId xmlns:a16="http://schemas.microsoft.com/office/drawing/2014/main" id="{B096E520-CD44-4FDA-982E-81254AC35B74}"/>
+                </a:ext>
+              </a:extLst>
+            </p:cNvPr>
+            <p:cNvPicPr>
+              <a:picLocks noChangeAspect="1"/>
+            </p:cNvPicPr>
+            <p:nvPr/>
+          </p:nvPicPr>
+          <p:blipFill>
+            <a:blip r:embed="rId4"/>
+            <a:stretch>
+              <a:fillRect/>
+            </a:stretch>
+          </p:blipFill>
+          <p:spPr>
+            <a:xfrm>
+              <a:off x="179462" y="1548533"/>
+              <a:ext cx="6594122" cy="1080797"/>
+            </a:xfrm>
+            <a:prstGeom prst="rect">
+              <a:avLst/>
+            </a:prstGeom>
+          </p:spPr>
+        </p:pic>
+        <p:sp>
+          <p:nvSpPr>
+            <p:cNvPr id="6" name="Rectangle 5">
+              <a:extLst>
+                <a:ext uri="{FF2B5EF4-FFF2-40B4-BE49-F238E27FC236}">
+                  <a16:creationId xmlns:a16="http://schemas.microsoft.com/office/drawing/2014/main" id="{BBFA50F9-166C-4F53-872F-C491A154EC66}"/>
+                </a:ext>
+              </a:extLst>
+            </p:cNvPr>
+            <p:cNvSpPr/>
+            <p:nvPr/>
+          </p:nvSpPr>
+          <p:spPr>
+            <a:xfrm>
+              <a:off x="179462" y="1548533"/>
+              <a:ext cx="6594122" cy="1080797"/>
+            </a:xfrm>
+            <a:prstGeom prst="rect">
+              <a:avLst/>
+            </a:prstGeom>
+            <a:solidFill>
+              <a:schemeClr val="bg1">
+                <a:alpha val="39000"/>
+              </a:schemeClr>
+            </a:solidFill>
+            <a:ln>
+              <a:noFill/>
+            </a:ln>
+          </p:spPr>
+          <p:style>
+            <a:lnRef idx="2">
+              <a:schemeClr val="accent1">
+                <a:shade val="50000"/>
+              </a:schemeClr>
+            </a:lnRef>
+            <a:fillRef idx="1">
+              <a:schemeClr val="accent1"/>
+            </a:fillRef>
+            <a:effectRef idx="0">
+              <a:schemeClr val="accent1"/>
+            </a:effectRef>
+            <a:fontRef idx="minor">
+              <a:schemeClr val="lt1"/>
+            </a:fontRef>
+          </p:style>
+          <p:txBody>
+            <a:bodyPr rtlCol="0" anchor="ctr"/>
+            <a:lstStyle/>
+            <a:p>
+              <a:pPr algn="ctr"/>
+              <a:endParaRPr lang="en-US"/>
+            </a:p>
+          </p:txBody>
+        </p:sp>
+      </p:grpSp>
+    </p:spTree>
+    <p:extLst>
+      <p:ext uri="{BB962C8B-B14F-4D97-AF65-F5344CB8AC3E}">
+        <p14:creationId xmlns:p14="http://schemas.microsoft.com/office/powerpoint/2010/main" val="1504402160"/>
+      </p:ext>
+    </p:extLst>
+  </p:cSld>
+  <p:clrMapOvr>
+    <a:masterClrMapping/>
+  </p:clrMapOvr>
+</p:sld>
+</file>
+
+<file path=ppt/slides/slide22.xml><?xml version="1.0" encoding="utf-8"?>
+<p:sld xmlns:a="http://schemas.openxmlformats.org/drawingml/2006/main" xmlns:r="http://schemas.openxmlformats.org/officeDocument/2006/relationships" xmlns:p="http://schemas.openxmlformats.org/presentationml/2006/main">
+  <p:cSld>
+    <p:spTree>
+      <p:nvGrpSpPr>
+        <p:cNvPr id="1" name=""/>
+        <p:cNvGrpSpPr/>
+        <p:nvPr/>
+      </p:nvGrpSpPr>
+      <p:grpSpPr>
+        <a:xfrm>
+          <a:off x="0" y="0"/>
+          <a:ext cx="0" cy="0"/>
+          <a:chOff x="0" y="0"/>
+          <a:chExt cx="0" cy="0"/>
+        </a:xfrm>
+      </p:grpSpPr>
+      <p:sp>
+        <p:nvSpPr>
+          <p:cNvPr id="2" name="Title 1">
+            <a:extLst>
+              <a:ext uri="{FF2B5EF4-FFF2-40B4-BE49-F238E27FC236}">
+                <a16:creationId xmlns:a16="http://schemas.microsoft.com/office/drawing/2014/main" id="{38A526D0-9142-4A5C-921E-3DDF8DF0131F}"/>
+              </a:ext>
+            </a:extLst>
+          </p:cNvPr>
+          <p:cNvSpPr>
+            <a:spLocks noGrp="1"/>
+          </p:cNvSpPr>
+          <p:nvPr>
+            <p:ph type="title"/>
+          </p:nvPr>
+        </p:nvSpPr>
+        <p:spPr/>
+        <p:txBody>
+          <a:bodyPr/>
+          <a:lstStyle/>
+          <a:p>
+            <a:r>
+              <a:rPr lang="en-US"/>
+              <a:t>Political Debate</a:t>
+            </a:r>
+            <a:endParaRPr lang="en-US" dirty="0"/>
+          </a:p>
+        </p:txBody>
+      </p:sp>
+      <p:pic>
+        <p:nvPicPr>
+          <p:cNvPr id="4" name="Picture 3">
+            <a:extLst>
+              <a:ext uri="{FF2B5EF4-FFF2-40B4-BE49-F238E27FC236}">
+                <a16:creationId xmlns:a16="http://schemas.microsoft.com/office/drawing/2014/main" id="{518418B4-CDE0-4F5D-B76C-95A2E3BE5D33}"/>
+              </a:ext>
+            </a:extLst>
+          </p:cNvPr>
+          <p:cNvPicPr>
+            <a:picLocks noChangeAspect="1"/>
+          </p:cNvPicPr>
+          <p:nvPr/>
+        </p:nvPicPr>
+        <p:blipFill>
+          <a:blip r:embed="rId3"/>
+          <a:stretch>
+            <a:fillRect/>
+          </a:stretch>
+        </p:blipFill>
+        <p:spPr>
+          <a:xfrm>
+            <a:off x="467360" y="2218453"/>
+            <a:ext cx="11257280" cy="3745478"/>
+          </a:xfrm>
+          <a:prstGeom prst="rect">
+            <a:avLst/>
+          </a:prstGeom>
+        </p:spPr>
+      </p:pic>
+    </p:spTree>
+    <p:extLst>
+      <p:ext uri="{BB962C8B-B14F-4D97-AF65-F5344CB8AC3E}">
+        <p14:creationId xmlns:p14="http://schemas.microsoft.com/office/powerpoint/2010/main" val="3749200995"/>
+      </p:ext>
+    </p:extLst>
+  </p:cSld>
+  <p:clrMapOvr>
+    <a:masterClrMapping/>
+  </p:clrMapOvr>
+</p:sld>
+</file>
+
+<file path=ppt/slides/slide23.xml><?xml version="1.0" encoding="utf-8"?>
+<p:sld xmlns:a="http://schemas.openxmlformats.org/drawingml/2006/main" xmlns:r="http://schemas.openxmlformats.org/officeDocument/2006/relationships" xmlns:p="http://schemas.openxmlformats.org/presentationml/2006/main">
+  <p:cSld>
+    <p:spTree>
+      <p:nvGrpSpPr>
+        <p:cNvPr id="1" name=""/>
+        <p:cNvGrpSpPr/>
+        <p:nvPr/>
+      </p:nvGrpSpPr>
+      <p:grpSpPr>
+        <a:xfrm>
+          <a:off x="0" y="0"/>
+          <a:ext cx="0" cy="0"/>
+          <a:chOff x="0" y="0"/>
+          <a:chExt cx="0" cy="0"/>
+        </a:xfrm>
+      </p:grpSpPr>
+      <p:sp>
+        <p:nvSpPr>
+          <p:cNvPr id="2" name="Title 1">
+            <a:extLst>
+              <a:ext uri="{FF2B5EF4-FFF2-40B4-BE49-F238E27FC236}">
+                <a16:creationId xmlns:a16="http://schemas.microsoft.com/office/drawing/2014/main" id="{B80A01F1-530A-4256-AE4B-BB5AD0B15FD5}"/>
+              </a:ext>
+            </a:extLst>
+          </p:cNvPr>
+          <p:cNvSpPr>
+            <a:spLocks noGrp="1"/>
+          </p:cNvSpPr>
+          <p:nvPr>
+            <p:ph type="title"/>
+          </p:nvPr>
+        </p:nvSpPr>
+        <p:spPr/>
+        <p:txBody>
+          <a:bodyPr/>
+          <a:lstStyle/>
+          <a:p>
+            <a:r>
+              <a:rPr lang="en-US"/>
+              <a:t>Running the Election</a:t>
+            </a:r>
+            <a:endParaRPr lang="en-US" dirty="0"/>
+          </a:p>
+        </p:txBody>
+      </p:sp>
+      <p:pic>
+        <p:nvPicPr>
+          <p:cNvPr id="4" name="Picture 3">
+            <a:extLst>
+              <a:ext uri="{FF2B5EF4-FFF2-40B4-BE49-F238E27FC236}">
+                <a16:creationId xmlns:a16="http://schemas.microsoft.com/office/drawing/2014/main" id="{7C0D7061-060F-487A-9728-5755E13ED480}"/>
+              </a:ext>
+            </a:extLst>
+          </p:cNvPr>
+          <p:cNvPicPr>
+            <a:picLocks noChangeAspect="1"/>
+          </p:cNvPicPr>
+          <p:nvPr/>
+        </p:nvPicPr>
+        <p:blipFill>
+          <a:blip r:embed="rId3"/>
+          <a:stretch>
+            <a:fillRect/>
+          </a:stretch>
+        </p:blipFill>
+        <p:spPr>
+          <a:xfrm>
+            <a:off x="1393833" y="1706881"/>
+            <a:ext cx="9404334" cy="4895328"/>
+          </a:xfrm>
+          <a:prstGeom prst="rect">
+            <a:avLst/>
+          </a:prstGeom>
+        </p:spPr>
+      </p:pic>
+    </p:spTree>
+    <p:extLst>
+      <p:ext uri="{BB962C8B-B14F-4D97-AF65-F5344CB8AC3E}">
+        <p14:creationId xmlns:p14="http://schemas.microsoft.com/office/powerpoint/2010/main" val="2117871772"/>
+      </p:ext>
+    </p:extLst>
+  </p:cSld>
+  <p:clrMapOvr>
+    <a:masterClrMapping/>
+  </p:clrMapOvr>
+</p:sld>
+</file>
+
+<file path=ppt/slides/slide24.xml><?xml version="1.0" encoding="utf-8"?>
+<p:sld xmlns:a="http://schemas.openxmlformats.org/drawingml/2006/main" xmlns:r="http://schemas.openxmlformats.org/officeDocument/2006/relationships" xmlns:p="http://schemas.openxmlformats.org/presentationml/2006/main">
+  <p:cSld>
+    <p:spTree>
+      <p:nvGrpSpPr>
+        <p:cNvPr id="1" name=""/>
+        <p:cNvGrpSpPr/>
+        <p:nvPr/>
+      </p:nvGrpSpPr>
+      <p:grpSpPr>
+        <a:xfrm>
+          <a:off x="0" y="0"/>
+          <a:ext cx="0" cy="0"/>
+          <a:chOff x="0" y="0"/>
+          <a:chExt cx="0" cy="0"/>
+        </a:xfrm>
+      </p:grpSpPr>
+      <p:sp>
+        <p:nvSpPr>
+          <p:cNvPr id="4" name="Title 3">
+            <a:extLst>
+              <a:ext uri="{FF2B5EF4-FFF2-40B4-BE49-F238E27FC236}">
+                <a16:creationId xmlns:a16="http://schemas.microsoft.com/office/drawing/2014/main" id="{903FC904-FF96-47EE-9E35-FAB09FC45D9D}"/>
+              </a:ext>
+            </a:extLst>
+          </p:cNvPr>
+          <p:cNvSpPr>
+            <a:spLocks noGrp="1"/>
+          </p:cNvSpPr>
+          <p:nvPr>
+            <p:ph type="title"/>
+          </p:nvPr>
+        </p:nvSpPr>
+        <p:spPr/>
+        <p:txBody>
+          <a:bodyPr/>
+          <a:lstStyle/>
+          <a:p>
+            <a:r>
+              <a:rPr lang="en-US"/>
+              <a:t>IV. Decisions and Drawbacks</a:t>
+            </a:r>
+            <a:endParaRPr lang="en-US" dirty="0"/>
+          </a:p>
+        </p:txBody>
+      </p:sp>
+      <p:sp>
+        <p:nvSpPr>
+          <p:cNvPr id="7" name="Text Placeholder 6">
+            <a:extLst>
+              <a:ext uri="{FF2B5EF4-FFF2-40B4-BE49-F238E27FC236}">
+                <a16:creationId xmlns:a16="http://schemas.microsoft.com/office/drawing/2014/main" id="{93EEF00A-A23A-4734-A55D-B8800A5D7EC9}"/>
+              </a:ext>
+            </a:extLst>
+          </p:cNvPr>
+          <p:cNvSpPr>
+            <a:spLocks noGrp="1"/>
+          </p:cNvSpPr>
+          <p:nvPr>
+            <p:ph type="body" idx="1"/>
+          </p:nvPr>
+        </p:nvSpPr>
+        <p:spPr/>
+        <p:txBody>
+          <a:bodyPr/>
+          <a:lstStyle/>
+          <a:p>
+            <a:endParaRPr lang="en-US"/>
+          </a:p>
+        </p:txBody>
+      </p:sp>
+    </p:spTree>
+    <p:extLst>
+      <p:ext uri="{BB962C8B-B14F-4D97-AF65-F5344CB8AC3E}">
+        <p14:creationId xmlns:p14="http://schemas.microsoft.com/office/powerpoint/2010/main" val="2401087165"/>
+      </p:ext>
+    </p:extLst>
+  </p:cSld>
+  <p:clrMapOvr>
+    <a:masterClrMapping/>
+  </p:clrMapOvr>
+</p:sld>
+</file>
+
+<file path=ppt/slides/slide25.xml><?xml version="1.0" encoding="utf-8"?>
+<p:sld xmlns:a="http://schemas.openxmlformats.org/drawingml/2006/main" xmlns:r="http://schemas.openxmlformats.org/officeDocument/2006/relationships" xmlns:p="http://schemas.openxmlformats.org/presentationml/2006/main">
+  <p:cSld>
+    <p:spTree>
+      <p:nvGrpSpPr>
+        <p:cNvPr id="1" name=""/>
+        <p:cNvGrpSpPr/>
+        <p:nvPr/>
+      </p:nvGrpSpPr>
+      <p:grpSpPr>
+        <a:xfrm>
+          <a:off x="0" y="0"/>
+          <a:ext cx="0" cy="0"/>
+          <a:chOff x="0" y="0"/>
+          <a:chExt cx="0" cy="0"/>
+        </a:xfrm>
+      </p:grpSpPr>
+      <p:sp>
+        <p:nvSpPr>
+          <p:cNvPr id="2" name="Title 1">
+            <a:extLst>
+              <a:ext uri="{FF2B5EF4-FFF2-40B4-BE49-F238E27FC236}">
+                <a16:creationId xmlns:a16="http://schemas.microsoft.com/office/drawing/2014/main" id="{7EBC5EDE-AAF5-4406-B1FB-09C6481EFA8F}"/>
+              </a:ext>
+            </a:extLst>
+          </p:cNvPr>
+          <p:cNvSpPr>
+            <a:spLocks noGrp="1"/>
+          </p:cNvSpPr>
+          <p:nvPr>
+            <p:ph type="title"/>
+          </p:nvPr>
+        </p:nvSpPr>
+        <p:spPr/>
+        <p:txBody>
+          <a:bodyPr/>
+          <a:lstStyle/>
+          <a:p>
+            <a:r>
+              <a:rPr lang="en-US"/>
+              <a:t>Slightly-Informed but Arbitrary Decisions</a:t>
+            </a:r>
+            <a:endParaRPr lang="en-US" dirty="0"/>
+          </a:p>
+        </p:txBody>
+      </p:sp>
+      <p:sp>
+        <p:nvSpPr>
+          <p:cNvPr id="3" name="Content Placeholder 2">
+            <a:extLst>
+              <a:ext uri="{FF2B5EF4-FFF2-40B4-BE49-F238E27FC236}">
+                <a16:creationId xmlns:a16="http://schemas.microsoft.com/office/drawing/2014/main" id="{EFAEE3ED-29AB-4D3F-9B5B-B1EF45A25107}"/>
+              </a:ext>
+            </a:extLst>
+          </p:cNvPr>
+          <p:cNvSpPr>
+            <a:spLocks noGrp="1"/>
+          </p:cNvSpPr>
+          <p:nvPr>
+            <p:ph idx="1"/>
+          </p:nvPr>
+        </p:nvSpPr>
+        <p:spPr/>
+        <p:txBody>
+          <a:bodyPr/>
+          <a:lstStyle/>
+          <a:p>
+            <a:r>
+              <a:rPr lang="en-US"/>
+              <a:t>How much an opinion changes</a:t>
+            </a:r>
+          </a:p>
+          <a:p>
+            <a:r>
+              <a:rPr lang="en-US"/>
+              <a:t>How often an event occurs</a:t>
+            </a:r>
+          </a:p>
+          <a:p>
+            <a:r>
+              <a:rPr lang="en-US"/>
+              <a:t>Choosing from a random group to keep importance field balanced</a:t>
+            </a:r>
+          </a:p>
+          <a:p>
+            <a:r>
+              <a:rPr lang="en-US"/>
+              <a:t>Candidate profile remains fixed in importance</a:t>
+            </a:r>
+          </a:p>
+          <a:p>
+            <a:r>
+              <a:rPr lang="en-US"/>
+              <a:t>Initial importance ratios for groups (initialization in general)</a:t>
+            </a:r>
+            <a:endParaRPr lang="en-US" dirty="0"/>
+          </a:p>
+        </p:txBody>
+      </p:sp>
+    </p:spTree>
+    <p:extLst>
+      <p:ext uri="{BB962C8B-B14F-4D97-AF65-F5344CB8AC3E}">
+        <p14:creationId xmlns:p14="http://schemas.microsoft.com/office/powerpoint/2010/main" val="3041520044"/>
+      </p:ext>
+    </p:extLst>
+  </p:cSld>
+  <p:clrMapOvr>
+    <a:masterClrMapping/>
+  </p:clrMapOvr>
+</p:sld>
+</file>
+
+<file path=ppt/slides/slide26.xml><?xml version="1.0" encoding="utf-8"?>
+<p:sld xmlns:a="http://schemas.openxmlformats.org/drawingml/2006/main" xmlns:r="http://schemas.openxmlformats.org/officeDocument/2006/relationships" xmlns:p="http://schemas.openxmlformats.org/presentationml/2006/main">
+  <p:cSld>
+    <p:spTree>
+      <p:nvGrpSpPr>
+        <p:cNvPr id="1" name=""/>
+        <p:cNvGrpSpPr/>
+        <p:nvPr/>
+      </p:nvGrpSpPr>
+      <p:grpSpPr>
+        <a:xfrm>
+          <a:off x="0" y="0"/>
+          <a:ext cx="0" cy="0"/>
+          <a:chOff x="0" y="0"/>
+          <a:chExt cx="0" cy="0"/>
+        </a:xfrm>
+      </p:grpSpPr>
+      <p:sp>
+        <p:nvSpPr>
+          <p:cNvPr id="4" name="Title 3">
+            <a:extLst>
+              <a:ext uri="{FF2B5EF4-FFF2-40B4-BE49-F238E27FC236}">
+                <a16:creationId xmlns:a16="http://schemas.microsoft.com/office/drawing/2014/main" id="{BCED0135-CB4C-4A30-9981-F8C4862A23A7}"/>
+              </a:ext>
+            </a:extLst>
+          </p:cNvPr>
+          <p:cNvSpPr>
+            <a:spLocks noGrp="1"/>
+          </p:cNvSpPr>
+          <p:nvPr>
+            <p:ph type="title"/>
+          </p:nvPr>
+        </p:nvSpPr>
+        <p:spPr/>
+        <p:txBody>
+          <a:bodyPr/>
+          <a:lstStyle/>
+          <a:p>
+            <a:r>
+              <a:rPr lang="en-US" b="1" dirty="0"/>
+              <a:t>Showcase</a:t>
+            </a:r>
+          </a:p>
+        </p:txBody>
+      </p:sp>
+      <p:sp>
+        <p:nvSpPr>
+          <p:cNvPr id="5" name="Text Placeholder 4">
+            <a:extLst>
+              <a:ext uri="{FF2B5EF4-FFF2-40B4-BE49-F238E27FC236}">
+                <a16:creationId xmlns:a16="http://schemas.microsoft.com/office/drawing/2014/main" id="{346A94D0-EA9E-41D4-AC24-761C06D018E9}"/>
+              </a:ext>
+            </a:extLst>
+          </p:cNvPr>
+          <p:cNvSpPr>
+            <a:spLocks noGrp="1"/>
+          </p:cNvSpPr>
+          <p:nvPr>
+            <p:ph type="body" idx="1"/>
+          </p:nvPr>
+        </p:nvSpPr>
+        <p:spPr/>
+        <p:txBody>
+          <a:bodyPr/>
+          <a:lstStyle/>
+          <a:p>
+            <a:endParaRPr lang="en-US"/>
+          </a:p>
+        </p:txBody>
+      </p:sp>
+    </p:spTree>
+    <p:extLst>
+      <p:ext uri="{BB962C8B-B14F-4D97-AF65-F5344CB8AC3E}">
+        <p14:creationId xmlns:p14="http://schemas.microsoft.com/office/powerpoint/2010/main" val="3847192227"/>
+      </p:ext>
+    </p:extLst>
+  </p:cSld>
+  <p:clrMapOvr>
+    <a:masterClrMapping/>
+  </p:clrMapOvr>
+</p:sld>
+</file>
+
+<file path=ppt/slides/slide27.xml><?xml version="1.0" encoding="utf-8"?>
+<p:sld xmlns:a="http://schemas.openxmlformats.org/drawingml/2006/main" xmlns:r="http://schemas.openxmlformats.org/officeDocument/2006/relationships" xmlns:p="http://schemas.openxmlformats.org/presentationml/2006/main">
+  <p:cSld>
+    <p:spTree>
+      <p:nvGrpSpPr>
+        <p:cNvPr id="1" name=""/>
+        <p:cNvGrpSpPr/>
+        <p:nvPr/>
+      </p:nvGrpSpPr>
+      <p:grpSpPr>
+        <a:xfrm>
+          <a:off x="0" y="0"/>
+          <a:ext cx="0" cy="0"/>
+          <a:chOff x="0" y="0"/>
+          <a:chExt cx="0" cy="0"/>
+        </a:xfrm>
+      </p:grpSpPr>
+      <p:sp>
+        <p:nvSpPr>
+          <p:cNvPr id="2" name="Title 1">
+            <a:extLst>
+              <a:ext uri="{FF2B5EF4-FFF2-40B4-BE49-F238E27FC236}">
+                <a16:creationId xmlns:a16="http://schemas.microsoft.com/office/drawing/2014/main" id="{55249C7B-8667-4F35-AFFD-53CF7D4846C8}"/>
+              </a:ext>
+            </a:extLst>
+          </p:cNvPr>
+          <p:cNvSpPr>
+            <a:spLocks noGrp="1"/>
+          </p:cNvSpPr>
+          <p:nvPr>
+            <p:ph type="title"/>
+          </p:nvPr>
+        </p:nvSpPr>
+        <p:spPr/>
+        <p:txBody>
+          <a:bodyPr/>
+          <a:lstStyle/>
+          <a:p>
+            <a:r>
+              <a:rPr lang="en-US"/>
+              <a:t>Let’s Run It!</a:t>
+            </a:r>
+            <a:endParaRPr lang="en-US" dirty="0"/>
+          </a:p>
+        </p:txBody>
+      </p:sp>
+      <p:sp>
+        <p:nvSpPr>
+          <p:cNvPr id="3" name="Content Placeholder 2">
+            <a:extLst>
+              <a:ext uri="{FF2B5EF4-FFF2-40B4-BE49-F238E27FC236}">
+                <a16:creationId xmlns:a16="http://schemas.microsoft.com/office/drawing/2014/main" id="{1190CB5F-5388-46FC-B9EE-096420D57445}"/>
+              </a:ext>
+            </a:extLst>
+          </p:cNvPr>
+          <p:cNvSpPr>
+            <a:spLocks noGrp="1"/>
+          </p:cNvSpPr>
+          <p:nvPr>
+            <p:ph idx="1"/>
+          </p:nvPr>
+        </p:nvSpPr>
+        <p:spPr/>
+        <p:txBody>
+          <a:bodyPr/>
+          <a:lstStyle/>
+          <a:p>
+            <a:r>
+              <a:rPr lang="en-US"/>
+              <a:t>Which events occurred in that year</a:t>
+            </a:r>
+          </a:p>
+          <a:p>
+            <a:r>
+              <a:rPr lang="en-US"/>
+              <a:t>How one event changed political opinions</a:t>
+            </a:r>
+          </a:p>
+          <a:p>
+            <a:r>
+              <a:rPr lang="en-US"/>
+              <a:t>How often does each candidate win</a:t>
+            </a:r>
+            <a:endParaRPr lang="en-US" dirty="0"/>
+          </a:p>
+        </p:txBody>
+      </p:sp>
+    </p:spTree>
+    <p:extLst>
+      <p:ext uri="{BB962C8B-B14F-4D97-AF65-F5344CB8AC3E}">
+        <p14:creationId xmlns:p14="http://schemas.microsoft.com/office/powerpoint/2010/main" val="3809937203"/>
+      </p:ext>
+    </p:extLst>
+  </p:cSld>
+  <p:clrMapOvr>
+    <a:masterClrMapping/>
+  </p:clrMapOvr>
+</p:sld>
+</file>
+
+<file path=ppt/slides/slide3.xml><?xml version="1.0" encoding="utf-8"?>
+<p:sld xmlns:a="http://schemas.openxmlformats.org/drawingml/2006/main" xmlns:r="http://schemas.openxmlformats.org/officeDocument/2006/relationships" xmlns:p="http://schemas.openxmlformats.org/presentationml/2006/main">
+  <p:cSld>
+    <p:spTree>
+      <p:nvGrpSpPr>
+        <p:cNvPr id="1" name=""/>
+        <p:cNvGrpSpPr/>
+        <p:nvPr/>
+      </p:nvGrpSpPr>
+      <p:grpSpPr>
+        <a:xfrm>
+          <a:off x="0" y="0"/>
+          <a:ext cx="0" cy="0"/>
+          <a:chOff x="0" y="0"/>
+          <a:chExt cx="0" cy="0"/>
+        </a:xfrm>
+      </p:grpSpPr>
+      <p:sp>
+        <p:nvSpPr>
+          <p:cNvPr id="2" name="Title 1">
+            <a:extLst>
+              <a:ext uri="{FF2B5EF4-FFF2-40B4-BE49-F238E27FC236}">
+                <a16:creationId xmlns:a16="http://schemas.microsoft.com/office/drawing/2014/main" id="{55249C7B-8667-4F35-AFFD-53CF7D4846C8}"/>
+              </a:ext>
+            </a:extLst>
+          </p:cNvPr>
+          <p:cNvSpPr>
+            <a:spLocks noGrp="1"/>
+          </p:cNvSpPr>
+          <p:nvPr>
+            <p:ph type="title"/>
+          </p:nvPr>
+        </p:nvSpPr>
+        <p:spPr/>
+        <p:txBody>
+          <a:bodyPr/>
+          <a:lstStyle/>
+          <a:p>
+            <a:r>
+              <a:rPr lang="en-US"/>
+              <a:t>Goals</a:t>
+            </a:r>
+            <a:endParaRPr lang="en-US" dirty="0"/>
+          </a:p>
+        </p:txBody>
+      </p:sp>
+      <p:sp>
+        <p:nvSpPr>
+          <p:cNvPr id="3" name="Content Placeholder 2">
+            <a:extLst>
+              <a:ext uri="{FF2B5EF4-FFF2-40B4-BE49-F238E27FC236}">
+                <a16:creationId xmlns:a16="http://schemas.microsoft.com/office/drawing/2014/main" id="{1190CB5F-5388-46FC-B9EE-096420D57445}"/>
+              </a:ext>
+            </a:extLst>
+          </p:cNvPr>
+          <p:cNvSpPr>
+            <a:spLocks noGrp="1"/>
+          </p:cNvSpPr>
+          <p:nvPr>
+            <p:ph idx="1"/>
+          </p:nvPr>
+        </p:nvSpPr>
+        <p:spPr/>
+        <p:txBody>
+          <a:bodyPr/>
+          <a:lstStyle/>
+          <a:p>
+            <a:r>
+              <a:rPr lang="en-US"/>
+              <a:t>Predict 2020 election based on various events</a:t>
+            </a:r>
+          </a:p>
+          <a:p>
+            <a:r>
+              <a:rPr lang="en-US"/>
+              <a:t>Investigate how events change political opinions</a:t>
+            </a:r>
+          </a:p>
+          <a:p>
+            <a:r>
+              <a:rPr lang="en-US"/>
+              <a:t>Use simulation methodology to create social simulation</a:t>
+            </a:r>
+          </a:p>
+          <a:p>
+            <a:r>
+              <a:rPr lang="en-US"/>
+              <a:t>Create our own simulation from scratch</a:t>
+            </a:r>
+          </a:p>
+          <a:p>
+            <a:pPr lvl="1"/>
+            <a:r>
+              <a:rPr lang="en-US"/>
+              <a:t>Understand discrete event simulation more</a:t>
+            </a:r>
+            <a:endParaRPr lang="en-US" dirty="0"/>
+          </a:p>
+        </p:txBody>
+      </p:sp>
+    </p:spTree>
+    <p:extLst>
+      <p:ext uri="{BB962C8B-B14F-4D97-AF65-F5344CB8AC3E}">
+        <p14:creationId xmlns:p14="http://schemas.microsoft.com/office/powerpoint/2010/main" val="1646366259"/>
+      </p:ext>
+    </p:extLst>
+  </p:cSld>
+  <p:clrMapOvr>
+    <a:masterClrMapping/>
+  </p:clrMapOvr>
+</p:sld>
+</file>
+
+<file path=ppt/slides/slide4.xml><?xml version="1.0" encoding="utf-8"?>
+<p:sld xmlns:a="http://schemas.openxmlformats.org/drawingml/2006/main" xmlns:r="http://schemas.openxmlformats.org/officeDocument/2006/relationships" xmlns:p="http://schemas.openxmlformats.org/presentationml/2006/main">
+  <p:cSld>
+    <p:spTree>
+      <p:nvGrpSpPr>
+        <p:cNvPr id="1" name=""/>
+        <p:cNvGrpSpPr/>
+        <p:nvPr/>
+      </p:nvGrpSpPr>
+      <p:grpSpPr>
+        <a:xfrm>
+          <a:off x="0" y="0"/>
+          <a:ext cx="0" cy="0"/>
+          <a:chOff x="0" y="0"/>
+          <a:chExt cx="0" cy="0"/>
+        </a:xfrm>
+      </p:grpSpPr>
+      <p:sp>
+        <p:nvSpPr>
+          <p:cNvPr id="4" name="Title 3">
+            <a:extLst>
+              <a:ext uri="{FF2B5EF4-FFF2-40B4-BE49-F238E27FC236}">
+                <a16:creationId xmlns:a16="http://schemas.microsoft.com/office/drawing/2014/main" id="{BCED0135-CB4C-4A30-9981-F8C4862A23A7}"/>
+              </a:ext>
+            </a:extLst>
+          </p:cNvPr>
+          <p:cNvSpPr>
+            <a:spLocks noGrp="1"/>
+          </p:cNvSpPr>
+          <p:nvPr>
+            <p:ph type="title"/>
+          </p:nvPr>
+        </p:nvSpPr>
+        <p:spPr/>
+        <p:txBody>
+          <a:bodyPr/>
+          <a:lstStyle/>
+          <a:p>
+            <a:r>
+              <a:rPr lang="en-US" b="1" dirty="0"/>
+              <a:t>Methodology</a:t>
+            </a:r>
+          </a:p>
+        </p:txBody>
+      </p:sp>
+      <p:sp>
+        <p:nvSpPr>
+          <p:cNvPr id="5" name="Text Placeholder 4">
+            <a:extLst>
+              <a:ext uri="{FF2B5EF4-FFF2-40B4-BE49-F238E27FC236}">
+                <a16:creationId xmlns:a16="http://schemas.microsoft.com/office/drawing/2014/main" id="{346A94D0-EA9E-41D4-AC24-761C06D018E9}"/>
+              </a:ext>
+            </a:extLst>
+          </p:cNvPr>
+          <p:cNvSpPr>
+            <a:spLocks noGrp="1"/>
+          </p:cNvSpPr>
+          <p:nvPr>
+            <p:ph type="body" idx="1"/>
+          </p:nvPr>
+        </p:nvSpPr>
+        <p:spPr/>
+        <p:txBody>
+          <a:bodyPr/>
+          <a:lstStyle/>
+          <a:p>
+            <a:endParaRPr lang="en-US"/>
+          </a:p>
+        </p:txBody>
+      </p:sp>
+    </p:spTree>
+    <p:extLst>
+      <p:ext uri="{BB962C8B-B14F-4D97-AF65-F5344CB8AC3E}">
+        <p14:creationId xmlns:p14="http://schemas.microsoft.com/office/powerpoint/2010/main" val="1148675691"/>
+      </p:ext>
+    </p:extLst>
+  </p:cSld>
+  <p:clrMapOvr>
+    <a:masterClrMapping/>
+  </p:clrMapOvr>
+</p:sld>
+</file>
+
+<file path=ppt/slides/slide5.xml><?xml version="1.0" encoding="utf-8"?>
+<p:sld xmlns:a="http://schemas.openxmlformats.org/drawingml/2006/main" xmlns:r="http://schemas.openxmlformats.org/officeDocument/2006/relationships" xmlns:p="http://schemas.openxmlformats.org/presentationml/2006/main">
+  <p:cSld>
+    <p:spTree>
+      <p:nvGrpSpPr>
+        <p:cNvPr id="1" name=""/>
+        <p:cNvGrpSpPr/>
+        <p:nvPr/>
+      </p:nvGrpSpPr>
+      <p:grpSpPr>
+        <a:xfrm>
+          <a:off x="0" y="0"/>
+          <a:ext cx="0" cy="0"/>
+          <a:chOff x="0" y="0"/>
+          <a:chExt cx="0" cy="0"/>
+        </a:xfrm>
+      </p:grpSpPr>
+      <p:sp>
+        <p:nvSpPr>
+          <p:cNvPr id="2" name="Title 1">
+            <a:extLst>
+              <a:ext uri="{FF2B5EF4-FFF2-40B4-BE49-F238E27FC236}">
+                <a16:creationId xmlns:a16="http://schemas.microsoft.com/office/drawing/2014/main" id="{5DD9D1D6-04DA-4F02-813B-F67DC81C8989}"/>
+              </a:ext>
+            </a:extLst>
+          </p:cNvPr>
+          <p:cNvSpPr>
+            <a:spLocks noGrp="1"/>
+          </p:cNvSpPr>
+          <p:nvPr>
+            <p:ph type="title"/>
+          </p:nvPr>
+        </p:nvSpPr>
+        <p:spPr/>
+        <p:txBody>
+          <a:bodyPr/>
+          <a:lstStyle/>
+          <a:p>
+            <a:r>
+              <a:rPr lang="en-US" dirty="0"/>
+              <a:t>I. Discrete Event Simulation</a:t>
+            </a:r>
+          </a:p>
+        </p:txBody>
+      </p:sp>
+      <p:sp>
+        <p:nvSpPr>
+          <p:cNvPr id="3" name="Text Placeholder 2">
+            <a:extLst>
+              <a:ext uri="{FF2B5EF4-FFF2-40B4-BE49-F238E27FC236}">
+                <a16:creationId xmlns:a16="http://schemas.microsoft.com/office/drawing/2014/main" id="{BE8A645E-7597-4535-810D-D6E3A89ED4E0}"/>
+              </a:ext>
+            </a:extLst>
+          </p:cNvPr>
+          <p:cNvSpPr>
+            <a:spLocks noGrp="1"/>
+          </p:cNvSpPr>
+          <p:nvPr>
+            <p:ph type="body" idx="1"/>
+          </p:nvPr>
+        </p:nvSpPr>
+        <p:spPr/>
+        <p:txBody>
+          <a:bodyPr/>
+          <a:lstStyle/>
+          <a:p>
+            <a:endParaRPr lang="en-US"/>
+          </a:p>
+        </p:txBody>
+      </p:sp>
+    </p:spTree>
+    <p:extLst>
+      <p:ext uri="{BB962C8B-B14F-4D97-AF65-F5344CB8AC3E}">
+        <p14:creationId xmlns:p14="http://schemas.microsoft.com/office/powerpoint/2010/main" val="1675900481"/>
+      </p:ext>
+    </p:extLst>
+  </p:cSld>
+  <p:clrMapOvr>
+    <a:masterClrMapping/>
+  </p:clrMapOvr>
+</p:sld>
+</file>
+
+<file path=ppt/slides/slide6.xml><?xml version="1.0" encoding="utf-8"?>
+<p:sld xmlns:a="http://schemas.openxmlformats.org/drawingml/2006/main" xmlns:r="http://schemas.openxmlformats.org/officeDocument/2006/relationships" xmlns:p="http://schemas.openxmlformats.org/presentationml/2006/main">
+  <p:cSld>
+    <p:spTree>
+      <p:nvGrpSpPr>
+        <p:cNvPr id="1" name=""/>
+        <p:cNvGrpSpPr/>
+        <p:nvPr/>
+      </p:nvGrpSpPr>
+      <p:grpSpPr>
+        <a:xfrm>
+          <a:off x="0" y="0"/>
+          <a:ext cx="0" cy="0"/>
+          <a:chOff x="0" y="0"/>
+          <a:chExt cx="0" cy="0"/>
+        </a:xfrm>
+      </p:grpSpPr>
+      <p:sp>
+        <p:nvSpPr>
+          <p:cNvPr id="4" name="Title 3">
+            <a:extLst>
+              <a:ext uri="{FF2B5EF4-FFF2-40B4-BE49-F238E27FC236}">
+                <a16:creationId xmlns:a16="http://schemas.microsoft.com/office/drawing/2014/main" id="{84B1386E-21D0-4952-85BE-B33D2AE83871}"/>
+              </a:ext>
+            </a:extLst>
+          </p:cNvPr>
+          <p:cNvSpPr>
+            <a:spLocks noGrp="1"/>
+          </p:cNvSpPr>
+          <p:nvPr>
+            <p:ph type="title"/>
+          </p:nvPr>
+        </p:nvSpPr>
+        <p:spPr/>
+        <p:txBody>
+          <a:bodyPr/>
+          <a:lstStyle/>
+          <a:p>
+            <a:r>
+              <a:rPr lang="en-US"/>
+              <a:t>Simulation Structure</a:t>
+            </a:r>
+            <a:endParaRPr lang="en-US" dirty="0"/>
+          </a:p>
+        </p:txBody>
+      </p:sp>
+      <p:sp>
+        <p:nvSpPr>
+          <p:cNvPr id="5" name="Content Placeholder 4">
+            <a:extLst>
+              <a:ext uri="{FF2B5EF4-FFF2-40B4-BE49-F238E27FC236}">
+                <a16:creationId xmlns:a16="http://schemas.microsoft.com/office/drawing/2014/main" id="{05DC967F-4FA6-4C65-A21A-204A3BB10828}"/>
+              </a:ext>
+            </a:extLst>
+          </p:cNvPr>
+          <p:cNvSpPr>
+            <a:spLocks noGrp="1"/>
+          </p:cNvSpPr>
+          <p:nvPr>
+            <p:ph idx="1"/>
+          </p:nvPr>
+        </p:nvSpPr>
+        <p:spPr/>
+        <p:txBody>
+          <a:bodyPr/>
+          <a:lstStyle/>
+          <a:p>
+            <a:r>
+              <a:rPr lang="en-US"/>
+              <a:t>Discrete events</a:t>
+            </a:r>
+          </a:p>
+          <a:p>
+            <a:pPr lvl="1"/>
+            <a:r>
+              <a:rPr lang="en-US"/>
+              <a:t>ERV and NRV</a:t>
+            </a:r>
+          </a:p>
+          <a:p>
+            <a:pPr lvl="1"/>
+            <a:r>
+              <a:rPr lang="en-US"/>
+              <a:t>PriorityQueue</a:t>
+            </a:r>
+            <a:endParaRPr lang="en-US" dirty="0"/>
+          </a:p>
+        </p:txBody>
+      </p:sp>
+      <p:pic>
+        <p:nvPicPr>
+          <p:cNvPr id="10" name="Picture 9">
+            <a:extLst>
+              <a:ext uri="{FF2B5EF4-FFF2-40B4-BE49-F238E27FC236}">
+                <a16:creationId xmlns:a16="http://schemas.microsoft.com/office/drawing/2014/main" id="{FAA6E9E3-EA35-4848-B024-BFE14A02F3EC}"/>
+              </a:ext>
+            </a:extLst>
+          </p:cNvPr>
+          <p:cNvPicPr>
+            <a:picLocks noChangeAspect="1"/>
+          </p:cNvPicPr>
+          <p:nvPr/>
+        </p:nvPicPr>
+        <p:blipFill>
+          <a:blip r:embed="rId3"/>
+          <a:stretch>
+            <a:fillRect/>
+          </a:stretch>
+        </p:blipFill>
+        <p:spPr>
+          <a:xfrm>
+            <a:off x="2105519" y="3881414"/>
+            <a:ext cx="7980962" cy="1698989"/>
+          </a:xfrm>
+          <a:prstGeom prst="rect">
+            <a:avLst/>
+          </a:prstGeom>
+        </p:spPr>
+      </p:pic>
+    </p:spTree>
+    <p:extLst>
+      <p:ext uri="{BB962C8B-B14F-4D97-AF65-F5344CB8AC3E}">
+        <p14:creationId xmlns:p14="http://schemas.microsoft.com/office/powerpoint/2010/main" val="118655642"/>
+      </p:ext>
+    </p:extLst>
+  </p:cSld>
+  <p:clrMapOvr>
+    <a:masterClrMapping/>
+  </p:clrMapOvr>
+</p:sld>
+</file>
+
+<file path=ppt/slides/slide7.xml><?xml version="1.0" encoding="utf-8"?>
+<p:sld xmlns:a="http://schemas.openxmlformats.org/drawingml/2006/main" xmlns:r="http://schemas.openxmlformats.org/officeDocument/2006/relationships" xmlns:p="http://schemas.openxmlformats.org/presentationml/2006/main">
+  <p:cSld>
+    <p:spTree>
+      <p:nvGrpSpPr>
+        <p:cNvPr id="1" name=""/>
+        <p:cNvGrpSpPr/>
+        <p:nvPr/>
+      </p:nvGrpSpPr>
+      <p:grpSpPr>
+        <a:xfrm>
+          <a:off x="0" y="0"/>
+          <a:ext cx="0" cy="0"/>
+          <a:chOff x="0" y="0"/>
+          <a:chExt cx="0" cy="0"/>
+        </a:xfrm>
+      </p:grpSpPr>
+      <p:sp>
+        <p:nvSpPr>
+          <p:cNvPr id="4" name="Title 3">
+            <a:extLst>
+              <a:ext uri="{FF2B5EF4-FFF2-40B4-BE49-F238E27FC236}">
+                <a16:creationId xmlns:a16="http://schemas.microsoft.com/office/drawing/2014/main" id="{84B1386E-21D0-4952-85BE-B33D2AE83871}"/>
+              </a:ext>
+            </a:extLst>
+          </p:cNvPr>
+          <p:cNvSpPr>
+            <a:spLocks noGrp="1"/>
+          </p:cNvSpPr>
+          <p:nvPr>
+            <p:ph type="title"/>
+          </p:nvPr>
+        </p:nvSpPr>
+        <p:spPr/>
+        <p:txBody>
+          <a:bodyPr/>
+          <a:lstStyle/>
+          <a:p>
+            <a:r>
+              <a:rPr lang="en-US"/>
+              <a:t>Simulation Structure</a:t>
+            </a:r>
+            <a:endParaRPr lang="en-US" dirty="0"/>
+          </a:p>
+        </p:txBody>
+      </p:sp>
+      <p:sp>
+        <p:nvSpPr>
+          <p:cNvPr id="5" name="Content Placeholder 4">
+            <a:extLst>
+              <a:ext uri="{FF2B5EF4-FFF2-40B4-BE49-F238E27FC236}">
+                <a16:creationId xmlns:a16="http://schemas.microsoft.com/office/drawing/2014/main" id="{05DC967F-4FA6-4C65-A21A-204A3BB10828}"/>
+              </a:ext>
+            </a:extLst>
+          </p:cNvPr>
+          <p:cNvSpPr>
+            <a:spLocks noGrp="1"/>
+          </p:cNvSpPr>
+          <p:nvPr>
+            <p:ph idx="1"/>
+          </p:nvPr>
+        </p:nvSpPr>
+        <p:spPr/>
+        <p:txBody>
+          <a:bodyPr/>
+          <a:lstStyle/>
+          <a:p>
+            <a:r>
+              <a:rPr lang="en-US" dirty="0"/>
+              <a:t>Event types:</a:t>
+            </a:r>
+          </a:p>
+          <a:p>
+            <a:pPr lvl="1"/>
+            <a:r>
+              <a:rPr lang="en-US" dirty="0"/>
+              <a:t>ERV and NRV scheduled</a:t>
+            </a:r>
+          </a:p>
+          <a:p>
+            <a:pPr lvl="2"/>
+            <a:r>
+              <a:rPr lang="en-US" dirty="0"/>
+              <a:t>Independent and dependent of candidate profile</a:t>
+            </a:r>
+          </a:p>
+          <a:p>
+            <a:pPr lvl="1"/>
+            <a:r>
+              <a:rPr lang="en-US" dirty="0"/>
+              <a:t>Fixed schedule</a:t>
+            </a:r>
+          </a:p>
+        </p:txBody>
+      </p:sp>
+      <p:pic>
+        <p:nvPicPr>
+          <p:cNvPr id="9" name="Picture 8">
+            <a:extLst>
+              <a:ext uri="{FF2B5EF4-FFF2-40B4-BE49-F238E27FC236}">
+                <a16:creationId xmlns:a16="http://schemas.microsoft.com/office/drawing/2014/main" id="{B4CF2A4F-49F9-4020-8B01-D47F1F06F2A2}"/>
+              </a:ext>
+            </a:extLst>
+          </p:cNvPr>
+          <p:cNvPicPr>
+            <a:picLocks noChangeAspect="1"/>
+          </p:cNvPicPr>
+          <p:nvPr/>
+        </p:nvPicPr>
+        <p:blipFill rotWithShape="1">
+          <a:blip r:embed="rId3"/>
+          <a:srcRect t="34508"/>
+          <a:stretch/>
+        </p:blipFill>
+        <p:spPr>
+          <a:xfrm>
+            <a:off x="2207895" y="4007966"/>
+            <a:ext cx="7776211" cy="2432475"/>
+          </a:xfrm>
+          <a:prstGeom prst="rect">
+            <a:avLst/>
+          </a:prstGeom>
+        </p:spPr>
+      </p:pic>
+    </p:spTree>
+    <p:extLst>
+      <p:ext uri="{BB962C8B-B14F-4D97-AF65-F5344CB8AC3E}">
+        <p14:creationId xmlns:p14="http://schemas.microsoft.com/office/powerpoint/2010/main" val="687624691"/>
+      </p:ext>
+    </p:extLst>
+  </p:cSld>
+  <p:clrMapOvr>
+    <a:masterClrMapping/>
+  </p:clrMapOvr>
+</p:sld>
+</file>
+
+<file path=ppt/slides/slide8.xml><?xml version="1.0" encoding="utf-8"?>
+<p:sld xmlns:a="http://schemas.openxmlformats.org/drawingml/2006/main" xmlns:r="http://schemas.openxmlformats.org/officeDocument/2006/relationships" xmlns:p="http://schemas.openxmlformats.org/presentationml/2006/main">
+  <p:cSld>
+    <p:spTree>
+      <p:nvGrpSpPr>
+        <p:cNvPr id="1" name=""/>
+        <p:cNvGrpSpPr/>
+        <p:nvPr/>
+      </p:nvGrpSpPr>
+      <p:grpSpPr>
+        <a:xfrm>
+          <a:off x="0" y="0"/>
+          <a:ext cx="0" cy="0"/>
+          <a:chOff x="0" y="0"/>
+          <a:chExt cx="0" cy="0"/>
+        </a:xfrm>
+      </p:grpSpPr>
+      <p:sp>
+        <p:nvSpPr>
+          <p:cNvPr id="2" name="Title 1">
+            <a:extLst>
+              <a:ext uri="{FF2B5EF4-FFF2-40B4-BE49-F238E27FC236}">
+                <a16:creationId xmlns:a16="http://schemas.microsoft.com/office/drawing/2014/main" id="{BB9F8000-842A-4772-B6BE-8F3D12580A75}"/>
+              </a:ext>
+            </a:extLst>
+          </p:cNvPr>
+          <p:cNvSpPr>
+            <a:spLocks noGrp="1"/>
+          </p:cNvSpPr>
+          <p:nvPr>
+            <p:ph type="title"/>
+          </p:nvPr>
+        </p:nvSpPr>
+        <p:spPr/>
+        <p:txBody>
+          <a:bodyPr/>
+          <a:lstStyle/>
+          <a:p>
+            <a:r>
+              <a:rPr lang="en-US" dirty="0"/>
+              <a:t>II. Dividing the Voters</a:t>
+            </a:r>
+          </a:p>
+        </p:txBody>
+      </p:sp>
+      <p:sp>
+        <p:nvSpPr>
+          <p:cNvPr id="3" name="Text Placeholder 2">
+            <a:extLst>
+              <a:ext uri="{FF2B5EF4-FFF2-40B4-BE49-F238E27FC236}">
+                <a16:creationId xmlns:a16="http://schemas.microsoft.com/office/drawing/2014/main" id="{22C6C424-CA51-432F-B773-04877FA00DEC}"/>
+              </a:ext>
+            </a:extLst>
+          </p:cNvPr>
+          <p:cNvSpPr>
+            <a:spLocks noGrp="1"/>
+          </p:cNvSpPr>
+          <p:nvPr>
+            <p:ph type="body" idx="1"/>
+          </p:nvPr>
+        </p:nvSpPr>
+        <p:spPr/>
+        <p:txBody>
+          <a:bodyPr/>
+          <a:lstStyle/>
+          <a:p>
+            <a:endParaRPr lang="en-US"/>
+          </a:p>
+        </p:txBody>
+      </p:sp>
+    </p:spTree>
+    <p:extLst>
+      <p:ext uri="{BB962C8B-B14F-4D97-AF65-F5344CB8AC3E}">
+        <p14:creationId xmlns:p14="http://schemas.microsoft.com/office/powerpoint/2010/main" val="3547329901"/>
       </p:ext>
     </p:extLst>
   </p:cSld>
@@ -16761,10 +22030,10 @@
       </p:grpSpPr>
       <p:sp>
         <p:nvSpPr>
-          <p:cNvPr id="2" name="Title 1">
+          <p:cNvPr id="4" name="Title 3">
             <a:extLst>
               <a:ext uri="{FF2B5EF4-FFF2-40B4-BE49-F238E27FC236}">
-                <a16:creationId xmlns:a16="http://schemas.microsoft.com/office/drawing/2014/main" id="{55249C7B-8667-4F35-AFFD-53CF7D4846C8}"/>
+                <a16:creationId xmlns:a16="http://schemas.microsoft.com/office/drawing/2014/main" id="{E5D543D4-9976-4D6B-916F-F26097A0D7B2}"/>
               </a:ext>
             </a:extLst>
           </p:cNvPr>
@@ -16780,16 +22049,20 @@
           <a:bodyPr/>
           <a:lstStyle/>
           <a:p>
-            <a:endParaRPr lang="en-US"/>
-          </a:p>
-        </p:txBody>
-      </p:sp>
-      <p:sp>
-        <p:nvSpPr>
-          <p:cNvPr id="3" name="Content Placeholder 2">
+            <a:r>
+              <a:rPr lang="en-US"/>
+              <a:t>Various Ideas</a:t>
+            </a:r>
+            <a:endParaRPr lang="en-US" dirty="0"/>
+          </a:p>
+        </p:txBody>
+      </p:sp>
+      <p:sp>
+        <p:nvSpPr>
+          <p:cNvPr id="5" name="Content Placeholder 4">
             <a:extLst>
               <a:ext uri="{FF2B5EF4-FFF2-40B4-BE49-F238E27FC236}">
-                <a16:creationId xmlns:a16="http://schemas.microsoft.com/office/drawing/2014/main" id="{1190CB5F-5388-46FC-B9EE-096420D57445}"/>
+                <a16:creationId xmlns:a16="http://schemas.microsoft.com/office/drawing/2014/main" id="{FEC174D1-73CF-4EC1-A2E1-15CEA9201463}"/>
               </a:ext>
             </a:extLst>
           </p:cNvPr>
@@ -16805,14 +22078,36 @@
           <a:bodyPr/>
           <a:lstStyle/>
           <a:p>
-            <a:endParaRPr lang="en-US"/>
+            <a:r>
+              <a:rPr lang="en-US" i="1" dirty="0"/>
+              <a:t>Main decision</a:t>
+            </a:r>
+            <a:r>
+              <a:rPr lang="en-US" dirty="0"/>
+              <a:t>: intersecting populations or discrete populations?</a:t>
+            </a:r>
+          </a:p>
+          <a:p>
+            <a:endParaRPr lang="en-US" dirty="0"/>
+          </a:p>
+          <a:p>
+            <a:r>
+              <a:rPr lang="en-US" dirty="0"/>
+              <a:t>Divide by demographics</a:t>
+            </a:r>
+          </a:p>
+          <a:p>
+            <a:r>
+              <a:rPr lang="en-US" dirty="0"/>
+              <a:t>Individual voter objects</a:t>
+            </a:r>
           </a:p>
         </p:txBody>
       </p:sp>
     </p:spTree>
     <p:extLst>
       <p:ext uri="{BB962C8B-B14F-4D97-AF65-F5344CB8AC3E}">
-        <p14:creationId xmlns:p14="http://schemas.microsoft.com/office/powerpoint/2010/main" val="2133794410"/>
+        <p14:creationId xmlns:p14="http://schemas.microsoft.com/office/powerpoint/2010/main" val="1609058928"/>
       </p:ext>
     </p:extLst>
   </p:cSld>
@@ -17371,4 +22666,299 @@
     </a:ext>
   </a:extLst>
 </a:theme>
+</file>
+
+<file path=ppt/theme/theme3.xml><?xml version="1.0" encoding="utf-8"?>
+<a:theme xmlns:a="http://schemas.openxmlformats.org/drawingml/2006/main" name="Office Theme">
+  <a:themeElements>
+    <a:clrScheme name="Office">
+      <a:dk1>
+        <a:sysClr val="windowText" lastClr="000000"/>
+      </a:dk1>
+      <a:lt1>
+        <a:sysClr val="window" lastClr="FFFFFF"/>
+      </a:lt1>
+      <a:dk2>
+        <a:srgbClr val="44546A"/>
+      </a:dk2>
+      <a:lt2>
+        <a:srgbClr val="E7E6E6"/>
+      </a:lt2>
+      <a:accent1>
+        <a:srgbClr val="4472C4"/>
+      </a:accent1>
+      <a:accent2>
+        <a:srgbClr val="ED7D31"/>
+      </a:accent2>
+      <a:accent3>
+        <a:srgbClr val="A5A5A5"/>
+      </a:accent3>
+      <a:accent4>
+        <a:srgbClr val="FFC000"/>
+      </a:accent4>
+      <a:accent5>
+        <a:srgbClr val="5B9BD5"/>
+      </a:accent5>
+      <a:accent6>
+        <a:srgbClr val="70AD47"/>
+      </a:accent6>
+      <a:hlink>
+        <a:srgbClr val="0563C1"/>
+      </a:hlink>
+      <a:folHlink>
+        <a:srgbClr val="954F72"/>
+      </a:folHlink>
+    </a:clrScheme>
+    <a:fontScheme name="Office">
+      <a:majorFont>
+        <a:latin typeface="Calibri Light" panose="020F0302020204030204"/>
+        <a:ea typeface=""/>
+        <a:cs typeface=""/>
+        <a:font script="Jpan" typeface="游ゴシック Light"/>
+        <a:font script="Hang" typeface="맑은 고딕"/>
+        <a:font script="Hans" typeface="等线 Light"/>
+        <a:font script="Hant" typeface="新細明體"/>
+        <a:font script="Arab" typeface="Times New Roman"/>
+        <a:font script="Hebr" typeface="Times New Roman"/>
+        <a:font script="Thai" typeface="Angsana New"/>
+        <a:font script="Ethi" typeface="Nyala"/>
+        <a:font script="Beng" typeface="Vrinda"/>
+        <a:font script="Gujr" typeface="Shruti"/>
+        <a:font script="Khmr" typeface="MoolBoran"/>
+        <a:font script="Knda" typeface="Tunga"/>
+        <a:font script="Guru" typeface="Raavi"/>
+        <a:font script="Cans" typeface="Euphemia"/>
+        <a:font script="Cher" typeface="Plantagenet Cherokee"/>
+        <a:font script="Yiii" typeface="Microsoft Yi Baiti"/>
+        <a:font script="Tibt" typeface="Microsoft Himalaya"/>
+        <a:font script="Thaa" typeface="MV Boli"/>
+        <a:font script="Deva" typeface="Mangal"/>
+        <a:font script="Telu" typeface="Gautami"/>
+        <a:font script="Taml" typeface="Latha"/>
+        <a:font script="Syrc" typeface="Estrangelo Edessa"/>
+        <a:font script="Orya" typeface="Kalinga"/>
+        <a:font script="Mlym" typeface="Kartika"/>
+        <a:font script="Laoo" typeface="DokChampa"/>
+        <a:font script="Sinh" typeface="Iskoola Pota"/>
+        <a:font script="Mong" typeface="Mongolian Baiti"/>
+        <a:font script="Viet" typeface="Times New Roman"/>
+        <a:font script="Uigh" typeface="Microsoft Uighur"/>
+        <a:font script="Geor" typeface="Sylfaen"/>
+        <a:font script="Armn" typeface="Arial"/>
+        <a:font script="Bugi" typeface="Leelawadee UI"/>
+        <a:font script="Bopo" typeface="Microsoft JhengHei"/>
+        <a:font script="Java" typeface="Javanese Text"/>
+        <a:font script="Lisu" typeface="Segoe UI"/>
+        <a:font script="Mymr" typeface="Myanmar Text"/>
+        <a:font script="Nkoo" typeface="Ebrima"/>
+        <a:font script="Olck" typeface="Nirmala UI"/>
+        <a:font script="Osma" typeface="Ebrima"/>
+        <a:font script="Phag" typeface="Phagspa"/>
+        <a:font script="Syrn" typeface="Estrangelo Edessa"/>
+        <a:font script="Syrj" typeface="Estrangelo Edessa"/>
+        <a:font script="Syre" typeface="Estrangelo Edessa"/>
+        <a:font script="Sora" typeface="Nirmala UI"/>
+        <a:font script="Tale" typeface="Microsoft Tai Le"/>
+        <a:font script="Talu" typeface="Microsoft New Tai Lue"/>
+        <a:font script="Tfng" typeface="Ebrima"/>
+      </a:majorFont>
+      <a:minorFont>
+        <a:latin typeface="Calibri" panose="020F0502020204030204"/>
+        <a:ea typeface=""/>
+        <a:cs typeface=""/>
+        <a:font script="Jpan" typeface="游ゴシック"/>
+        <a:font script="Hang" typeface="맑은 고딕"/>
+        <a:font script="Hans" typeface="等线"/>
+        <a:font script="Hant" typeface="新細明體"/>
+        <a:font script="Arab" typeface="Arial"/>
+        <a:font script="Hebr" typeface="Arial"/>
+        <a:font script="Thai" typeface="Cordia New"/>
+        <a:font script="Ethi" typeface="Nyala"/>
+        <a:font script="Beng" typeface="Vrinda"/>
+        <a:font script="Gujr" typeface="Shruti"/>
+        <a:font script="Khmr" typeface="DaunPenh"/>
+        <a:font script="Knda" typeface="Tunga"/>
+        <a:font script="Guru" typeface="Raavi"/>
+        <a:font script="Cans" typeface="Euphemia"/>
+        <a:font script="Cher" typeface="Plantagenet Cherokee"/>
+        <a:font script="Yiii" typeface="Microsoft Yi Baiti"/>
+        <a:font script="Tibt" typeface="Microsoft Himalaya"/>
+        <a:font script="Thaa" typeface="MV Boli"/>
+        <a:font script="Deva" typeface="Mangal"/>
+        <a:font script="Telu" typeface="Gautami"/>
+        <a:font script="Taml" typeface="Latha"/>
+        <a:font script="Syrc" typeface="Estrangelo Edessa"/>
+        <a:font script="Orya" typeface="Kalinga"/>
+        <a:font script="Mlym" typeface="Kartika"/>
+        <a:font script="Laoo" typeface="DokChampa"/>
+        <a:font script="Sinh" typeface="Iskoola Pota"/>
+        <a:font script="Mong" typeface="Mongolian Baiti"/>
+        <a:font script="Viet" typeface="Arial"/>
+        <a:font script="Uigh" typeface="Microsoft Uighur"/>
+        <a:font script="Geor" typeface="Sylfaen"/>
+        <a:font script="Armn" typeface="Arial"/>
+        <a:font script="Bugi" typeface="Leelawadee UI"/>
+        <a:font script="Bopo" typeface="Microsoft JhengHei"/>
+        <a:font script="Java" typeface="Javanese Text"/>
+        <a:font script="Lisu" typeface="Segoe UI"/>
+        <a:font script="Mymr" typeface="Myanmar Text"/>
+        <a:font script="Nkoo" typeface="Ebrima"/>
+        <a:font script="Olck" typeface="Nirmala UI"/>
+        <a:font script="Osma" typeface="Ebrima"/>
+        <a:font script="Phag" typeface="Phagspa"/>
+        <a:font script="Syrn" typeface="Estrangelo Edessa"/>
+        <a:font script="Syrj" typeface="Estrangelo Edessa"/>
+        <a:font script="Syre" typeface="Estrangelo Edessa"/>
+        <a:font script="Sora" typeface="Nirmala UI"/>
+        <a:font script="Tale" typeface="Microsoft Tai Le"/>
+        <a:font script="Talu" typeface="Microsoft New Tai Lue"/>
+        <a:font script="Tfng" typeface="Ebrima"/>
+      </a:minorFont>
+    </a:fontScheme>
+    <a:fmtScheme name="Office">
+      <a:fillStyleLst>
+        <a:solidFill>
+          <a:schemeClr val="phClr"/>
+        </a:solidFill>
+        <a:gradFill rotWithShape="1">
+          <a:gsLst>
+            <a:gs pos="0">
+              <a:schemeClr val="phClr">
+                <a:lumMod val="110000"/>
+                <a:satMod val="105000"/>
+                <a:tint val="67000"/>
+              </a:schemeClr>
+            </a:gs>
+            <a:gs pos="50000">
+              <a:schemeClr val="phClr">
+                <a:lumMod val="105000"/>
+                <a:satMod val="103000"/>
+                <a:tint val="73000"/>
+              </a:schemeClr>
+            </a:gs>
+            <a:gs pos="100000">
+              <a:schemeClr val="phClr">
+                <a:lumMod val="105000"/>
+                <a:satMod val="109000"/>
+                <a:tint val="81000"/>
+              </a:schemeClr>
+            </a:gs>
+          </a:gsLst>
+          <a:lin ang="5400000" scaled="0"/>
+        </a:gradFill>
+        <a:gradFill rotWithShape="1">
+          <a:gsLst>
+            <a:gs pos="0">
+              <a:schemeClr val="phClr">
+                <a:satMod val="103000"/>
+                <a:lumMod val="102000"/>
+                <a:tint val="94000"/>
+              </a:schemeClr>
+            </a:gs>
+            <a:gs pos="50000">
+              <a:schemeClr val="phClr">
+                <a:satMod val="110000"/>
+                <a:lumMod val="100000"/>
+                <a:shade val="100000"/>
+              </a:schemeClr>
+            </a:gs>
+            <a:gs pos="100000">
+              <a:schemeClr val="phClr">
+                <a:lumMod val="99000"/>
+                <a:satMod val="120000"/>
+                <a:shade val="78000"/>
+              </a:schemeClr>
+            </a:gs>
+          </a:gsLst>
+          <a:lin ang="5400000" scaled="0"/>
+        </a:gradFill>
+      </a:fillStyleLst>
+      <a:lnStyleLst>
+        <a:ln w="6350" cap="flat" cmpd="sng" algn="ctr">
+          <a:solidFill>
+            <a:schemeClr val="phClr"/>
+          </a:solidFill>
+          <a:prstDash val="solid"/>
+          <a:miter lim="800000"/>
+        </a:ln>
+        <a:ln w="12700" cap="flat" cmpd="sng" algn="ctr">
+          <a:solidFill>
+            <a:schemeClr val="phClr"/>
+          </a:solidFill>
+          <a:prstDash val="solid"/>
+          <a:miter lim="800000"/>
+        </a:ln>
+        <a:ln w="19050" cap="flat" cmpd="sng" algn="ctr">
+          <a:solidFill>
+            <a:schemeClr val="phClr"/>
+          </a:solidFill>
+          <a:prstDash val="solid"/>
+          <a:miter lim="800000"/>
+        </a:ln>
+      </a:lnStyleLst>
+      <a:effectStyleLst>
+        <a:effectStyle>
+          <a:effectLst/>
+        </a:effectStyle>
+        <a:effectStyle>
+          <a:effectLst/>
+        </a:effectStyle>
+        <a:effectStyle>
+          <a:effectLst>
+            <a:outerShdw blurRad="57150" dist="19050" dir="5400000" algn="ctr" rotWithShape="0">
+              <a:srgbClr val="000000">
+                <a:alpha val="63000"/>
+              </a:srgbClr>
+            </a:outerShdw>
+          </a:effectLst>
+        </a:effectStyle>
+      </a:effectStyleLst>
+      <a:bgFillStyleLst>
+        <a:solidFill>
+          <a:schemeClr val="phClr"/>
+        </a:solidFill>
+        <a:solidFill>
+          <a:schemeClr val="phClr">
+            <a:tint val="95000"/>
+            <a:satMod val="170000"/>
+          </a:schemeClr>
+        </a:solidFill>
+        <a:gradFill rotWithShape="1">
+          <a:gsLst>
+            <a:gs pos="0">
+              <a:schemeClr val="phClr">
+                <a:tint val="93000"/>
+                <a:satMod val="150000"/>
+                <a:shade val="98000"/>
+                <a:lumMod val="102000"/>
+              </a:schemeClr>
+            </a:gs>
+            <a:gs pos="50000">
+              <a:schemeClr val="phClr">
+                <a:tint val="98000"/>
+                <a:satMod val="130000"/>
+                <a:shade val="90000"/>
+                <a:lumMod val="103000"/>
+              </a:schemeClr>
+            </a:gs>
+            <a:gs pos="100000">
+              <a:schemeClr val="phClr">
+                <a:shade val="63000"/>
+                <a:satMod val="120000"/>
+              </a:schemeClr>
+            </a:gs>
+          </a:gsLst>
+          <a:lin ang="5400000" scaled="0"/>
+        </a:gradFill>
+      </a:bgFillStyleLst>
+    </a:fmtScheme>
+  </a:themeElements>
+  <a:objectDefaults/>
+  <a:extraClrSchemeLst/>
+  <a:extLst>
+    <a:ext uri="{05A4C25C-085E-4340-85A3-A5531E510DB2}">
+      <thm15:themeFamily xmlns:thm15="http://schemas.microsoft.com/office/thememl/2012/main" name="Office Theme" id="{62F939B6-93AF-4DB8-9C6B-D6C7DFDC589F}" vid="{4A3C46E8-61CC-4603-A589-7422A47A8E4A}"/>
+    </a:ext>
+  </a:extLst>
+</a:theme>
 </file>
--- a/Final Presentation 2.pptx
+++ b/Final Presentation 2.pptx
@@ -147,19 +147,19 @@
   <pc:docChgLst>
     <pc:chgData name="Brooke Taylor" userId="cb809024d88b5de5" providerId="LiveId" clId="{64E839F8-BAE3-4197-B080-5F39667F52ED}"/>
     <pc:docChg chg="undo custSel addSld delSld modSld sldOrd modMainMaster">
-      <pc:chgData name="Brooke Taylor" userId="cb809024d88b5de5" providerId="LiveId" clId="{64E839F8-BAE3-4197-B080-5F39667F52ED}" dt="2017-12-13T05:33:37.537" v="2608" actId="20577"/>
+      <pc:chgData name="Brooke Taylor" userId="cb809024d88b5de5" providerId="LiveId" clId="{64E839F8-BAE3-4197-B080-5F39667F52ED}" dt="2017-12-14T19:22:17.880" v="2637" actId="20577"/>
       <pc:docMkLst>
         <pc:docMk/>
       </pc:docMkLst>
-      <pc:sldChg chg="modNotesTx">
-        <pc:chgData name="Brooke Taylor" userId="cb809024d88b5de5" providerId="LiveId" clId="{64E839F8-BAE3-4197-B080-5F39667F52ED}" dt="2017-12-13T04:00:19.045" v="1542" actId="20577"/>
+      <pc:sldChg chg="modTransition modNotesTx">
+        <pc:chgData name="Brooke Taylor" userId="cb809024d88b5de5" providerId="LiveId" clId="{64E839F8-BAE3-4197-B080-5F39667F52ED}" dt="2017-12-14T19:15:17.039" v="2609"/>
         <pc:sldMkLst>
           <pc:docMk/>
           <pc:sldMk cId="1380476433" sldId="256"/>
         </pc:sldMkLst>
       </pc:sldChg>
-      <pc:sldChg chg="addSp delSp modSp modNotesTx">
-        <pc:chgData name="Brooke Taylor" userId="cb809024d88b5de5" providerId="LiveId" clId="{64E839F8-BAE3-4197-B080-5F39667F52ED}" dt="2017-12-13T05:16:18.961" v="2168"/>
+      <pc:sldChg chg="addSp delSp modSp modTransition modNotesTx">
+        <pc:chgData name="Brooke Taylor" userId="cb809024d88b5de5" providerId="LiveId" clId="{64E839F8-BAE3-4197-B080-5F39667F52ED}" dt="2017-12-14T19:15:17.039" v="2609"/>
         <pc:sldMkLst>
           <pc:docMk/>
           <pc:sldMk cId="1646366259" sldId="257"/>
@@ -181,7 +181,7 @@
           </ac:spMkLst>
         </pc:spChg>
         <pc:spChg chg="add del mod">
-          <ac:chgData name="Brooke Taylor" userId="cb809024d88b5de5" providerId="LiveId" clId="{64E839F8-BAE3-4197-B080-5F39667F52ED}" dt="2017-12-13T05:16:11.739" v="2167"/>
+          <ac:chgData name="Brooke Taylor" userId="cb809024d88b5de5" providerId="LiveId" clId="{64E839F8-BAE3-4197-B080-5F39667F52ED}" dt="2017-12-13T05:16:11.739" v="2167" actId="20577"/>
           <ac:spMkLst>
             <pc:docMk/>
             <pc:sldMk cId="1646366259" sldId="257"/>
@@ -189,7 +189,7 @@
           </ac:spMkLst>
         </pc:spChg>
         <pc:spChg chg="add del mod">
-          <ac:chgData name="Brooke Taylor" userId="cb809024d88b5de5" providerId="LiveId" clId="{64E839F8-BAE3-4197-B080-5F39667F52ED}" dt="2017-12-13T05:16:11.739" v="2167"/>
+          <ac:chgData name="Brooke Taylor" userId="cb809024d88b5de5" providerId="LiveId" clId="{64E839F8-BAE3-4197-B080-5F39667F52ED}" dt="2017-12-13T05:16:11.739" v="2167" actId="20577"/>
           <ac:spMkLst>
             <pc:docMk/>
             <pc:sldMk cId="1646366259" sldId="257"/>
@@ -197,7 +197,7 @@
           </ac:spMkLst>
         </pc:spChg>
         <pc:spChg chg="add del mod">
-          <ac:chgData name="Brooke Taylor" userId="cb809024d88b5de5" providerId="LiveId" clId="{64E839F8-BAE3-4197-B080-5F39667F52ED}" dt="2017-12-13T05:16:18.961" v="2168"/>
+          <ac:chgData name="Brooke Taylor" userId="cb809024d88b5de5" providerId="LiveId" clId="{64E839F8-BAE3-4197-B080-5F39667F52ED}" dt="2017-12-13T05:16:18.961" v="2168" actId="20577"/>
           <ac:spMkLst>
             <pc:docMk/>
             <pc:sldMk cId="1646366259" sldId="257"/>
@@ -205,7 +205,7 @@
           </ac:spMkLst>
         </pc:spChg>
         <pc:spChg chg="add del mod">
-          <ac:chgData name="Brooke Taylor" userId="cb809024d88b5de5" providerId="LiveId" clId="{64E839F8-BAE3-4197-B080-5F39667F52ED}" dt="2017-12-13T05:16:18.961" v="2168"/>
+          <ac:chgData name="Brooke Taylor" userId="cb809024d88b5de5" providerId="LiveId" clId="{64E839F8-BAE3-4197-B080-5F39667F52ED}" dt="2017-12-13T05:16:18.961" v="2168" actId="20577"/>
           <ac:spMkLst>
             <pc:docMk/>
             <pc:sldMk cId="1646366259" sldId="257"/>
@@ -213,8 +213,8 @@
           </ac:spMkLst>
         </pc:spChg>
       </pc:sldChg>
-      <pc:sldChg chg="modSp">
-        <pc:chgData name="Brooke Taylor" userId="cb809024d88b5de5" providerId="LiveId" clId="{64E839F8-BAE3-4197-B080-5F39667F52ED}" dt="2017-12-13T03:32:22.976" v="864" actId="113"/>
+      <pc:sldChg chg="modSp modTransition">
+        <pc:chgData name="Brooke Taylor" userId="cb809024d88b5de5" providerId="LiveId" clId="{64E839F8-BAE3-4197-B080-5F39667F52ED}" dt="2017-12-14T19:15:17.039" v="2609"/>
         <pc:sldMkLst>
           <pc:docMk/>
           <pc:sldMk cId="2456124830" sldId="258"/>
@@ -228,8 +228,8 @@
           </ac:spMkLst>
         </pc:spChg>
       </pc:sldChg>
-      <pc:sldChg chg="modSp">
-        <pc:chgData name="Brooke Taylor" userId="cb809024d88b5de5" providerId="LiveId" clId="{64E839F8-BAE3-4197-B080-5F39667F52ED}" dt="2017-12-13T03:32:18.010" v="863" actId="113"/>
+      <pc:sldChg chg="modSp modTransition">
+        <pc:chgData name="Brooke Taylor" userId="cb809024d88b5de5" providerId="LiveId" clId="{64E839F8-BAE3-4197-B080-5F39667F52ED}" dt="2017-12-14T19:15:17.039" v="2609"/>
         <pc:sldMkLst>
           <pc:docMk/>
           <pc:sldMk cId="1148675691" sldId="259"/>
@@ -243,14 +243,14 @@
           </ac:spMkLst>
         </pc:spChg>
       </pc:sldChg>
-      <pc:sldChg chg="addSp delSp modSp">
-        <pc:chgData name="Brooke Taylor" userId="cb809024d88b5de5" providerId="LiveId" clId="{64E839F8-BAE3-4197-B080-5F39667F52ED}" dt="2017-12-13T05:20:18.002" v="2329" actId="20577"/>
+      <pc:sldChg chg="addSp delSp modSp modTransition">
+        <pc:chgData name="Brooke Taylor" userId="cb809024d88b5de5" providerId="LiveId" clId="{64E839F8-BAE3-4197-B080-5F39667F52ED}" dt="2017-12-14T19:15:17.039" v="2609"/>
         <pc:sldMkLst>
           <pc:docMk/>
           <pc:sldMk cId="2133794410" sldId="260"/>
         </pc:sldMkLst>
         <pc:spChg chg="del">
-          <ac:chgData name="Brooke Taylor" userId="cb809024d88b5de5" providerId="LiveId" clId="{64E839F8-BAE3-4197-B080-5F39667F52ED}" dt="2017-12-13T03:20:37.591" v="399"/>
+          <ac:chgData name="Brooke Taylor" userId="cb809024d88b5de5" providerId="LiveId" clId="{64E839F8-BAE3-4197-B080-5F39667F52ED}" dt="2017-12-13T03:20:37.591" v="399" actId="20577"/>
           <ac:spMkLst>
             <pc:docMk/>
             <pc:sldMk cId="2133794410" sldId="260"/>
@@ -258,7 +258,7 @@
           </ac:spMkLst>
         </pc:spChg>
         <pc:spChg chg="del">
-          <ac:chgData name="Brooke Taylor" userId="cb809024d88b5de5" providerId="LiveId" clId="{64E839F8-BAE3-4197-B080-5F39667F52ED}" dt="2017-12-13T03:20:37.591" v="399"/>
+          <ac:chgData name="Brooke Taylor" userId="cb809024d88b5de5" providerId="LiveId" clId="{64E839F8-BAE3-4197-B080-5F39667F52ED}" dt="2017-12-13T03:20:37.591" v="399" actId="20577"/>
           <ac:spMkLst>
             <pc:docMk/>
             <pc:sldMk cId="2133794410" sldId="260"/>
@@ -274,7 +274,7 @@
           </ac:spMkLst>
         </pc:spChg>
         <pc:spChg chg="add del mod">
-          <ac:chgData name="Brooke Taylor" userId="cb809024d88b5de5" providerId="LiveId" clId="{64E839F8-BAE3-4197-B080-5F39667F52ED}" dt="2017-12-13T05:16:36.381" v="2177"/>
+          <ac:chgData name="Brooke Taylor" userId="cb809024d88b5de5" providerId="LiveId" clId="{64E839F8-BAE3-4197-B080-5F39667F52ED}" dt="2017-12-13T05:16:36.381" v="2177" actId="20577"/>
           <ac:spMkLst>
             <pc:docMk/>
             <pc:sldMk cId="2133794410" sldId="260"/>
@@ -282,7 +282,7 @@
           </ac:spMkLst>
         </pc:spChg>
         <pc:spChg chg="add del mod">
-          <ac:chgData name="Brooke Taylor" userId="cb809024d88b5de5" providerId="LiveId" clId="{64E839F8-BAE3-4197-B080-5F39667F52ED}" dt="2017-12-13T05:16:36.381" v="2177"/>
+          <ac:chgData name="Brooke Taylor" userId="cb809024d88b5de5" providerId="LiveId" clId="{64E839F8-BAE3-4197-B080-5F39667F52ED}" dt="2017-12-13T05:16:36.381" v="2177" actId="20577"/>
           <ac:spMkLst>
             <pc:docMk/>
             <pc:sldMk cId="2133794410" sldId="260"/>
@@ -290,7 +290,7 @@
           </ac:spMkLst>
         </pc:spChg>
         <pc:spChg chg="add mod">
-          <ac:chgData name="Brooke Taylor" userId="cb809024d88b5de5" providerId="LiveId" clId="{64E839F8-BAE3-4197-B080-5F39667F52ED}" dt="2017-12-13T05:16:36.381" v="2177"/>
+          <ac:chgData name="Brooke Taylor" userId="cb809024d88b5de5" providerId="LiveId" clId="{64E839F8-BAE3-4197-B080-5F39667F52ED}" dt="2017-12-13T05:16:36.381" v="2177" actId="20577"/>
           <ac:spMkLst>
             <pc:docMk/>
             <pc:sldMk cId="2133794410" sldId="260"/>
@@ -298,8 +298,8 @@
           </ac:spMkLst>
         </pc:spChg>
       </pc:sldChg>
-      <pc:sldChg chg="modSp">
-        <pc:chgData name="Brooke Taylor" userId="cb809024d88b5de5" providerId="LiveId" clId="{64E839F8-BAE3-4197-B080-5F39667F52ED}" dt="2017-12-13T03:32:09.687" v="862" actId="113"/>
+      <pc:sldChg chg="modSp modTransition">
+        <pc:chgData name="Brooke Taylor" userId="cb809024d88b5de5" providerId="LiveId" clId="{64E839F8-BAE3-4197-B080-5F39667F52ED}" dt="2017-12-14T19:15:17.039" v="2609"/>
         <pc:sldMkLst>
           <pc:docMk/>
           <pc:sldMk cId="3847192227" sldId="261"/>
@@ -313,22 +313,22 @@
           </ac:spMkLst>
         </pc:spChg>
       </pc:sldChg>
-      <pc:sldChg chg="addSp delSp modSp modNotesTx">
-        <pc:chgData name="Brooke Taylor" userId="cb809024d88b5de5" providerId="LiveId" clId="{64E839F8-BAE3-4197-B080-5F39667F52ED}" dt="2017-12-13T05:16:45.195" v="2184"/>
+      <pc:sldChg chg="addSp delSp modSp modTransition modNotesTx">
+        <pc:chgData name="Brooke Taylor" userId="cb809024d88b5de5" providerId="LiveId" clId="{64E839F8-BAE3-4197-B080-5F39667F52ED}" dt="2017-12-14T19:22:17.880" v="2637" actId="20577"/>
         <pc:sldMkLst>
           <pc:docMk/>
           <pc:sldMk cId="3809937203" sldId="262"/>
         </pc:sldMkLst>
         <pc:spChg chg="mod">
-          <ac:chgData name="Brooke Taylor" userId="cb809024d88b5de5" providerId="LiveId" clId="{64E839F8-BAE3-4197-B080-5F39667F52ED}" dt="2017-12-13T03:37:37.272" v="954" actId="20577"/>
+          <ac:chgData name="Brooke Taylor" userId="cb809024d88b5de5" providerId="LiveId" clId="{64E839F8-BAE3-4197-B080-5F39667F52ED}" dt="2017-12-14T19:21:17.030" v="2636" actId="403"/>
           <ac:spMkLst>
             <pc:docMk/>
             <pc:sldMk cId="3809937203" sldId="262"/>
             <ac:spMk id="2" creationId="{55249C7B-8667-4F35-AFFD-53CF7D4846C8}"/>
           </ac:spMkLst>
         </pc:spChg>
-        <pc:spChg chg="mod">
-          <ac:chgData name="Brooke Taylor" userId="cb809024d88b5de5" providerId="LiveId" clId="{64E839F8-BAE3-4197-B080-5F39667F52ED}" dt="2017-12-13T03:47:34.461" v="1077" actId="20577"/>
+        <pc:spChg chg="del mod">
+          <ac:chgData name="Brooke Taylor" userId="cb809024d88b5de5" providerId="LiveId" clId="{64E839F8-BAE3-4197-B080-5F39667F52ED}" dt="2017-12-14T19:20:50.826" v="2628" actId="478"/>
           <ac:spMkLst>
             <pc:docMk/>
             <pc:sldMk cId="3809937203" sldId="262"/>
@@ -336,7 +336,7 @@
           </ac:spMkLst>
         </pc:spChg>
         <pc:spChg chg="add del mod">
-          <ac:chgData name="Brooke Taylor" userId="cb809024d88b5de5" providerId="LiveId" clId="{64E839F8-BAE3-4197-B080-5F39667F52ED}" dt="2017-12-13T05:16:45.195" v="2184"/>
+          <ac:chgData name="Brooke Taylor" userId="cb809024d88b5de5" providerId="LiveId" clId="{64E839F8-BAE3-4197-B080-5F39667F52ED}" dt="2017-12-13T05:16:45.195" v="2184" actId="20577"/>
           <ac:spMkLst>
             <pc:docMk/>
             <pc:sldMk cId="3809937203" sldId="262"/>
@@ -344,16 +344,40 @@
           </ac:spMkLst>
         </pc:spChg>
         <pc:spChg chg="add del mod">
-          <ac:chgData name="Brooke Taylor" userId="cb809024d88b5de5" providerId="LiveId" clId="{64E839F8-BAE3-4197-B080-5F39667F52ED}" dt="2017-12-13T05:16:45.195" v="2184"/>
+          <ac:chgData name="Brooke Taylor" userId="cb809024d88b5de5" providerId="LiveId" clId="{64E839F8-BAE3-4197-B080-5F39667F52ED}" dt="2017-12-13T05:16:45.195" v="2184" actId="20577"/>
           <ac:spMkLst>
             <pc:docMk/>
             <pc:sldMk cId="3809937203" sldId="262"/>
             <ac:spMk id="5" creationId="{883C9FE5-744D-43BE-8133-73C1856331AD}"/>
           </ac:spMkLst>
         </pc:spChg>
+        <pc:spChg chg="add del mod">
+          <ac:chgData name="Brooke Taylor" userId="cb809024d88b5de5" providerId="LiveId" clId="{64E839F8-BAE3-4197-B080-5F39667F52ED}" dt="2017-12-14T19:21:06.111" v="2629"/>
+          <ac:spMkLst>
+            <pc:docMk/>
+            <pc:sldMk cId="3809937203" sldId="262"/>
+            <ac:spMk id="5" creationId="{1EBDDC96-DEF6-4ABC-9B26-359D205D5868}"/>
+          </ac:spMkLst>
+        </pc:spChg>
+        <pc:spChg chg="add del mod">
+          <ac:chgData name="Brooke Taylor" userId="cb809024d88b5de5" providerId="LiveId" clId="{64E839F8-BAE3-4197-B080-5F39667F52ED}" dt="2017-12-14T19:21:09.909" v="2630"/>
+          <ac:spMkLst>
+            <pc:docMk/>
+            <pc:sldMk cId="3809937203" sldId="262"/>
+            <ac:spMk id="6" creationId="{FFC16144-00B7-490B-9E92-976CD598F079}"/>
+          </ac:spMkLst>
+        </pc:spChg>
+        <pc:spChg chg="add mod">
+          <ac:chgData name="Brooke Taylor" userId="cb809024d88b5de5" providerId="LiveId" clId="{64E839F8-BAE3-4197-B080-5F39667F52ED}" dt="2017-12-14T19:22:17.880" v="2637" actId="20577"/>
+          <ac:spMkLst>
+            <pc:docMk/>
+            <pc:sldMk cId="3809937203" sldId="262"/>
+            <ac:spMk id="7" creationId="{298377E8-A3E7-4B4E-828D-27F0765E5369}"/>
+          </ac:spMkLst>
+        </pc:spChg>
       </pc:sldChg>
-      <pc:sldChg chg="addSp delSp modSp modNotesTx">
-        <pc:chgData name="Brooke Taylor" userId="cb809024d88b5de5" providerId="LiveId" clId="{64E839F8-BAE3-4197-B080-5F39667F52ED}" dt="2017-12-13T05:31:28.571" v="2577" actId="20577"/>
+      <pc:sldChg chg="addSp delSp modSp modTransition modNotesTx">
+        <pc:chgData name="Brooke Taylor" userId="cb809024d88b5de5" providerId="LiveId" clId="{64E839F8-BAE3-4197-B080-5F39667F52ED}" dt="2017-12-14T19:15:17.039" v="2609"/>
         <pc:sldMkLst>
           <pc:docMk/>
           <pc:sldMk cId="3542548571" sldId="263"/>
@@ -399,8 +423,8 @@
           </ac:spMkLst>
         </pc:spChg>
       </pc:sldChg>
-      <pc:sldChg chg="addSp delSp modSp">
-        <pc:chgData name="Brooke Taylor" userId="cb809024d88b5de5" providerId="LiveId" clId="{64E839F8-BAE3-4197-B080-5F39667F52ED}" dt="2017-12-13T05:19:38.245" v="2263" actId="20577"/>
+      <pc:sldChg chg="addSp delSp modSp modTransition">
+        <pc:chgData name="Brooke Taylor" userId="cb809024d88b5de5" providerId="LiveId" clId="{64E839F8-BAE3-4197-B080-5F39667F52ED}" dt="2017-12-14T19:15:17.039" v="2609"/>
         <pc:sldMkLst>
           <pc:docMk/>
           <pc:sldMk cId="3759347381" sldId="264"/>
@@ -430,8 +454,8 @@
           </ac:spMkLst>
         </pc:spChg>
       </pc:sldChg>
-      <pc:sldChg chg="addSp delSp modSp">
-        <pc:chgData name="Brooke Taylor" userId="cb809024d88b5de5" providerId="LiveId" clId="{64E839F8-BAE3-4197-B080-5F39667F52ED}" dt="2017-12-13T05:19:51.657" v="2296" actId="20577"/>
+      <pc:sldChg chg="addSp delSp modSp modTransition">
+        <pc:chgData name="Brooke Taylor" userId="cb809024d88b5de5" providerId="LiveId" clId="{64E839F8-BAE3-4197-B080-5F39667F52ED}" dt="2017-12-14T19:15:17.039" v="2609"/>
         <pc:sldMkLst>
           <pc:docMk/>
           <pc:sldMk cId="2610293620" sldId="265"/>
@@ -461,8 +485,8 @@
           </ac:spMkLst>
         </pc:spChg>
       </pc:sldChg>
-      <pc:sldChg chg="addSp delSp modSp">
-        <pc:chgData name="Brooke Taylor" userId="cb809024d88b5de5" providerId="LiveId" clId="{64E839F8-BAE3-4197-B080-5F39667F52ED}" dt="2017-12-13T05:20:02.839" v="2321" actId="20577"/>
+      <pc:sldChg chg="addSp delSp modSp modTransition">
+        <pc:chgData name="Brooke Taylor" userId="cb809024d88b5de5" providerId="LiveId" clId="{64E839F8-BAE3-4197-B080-5F39667F52ED}" dt="2017-12-14T19:17:30.210" v="2615" actId="14100"/>
         <pc:sldMkLst>
           <pc:docMk/>
           <pc:sldMk cId="71787495" sldId="266"/>
@@ -483,6 +507,30 @@
             <ac:spMk id="4" creationId="{C1A0CD19-6C26-4F61-8265-0F17A9630860}"/>
           </ac:spMkLst>
         </pc:spChg>
+        <pc:spChg chg="mod">
+          <ac:chgData name="Brooke Taylor" userId="cb809024d88b5de5" providerId="LiveId" clId="{64E839F8-BAE3-4197-B080-5F39667F52ED}" dt="2017-12-14T19:16:53.488" v="2612" actId="14100"/>
+          <ac:spMkLst>
+            <pc:docMk/>
+            <pc:sldMk cId="71787495" sldId="266"/>
+            <ac:spMk id="19" creationId="{573D4B3B-3B6C-4639-909E-107026F0D9B6}"/>
+          </ac:spMkLst>
+        </pc:spChg>
+        <pc:spChg chg="mod">
+          <ac:chgData name="Brooke Taylor" userId="cb809024d88b5de5" providerId="LiveId" clId="{64E839F8-BAE3-4197-B080-5F39667F52ED}" dt="2017-12-14T19:17:30.210" v="2615" actId="14100"/>
+          <ac:spMkLst>
+            <pc:docMk/>
+            <pc:sldMk cId="71787495" sldId="266"/>
+            <ac:spMk id="36" creationId="{610AEC14-8959-40FC-A7F0-CF95C1C9FF1B}"/>
+          </ac:spMkLst>
+        </pc:spChg>
+        <pc:spChg chg="mod">
+          <ac:chgData name="Brooke Taylor" userId="cb809024d88b5de5" providerId="LiveId" clId="{64E839F8-BAE3-4197-B080-5F39667F52ED}" dt="2017-12-14T19:17:27.061" v="2614" actId="14100"/>
+          <ac:spMkLst>
+            <pc:docMk/>
+            <pc:sldMk cId="71787495" sldId="266"/>
+            <ac:spMk id="37" creationId="{67D3E844-B9D5-4A5D-9D60-E163CFEF6F68}"/>
+          </ac:spMkLst>
+        </pc:spChg>
         <pc:spChg chg="add mod">
           <ac:chgData name="Brooke Taylor" userId="cb809024d88b5de5" providerId="LiveId" clId="{64E839F8-BAE3-4197-B080-5F39667F52ED}" dt="2017-12-13T05:20:02.839" v="2321" actId="20577"/>
           <ac:spMkLst>
@@ -491,9 +539,17 @@
             <ac:spMk id="44" creationId="{02A8AED4-D0FA-477A-9B33-E27A074B76FF}"/>
           </ac:spMkLst>
         </pc:spChg>
+        <pc:spChg chg="add del mod">
+          <ac:chgData name="Brooke Taylor" userId="cb809024d88b5de5" providerId="LiveId" clId="{64E839F8-BAE3-4197-B080-5F39667F52ED}" dt="2017-12-14T19:16:55.677" v="2613" actId="478"/>
+          <ac:spMkLst>
+            <pc:docMk/>
+            <pc:sldMk cId="71787495" sldId="266"/>
+            <ac:spMk id="45" creationId="{AF47BF52-3CB2-49C7-A713-D8AA411526F6}"/>
+          </ac:spMkLst>
+        </pc:spChg>
       </pc:sldChg>
-      <pc:sldChg chg="modSp add ord">
-        <pc:chgData name="Brooke Taylor" userId="cb809024d88b5de5" providerId="LiveId" clId="{64E839F8-BAE3-4197-B080-5F39667F52ED}" dt="2017-12-13T04:24:15.970" v="1550" actId="20577"/>
+      <pc:sldChg chg="modSp add ord modTransition">
+        <pc:chgData name="Brooke Taylor" userId="cb809024d88b5de5" providerId="LiveId" clId="{64E839F8-BAE3-4197-B080-5F39667F52ED}" dt="2017-12-14T19:15:17.039" v="2609"/>
         <pc:sldMkLst>
           <pc:docMk/>
           <pc:sldMk cId="3547329901" sldId="267"/>
@@ -507,14 +563,14 @@
           </ac:spMkLst>
         </pc:spChg>
       </pc:sldChg>
-      <pc:sldChg chg="addSp delSp modSp add modNotesTx">
-        <pc:chgData name="Brooke Taylor" userId="cb809024d88b5de5" providerId="LiveId" clId="{64E839F8-BAE3-4197-B080-5F39667F52ED}" dt="2017-12-13T05:33:33.803" v="2603" actId="20577"/>
+      <pc:sldChg chg="addSp delSp modSp add modTransition modNotesTx">
+        <pc:chgData name="Brooke Taylor" userId="cb809024d88b5de5" providerId="LiveId" clId="{64E839F8-BAE3-4197-B080-5F39667F52ED}" dt="2017-12-14T19:15:17.039" v="2609"/>
         <pc:sldMkLst>
           <pc:docMk/>
           <pc:sldMk cId="1609058928" sldId="268"/>
         </pc:sldMkLst>
         <pc:spChg chg="del">
-          <ac:chgData name="Brooke Taylor" userId="cb809024d88b5de5" providerId="LiveId" clId="{64E839F8-BAE3-4197-B080-5F39667F52ED}" dt="2017-12-13T03:18:35.209" v="327"/>
+          <ac:chgData name="Brooke Taylor" userId="cb809024d88b5de5" providerId="LiveId" clId="{64E839F8-BAE3-4197-B080-5F39667F52ED}" dt="2017-12-13T03:18:35.209" v="327" actId="20577"/>
           <ac:spMkLst>
             <pc:docMk/>
             <pc:sldMk cId="1609058928" sldId="268"/>
@@ -522,7 +578,7 @@
           </ac:spMkLst>
         </pc:spChg>
         <pc:spChg chg="del">
-          <ac:chgData name="Brooke Taylor" userId="cb809024d88b5de5" providerId="LiveId" clId="{64E839F8-BAE3-4197-B080-5F39667F52ED}" dt="2017-12-13T03:18:35.209" v="327"/>
+          <ac:chgData name="Brooke Taylor" userId="cb809024d88b5de5" providerId="LiveId" clId="{64E839F8-BAE3-4197-B080-5F39667F52ED}" dt="2017-12-13T03:18:35.209" v="327" actId="20577"/>
           <ac:spMkLst>
             <pc:docMk/>
             <pc:sldMk cId="1609058928" sldId="268"/>
@@ -546,7 +602,7 @@
           </ac:spMkLst>
         </pc:spChg>
         <pc:spChg chg="add del mod">
-          <ac:chgData name="Brooke Taylor" userId="cb809024d88b5de5" providerId="LiveId" clId="{64E839F8-BAE3-4197-B080-5F39667F52ED}" dt="2017-12-13T05:16:24.897" v="2171"/>
+          <ac:chgData name="Brooke Taylor" userId="cb809024d88b5de5" providerId="LiveId" clId="{64E839F8-BAE3-4197-B080-5F39667F52ED}" dt="2017-12-13T05:16:24.897" v="2171" actId="20577"/>
           <ac:spMkLst>
             <pc:docMk/>
             <pc:sldMk cId="1609058928" sldId="268"/>
@@ -554,7 +610,7 @@
           </ac:spMkLst>
         </pc:spChg>
         <pc:spChg chg="add del mod">
-          <ac:chgData name="Brooke Taylor" userId="cb809024d88b5de5" providerId="LiveId" clId="{64E839F8-BAE3-4197-B080-5F39667F52ED}" dt="2017-12-13T05:16:24.897" v="2171"/>
+          <ac:chgData name="Brooke Taylor" userId="cb809024d88b5de5" providerId="LiveId" clId="{64E839F8-BAE3-4197-B080-5F39667F52ED}" dt="2017-12-13T05:16:24.897" v="2171" actId="20577"/>
           <ac:spMkLst>
             <pc:docMk/>
             <pc:sldMk cId="1609058928" sldId="268"/>
@@ -563,14 +619,14 @@
         </pc:spChg>
       </pc:sldChg>
       <pc:sldChg chg="add del ord">
-        <pc:chgData name="Brooke Taylor" userId="cb809024d88b5de5" providerId="LiveId" clId="{64E839F8-BAE3-4197-B080-5F39667F52ED}" dt="2017-12-13T03:18:29.158" v="325"/>
+        <pc:chgData name="Brooke Taylor" userId="cb809024d88b5de5" providerId="LiveId" clId="{64E839F8-BAE3-4197-B080-5F39667F52ED}" dt="2017-12-13T03:18:29.158" v="325" actId="20577"/>
         <pc:sldMkLst>
           <pc:docMk/>
           <pc:sldMk cId="3879684520" sldId="268"/>
         </pc:sldMkLst>
       </pc:sldChg>
-      <pc:sldChg chg="addSp delSp modSp add modNotesTx">
-        <pc:chgData name="Brooke Taylor" userId="cb809024d88b5de5" providerId="LiveId" clId="{64E839F8-BAE3-4197-B080-5F39667F52ED}" dt="2017-12-13T05:32:59.809" v="2598" actId="20577"/>
+      <pc:sldChg chg="addSp delSp modSp add modTransition modNotesTx">
+        <pc:chgData name="Brooke Taylor" userId="cb809024d88b5de5" providerId="LiveId" clId="{64E839F8-BAE3-4197-B080-5F39667F52ED}" dt="2017-12-14T19:15:17.039" v="2609"/>
         <pc:sldMkLst>
           <pc:docMk/>
           <pc:sldMk cId="931317673" sldId="269"/>
@@ -592,7 +648,7 @@
           </ac:spMkLst>
         </pc:spChg>
         <pc:spChg chg="add del mod">
-          <ac:chgData name="Brooke Taylor" userId="cb809024d88b5de5" providerId="LiveId" clId="{64E839F8-BAE3-4197-B080-5F39667F52ED}" dt="2017-12-13T05:16:35.759" v="2176"/>
+          <ac:chgData name="Brooke Taylor" userId="cb809024d88b5de5" providerId="LiveId" clId="{64E839F8-BAE3-4197-B080-5F39667F52ED}" dt="2017-12-13T05:16:35.759" v="2176" actId="20577"/>
           <ac:spMkLst>
             <pc:docMk/>
             <pc:sldMk cId="931317673" sldId="269"/>
@@ -600,7 +656,7 @@
           </ac:spMkLst>
         </pc:spChg>
         <pc:spChg chg="add del mod">
-          <ac:chgData name="Brooke Taylor" userId="cb809024d88b5de5" providerId="LiveId" clId="{64E839F8-BAE3-4197-B080-5F39667F52ED}" dt="2017-12-13T05:16:35.759" v="2176"/>
+          <ac:chgData name="Brooke Taylor" userId="cb809024d88b5de5" providerId="LiveId" clId="{64E839F8-BAE3-4197-B080-5F39667F52ED}" dt="2017-12-13T05:16:35.759" v="2176" actId="20577"/>
           <ac:spMkLst>
             <pc:docMk/>
             <pc:sldMk cId="931317673" sldId="269"/>
@@ -632,8 +688,8 @@
           </ac:picMkLst>
         </pc:picChg>
       </pc:sldChg>
-      <pc:sldChg chg="addSp delSp modSp add ord modNotesTx">
-        <pc:chgData name="Brooke Taylor" userId="cb809024d88b5de5" providerId="LiveId" clId="{64E839F8-BAE3-4197-B080-5F39667F52ED}" dt="2017-12-13T05:16:39.109" v="2178"/>
+      <pc:sldChg chg="addSp delSp modSp add ord modTransition modNotesTx">
+        <pc:chgData name="Brooke Taylor" userId="cb809024d88b5de5" providerId="LiveId" clId="{64E839F8-BAE3-4197-B080-5F39667F52ED}" dt="2017-12-14T19:15:17.039" v="2609"/>
         <pc:sldMkLst>
           <pc:docMk/>
           <pc:sldMk cId="2507992030" sldId="270"/>
@@ -655,7 +711,7 @@
           </ac:spMkLst>
         </pc:spChg>
         <pc:spChg chg="add del mod">
-          <ac:chgData name="Brooke Taylor" userId="cb809024d88b5de5" providerId="LiveId" clId="{64E839F8-BAE3-4197-B080-5F39667F52ED}" dt="2017-12-13T05:16:33.427" v="2173"/>
+          <ac:chgData name="Brooke Taylor" userId="cb809024d88b5de5" providerId="LiveId" clId="{64E839F8-BAE3-4197-B080-5F39667F52ED}" dt="2017-12-13T05:16:33.427" v="2173" actId="20577"/>
           <ac:spMkLst>
             <pc:docMk/>
             <pc:sldMk cId="2507992030" sldId="270"/>
@@ -663,7 +719,7 @@
           </ac:spMkLst>
         </pc:spChg>
         <pc:spChg chg="add del mod">
-          <ac:chgData name="Brooke Taylor" userId="cb809024d88b5de5" providerId="LiveId" clId="{64E839F8-BAE3-4197-B080-5F39667F52ED}" dt="2017-12-13T05:16:33.427" v="2173"/>
+          <ac:chgData name="Brooke Taylor" userId="cb809024d88b5de5" providerId="LiveId" clId="{64E839F8-BAE3-4197-B080-5F39667F52ED}" dt="2017-12-13T05:16:33.427" v="2173" actId="20577"/>
           <ac:spMkLst>
             <pc:docMk/>
             <pc:sldMk cId="2507992030" sldId="270"/>
@@ -671,7 +727,7 @@
           </ac:spMkLst>
         </pc:spChg>
         <pc:spChg chg="add del mod">
-          <ac:chgData name="Brooke Taylor" userId="cb809024d88b5de5" providerId="LiveId" clId="{64E839F8-BAE3-4197-B080-5F39667F52ED}" dt="2017-12-13T05:16:39.109" v="2178"/>
+          <ac:chgData name="Brooke Taylor" userId="cb809024d88b5de5" providerId="LiveId" clId="{64E839F8-BAE3-4197-B080-5F39667F52ED}" dt="2017-12-13T05:16:39.109" v="2178" actId="20577"/>
           <ac:spMkLst>
             <pc:docMk/>
             <pc:sldMk cId="2507992030" sldId="270"/>
@@ -679,7 +735,7 @@
           </ac:spMkLst>
         </pc:spChg>
         <pc:spChg chg="add del mod">
-          <ac:chgData name="Brooke Taylor" userId="cb809024d88b5de5" providerId="LiveId" clId="{64E839F8-BAE3-4197-B080-5F39667F52ED}" dt="2017-12-13T05:16:39.109" v="2178"/>
+          <ac:chgData name="Brooke Taylor" userId="cb809024d88b5de5" providerId="LiveId" clId="{64E839F8-BAE3-4197-B080-5F39667F52ED}" dt="2017-12-13T05:16:39.109" v="2178" actId="20577"/>
           <ac:spMkLst>
             <pc:docMk/>
             <pc:sldMk cId="2507992030" sldId="270"/>
@@ -687,14 +743,14 @@
           </ac:spMkLst>
         </pc:spChg>
       </pc:sldChg>
-      <pc:sldChg chg="addSp delSp modSp add">
-        <pc:chgData name="Brooke Taylor" userId="cb809024d88b5de5" providerId="LiveId" clId="{64E839F8-BAE3-4197-B080-5F39667F52ED}" dt="2017-12-13T05:16:41.757" v="2182"/>
+      <pc:sldChg chg="addSp delSp modSp add modTransition">
+        <pc:chgData name="Brooke Taylor" userId="cb809024d88b5de5" providerId="LiveId" clId="{64E839F8-BAE3-4197-B080-5F39667F52ED}" dt="2017-12-14T19:15:17.039" v="2609"/>
         <pc:sldMkLst>
           <pc:docMk/>
           <pc:sldMk cId="2401087165" sldId="271"/>
         </pc:sldMkLst>
         <pc:spChg chg="del">
-          <ac:chgData name="Brooke Taylor" userId="cb809024d88b5de5" providerId="LiveId" clId="{64E839F8-BAE3-4197-B080-5F39667F52ED}" dt="2017-12-13T03:28:30.844" v="611"/>
+          <ac:chgData name="Brooke Taylor" userId="cb809024d88b5de5" providerId="LiveId" clId="{64E839F8-BAE3-4197-B080-5F39667F52ED}" dt="2017-12-13T03:28:30.844" v="611" actId="20577"/>
           <ac:spMkLst>
             <pc:docMk/>
             <pc:sldMk cId="2401087165" sldId="271"/>
@@ -702,7 +758,7 @@
           </ac:spMkLst>
         </pc:spChg>
         <pc:spChg chg="del">
-          <ac:chgData name="Brooke Taylor" userId="cb809024d88b5de5" providerId="LiveId" clId="{64E839F8-BAE3-4197-B080-5F39667F52ED}" dt="2017-12-13T03:28:30.844" v="611"/>
+          <ac:chgData name="Brooke Taylor" userId="cb809024d88b5de5" providerId="LiveId" clId="{64E839F8-BAE3-4197-B080-5F39667F52ED}" dt="2017-12-13T03:28:30.844" v="611" actId="20577"/>
           <ac:spMkLst>
             <pc:docMk/>
             <pc:sldMk cId="2401087165" sldId="271"/>
@@ -718,7 +774,7 @@
           </ac:spMkLst>
         </pc:spChg>
         <pc:spChg chg="add del mod">
-          <ac:chgData name="Brooke Taylor" userId="cb809024d88b5de5" providerId="LiveId" clId="{64E839F8-BAE3-4197-B080-5F39667F52ED}" dt="2017-12-13T05:16:41.757" v="2182"/>
+          <ac:chgData name="Brooke Taylor" userId="cb809024d88b5de5" providerId="LiveId" clId="{64E839F8-BAE3-4197-B080-5F39667F52ED}" dt="2017-12-13T05:16:41.757" v="2182" actId="20577"/>
           <ac:spMkLst>
             <pc:docMk/>
             <pc:sldMk cId="2401087165" sldId="271"/>
@@ -726,7 +782,7 @@
           </ac:spMkLst>
         </pc:spChg>
         <pc:spChg chg="add del mod">
-          <ac:chgData name="Brooke Taylor" userId="cb809024d88b5de5" providerId="LiveId" clId="{64E839F8-BAE3-4197-B080-5F39667F52ED}" dt="2017-12-13T05:16:41.757" v="2182"/>
+          <ac:chgData name="Brooke Taylor" userId="cb809024d88b5de5" providerId="LiveId" clId="{64E839F8-BAE3-4197-B080-5F39667F52ED}" dt="2017-12-13T05:16:41.757" v="2182" actId="20577"/>
           <ac:spMkLst>
             <pc:docMk/>
             <pc:sldMk cId="2401087165" sldId="271"/>
@@ -734,7 +790,7 @@
           </ac:spMkLst>
         </pc:spChg>
         <pc:spChg chg="add mod">
-          <ac:chgData name="Brooke Taylor" userId="cb809024d88b5de5" providerId="LiveId" clId="{64E839F8-BAE3-4197-B080-5F39667F52ED}" dt="2017-12-13T05:16:41.757" v="2182"/>
+          <ac:chgData name="Brooke Taylor" userId="cb809024d88b5de5" providerId="LiveId" clId="{64E839F8-BAE3-4197-B080-5F39667F52ED}" dt="2017-12-13T05:16:41.757" v="2182" actId="20577"/>
           <ac:spMkLst>
             <pc:docMk/>
             <pc:sldMk cId="2401087165" sldId="271"/>
@@ -742,8 +798,8 @@
           </ac:spMkLst>
         </pc:spChg>
       </pc:sldChg>
-      <pc:sldChg chg="addSp delSp modSp add modNotesTx">
-        <pc:chgData name="Brooke Taylor" userId="cb809024d88b5de5" providerId="LiveId" clId="{64E839F8-BAE3-4197-B080-5F39667F52ED}" dt="2017-12-13T05:23:06.024" v="2421" actId="1076"/>
+      <pc:sldChg chg="addSp delSp modSp add modTransition modNotesTx">
+        <pc:chgData name="Brooke Taylor" userId="cb809024d88b5de5" providerId="LiveId" clId="{64E839F8-BAE3-4197-B080-5F39667F52ED}" dt="2017-12-14T19:15:17.039" v="2609"/>
         <pc:sldMkLst>
           <pc:docMk/>
           <pc:sldMk cId="518891357" sldId="272"/>
@@ -765,7 +821,7 @@
           </ac:spMkLst>
         </pc:spChg>
         <pc:spChg chg="add del mod">
-          <ac:chgData name="Brooke Taylor" userId="cb809024d88b5de5" providerId="LiveId" clId="{64E839F8-BAE3-4197-B080-5F39667F52ED}" dt="2017-12-13T05:16:39.741" v="2179"/>
+          <ac:chgData name="Brooke Taylor" userId="cb809024d88b5de5" providerId="LiveId" clId="{64E839F8-BAE3-4197-B080-5F39667F52ED}" dt="2017-12-13T05:16:39.741" v="2179" actId="1076"/>
           <ac:spMkLst>
             <pc:docMk/>
             <pc:sldMk cId="518891357" sldId="272"/>
@@ -773,7 +829,7 @@
           </ac:spMkLst>
         </pc:spChg>
         <pc:spChg chg="add del mod">
-          <ac:chgData name="Brooke Taylor" userId="cb809024d88b5de5" providerId="LiveId" clId="{64E839F8-BAE3-4197-B080-5F39667F52ED}" dt="2017-12-13T05:16:39.741" v="2179"/>
+          <ac:chgData name="Brooke Taylor" userId="cb809024d88b5de5" providerId="LiveId" clId="{64E839F8-BAE3-4197-B080-5F39667F52ED}" dt="2017-12-13T05:16:39.741" v="2179" actId="1076"/>
           <ac:spMkLst>
             <pc:docMk/>
             <pc:sldMk cId="518891357" sldId="272"/>
@@ -797,7 +853,7 @@
           </ac:picMkLst>
         </pc:picChg>
         <pc:picChg chg="add del mod">
-          <ac:chgData name="Brooke Taylor" userId="cb809024d88b5de5" providerId="LiveId" clId="{64E839F8-BAE3-4197-B080-5F39667F52ED}" dt="2017-12-13T05:23:00.544" v="2420"/>
+          <ac:chgData name="Brooke Taylor" userId="cb809024d88b5de5" providerId="LiveId" clId="{64E839F8-BAE3-4197-B080-5F39667F52ED}" dt="2017-12-13T05:23:00.544" v="2420" actId="1076"/>
           <ac:picMkLst>
             <pc:docMk/>
             <pc:sldMk cId="518891357" sldId="272"/>
@@ -805,8 +861,8 @@
           </ac:picMkLst>
         </pc:picChg>
       </pc:sldChg>
-      <pc:sldChg chg="addSp delSp modSp add modNotesTx">
-        <pc:chgData name="Brooke Taylor" userId="cb809024d88b5de5" providerId="LiveId" clId="{64E839F8-BAE3-4197-B080-5F39667F52ED}" dt="2017-12-13T05:21:41.977" v="2386" actId="313"/>
+      <pc:sldChg chg="addSp delSp modSp add modTransition modNotesTx">
+        <pc:chgData name="Brooke Taylor" userId="cb809024d88b5de5" providerId="LiveId" clId="{64E839F8-BAE3-4197-B080-5F39667F52ED}" dt="2017-12-14T19:15:17.039" v="2609"/>
         <pc:sldMkLst>
           <pc:docMk/>
           <pc:sldMk cId="3709083137" sldId="273"/>
@@ -828,7 +884,7 @@
           </ac:spMkLst>
         </pc:spChg>
         <pc:spChg chg="add del mod">
-          <ac:chgData name="Brooke Taylor" userId="cb809024d88b5de5" providerId="LiveId" clId="{64E839F8-BAE3-4197-B080-5F39667F52ED}" dt="2017-12-13T05:16:35.136" v="2175"/>
+          <ac:chgData name="Brooke Taylor" userId="cb809024d88b5de5" providerId="LiveId" clId="{64E839F8-BAE3-4197-B080-5F39667F52ED}" dt="2017-12-13T05:16:35.136" v="2175" actId="313"/>
           <ac:spMkLst>
             <pc:docMk/>
             <pc:sldMk cId="3709083137" sldId="273"/>
@@ -836,7 +892,7 @@
           </ac:spMkLst>
         </pc:spChg>
         <pc:spChg chg="add del mod">
-          <ac:chgData name="Brooke Taylor" userId="cb809024d88b5de5" providerId="LiveId" clId="{64E839F8-BAE3-4197-B080-5F39667F52ED}" dt="2017-12-13T05:16:35.136" v="2175"/>
+          <ac:chgData name="Brooke Taylor" userId="cb809024d88b5de5" providerId="LiveId" clId="{64E839F8-BAE3-4197-B080-5F39667F52ED}" dt="2017-12-13T05:16:35.136" v="2175" actId="313"/>
           <ac:spMkLst>
             <pc:docMk/>
             <pc:sldMk cId="3709083137" sldId="273"/>
@@ -860,7 +916,7 @@
           </ac:picMkLst>
         </pc:picChg>
         <pc:picChg chg="add del">
-          <ac:chgData name="Brooke Taylor" userId="cb809024d88b5de5" providerId="LiveId" clId="{64E839F8-BAE3-4197-B080-5F39667F52ED}" dt="2017-12-13T05:04:59.437" v="1886"/>
+          <ac:chgData name="Brooke Taylor" userId="cb809024d88b5de5" providerId="LiveId" clId="{64E839F8-BAE3-4197-B080-5F39667F52ED}" dt="2017-12-13T05:04:59.437" v="1886" actId="313"/>
           <ac:picMkLst>
             <pc:docMk/>
             <pc:sldMk cId="3709083137" sldId="273"/>
@@ -868,8 +924,8 @@
           </ac:picMkLst>
         </pc:picChg>
       </pc:sldChg>
-      <pc:sldChg chg="addSp delSp modSp add ord modNotesTx">
-        <pc:chgData name="Brooke Taylor" userId="cb809024d88b5de5" providerId="LiveId" clId="{64E839F8-BAE3-4197-B080-5F39667F52ED}" dt="2017-12-13T05:21:57.519" v="2389" actId="1076"/>
+      <pc:sldChg chg="addSp delSp modSp add ord modTransition modNotesTx">
+        <pc:chgData name="Brooke Taylor" userId="cb809024d88b5de5" providerId="LiveId" clId="{64E839F8-BAE3-4197-B080-5F39667F52ED}" dt="2017-12-14T19:15:17.039" v="2609"/>
         <pc:sldMkLst>
           <pc:docMk/>
           <pc:sldMk cId="3163671574" sldId="274"/>
@@ -883,7 +939,7 @@
           </ac:spMkLst>
         </pc:spChg>
         <pc:spChg chg="del">
-          <ac:chgData name="Brooke Taylor" userId="cb809024d88b5de5" providerId="LiveId" clId="{64E839F8-BAE3-4197-B080-5F39667F52ED}" dt="2017-12-13T05:16:34.434" v="2174"/>
+          <ac:chgData name="Brooke Taylor" userId="cb809024d88b5de5" providerId="LiveId" clId="{64E839F8-BAE3-4197-B080-5F39667F52ED}" dt="2017-12-13T05:16:34.434" v="2174" actId="1076"/>
           <ac:spMkLst>
             <pc:docMk/>
             <pc:sldMk cId="3163671574" sldId="274"/>
@@ -891,7 +947,7 @@
           </ac:spMkLst>
         </pc:spChg>
         <pc:spChg chg="add del mod">
-          <ac:chgData name="Brooke Taylor" userId="cb809024d88b5de5" providerId="LiveId" clId="{64E839F8-BAE3-4197-B080-5F39667F52ED}" dt="2017-12-13T05:16:34.434" v="2174"/>
+          <ac:chgData name="Brooke Taylor" userId="cb809024d88b5de5" providerId="LiveId" clId="{64E839F8-BAE3-4197-B080-5F39667F52ED}" dt="2017-12-13T05:16:34.434" v="2174" actId="1076"/>
           <ac:spMkLst>
             <pc:docMk/>
             <pc:sldMk cId="3163671574" sldId="274"/>
@@ -915,8 +971,8 @@
           </ac:picMkLst>
         </pc:picChg>
       </pc:sldChg>
-      <pc:sldChg chg="addSp delSp modSp add modNotesTx">
-        <pc:chgData name="Brooke Taylor" userId="cb809024d88b5de5" providerId="LiveId" clId="{64E839F8-BAE3-4197-B080-5F39667F52ED}" dt="2017-12-13T05:30:00.966" v="2565" actId="12788"/>
+      <pc:sldChg chg="addSp delSp modSp add modTransition modNotesTx">
+        <pc:chgData name="Brooke Taylor" userId="cb809024d88b5de5" providerId="LiveId" clId="{64E839F8-BAE3-4197-B080-5F39667F52ED}" dt="2017-12-14T19:15:17.039" v="2609"/>
         <pc:sldMkLst>
           <pc:docMk/>
           <pc:sldMk cId="3749200995" sldId="275"/>
@@ -930,7 +986,7 @@
           </ac:spMkLst>
         </pc:spChg>
         <pc:spChg chg="del">
-          <ac:chgData name="Brooke Taylor" userId="cb809024d88b5de5" providerId="LiveId" clId="{64E839F8-BAE3-4197-B080-5F39667F52ED}" dt="2017-12-13T05:16:40.372" v="2180"/>
+          <ac:chgData name="Brooke Taylor" userId="cb809024d88b5de5" providerId="LiveId" clId="{64E839F8-BAE3-4197-B080-5F39667F52ED}" dt="2017-12-13T05:16:40.372" v="2180" actId="12788"/>
           <ac:spMkLst>
             <pc:docMk/>
             <pc:sldMk cId="3749200995" sldId="275"/>
@@ -938,7 +994,7 @@
           </ac:spMkLst>
         </pc:spChg>
         <pc:spChg chg="add del mod">
-          <ac:chgData name="Brooke Taylor" userId="cb809024d88b5de5" providerId="LiveId" clId="{64E839F8-BAE3-4197-B080-5F39667F52ED}" dt="2017-12-13T05:16:40.372" v="2180"/>
+          <ac:chgData name="Brooke Taylor" userId="cb809024d88b5de5" providerId="LiveId" clId="{64E839F8-BAE3-4197-B080-5F39667F52ED}" dt="2017-12-13T05:16:40.372" v="2180" actId="12788"/>
           <ac:spMkLst>
             <pc:docMk/>
             <pc:sldMk cId="3749200995" sldId="275"/>
@@ -962,8 +1018,8 @@
           </ac:picMkLst>
         </pc:picChg>
       </pc:sldChg>
-      <pc:sldChg chg="addSp delSp modSp add modNotesTx">
-        <pc:chgData name="Brooke Taylor" userId="cb809024d88b5de5" providerId="LiveId" clId="{64E839F8-BAE3-4197-B080-5F39667F52ED}" dt="2017-12-13T05:16:43.311" v="2183"/>
+      <pc:sldChg chg="addSp delSp modSp add modTransition modNotesTx">
+        <pc:chgData name="Brooke Taylor" userId="cb809024d88b5de5" providerId="LiveId" clId="{64E839F8-BAE3-4197-B080-5F39667F52ED}" dt="2017-12-14T19:19:36.872" v="2625" actId="15"/>
         <pc:sldMkLst>
           <pc:docMk/>
           <pc:sldMk cId="3041520044" sldId="276"/>
@@ -977,7 +1033,7 @@
           </ac:spMkLst>
         </pc:spChg>
         <pc:spChg chg="mod">
-          <ac:chgData name="Brooke Taylor" userId="cb809024d88b5de5" providerId="LiveId" clId="{64E839F8-BAE3-4197-B080-5F39667F52ED}" dt="2017-12-13T03:36:15.032" v="938" actId="20577"/>
+          <ac:chgData name="Brooke Taylor" userId="cb809024d88b5de5" providerId="LiveId" clId="{64E839F8-BAE3-4197-B080-5F39667F52ED}" dt="2017-12-14T19:19:36.872" v="2625" actId="15"/>
           <ac:spMkLst>
             <pc:docMk/>
             <pc:sldMk cId="3041520044" sldId="276"/>
@@ -985,7 +1041,7 @@
           </ac:spMkLst>
         </pc:spChg>
         <pc:spChg chg="add del mod">
-          <ac:chgData name="Brooke Taylor" userId="cb809024d88b5de5" providerId="LiveId" clId="{64E839F8-BAE3-4197-B080-5F39667F52ED}" dt="2017-12-13T05:16:43.311" v="2183"/>
+          <ac:chgData name="Brooke Taylor" userId="cb809024d88b5de5" providerId="LiveId" clId="{64E839F8-BAE3-4197-B080-5F39667F52ED}" dt="2017-12-13T05:16:43.311" v="2183" actId="20577"/>
           <ac:spMkLst>
             <pc:docMk/>
             <pc:sldMk cId="3041520044" sldId="276"/>
@@ -993,7 +1049,7 @@
           </ac:spMkLst>
         </pc:spChg>
         <pc:spChg chg="add del mod">
-          <ac:chgData name="Brooke Taylor" userId="cb809024d88b5de5" providerId="LiveId" clId="{64E839F8-BAE3-4197-B080-5F39667F52ED}" dt="2017-12-13T05:16:43.311" v="2183"/>
+          <ac:chgData name="Brooke Taylor" userId="cb809024d88b5de5" providerId="LiveId" clId="{64E839F8-BAE3-4197-B080-5F39667F52ED}" dt="2017-12-13T05:16:43.311" v="2183" actId="20577"/>
           <ac:spMkLst>
             <pc:docMk/>
             <pc:sldMk cId="3041520044" sldId="276"/>
@@ -1001,8 +1057,8 @@
           </ac:spMkLst>
         </pc:spChg>
       </pc:sldChg>
-      <pc:sldChg chg="modSp add">
-        <pc:chgData name="Brooke Taylor" userId="cb809024d88b5de5" providerId="LiveId" clId="{64E839F8-BAE3-4197-B080-5F39667F52ED}" dt="2017-12-13T04:24:11.115" v="1549" actId="20577"/>
+      <pc:sldChg chg="modSp add modTransition">
+        <pc:chgData name="Brooke Taylor" userId="cb809024d88b5de5" providerId="LiveId" clId="{64E839F8-BAE3-4197-B080-5F39667F52ED}" dt="2017-12-14T19:15:17.039" v="2609"/>
         <pc:sldMkLst>
           <pc:docMk/>
           <pc:sldMk cId="1675900481" sldId="277"/>
@@ -1016,14 +1072,14 @@
           </ac:spMkLst>
         </pc:spChg>
       </pc:sldChg>
-      <pc:sldChg chg="addSp delSp modSp add modNotesTx">
-        <pc:chgData name="Brooke Taylor" userId="cb809024d88b5de5" providerId="LiveId" clId="{64E839F8-BAE3-4197-B080-5F39667F52ED}" dt="2017-12-13T05:18:34.616" v="2218" actId="1036"/>
+      <pc:sldChg chg="addSp delSp modSp add modTransition modNotesTx">
+        <pc:chgData name="Brooke Taylor" userId="cb809024d88b5de5" providerId="LiveId" clId="{64E839F8-BAE3-4197-B080-5F39667F52ED}" dt="2017-12-14T19:15:17.039" v="2609"/>
         <pc:sldMkLst>
           <pc:docMk/>
           <pc:sldMk cId="687624691" sldId="278"/>
         </pc:sldMkLst>
         <pc:spChg chg="del">
-          <ac:chgData name="Brooke Taylor" userId="cb809024d88b5de5" providerId="LiveId" clId="{64E839F8-BAE3-4197-B080-5F39667F52ED}" dt="2017-12-13T03:50:17.272" v="1111"/>
+          <ac:chgData name="Brooke Taylor" userId="cb809024d88b5de5" providerId="LiveId" clId="{64E839F8-BAE3-4197-B080-5F39667F52ED}" dt="2017-12-13T03:50:17.272" v="1111" actId="1036"/>
           <ac:spMkLst>
             <pc:docMk/>
             <pc:sldMk cId="687624691" sldId="278"/>
@@ -1031,7 +1087,7 @@
           </ac:spMkLst>
         </pc:spChg>
         <pc:spChg chg="del">
-          <ac:chgData name="Brooke Taylor" userId="cb809024d88b5de5" providerId="LiveId" clId="{64E839F8-BAE3-4197-B080-5F39667F52ED}" dt="2017-12-13T03:50:17.272" v="1111"/>
+          <ac:chgData name="Brooke Taylor" userId="cb809024d88b5de5" providerId="LiveId" clId="{64E839F8-BAE3-4197-B080-5F39667F52ED}" dt="2017-12-13T03:50:17.272" v="1111" actId="1036"/>
           <ac:spMkLst>
             <pc:docMk/>
             <pc:sldMk cId="687624691" sldId="278"/>
@@ -1063,7 +1119,7 @@
           </ac:spMkLst>
         </pc:spChg>
         <pc:spChg chg="add del mod">
-          <ac:chgData name="Brooke Taylor" userId="cb809024d88b5de5" providerId="LiveId" clId="{64E839F8-BAE3-4197-B080-5F39667F52ED}" dt="2017-12-13T04:25:44.643" v="1565"/>
+          <ac:chgData name="Brooke Taylor" userId="cb809024d88b5de5" providerId="LiveId" clId="{64E839F8-BAE3-4197-B080-5F39667F52ED}" dt="2017-12-13T04:25:44.643" v="1565" actId="1036"/>
           <ac:spMkLst>
             <pc:docMk/>
             <pc:sldMk cId="687624691" sldId="278"/>
@@ -1071,7 +1127,7 @@
           </ac:spMkLst>
         </pc:spChg>
         <pc:spChg chg="add del mod">
-          <ac:chgData name="Brooke Taylor" userId="cb809024d88b5de5" providerId="LiveId" clId="{64E839F8-BAE3-4197-B080-5F39667F52ED}" dt="2017-12-13T04:25:44.643" v="1565"/>
+          <ac:chgData name="Brooke Taylor" userId="cb809024d88b5de5" providerId="LiveId" clId="{64E839F8-BAE3-4197-B080-5F39667F52ED}" dt="2017-12-13T04:25:44.643" v="1565" actId="1036"/>
           <ac:spMkLst>
             <pc:docMk/>
             <pc:sldMk cId="687624691" sldId="278"/>
@@ -1079,7 +1135,7 @@
           </ac:spMkLst>
         </pc:spChg>
         <pc:spChg chg="add del mod">
-          <ac:chgData name="Brooke Taylor" userId="cb809024d88b5de5" providerId="LiveId" clId="{64E839F8-BAE3-4197-B080-5F39667F52ED}" dt="2017-12-13T05:16:23.332" v="2170"/>
+          <ac:chgData name="Brooke Taylor" userId="cb809024d88b5de5" providerId="LiveId" clId="{64E839F8-BAE3-4197-B080-5F39667F52ED}" dt="2017-12-13T05:16:23.332" v="2170" actId="1036"/>
           <ac:spMkLst>
             <pc:docMk/>
             <pc:sldMk cId="687624691" sldId="278"/>
@@ -1087,7 +1143,7 @@
           </ac:spMkLst>
         </pc:spChg>
         <pc:spChg chg="add del mod">
-          <ac:chgData name="Brooke Taylor" userId="cb809024d88b5de5" providerId="LiveId" clId="{64E839F8-BAE3-4197-B080-5F39667F52ED}" dt="2017-12-13T05:16:23.332" v="2170"/>
+          <ac:chgData name="Brooke Taylor" userId="cb809024d88b5de5" providerId="LiveId" clId="{64E839F8-BAE3-4197-B080-5F39667F52ED}" dt="2017-12-13T05:16:23.332" v="2170" actId="1036"/>
           <ac:spMkLst>
             <pc:docMk/>
             <pc:sldMk cId="687624691" sldId="278"/>
@@ -1095,7 +1151,7 @@
           </ac:spMkLst>
         </pc:spChg>
         <pc:spChg chg="add del mod">
-          <ac:chgData name="Brooke Taylor" userId="cb809024d88b5de5" providerId="LiveId" clId="{64E839F8-BAE3-4197-B080-5F39667F52ED}" dt="2017-12-13T05:18:24.743" v="2208"/>
+          <ac:chgData name="Brooke Taylor" userId="cb809024d88b5de5" providerId="LiveId" clId="{64E839F8-BAE3-4197-B080-5F39667F52ED}" dt="2017-12-13T05:18:24.743" v="2208" actId="1036"/>
           <ac:spMkLst>
             <pc:docMk/>
             <pc:sldMk cId="687624691" sldId="278"/>
@@ -1103,7 +1159,7 @@
           </ac:spMkLst>
         </pc:spChg>
         <pc:spChg chg="add del mod">
-          <ac:chgData name="Brooke Taylor" userId="cb809024d88b5de5" providerId="LiveId" clId="{64E839F8-BAE3-4197-B080-5F39667F52ED}" dt="2017-12-13T05:18:24.743" v="2208"/>
+          <ac:chgData name="Brooke Taylor" userId="cb809024d88b5de5" providerId="LiveId" clId="{64E839F8-BAE3-4197-B080-5F39667F52ED}" dt="2017-12-13T05:18:24.743" v="2208" actId="1036"/>
           <ac:spMkLst>
             <pc:docMk/>
             <pc:sldMk cId="687624691" sldId="278"/>
@@ -1127,8 +1183,8 @@
           </ac:picMkLst>
         </pc:picChg>
       </pc:sldChg>
-      <pc:sldChg chg="addSp delSp modSp add modNotesTx">
-        <pc:chgData name="Brooke Taylor" userId="cb809024d88b5de5" providerId="LiveId" clId="{64E839F8-BAE3-4197-B080-5F39667F52ED}" dt="2017-12-13T05:33:37.537" v="2608" actId="20577"/>
+      <pc:sldChg chg="addSp delSp modSp add modTransition modNotesTx">
+        <pc:chgData name="Brooke Taylor" userId="cb809024d88b5de5" providerId="LiveId" clId="{64E839F8-BAE3-4197-B080-5F39667F52ED}" dt="2017-12-14T19:15:17.039" v="2609"/>
         <pc:sldMkLst>
           <pc:docMk/>
           <pc:sldMk cId="649205620" sldId="279"/>
@@ -1150,7 +1206,7 @@
           </ac:spMkLst>
         </pc:spChg>
         <pc:spChg chg="add del mod">
-          <ac:chgData name="Brooke Taylor" userId="cb809024d88b5de5" providerId="LiveId" clId="{64E839F8-BAE3-4197-B080-5F39667F52ED}" dt="2017-12-13T05:16:26.263" v="2172"/>
+          <ac:chgData name="Brooke Taylor" userId="cb809024d88b5de5" providerId="LiveId" clId="{64E839F8-BAE3-4197-B080-5F39667F52ED}" dt="2017-12-13T05:16:26.263" v="2172" actId="20577"/>
           <ac:spMkLst>
             <pc:docMk/>
             <pc:sldMk cId="649205620" sldId="279"/>
@@ -1158,7 +1214,7 @@
           </ac:spMkLst>
         </pc:spChg>
         <pc:spChg chg="add del mod">
-          <ac:chgData name="Brooke Taylor" userId="cb809024d88b5de5" providerId="LiveId" clId="{64E839F8-BAE3-4197-B080-5F39667F52ED}" dt="2017-12-13T05:16:26.263" v="2172"/>
+          <ac:chgData name="Brooke Taylor" userId="cb809024d88b5de5" providerId="LiveId" clId="{64E839F8-BAE3-4197-B080-5F39667F52ED}" dt="2017-12-13T05:16:26.263" v="2172" actId="20577"/>
           <ac:spMkLst>
             <pc:docMk/>
             <pc:sldMk cId="649205620" sldId="279"/>
@@ -1166,8 +1222,8 @@
           </ac:spMkLst>
         </pc:spChg>
       </pc:sldChg>
-      <pc:sldChg chg="addSp delSp modSp add modNotesTx">
-        <pc:chgData name="Brooke Taylor" userId="cb809024d88b5de5" providerId="LiveId" clId="{64E839F8-BAE3-4197-B080-5F39667F52ED}" dt="2017-12-13T05:32:45.661" v="2592" actId="20577"/>
+      <pc:sldChg chg="addSp delSp modSp add modTransition modNotesTx">
+        <pc:chgData name="Brooke Taylor" userId="cb809024d88b5de5" providerId="LiveId" clId="{64E839F8-BAE3-4197-B080-5F39667F52ED}" dt="2017-12-14T19:15:17.039" v="2609"/>
         <pc:sldMkLst>
           <pc:docMk/>
           <pc:sldMk cId="2117871772" sldId="280"/>
@@ -1181,7 +1237,7 @@
           </ac:spMkLst>
         </pc:spChg>
         <pc:spChg chg="del">
-          <ac:chgData name="Brooke Taylor" userId="cb809024d88b5de5" providerId="LiveId" clId="{64E839F8-BAE3-4197-B080-5F39667F52ED}" dt="2017-12-13T05:16:40.992" v="2181"/>
+          <ac:chgData name="Brooke Taylor" userId="cb809024d88b5de5" providerId="LiveId" clId="{64E839F8-BAE3-4197-B080-5F39667F52ED}" dt="2017-12-13T05:16:40.992" v="2181" actId="20577"/>
           <ac:spMkLst>
             <pc:docMk/>
             <pc:sldMk cId="2117871772" sldId="280"/>
@@ -1189,7 +1245,7 @@
           </ac:spMkLst>
         </pc:spChg>
         <pc:spChg chg="add del mod">
-          <ac:chgData name="Brooke Taylor" userId="cb809024d88b5de5" providerId="LiveId" clId="{64E839F8-BAE3-4197-B080-5F39667F52ED}" dt="2017-12-13T05:16:40.992" v="2181"/>
+          <ac:chgData name="Brooke Taylor" userId="cb809024d88b5de5" providerId="LiveId" clId="{64E839F8-BAE3-4197-B080-5F39667F52ED}" dt="2017-12-13T05:16:40.992" v="2181" actId="20577"/>
           <ac:spMkLst>
             <pc:docMk/>
             <pc:sldMk cId="2117871772" sldId="280"/>
@@ -1213,14 +1269,14 @@
           </ac:picMkLst>
         </pc:picChg>
       </pc:sldChg>
-      <pc:sldChg chg="addSp delSp modSp add ord">
-        <pc:chgData name="Brooke Taylor" userId="cb809024d88b5de5" providerId="LiveId" clId="{64E839F8-BAE3-4197-B080-5F39667F52ED}" dt="2017-12-13T05:17:05.243" v="2188" actId="12788"/>
+      <pc:sldChg chg="addSp delSp modSp add ord modTransition">
+        <pc:chgData name="Brooke Taylor" userId="cb809024d88b5de5" providerId="LiveId" clId="{64E839F8-BAE3-4197-B080-5F39667F52ED}" dt="2017-12-14T19:15:17.039" v="2609"/>
         <pc:sldMkLst>
           <pc:docMk/>
           <pc:sldMk cId="118655642" sldId="281"/>
         </pc:sldMkLst>
         <pc:spChg chg="add del mod">
-          <ac:chgData name="Brooke Taylor" userId="cb809024d88b5de5" providerId="LiveId" clId="{64E839F8-BAE3-4197-B080-5F39667F52ED}" dt="2017-12-13T05:16:21.569" v="2169"/>
+          <ac:chgData name="Brooke Taylor" userId="cb809024d88b5de5" providerId="LiveId" clId="{64E839F8-BAE3-4197-B080-5F39667F52ED}" dt="2017-12-13T05:16:21.569" v="2169" actId="12788"/>
           <ac:spMkLst>
             <pc:docMk/>
             <pc:sldMk cId="118655642" sldId="281"/>
@@ -1228,7 +1284,7 @@
           </ac:spMkLst>
         </pc:spChg>
         <pc:spChg chg="add del mod">
-          <ac:chgData name="Brooke Taylor" userId="cb809024d88b5de5" providerId="LiveId" clId="{64E839F8-BAE3-4197-B080-5F39667F52ED}" dt="2017-12-13T05:16:21.569" v="2169"/>
+          <ac:chgData name="Brooke Taylor" userId="cb809024d88b5de5" providerId="LiveId" clId="{64E839F8-BAE3-4197-B080-5F39667F52ED}" dt="2017-12-13T05:16:21.569" v="2169" actId="12788"/>
           <ac:spMkLst>
             <pc:docMk/>
             <pc:sldMk cId="118655642" sldId="281"/>
@@ -1260,8 +1316,8 @@
           </ac:picMkLst>
         </pc:picChg>
       </pc:sldChg>
-      <pc:sldChg chg="addSp delSp modSp add modNotesTx">
-        <pc:chgData name="Brooke Taylor" userId="cb809024d88b5de5" providerId="LiveId" clId="{64E839F8-BAE3-4197-B080-5F39667F52ED}" dt="2017-12-13T05:32:29.307" v="2586" actId="20577"/>
+      <pc:sldChg chg="addSp delSp modSp add modTransition modNotesTx">
+        <pc:chgData name="Brooke Taylor" userId="cb809024d88b5de5" providerId="LiveId" clId="{64E839F8-BAE3-4197-B080-5F39667F52ED}" dt="2017-12-14T19:15:17.039" v="2609"/>
         <pc:sldMkLst>
           <pc:docMk/>
           <pc:sldMk cId="1504402160" sldId="282"/>
@@ -1435,7 +1491,7 @@
           <a:p>
             <a:fld id="{40C55673-2846-4F05-BA30-652B17DACF9E}" type="datetimeFigureOut">
               <a:rPr lang="en-US" smtClean="0"/>
-              <a:t>12/12/2017</a:t>
+              <a:t>12/14/2017</a:t>
             </a:fld>
             <a:endParaRPr lang="en-US"/>
           </a:p>
@@ -2446,6 +2502,24 @@
             <a:r>
               <a:rPr lang="en-US" dirty="0"/>
               <a:t>Ben, et. al.</a:t>
+            </a:r>
+          </a:p>
+          <a:p>
+            <a:r>
+              <a:rPr lang="en-US" dirty="0"/>
+              <a:t>Which events occurred in that year</a:t>
+            </a:r>
+          </a:p>
+          <a:p>
+            <a:r>
+              <a:rPr lang="en-US" dirty="0"/>
+              <a:t>How one event changed political opinions</a:t>
+            </a:r>
+          </a:p>
+          <a:p>
+            <a:r>
+              <a:rPr lang="en-US" dirty="0"/>
+              <a:t>How often does each candidate win</a:t>
             </a:r>
           </a:p>
         </p:txBody>
@@ -3688,7 +3762,7 @@
           <a:p>
             <a:fld id="{293A057B-733E-4B68-9481-D602CC5F4E3A}" type="datetimeFigureOut">
               <a:rPr lang="en-US" smtClean="0"/>
-              <a:t>12/12/2017</a:t>
+              <a:t>12/14/2017</a:t>
             </a:fld>
             <a:endParaRPr lang="en-US"/>
           </a:p>
@@ -3984,7 +4058,7 @@
           <a:p>
             <a:fld id="{293A057B-733E-4B68-9481-D602CC5F4E3A}" type="datetimeFigureOut">
               <a:rPr lang="en-US" smtClean="0"/>
-              <a:t>12/12/2017</a:t>
+              <a:t>12/14/2017</a:t>
             </a:fld>
             <a:endParaRPr lang="en-US"/>
           </a:p>
@@ -4232,7 +4306,7 @@
           <a:p>
             <a:fld id="{293A057B-733E-4B68-9481-D602CC5F4E3A}" type="datetimeFigureOut">
               <a:rPr lang="en-US" smtClean="0"/>
-              <a:t>12/12/2017</a:t>
+              <a:t>12/14/2017</a:t>
             </a:fld>
             <a:endParaRPr lang="en-US"/>
           </a:p>
@@ -4772,7 +4846,7 @@
           <a:p>
             <a:fld id="{293A057B-733E-4B68-9481-D602CC5F4E3A}" type="datetimeFigureOut">
               <a:rPr lang="en-US" smtClean="0"/>
-              <a:t>12/12/2017</a:t>
+              <a:t>12/14/2017</a:t>
             </a:fld>
             <a:endParaRPr lang="en-US"/>
           </a:p>
@@ -5020,7 +5094,7 @@
           <a:p>
             <a:fld id="{293A057B-733E-4B68-9481-D602CC5F4E3A}" type="datetimeFigureOut">
               <a:rPr lang="en-US" smtClean="0"/>
-              <a:t>12/12/2017</a:t>
+              <a:t>12/14/2017</a:t>
             </a:fld>
             <a:endParaRPr lang="en-US"/>
           </a:p>
@@ -5552,7 +5626,7 @@
           <a:p>
             <a:fld id="{293A057B-733E-4B68-9481-D602CC5F4E3A}" type="datetimeFigureOut">
               <a:rPr lang="en-US" smtClean="0"/>
-              <a:t>12/12/2017</a:t>
+              <a:t>12/14/2017</a:t>
             </a:fld>
             <a:endParaRPr lang="en-US"/>
           </a:p>
@@ -5849,7 +5923,7 @@
           <a:p>
             <a:fld id="{293A057B-733E-4B68-9481-D602CC5F4E3A}" type="datetimeFigureOut">
               <a:rPr lang="en-US" smtClean="0"/>
-              <a:t>12/12/2017</a:t>
+              <a:t>12/14/2017</a:t>
             </a:fld>
             <a:endParaRPr lang="en-US"/>
           </a:p>
@@ -6023,7 +6097,7 @@
           <a:p>
             <a:fld id="{293A057B-733E-4B68-9481-D602CC5F4E3A}" type="datetimeFigureOut">
               <a:rPr lang="en-US" smtClean="0"/>
-              <a:t>12/12/2017</a:t>
+              <a:t>12/14/2017</a:t>
             </a:fld>
             <a:endParaRPr lang="en-US"/>
           </a:p>
@@ -6203,7 +6277,7 @@
           <a:p>
             <a:fld id="{293A057B-733E-4B68-9481-D602CC5F4E3A}" type="datetimeFigureOut">
               <a:rPr lang="en-US" smtClean="0"/>
-              <a:t>12/12/2017</a:t>
+              <a:t>12/14/2017</a:t>
             </a:fld>
             <a:endParaRPr lang="en-US"/>
           </a:p>
@@ -6411,7 +6485,7 @@
           <a:p>
             <a:fld id="{CC085063-1073-4AF6-BCF3-BD09E594287C}" type="datetimeFigureOut">
               <a:rPr lang="en-US" smtClean="0"/>
-              <a:t>12/12/2017</a:t>
+              <a:t>12/14/2017</a:t>
             </a:fld>
             <a:endParaRPr lang="en-US"/>
           </a:p>
@@ -6609,7 +6683,7 @@
           <a:p>
             <a:fld id="{CC085063-1073-4AF6-BCF3-BD09E594287C}" type="datetimeFigureOut">
               <a:rPr lang="en-US" smtClean="0"/>
-              <a:t>12/12/2017</a:t>
+              <a:t>12/14/2017</a:t>
             </a:fld>
             <a:endParaRPr lang="en-US"/>
           </a:p>
@@ -6800,7 +6874,7 @@
           <a:p>
             <a:fld id="{293A057B-733E-4B68-9481-D602CC5F4E3A}" type="datetimeFigureOut">
               <a:rPr lang="en-US" smtClean="0"/>
-              <a:t>12/12/2017</a:t>
+              <a:t>12/14/2017</a:t>
             </a:fld>
             <a:endParaRPr lang="en-US"/>
           </a:p>
@@ -7068,7 +7142,7 @@
           <a:p>
             <a:fld id="{CC085063-1073-4AF6-BCF3-BD09E594287C}" type="datetimeFigureOut">
               <a:rPr lang="en-US" smtClean="0"/>
-              <a:t>12/12/2017</a:t>
+              <a:t>12/14/2017</a:t>
             </a:fld>
             <a:endParaRPr lang="en-US"/>
           </a:p>
@@ -7333,7 +7407,7 @@
           <a:p>
             <a:fld id="{CC085063-1073-4AF6-BCF3-BD09E594287C}" type="datetimeFigureOut">
               <a:rPr lang="en-US" smtClean="0"/>
-              <a:t>12/12/2017</a:t>
+              <a:t>12/14/2017</a:t>
             </a:fld>
             <a:endParaRPr lang="en-US"/>
           </a:p>
@@ -7745,7 +7819,7 @@
           <a:p>
             <a:fld id="{CC085063-1073-4AF6-BCF3-BD09E594287C}" type="datetimeFigureOut">
               <a:rPr lang="en-US" smtClean="0"/>
-              <a:t>12/12/2017</a:t>
+              <a:t>12/14/2017</a:t>
             </a:fld>
             <a:endParaRPr lang="en-US"/>
           </a:p>
@@ -7886,7 +7960,7 @@
           <a:p>
             <a:fld id="{CC085063-1073-4AF6-BCF3-BD09E594287C}" type="datetimeFigureOut">
               <a:rPr lang="en-US" smtClean="0"/>
-              <a:t>12/12/2017</a:t>
+              <a:t>12/14/2017</a:t>
             </a:fld>
             <a:endParaRPr lang="en-US"/>
           </a:p>
@@ -7999,7 +8073,7 @@
           <a:p>
             <a:fld id="{CC085063-1073-4AF6-BCF3-BD09E594287C}" type="datetimeFigureOut">
               <a:rPr lang="en-US" smtClean="0"/>
-              <a:t>12/12/2017</a:t>
+              <a:t>12/14/2017</a:t>
             </a:fld>
             <a:endParaRPr lang="en-US"/>
           </a:p>
@@ -8310,7 +8384,7 @@
           <a:p>
             <a:fld id="{CC085063-1073-4AF6-BCF3-BD09E594287C}" type="datetimeFigureOut">
               <a:rPr lang="en-US" smtClean="0"/>
-              <a:t>12/12/2017</a:t>
+              <a:t>12/14/2017</a:t>
             </a:fld>
             <a:endParaRPr lang="en-US"/>
           </a:p>
@@ -8598,7 +8672,7 @@
           <a:p>
             <a:fld id="{CC085063-1073-4AF6-BCF3-BD09E594287C}" type="datetimeFigureOut">
               <a:rPr lang="en-US" smtClean="0"/>
-              <a:t>12/12/2017</a:t>
+              <a:t>12/14/2017</a:t>
             </a:fld>
             <a:endParaRPr lang="en-US"/>
           </a:p>
@@ -8796,7 +8870,7 @@
           <a:p>
             <a:fld id="{CC085063-1073-4AF6-BCF3-BD09E594287C}" type="datetimeFigureOut">
               <a:rPr lang="en-US" smtClean="0"/>
-              <a:t>12/12/2017</a:t>
+              <a:t>12/14/2017</a:t>
             </a:fld>
             <a:endParaRPr lang="en-US"/>
           </a:p>
@@ -9004,7 +9078,7 @@
           <a:p>
             <a:fld id="{CC085063-1073-4AF6-BCF3-BD09E594287C}" type="datetimeFigureOut">
               <a:rPr lang="en-US" smtClean="0"/>
-              <a:t>12/12/2017</a:t>
+              <a:t>12/14/2017</a:t>
             </a:fld>
             <a:endParaRPr lang="en-US"/>
           </a:p>
@@ -9264,7 +9338,7 @@
           <a:p>
             <a:fld id="{293A057B-733E-4B68-9481-D602CC5F4E3A}" type="datetimeFigureOut">
               <a:rPr lang="en-US" smtClean="0"/>
-              <a:t>12/12/2017</a:t>
+              <a:t>12/14/2017</a:t>
             </a:fld>
             <a:endParaRPr lang="en-US"/>
           </a:p>
@@ -9561,7 +9635,7 @@
           <a:p>
             <a:fld id="{293A057B-733E-4B68-9481-D602CC5F4E3A}" type="datetimeFigureOut">
               <a:rPr lang="en-US" smtClean="0"/>
-              <a:t>12/12/2017</a:t>
+              <a:t>12/14/2017</a:t>
             </a:fld>
             <a:endParaRPr lang="en-US"/>
           </a:p>
@@ -10003,7 +10077,7 @@
           <a:p>
             <a:fld id="{293A057B-733E-4B68-9481-D602CC5F4E3A}" type="datetimeFigureOut">
               <a:rPr lang="en-US" smtClean="0"/>
-              <a:t>12/12/2017</a:t>
+              <a:t>12/14/2017</a:t>
             </a:fld>
             <a:endParaRPr lang="en-US"/>
           </a:p>
@@ -10121,7 +10195,7 @@
           <a:p>
             <a:fld id="{293A057B-733E-4B68-9481-D602CC5F4E3A}" type="datetimeFigureOut">
               <a:rPr lang="en-US" smtClean="0"/>
-              <a:t>12/12/2017</a:t>
+              <a:t>12/14/2017</a:t>
             </a:fld>
             <a:endParaRPr lang="en-US"/>
           </a:p>
@@ -10216,7 +10290,7 @@
           <a:p>
             <a:fld id="{293A057B-733E-4B68-9481-D602CC5F4E3A}" type="datetimeFigureOut">
               <a:rPr lang="en-US" smtClean="0"/>
-              <a:t>12/12/2017</a:t>
+              <a:t>12/14/2017</a:t>
             </a:fld>
             <a:endParaRPr lang="en-US"/>
           </a:p>
@@ -10499,7 +10573,7 @@
           <a:p>
             <a:fld id="{293A057B-733E-4B68-9481-D602CC5F4E3A}" type="datetimeFigureOut">
               <a:rPr lang="en-US" smtClean="0"/>
-              <a:t>12/12/2017</a:t>
+              <a:t>12/14/2017</a:t>
             </a:fld>
             <a:endParaRPr lang="en-US"/>
           </a:p>
@@ -10790,7 +10864,7 @@
           <a:p>
             <a:fld id="{293A057B-733E-4B68-9481-D602CC5F4E3A}" type="datetimeFigureOut">
               <a:rPr lang="en-US" smtClean="0"/>
-              <a:t>12/12/2017</a:t>
+              <a:t>12/14/2017</a:t>
             </a:fld>
             <a:endParaRPr lang="en-US"/>
           </a:p>
@@ -11320,7 +11394,7 @@
           <a:p>
             <a:fld id="{293A057B-733E-4B68-9481-D602CC5F4E3A}" type="datetimeFigureOut">
               <a:rPr lang="en-US" smtClean="0"/>
-              <a:t>12/12/2017</a:t>
+              <a:t>12/14/2017</a:t>
             </a:fld>
             <a:endParaRPr lang="en-US"/>
           </a:p>
@@ -12026,7 +12100,7 @@
           <a:p>
             <a:fld id="{CC085063-1073-4AF6-BCF3-BD09E594287C}" type="datetimeFigureOut">
               <a:rPr lang="en-US" smtClean="0"/>
-              <a:t>12/12/2017</a:t>
+              <a:t>12/14/2017</a:t>
             </a:fld>
             <a:endParaRPr lang="en-US"/>
           </a:p>
@@ -12544,6 +12618,18 @@
   <p:clrMapOvr>
     <a:masterClrMapping/>
   </p:clrMapOvr>
+  <mc:AlternateContent xmlns:mc="http://schemas.openxmlformats.org/markup-compatibility/2006">
+    <mc:Choice xmlns:p14="http://schemas.microsoft.com/office/powerpoint/2010/main" Requires="p14">
+      <p:transition spd="med" p14:dur="700">
+        <p:fade/>
+      </p:transition>
+    </mc:Choice>
+    <mc:Fallback>
+      <p:transition spd="med">
+        <p:fade/>
+      </p:transition>
+    </mc:Fallback>
+  </mc:AlternateContent>
 </p:sld>
 </file>
 
@@ -12652,6 +12738,18 @@
   <p:clrMapOvr>
     <a:masterClrMapping/>
   </p:clrMapOvr>
+  <mc:AlternateContent xmlns:mc="http://schemas.openxmlformats.org/markup-compatibility/2006">
+    <mc:Choice xmlns:p14="http://schemas.microsoft.com/office/powerpoint/2010/main" Requires="p14">
+      <p:transition spd="med" p14:dur="700">
+        <p:fade/>
+      </p:transition>
+    </mc:Choice>
+    <mc:Fallback>
+      <p:transition spd="med">
+        <p:fade/>
+      </p:transition>
+    </mc:Fallback>
+  </mc:AlternateContent>
 </p:sld>
 </file>
 
@@ -13133,6 +13231,18 @@
   <p:clrMapOvr>
     <a:masterClrMapping/>
   </p:clrMapOvr>
+  <mc:AlternateContent xmlns:mc="http://schemas.openxmlformats.org/markup-compatibility/2006">
+    <mc:Choice xmlns:p14="http://schemas.microsoft.com/office/powerpoint/2010/main" Requires="p14">
+      <p:transition spd="med" p14:dur="700">
+        <p:fade/>
+      </p:transition>
+    </mc:Choice>
+    <mc:Fallback>
+      <p:transition spd="med">
+        <p:fade/>
+      </p:transition>
+    </mc:Fallback>
+  </mc:AlternateContent>
 </p:sld>
 </file>
 
@@ -14290,6 +14400,18 @@
   <p:clrMapOvr>
     <a:masterClrMapping/>
   </p:clrMapOvr>
+  <mc:AlternateContent xmlns:mc="http://schemas.openxmlformats.org/markup-compatibility/2006">
+    <mc:Choice xmlns:p14="http://schemas.microsoft.com/office/powerpoint/2010/main" Requires="p14">
+      <p:transition spd="med" p14:dur="700">
+        <p:fade/>
+      </p:transition>
+    </mc:Choice>
+    <mc:Fallback>
+      <p:transition spd="med">
+        <p:fade/>
+      </p:transition>
+    </mc:Fallback>
+  </mc:AlternateContent>
 </p:sld>
 </file>
 
@@ -17125,6 +17247,18 @@
   <p:clrMapOvr>
     <a:masterClrMapping/>
   </p:clrMapOvr>
+  <mc:AlternateContent xmlns:mc="http://schemas.openxmlformats.org/markup-compatibility/2006">
+    <mc:Choice xmlns:p14="http://schemas.microsoft.com/office/powerpoint/2010/main" Requires="p14">
+      <p:transition spd="med" p14:dur="700">
+        <p:fade/>
+      </p:transition>
+    </mc:Choice>
+    <mc:Fallback>
+      <p:transition spd="med">
+        <p:fade/>
+      </p:transition>
+    </mc:Fallback>
+  </mc:AlternateContent>
 </p:sld>
 </file>
 
@@ -17375,8 +17509,8 @@
           </p:nvSpPr>
           <p:spPr>
             <a:xfrm>
-              <a:off x="5172325" y="1543643"/>
-              <a:ext cx="2847833" cy="4572000"/>
+              <a:off x="4362381" y="1543643"/>
+              <a:ext cx="3657777" cy="4572000"/>
             </a:xfrm>
             <a:prstGeom prst="rect">
               <a:avLst/>
@@ -19148,8 +19282,8 @@
         </p:nvSpPr>
         <p:spPr>
           <a:xfrm>
-            <a:off x="9537290" y="5164370"/>
-            <a:ext cx="1130888" cy="640080"/>
+            <a:off x="9512710" y="5164370"/>
+            <a:ext cx="1155468" cy="640080"/>
           </a:xfrm>
           <a:prstGeom prst="rect">
             <a:avLst/>
@@ -19232,7 +19366,7 @@
         <p:spPr>
           <a:xfrm>
             <a:off x="9055510" y="5804450"/>
-            <a:ext cx="1130710" cy="640080"/>
+            <a:ext cx="1155290" cy="640080"/>
           </a:xfrm>
           <a:prstGeom prst="rect">
             <a:avLst/>
@@ -19960,6 +20094,18 @@
   <p:clrMapOvr>
     <a:masterClrMapping/>
   </p:clrMapOvr>
+  <mc:AlternateContent xmlns:mc="http://schemas.openxmlformats.org/markup-compatibility/2006">
+    <mc:Choice xmlns:p14="http://schemas.microsoft.com/office/powerpoint/2010/main" Requires="p14">
+      <p:transition spd="med" p14:dur="700">
+        <p:fade/>
+      </p:transition>
+    </mc:Choice>
+    <mc:Fallback>
+      <p:transition spd="med">
+        <p:fade/>
+      </p:transition>
+    </mc:Fallback>
+  </mc:AlternateContent>
 </p:sld>
 </file>
 
@@ -20043,6 +20189,18 @@
   <p:clrMapOvr>
     <a:masterClrMapping/>
   </p:clrMapOvr>
+  <mc:AlternateContent xmlns:mc="http://schemas.openxmlformats.org/markup-compatibility/2006">
+    <mc:Choice xmlns:p14="http://schemas.microsoft.com/office/powerpoint/2010/main" Requires="p14">
+      <p:transition spd="med" p14:dur="700">
+        <p:fade/>
+      </p:transition>
+    </mc:Choice>
+    <mc:Fallback>
+      <p:transition spd="med">
+        <p:fade/>
+      </p:transition>
+    </mc:Fallback>
+  </mc:AlternateContent>
 </p:sld>
 </file>
 
@@ -20161,6 +20319,18 @@
   <p:clrMapOvr>
     <a:masterClrMapping/>
   </p:clrMapOvr>
+  <mc:AlternateContent xmlns:mc="http://schemas.openxmlformats.org/markup-compatibility/2006">
+    <mc:Choice xmlns:p14="http://schemas.microsoft.com/office/powerpoint/2010/main" Requires="p14">
+      <p:transition spd="med" p14:dur="700">
+        <p:fade/>
+      </p:transition>
+    </mc:Choice>
+    <mc:Fallback>
+      <p:transition spd="med">
+        <p:fade/>
+      </p:transition>
+    </mc:Fallback>
+  </mc:AlternateContent>
 </p:sld>
 </file>
 
@@ -20249,6 +20419,18 @@
   <p:clrMapOvr>
     <a:masterClrMapping/>
   </p:clrMapOvr>
+  <mc:AlternateContent xmlns:mc="http://schemas.openxmlformats.org/markup-compatibility/2006">
+    <mc:Choice xmlns:p14="http://schemas.microsoft.com/office/powerpoint/2010/main" Requires="p14">
+      <p:transition spd="med" p14:dur="700">
+        <p:fade/>
+      </p:transition>
+    </mc:Choice>
+    <mc:Fallback>
+      <p:transition spd="med">
+        <p:fade/>
+      </p:transition>
+    </mc:Fallback>
+  </mc:AlternateContent>
 </p:sld>
 </file>
 
@@ -20338,6 +20520,18 @@
   <p:clrMapOvr>
     <a:masterClrMapping/>
   </p:clrMapOvr>
+  <mc:AlternateContent xmlns:mc="http://schemas.openxmlformats.org/markup-compatibility/2006">
+    <mc:Choice xmlns:p14="http://schemas.microsoft.com/office/powerpoint/2010/main" Requires="p14">
+      <p:transition spd="med" p14:dur="700">
+        <p:fade/>
+      </p:transition>
+    </mc:Choice>
+    <mc:Fallback>
+      <p:transition spd="med">
+        <p:fade/>
+      </p:transition>
+    </mc:Fallback>
+  </mc:AlternateContent>
 </p:sld>
 </file>
 
@@ -20456,6 +20650,18 @@
   <p:clrMapOvr>
     <a:masterClrMapping/>
   </p:clrMapOvr>
+  <mc:AlternateContent xmlns:mc="http://schemas.openxmlformats.org/markup-compatibility/2006">
+    <mc:Choice xmlns:p14="http://schemas.microsoft.com/office/powerpoint/2010/main" Requires="p14">
+      <p:transition spd="med" p14:dur="700">
+        <p:fade/>
+      </p:transition>
+    </mc:Choice>
+    <mc:Fallback>
+      <p:transition spd="med">
+        <p:fade/>
+      </p:transition>
+    </mc:Fallback>
+  </mc:AlternateContent>
 </p:sld>
 </file>
 
@@ -20539,6 +20745,18 @@
   <p:clrMapOvr>
     <a:masterClrMapping/>
   </p:clrMapOvr>
+  <mc:AlternateContent xmlns:mc="http://schemas.openxmlformats.org/markup-compatibility/2006">
+    <mc:Choice xmlns:p14="http://schemas.microsoft.com/office/powerpoint/2010/main" Requires="p14">
+      <p:transition spd="med" p14:dur="700">
+        <p:fade/>
+      </p:transition>
+    </mc:Choice>
+    <mc:Fallback>
+      <p:transition spd="med">
+        <p:fade/>
+      </p:transition>
+    </mc:Fallback>
+  </mc:AlternateContent>
 </p:sld>
 </file>
 
@@ -20627,6 +20845,18 @@
   <p:clrMapOvr>
     <a:masterClrMapping/>
   </p:clrMapOvr>
+  <mc:AlternateContent xmlns:mc="http://schemas.openxmlformats.org/markup-compatibility/2006">
+    <mc:Choice xmlns:p14="http://schemas.microsoft.com/office/powerpoint/2010/main" Requires="p14">
+      <p:transition spd="med" p14:dur="700">
+        <p:fade/>
+      </p:transition>
+    </mc:Choice>
+    <mc:Fallback>
+      <p:transition spd="med">
+        <p:fade/>
+      </p:transition>
+    </mc:Fallback>
+  </mc:AlternateContent>
 </p:sld>
 </file>
 
@@ -20820,6 +21050,18 @@
   <p:clrMapOvr>
     <a:masterClrMapping/>
   </p:clrMapOvr>
+  <mc:AlternateContent xmlns:mc="http://schemas.openxmlformats.org/markup-compatibility/2006">
+    <mc:Choice xmlns:p14="http://schemas.microsoft.com/office/powerpoint/2010/main" Requires="p14">
+      <p:transition spd="med" p14:dur="700">
+        <p:fade/>
+      </p:transition>
+    </mc:Choice>
+    <mc:Fallback>
+      <p:transition spd="med">
+        <p:fade/>
+      </p:transition>
+    </mc:Fallback>
+  </mc:AlternateContent>
 </p:sld>
 </file>
 
@@ -20909,6 +21151,18 @@
   <p:clrMapOvr>
     <a:masterClrMapping/>
   </p:clrMapOvr>
+  <mc:AlternateContent xmlns:mc="http://schemas.openxmlformats.org/markup-compatibility/2006">
+    <mc:Choice xmlns:p14="http://schemas.microsoft.com/office/powerpoint/2010/main" Requires="p14">
+      <p:transition spd="med" p14:dur="700">
+        <p:fade/>
+      </p:transition>
+    </mc:Choice>
+    <mc:Fallback>
+      <p:transition spd="med">
+        <p:fade/>
+      </p:transition>
+    </mc:Fallback>
+  </mc:AlternateContent>
 </p:sld>
 </file>
 
@@ -20998,6 +21252,18 @@
   <p:clrMapOvr>
     <a:masterClrMapping/>
   </p:clrMapOvr>
+  <mc:AlternateContent xmlns:mc="http://schemas.openxmlformats.org/markup-compatibility/2006">
+    <mc:Choice xmlns:p14="http://schemas.microsoft.com/office/powerpoint/2010/main" Requires="p14">
+      <p:transition spd="med" p14:dur="700">
+        <p:fade/>
+      </p:transition>
+    </mc:Choice>
+    <mc:Fallback>
+      <p:transition spd="med">
+        <p:fade/>
+      </p:transition>
+    </mc:Fallback>
+  </mc:AlternateContent>
 </p:sld>
 </file>
 
@@ -21082,6 +21348,18 @@
   <p:clrMapOvr>
     <a:masterClrMapping/>
   </p:clrMapOvr>
+  <mc:AlternateContent xmlns:mc="http://schemas.openxmlformats.org/markup-compatibility/2006">
+    <mc:Choice xmlns:p14="http://schemas.microsoft.com/office/powerpoint/2010/main" Requires="p14">
+      <p:transition spd="med" p14:dur="700">
+        <p:fade/>
+      </p:transition>
+    </mc:Choice>
+    <mc:Fallback>
+      <p:transition spd="med">
+        <p:fade/>
+      </p:transition>
+    </mc:Fallback>
+  </mc:AlternateContent>
 </p:sld>
 </file>
 
@@ -21153,34 +21431,34 @@
           <a:lstStyle/>
           <a:p>
             <a:r>
-              <a:rPr lang="en-US"/>
+              <a:rPr lang="en-US" dirty="0"/>
               <a:t>How much an opinion changes</a:t>
             </a:r>
           </a:p>
           <a:p>
             <a:r>
-              <a:rPr lang="en-US"/>
+              <a:rPr lang="en-US" dirty="0"/>
               <a:t>How often an event occurs</a:t>
             </a:r>
           </a:p>
           <a:p>
             <a:r>
-              <a:rPr lang="en-US"/>
-              <a:t>Choosing from a random group to keep importance field balanced</a:t>
-            </a:r>
-          </a:p>
-          <a:p>
-            <a:r>
-              <a:rPr lang="en-US"/>
+              <a:rPr lang="en-US" dirty="0"/>
+              <a:t>Choosing from a random group to keep importance parameter balanced</a:t>
+            </a:r>
+          </a:p>
+          <a:p>
+            <a:pPr lvl="1"/>
+            <a:r>
+              <a:rPr lang="en-US" dirty="0"/>
               <a:t>Candidate profile remains fixed in importance</a:t>
             </a:r>
           </a:p>
           <a:p>
             <a:r>
-              <a:rPr lang="en-US"/>
+              <a:rPr lang="en-US" dirty="0"/>
               <a:t>Initial importance ratios for groups (initialization in general)</a:t>
             </a:r>
-            <a:endParaRPr lang="en-US" dirty="0"/>
           </a:p>
         </p:txBody>
       </p:sp>
@@ -21194,6 +21472,18 @@
   <p:clrMapOvr>
     <a:masterClrMapping/>
   </p:clrMapOvr>
+  <mc:AlternateContent xmlns:mc="http://schemas.openxmlformats.org/markup-compatibility/2006">
+    <mc:Choice xmlns:p14="http://schemas.microsoft.com/office/powerpoint/2010/main" Requires="p14">
+      <p:transition spd="med" p14:dur="700">
+        <p:fade/>
+      </p:transition>
+    </mc:Choice>
+    <mc:Fallback>
+      <p:transition spd="med">
+        <p:fade/>
+      </p:transition>
+    </mc:Fallback>
+  </mc:AlternateContent>
 </p:sld>
 </file>
 
@@ -21277,6 +21567,18 @@
   <p:clrMapOvr>
     <a:masterClrMapping/>
   </p:clrMapOvr>
+  <mc:AlternateContent xmlns:mc="http://schemas.openxmlformats.org/markup-compatibility/2006">
+    <mc:Choice xmlns:p14="http://schemas.microsoft.com/office/powerpoint/2010/main" Requires="p14">
+      <p:transition spd="med" p14:dur="700">
+        <p:fade/>
+      </p:transition>
+    </mc:Choice>
+    <mc:Fallback>
+      <p:transition spd="med">
+        <p:fade/>
+      </p:transition>
+    </mc:Fallback>
+  </mc:AlternateContent>
 </p:sld>
 </file>
 
@@ -21315,23 +21617,24 @@
         </p:nvSpPr>
         <p:spPr/>
         <p:txBody>
-          <a:bodyPr/>
-          <a:lstStyle/>
-          <a:p>
-            <a:r>
-              <a:rPr lang="en-US"/>
+          <a:bodyPr>
+            <a:normAutofit/>
+          </a:bodyPr>
+          <a:lstStyle/>
+          <a:p>
+            <a:r>
+              <a:rPr lang="en-US" sz="6000" dirty="0"/>
               <a:t>Let’s Run It!</a:t>
             </a:r>
-            <a:endParaRPr lang="en-US" dirty="0"/>
-          </a:p>
-        </p:txBody>
-      </p:sp>
-      <p:sp>
-        <p:nvSpPr>
-          <p:cNvPr id="3" name="Content Placeholder 2">
+          </a:p>
+        </p:txBody>
+      </p:sp>
+      <p:sp>
+        <p:nvSpPr>
+          <p:cNvPr id="7" name="Text Placeholder 6">
             <a:extLst>
               <a:ext uri="{FF2B5EF4-FFF2-40B4-BE49-F238E27FC236}">
-                <a16:creationId xmlns:a16="http://schemas.microsoft.com/office/drawing/2014/main" id="{1190CB5F-5388-46FC-B9EE-096420D57445}"/>
+                <a16:creationId xmlns:a16="http://schemas.microsoft.com/office/drawing/2014/main" id="{298377E8-A3E7-4B4E-828D-27F0765E5369}"/>
               </a:ext>
             </a:extLst>
           </p:cNvPr>
@@ -21339,7 +21642,7 @@
             <a:spLocks noGrp="1"/>
           </p:cNvSpPr>
           <p:nvPr>
-            <p:ph idx="1"/>
+            <p:ph type="body" idx="1"/>
           </p:nvPr>
         </p:nvSpPr>
         <p:spPr/>
@@ -21348,20 +21651,10 @@
           <a:lstStyle/>
           <a:p>
             <a:r>
-              <a:rPr lang="en-US"/>
-              <a:t>Which events occurred in that year</a:t>
-            </a:r>
-          </a:p>
-          <a:p>
-            <a:r>
-              <a:rPr lang="en-US"/>
-              <a:t>How one event changed political opinions</a:t>
-            </a:r>
-          </a:p>
-          <a:p>
-            <a:r>
-              <a:rPr lang="en-US"/>
-              <a:t>How often does each candidate win</a:t>
+              <a:rPr lang="en-US" dirty="0">
+                <a:hlinkClick r:id="rId3" action="ppaction://hlinkfile"/>
+              </a:rPr>
+              <a:t>C:\Users\btayl\Documents\finalSim.py</a:t>
             </a:r>
             <a:endParaRPr lang="en-US" dirty="0"/>
           </a:p>
@@ -21377,6 +21670,18 @@
   <p:clrMapOvr>
     <a:masterClrMapping/>
   </p:clrMapOvr>
+  <mc:AlternateContent xmlns:mc="http://schemas.openxmlformats.org/markup-compatibility/2006">
+    <mc:Choice xmlns:p14="http://schemas.microsoft.com/office/powerpoint/2010/main" Requires="p14">
+      <p:transition spd="med" p14:dur="700">
+        <p:fade/>
+      </p:transition>
+    </mc:Choice>
+    <mc:Fallback>
+      <p:transition spd="med">
+        <p:fade/>
+      </p:transition>
+    </mc:Fallback>
+  </mc:AlternateContent>
 </p:sld>
 </file>
 
@@ -21490,6 +21795,18 @@
   <p:clrMapOvr>
     <a:masterClrMapping/>
   </p:clrMapOvr>
+  <mc:AlternateContent xmlns:mc="http://schemas.openxmlformats.org/markup-compatibility/2006">
+    <mc:Choice xmlns:p14="http://schemas.microsoft.com/office/powerpoint/2010/main" Requires="p14">
+      <p:transition spd="med" p14:dur="700">
+        <p:fade/>
+      </p:transition>
+    </mc:Choice>
+    <mc:Fallback>
+      <p:transition spd="med">
+        <p:fade/>
+      </p:transition>
+    </mc:Fallback>
+  </mc:AlternateContent>
 </p:sld>
 </file>
 
@@ -21573,6 +21890,18 @@
   <p:clrMapOvr>
     <a:masterClrMapping/>
   </p:clrMapOvr>
+  <mc:AlternateContent xmlns:mc="http://schemas.openxmlformats.org/markup-compatibility/2006">
+    <mc:Choice xmlns:p14="http://schemas.microsoft.com/office/powerpoint/2010/main" Requires="p14">
+      <p:transition spd="med" p14:dur="700">
+        <p:fade/>
+      </p:transition>
+    </mc:Choice>
+    <mc:Fallback>
+      <p:transition spd="med">
+        <p:fade/>
+      </p:transition>
+    </mc:Fallback>
+  </mc:AlternateContent>
 </p:sld>
 </file>
 
@@ -21656,6 +21985,18 @@
   <p:clrMapOvr>
     <a:masterClrMapping/>
   </p:clrMapOvr>
+  <mc:AlternateContent xmlns:mc="http://schemas.openxmlformats.org/markup-compatibility/2006">
+    <mc:Choice xmlns:p14="http://schemas.microsoft.com/office/powerpoint/2010/main" Requires="p14">
+      <p:transition spd="med" p14:dur="700">
+        <p:fade/>
+      </p:transition>
+    </mc:Choice>
+    <mc:Fallback>
+      <p:transition spd="med">
+        <p:fade/>
+      </p:transition>
+    </mc:Fallback>
+  </mc:AlternateContent>
 </p:sld>
 </file>
 
@@ -21788,6 +22129,18 @@
   <p:clrMapOvr>
     <a:masterClrMapping/>
   </p:clrMapOvr>
+  <mc:AlternateContent xmlns:mc="http://schemas.openxmlformats.org/markup-compatibility/2006">
+    <mc:Choice xmlns:p14="http://schemas.microsoft.com/office/powerpoint/2010/main" Requires="p14">
+      <p:transition spd="med" p14:dur="700">
+        <p:fade/>
+      </p:transition>
+    </mc:Choice>
+    <mc:Fallback>
+      <p:transition spd="med">
+        <p:fade/>
+      </p:transition>
+    </mc:Fallback>
+  </mc:AlternateContent>
 </p:sld>
 </file>
 
@@ -21925,6 +22278,18 @@
   <p:clrMapOvr>
     <a:masterClrMapping/>
   </p:clrMapOvr>
+  <mc:AlternateContent xmlns:mc="http://schemas.openxmlformats.org/markup-compatibility/2006">
+    <mc:Choice xmlns:p14="http://schemas.microsoft.com/office/powerpoint/2010/main" Requires="p14">
+      <p:transition spd="med" p14:dur="700">
+        <p:fade/>
+      </p:transition>
+    </mc:Choice>
+    <mc:Fallback>
+      <p:transition spd="med">
+        <p:fade/>
+      </p:transition>
+    </mc:Fallback>
+  </mc:AlternateContent>
 </p:sld>
 </file>
 
@@ -22008,6 +22373,18 @@
   <p:clrMapOvr>
     <a:masterClrMapping/>
   </p:clrMapOvr>
+  <mc:AlternateContent xmlns:mc="http://schemas.openxmlformats.org/markup-compatibility/2006">
+    <mc:Choice xmlns:p14="http://schemas.microsoft.com/office/powerpoint/2010/main" Requires="p14">
+      <p:transition spd="med" p14:dur="700">
+        <p:fade/>
+      </p:transition>
+    </mc:Choice>
+    <mc:Fallback>
+      <p:transition spd="med">
+        <p:fade/>
+      </p:transition>
+    </mc:Fallback>
+  </mc:AlternateContent>
 </p:sld>
 </file>
 
@@ -22114,6 +22491,18 @@
   <p:clrMapOvr>
     <a:masterClrMapping/>
   </p:clrMapOvr>
+  <mc:AlternateContent xmlns:mc="http://schemas.openxmlformats.org/markup-compatibility/2006">
+    <mc:Choice xmlns:p14="http://schemas.microsoft.com/office/powerpoint/2010/main" Requires="p14">
+      <p:transition spd="med" p14:dur="700">
+        <p:fade/>
+      </p:transition>
+    </mc:Choice>
+    <mc:Fallback>
+      <p:transition spd="med">
+        <p:fade/>
+      </p:transition>
+    </mc:Fallback>
+  </mc:AlternateContent>
 </p:sld>
 </file>
 

--- a/Final Presentation 2.pptx
+++ b/Final Presentation 2.pptx
@@ -6,7 +6,7 @@
     <p:sldMasterId id="2147483678" r:id="rId2"/>
   </p:sldMasterIdLst>
   <p:notesMasterIdLst>
-    <p:notesMasterId r:id="rId30"/>
+    <p:notesMasterId r:id="rId31"/>
   </p:notesMasterIdLst>
   <p:sldIdLst>
     <p:sldId id="256" r:id="rId3"/>
@@ -23,19 +23,20 @@
     <p:sldId id="264" r:id="rId14"/>
     <p:sldId id="265" r:id="rId15"/>
     <p:sldId id="266" r:id="rId16"/>
-    <p:sldId id="260" r:id="rId17"/>
-    <p:sldId id="269" r:id="rId18"/>
-    <p:sldId id="273" r:id="rId19"/>
-    <p:sldId id="274" r:id="rId20"/>
-    <p:sldId id="270" r:id="rId21"/>
-    <p:sldId id="272" r:id="rId22"/>
-    <p:sldId id="282" r:id="rId23"/>
-    <p:sldId id="275" r:id="rId24"/>
-    <p:sldId id="280" r:id="rId25"/>
-    <p:sldId id="271" r:id="rId26"/>
-    <p:sldId id="276" r:id="rId27"/>
-    <p:sldId id="261" r:id="rId28"/>
-    <p:sldId id="262" r:id="rId29"/>
+    <p:sldId id="283" r:id="rId17"/>
+    <p:sldId id="260" r:id="rId18"/>
+    <p:sldId id="269" r:id="rId19"/>
+    <p:sldId id="273" r:id="rId20"/>
+    <p:sldId id="274" r:id="rId21"/>
+    <p:sldId id="270" r:id="rId22"/>
+    <p:sldId id="272" r:id="rId23"/>
+    <p:sldId id="282" r:id="rId24"/>
+    <p:sldId id="275" r:id="rId25"/>
+    <p:sldId id="280" r:id="rId26"/>
+    <p:sldId id="271" r:id="rId27"/>
+    <p:sldId id="276" r:id="rId28"/>
+    <p:sldId id="261" r:id="rId29"/>
+    <p:sldId id="262" r:id="rId30"/>
   </p:sldIdLst>
   <p:sldSz cx="12192000" cy="6858000"/>
   <p:notesSz cx="6858000" cy="9144000"/>
@@ -147,19 +148,19 @@
   <pc:docChgLst>
     <pc:chgData name="Brooke Taylor" userId="cb809024d88b5de5" providerId="LiveId" clId="{64E839F8-BAE3-4197-B080-5F39667F52ED}"/>
     <pc:docChg chg="undo custSel addSld delSld modSld sldOrd modMainMaster">
-      <pc:chgData name="Brooke Taylor" userId="cb809024d88b5de5" providerId="LiveId" clId="{64E839F8-BAE3-4197-B080-5F39667F52ED}" dt="2017-12-14T19:22:17.880" v="2637" actId="20577"/>
+      <pc:chgData name="Brooke Taylor" userId="cb809024d88b5de5" providerId="LiveId" clId="{64E839F8-BAE3-4197-B080-5F39667F52ED}" dt="2017-12-14T20:12:13.644" v="2680" actId="1076"/>
       <pc:docMkLst>
         <pc:docMk/>
       </pc:docMkLst>
       <pc:sldChg chg="modTransition modNotesTx">
-        <pc:chgData name="Brooke Taylor" userId="cb809024d88b5de5" providerId="LiveId" clId="{64E839F8-BAE3-4197-B080-5F39667F52ED}" dt="2017-12-14T19:15:17.039" v="2609"/>
+        <pc:chgData name="Brooke Taylor" userId="cb809024d88b5de5" providerId="LiveId" clId="{64E839F8-BAE3-4197-B080-5F39667F52ED}" dt="2017-12-14T19:15:17.039" v="2609" actId="20577"/>
         <pc:sldMkLst>
           <pc:docMk/>
           <pc:sldMk cId="1380476433" sldId="256"/>
         </pc:sldMkLst>
       </pc:sldChg>
       <pc:sldChg chg="addSp delSp modSp modTransition modNotesTx">
-        <pc:chgData name="Brooke Taylor" userId="cb809024d88b5de5" providerId="LiveId" clId="{64E839F8-BAE3-4197-B080-5F39667F52ED}" dt="2017-12-14T19:15:17.039" v="2609"/>
+        <pc:chgData name="Brooke Taylor" userId="cb809024d88b5de5" providerId="LiveId" clId="{64E839F8-BAE3-4197-B080-5F39667F52ED}" dt="2017-12-14T19:15:17.039" v="2609" actId="20577"/>
         <pc:sldMkLst>
           <pc:docMk/>
           <pc:sldMk cId="1646366259" sldId="257"/>
@@ -214,7 +215,7 @@
         </pc:spChg>
       </pc:sldChg>
       <pc:sldChg chg="modSp modTransition">
-        <pc:chgData name="Brooke Taylor" userId="cb809024d88b5de5" providerId="LiveId" clId="{64E839F8-BAE3-4197-B080-5F39667F52ED}" dt="2017-12-14T19:15:17.039" v="2609"/>
+        <pc:chgData name="Brooke Taylor" userId="cb809024d88b5de5" providerId="LiveId" clId="{64E839F8-BAE3-4197-B080-5F39667F52ED}" dt="2017-12-14T19:15:17.039" v="2609" actId="20577"/>
         <pc:sldMkLst>
           <pc:docMk/>
           <pc:sldMk cId="2456124830" sldId="258"/>
@@ -229,7 +230,7 @@
         </pc:spChg>
       </pc:sldChg>
       <pc:sldChg chg="modSp modTransition">
-        <pc:chgData name="Brooke Taylor" userId="cb809024d88b5de5" providerId="LiveId" clId="{64E839F8-BAE3-4197-B080-5F39667F52ED}" dt="2017-12-14T19:15:17.039" v="2609"/>
+        <pc:chgData name="Brooke Taylor" userId="cb809024d88b5de5" providerId="LiveId" clId="{64E839F8-BAE3-4197-B080-5F39667F52ED}" dt="2017-12-14T19:15:17.039" v="2609" actId="20577"/>
         <pc:sldMkLst>
           <pc:docMk/>
           <pc:sldMk cId="1148675691" sldId="259"/>
@@ -244,7 +245,7 @@
         </pc:spChg>
       </pc:sldChg>
       <pc:sldChg chg="addSp delSp modSp modTransition">
-        <pc:chgData name="Brooke Taylor" userId="cb809024d88b5de5" providerId="LiveId" clId="{64E839F8-BAE3-4197-B080-5F39667F52ED}" dt="2017-12-14T19:15:17.039" v="2609"/>
+        <pc:chgData name="Brooke Taylor" userId="cb809024d88b5de5" providerId="LiveId" clId="{64E839F8-BAE3-4197-B080-5F39667F52ED}" dt="2017-12-14T19:15:17.039" v="2609" actId="20577"/>
         <pc:sldMkLst>
           <pc:docMk/>
           <pc:sldMk cId="2133794410" sldId="260"/>
@@ -299,7 +300,7 @@
         </pc:spChg>
       </pc:sldChg>
       <pc:sldChg chg="modSp modTransition">
-        <pc:chgData name="Brooke Taylor" userId="cb809024d88b5de5" providerId="LiveId" clId="{64E839F8-BAE3-4197-B080-5F39667F52ED}" dt="2017-12-14T19:15:17.039" v="2609"/>
+        <pc:chgData name="Brooke Taylor" userId="cb809024d88b5de5" providerId="LiveId" clId="{64E839F8-BAE3-4197-B080-5F39667F52ED}" dt="2017-12-14T19:15:17.039" v="2609" actId="20577"/>
         <pc:sldMkLst>
           <pc:docMk/>
           <pc:sldMk cId="3847192227" sldId="261"/>
@@ -314,7 +315,7 @@
         </pc:spChg>
       </pc:sldChg>
       <pc:sldChg chg="addSp delSp modSp modTransition modNotesTx">
-        <pc:chgData name="Brooke Taylor" userId="cb809024d88b5de5" providerId="LiveId" clId="{64E839F8-BAE3-4197-B080-5F39667F52ED}" dt="2017-12-14T19:22:17.880" v="2637" actId="20577"/>
+        <pc:chgData name="Brooke Taylor" userId="cb809024d88b5de5" providerId="LiveId" clId="{64E839F8-BAE3-4197-B080-5F39667F52ED}" dt="2017-12-14T20:12:13.644" v="2680" actId="1076"/>
         <pc:sldMkLst>
           <pc:docMk/>
           <pc:sldMk cId="3809937203" sldId="262"/>
@@ -335,6 +336,14 @@
             <ac:spMk id="3" creationId="{1190CB5F-5388-46FC-B9EE-096420D57445}"/>
           </ac:spMkLst>
         </pc:spChg>
+        <pc:spChg chg="add mod">
+          <ac:chgData name="Brooke Taylor" userId="cb809024d88b5de5" providerId="LiveId" clId="{64E839F8-BAE3-4197-B080-5F39667F52ED}" dt="2017-12-14T20:12:04.953" v="2676" actId="478"/>
+          <ac:spMkLst>
+            <pc:docMk/>
+            <pc:sldMk cId="3809937203" sldId="262"/>
+            <ac:spMk id="4" creationId="{5CF1CF50-BD7D-40C4-9C86-AF94DF2AF5E9}"/>
+          </ac:spMkLst>
+        </pc:spChg>
         <pc:spChg chg="add del mod">
           <ac:chgData name="Brooke Taylor" userId="cb809024d88b5de5" providerId="LiveId" clId="{64E839F8-BAE3-4197-B080-5F39667F52ED}" dt="2017-12-13T05:16:45.195" v="2184" actId="20577"/>
           <ac:spMkLst>
@@ -352,7 +361,7 @@
           </ac:spMkLst>
         </pc:spChg>
         <pc:spChg chg="add del mod">
-          <ac:chgData name="Brooke Taylor" userId="cb809024d88b5de5" providerId="LiveId" clId="{64E839F8-BAE3-4197-B080-5F39667F52ED}" dt="2017-12-14T19:21:06.111" v="2629"/>
+          <ac:chgData name="Brooke Taylor" userId="cb809024d88b5de5" providerId="LiveId" clId="{64E839F8-BAE3-4197-B080-5F39667F52ED}" dt="2017-12-14T19:21:06.111" v="2629" actId="20577"/>
           <ac:spMkLst>
             <pc:docMk/>
             <pc:sldMk cId="3809937203" sldId="262"/>
@@ -360,24 +369,40 @@
           </ac:spMkLst>
         </pc:spChg>
         <pc:spChg chg="add del mod">
-          <ac:chgData name="Brooke Taylor" userId="cb809024d88b5de5" providerId="LiveId" clId="{64E839F8-BAE3-4197-B080-5F39667F52ED}" dt="2017-12-14T19:21:09.909" v="2630"/>
+          <ac:chgData name="Brooke Taylor" userId="cb809024d88b5de5" providerId="LiveId" clId="{64E839F8-BAE3-4197-B080-5F39667F52ED}" dt="2017-12-14T19:21:09.909" v="2630" actId="20577"/>
           <ac:spMkLst>
             <pc:docMk/>
             <pc:sldMk cId="3809937203" sldId="262"/>
             <ac:spMk id="6" creationId="{FFC16144-00B7-490B-9E92-976CD598F079}"/>
           </ac:spMkLst>
         </pc:spChg>
-        <pc:spChg chg="add mod">
-          <ac:chgData name="Brooke Taylor" userId="cb809024d88b5de5" providerId="LiveId" clId="{64E839F8-BAE3-4197-B080-5F39667F52ED}" dt="2017-12-14T19:22:17.880" v="2637" actId="20577"/>
+        <pc:spChg chg="add del mod">
+          <ac:chgData name="Brooke Taylor" userId="cb809024d88b5de5" providerId="LiveId" clId="{64E839F8-BAE3-4197-B080-5F39667F52ED}" dt="2017-12-14T20:12:04.953" v="2676" actId="478"/>
           <ac:spMkLst>
             <pc:docMk/>
             <pc:sldMk cId="3809937203" sldId="262"/>
             <ac:spMk id="7" creationId="{298377E8-A3E7-4B4E-828D-27F0765E5369}"/>
           </ac:spMkLst>
         </pc:spChg>
+        <pc:picChg chg="add del">
+          <ac:chgData name="Brooke Taylor" userId="cb809024d88b5de5" providerId="LiveId" clId="{64E839F8-BAE3-4197-B080-5F39667F52ED}" dt="2017-12-14T20:12:04.953" v="2676" actId="478"/>
+          <ac:picMkLst>
+            <pc:docMk/>
+            <pc:sldMk cId="3809937203" sldId="262"/>
+            <ac:picMk id="1026" creationId="{15229ABE-333F-4D6D-8A51-8DCE8148BEAE}"/>
+          </ac:picMkLst>
+        </pc:picChg>
+        <pc:picChg chg="add mod">
+          <ac:chgData name="Brooke Taylor" userId="cb809024d88b5de5" providerId="LiveId" clId="{64E839F8-BAE3-4197-B080-5F39667F52ED}" dt="2017-12-14T20:12:13.644" v="2680" actId="1076"/>
+          <ac:picMkLst>
+            <pc:docMk/>
+            <pc:sldMk cId="3809937203" sldId="262"/>
+            <ac:picMk id="1028" creationId="{E1CB41D1-9648-4C72-9E8B-8F89F84820EB}"/>
+          </ac:picMkLst>
+        </pc:picChg>
       </pc:sldChg>
       <pc:sldChg chg="addSp delSp modSp modTransition modNotesTx">
-        <pc:chgData name="Brooke Taylor" userId="cb809024d88b5de5" providerId="LiveId" clId="{64E839F8-BAE3-4197-B080-5F39667F52ED}" dt="2017-12-14T19:15:17.039" v="2609"/>
+        <pc:chgData name="Brooke Taylor" userId="cb809024d88b5de5" providerId="LiveId" clId="{64E839F8-BAE3-4197-B080-5F39667F52ED}" dt="2017-12-14T19:15:17.039" v="2609" actId="20577"/>
         <pc:sldMkLst>
           <pc:docMk/>
           <pc:sldMk cId="3542548571" sldId="263"/>
@@ -424,7 +449,7 @@
         </pc:spChg>
       </pc:sldChg>
       <pc:sldChg chg="addSp delSp modSp modTransition">
-        <pc:chgData name="Brooke Taylor" userId="cb809024d88b5de5" providerId="LiveId" clId="{64E839F8-BAE3-4197-B080-5F39667F52ED}" dt="2017-12-14T19:15:17.039" v="2609"/>
+        <pc:chgData name="Brooke Taylor" userId="cb809024d88b5de5" providerId="LiveId" clId="{64E839F8-BAE3-4197-B080-5F39667F52ED}" dt="2017-12-14T19:15:17.039" v="2609" actId="20577"/>
         <pc:sldMkLst>
           <pc:docMk/>
           <pc:sldMk cId="3759347381" sldId="264"/>
@@ -455,7 +480,7 @@
         </pc:spChg>
       </pc:sldChg>
       <pc:sldChg chg="addSp delSp modSp modTransition">
-        <pc:chgData name="Brooke Taylor" userId="cb809024d88b5de5" providerId="LiveId" clId="{64E839F8-BAE3-4197-B080-5F39667F52ED}" dt="2017-12-14T19:15:17.039" v="2609"/>
+        <pc:chgData name="Brooke Taylor" userId="cb809024d88b5de5" providerId="LiveId" clId="{64E839F8-BAE3-4197-B080-5F39667F52ED}" dt="2017-12-14T19:15:17.039" v="2609" actId="20577"/>
         <pc:sldMkLst>
           <pc:docMk/>
           <pc:sldMk cId="2610293620" sldId="265"/>
@@ -549,7 +574,7 @@
         </pc:spChg>
       </pc:sldChg>
       <pc:sldChg chg="modSp add ord modTransition">
-        <pc:chgData name="Brooke Taylor" userId="cb809024d88b5de5" providerId="LiveId" clId="{64E839F8-BAE3-4197-B080-5F39667F52ED}" dt="2017-12-14T19:15:17.039" v="2609"/>
+        <pc:chgData name="Brooke Taylor" userId="cb809024d88b5de5" providerId="LiveId" clId="{64E839F8-BAE3-4197-B080-5F39667F52ED}" dt="2017-12-14T19:15:17.039" v="2609" actId="20577"/>
         <pc:sldMkLst>
           <pc:docMk/>
           <pc:sldMk cId="3547329901" sldId="267"/>
@@ -564,7 +589,7 @@
         </pc:spChg>
       </pc:sldChg>
       <pc:sldChg chg="addSp delSp modSp add modTransition modNotesTx">
-        <pc:chgData name="Brooke Taylor" userId="cb809024d88b5de5" providerId="LiveId" clId="{64E839F8-BAE3-4197-B080-5F39667F52ED}" dt="2017-12-14T19:15:17.039" v="2609"/>
+        <pc:chgData name="Brooke Taylor" userId="cb809024d88b5de5" providerId="LiveId" clId="{64E839F8-BAE3-4197-B080-5F39667F52ED}" dt="2017-12-14T19:15:17.039" v="2609" actId="20577"/>
         <pc:sldMkLst>
           <pc:docMk/>
           <pc:sldMk cId="1609058928" sldId="268"/>
@@ -626,7 +651,7 @@
         </pc:sldMkLst>
       </pc:sldChg>
       <pc:sldChg chg="addSp delSp modSp add modTransition modNotesTx">
-        <pc:chgData name="Brooke Taylor" userId="cb809024d88b5de5" providerId="LiveId" clId="{64E839F8-BAE3-4197-B080-5F39667F52ED}" dt="2017-12-14T19:15:17.039" v="2609"/>
+        <pc:chgData name="Brooke Taylor" userId="cb809024d88b5de5" providerId="LiveId" clId="{64E839F8-BAE3-4197-B080-5F39667F52ED}" dt="2017-12-14T20:09:43.697" v="2668" actId="478"/>
         <pc:sldMkLst>
           <pc:docMk/>
           <pc:sldMk cId="931317673" sldId="269"/>
@@ -671,6 +696,246 @@
             <ac:spMk id="9" creationId="{AC4AF505-5AF5-4A3E-B60C-33E7B4A89A2E}"/>
           </ac:spMkLst>
         </pc:spChg>
+        <pc:spChg chg="add del">
+          <ac:chgData name="Brooke Taylor" userId="cb809024d88b5de5" providerId="LiveId" clId="{64E839F8-BAE3-4197-B080-5F39667F52ED}" dt="2017-12-14T20:09:29.133" v="2663"/>
+          <ac:spMkLst>
+            <pc:docMk/>
+            <pc:sldMk cId="931317673" sldId="269"/>
+            <ac:spMk id="11" creationId="{0C12641B-DF65-4570-BF86-BF3ED7C48469}"/>
+          </ac:spMkLst>
+        </pc:spChg>
+        <pc:spChg chg="add del">
+          <ac:chgData name="Brooke Taylor" userId="cb809024d88b5de5" providerId="LiveId" clId="{64E839F8-BAE3-4197-B080-5F39667F52ED}" dt="2017-12-14T20:09:29.133" v="2663"/>
+          <ac:spMkLst>
+            <pc:docMk/>
+            <pc:sldMk cId="931317673" sldId="269"/>
+            <ac:spMk id="12" creationId="{C106A7C8-324B-45C9-921A-61CB35FA11F5}"/>
+          </ac:spMkLst>
+        </pc:spChg>
+        <pc:spChg chg="add del">
+          <ac:chgData name="Brooke Taylor" userId="cb809024d88b5de5" providerId="LiveId" clId="{64E839F8-BAE3-4197-B080-5F39667F52ED}" dt="2017-12-14T20:09:29.133" v="2663"/>
+          <ac:spMkLst>
+            <pc:docMk/>
+            <pc:sldMk cId="931317673" sldId="269"/>
+            <ac:spMk id="13" creationId="{9DF1C0D2-42B8-47BC-916F-620468514CED}"/>
+          </ac:spMkLst>
+        </pc:spChg>
+        <pc:spChg chg="add del">
+          <ac:chgData name="Brooke Taylor" userId="cb809024d88b5de5" providerId="LiveId" clId="{64E839F8-BAE3-4197-B080-5F39667F52ED}" dt="2017-12-14T20:09:29.133" v="2663"/>
+          <ac:spMkLst>
+            <pc:docMk/>
+            <pc:sldMk cId="931317673" sldId="269"/>
+            <ac:spMk id="14" creationId="{29A7B6F3-6BD7-4B58-A520-767B23DFB0F0}"/>
+          </ac:spMkLst>
+        </pc:spChg>
+        <pc:spChg chg="add del">
+          <ac:chgData name="Brooke Taylor" userId="cb809024d88b5de5" providerId="LiveId" clId="{64E839F8-BAE3-4197-B080-5F39667F52ED}" dt="2017-12-14T20:09:29.133" v="2663"/>
+          <ac:spMkLst>
+            <pc:docMk/>
+            <pc:sldMk cId="931317673" sldId="269"/>
+            <ac:spMk id="15" creationId="{B8665207-AA22-4B95-A3E7-B560714E596C}"/>
+          </ac:spMkLst>
+        </pc:spChg>
+        <pc:spChg chg="add del">
+          <ac:chgData name="Brooke Taylor" userId="cb809024d88b5de5" providerId="LiveId" clId="{64E839F8-BAE3-4197-B080-5F39667F52ED}" dt="2017-12-14T20:09:29.133" v="2663"/>
+          <ac:spMkLst>
+            <pc:docMk/>
+            <pc:sldMk cId="931317673" sldId="269"/>
+            <ac:spMk id="16" creationId="{FBAA0D98-04AE-48A5-A3D9-243F4806CF4D}"/>
+          </ac:spMkLst>
+        </pc:spChg>
+        <pc:spChg chg="add del">
+          <ac:chgData name="Brooke Taylor" userId="cb809024d88b5de5" providerId="LiveId" clId="{64E839F8-BAE3-4197-B080-5F39667F52ED}" dt="2017-12-14T20:09:29.133" v="2663"/>
+          <ac:spMkLst>
+            <pc:docMk/>
+            <pc:sldMk cId="931317673" sldId="269"/>
+            <ac:spMk id="17" creationId="{E797BC89-51CD-4BFC-8BC8-5D909B69E2D7}"/>
+          </ac:spMkLst>
+        </pc:spChg>
+        <pc:spChg chg="add del">
+          <ac:chgData name="Brooke Taylor" userId="cb809024d88b5de5" providerId="LiveId" clId="{64E839F8-BAE3-4197-B080-5F39667F52ED}" dt="2017-12-14T20:09:29.133" v="2663"/>
+          <ac:spMkLst>
+            <pc:docMk/>
+            <pc:sldMk cId="931317673" sldId="269"/>
+            <ac:spMk id="18" creationId="{AB29D1E0-8A01-48EA-A50D-861BE6AFAB84}"/>
+          </ac:spMkLst>
+        </pc:spChg>
+        <pc:spChg chg="add del">
+          <ac:chgData name="Brooke Taylor" userId="cb809024d88b5de5" providerId="LiveId" clId="{64E839F8-BAE3-4197-B080-5F39667F52ED}" dt="2017-12-14T20:09:29.133" v="2663"/>
+          <ac:spMkLst>
+            <pc:docMk/>
+            <pc:sldMk cId="931317673" sldId="269"/>
+            <ac:spMk id="19" creationId="{6573842D-7E9D-48DA-99AC-28958FEB52F4}"/>
+          </ac:spMkLst>
+        </pc:spChg>
+        <pc:spChg chg="add del">
+          <ac:chgData name="Brooke Taylor" userId="cb809024d88b5de5" providerId="LiveId" clId="{64E839F8-BAE3-4197-B080-5F39667F52ED}" dt="2017-12-14T20:09:29.133" v="2663"/>
+          <ac:spMkLst>
+            <pc:docMk/>
+            <pc:sldMk cId="931317673" sldId="269"/>
+            <ac:spMk id="20" creationId="{2688F70C-0C49-4091-9575-B75319D7B302}"/>
+          </ac:spMkLst>
+        </pc:spChg>
+        <pc:spChg chg="add del">
+          <ac:chgData name="Brooke Taylor" userId="cb809024d88b5de5" providerId="LiveId" clId="{64E839F8-BAE3-4197-B080-5F39667F52ED}" dt="2017-12-14T20:09:29.133" v="2663"/>
+          <ac:spMkLst>
+            <pc:docMk/>
+            <pc:sldMk cId="931317673" sldId="269"/>
+            <ac:spMk id="21" creationId="{28F05E22-4EEF-4AB6-BD40-A1573C0AAE72}"/>
+          </ac:spMkLst>
+        </pc:spChg>
+        <pc:spChg chg="add del">
+          <ac:chgData name="Brooke Taylor" userId="cb809024d88b5de5" providerId="LiveId" clId="{64E839F8-BAE3-4197-B080-5F39667F52ED}" dt="2017-12-14T20:09:29.133" v="2663"/>
+          <ac:spMkLst>
+            <pc:docMk/>
+            <pc:sldMk cId="931317673" sldId="269"/>
+            <ac:spMk id="22" creationId="{C40A45FE-30CB-427A-84BB-268F03D77E82}"/>
+          </ac:spMkLst>
+        </pc:spChg>
+        <pc:spChg chg="add del">
+          <ac:chgData name="Brooke Taylor" userId="cb809024d88b5de5" providerId="LiveId" clId="{64E839F8-BAE3-4197-B080-5F39667F52ED}" dt="2017-12-14T20:09:29.133" v="2663"/>
+          <ac:spMkLst>
+            <pc:docMk/>
+            <pc:sldMk cId="931317673" sldId="269"/>
+            <ac:spMk id="23" creationId="{D4904DEC-D8DD-40E6-9EB4-DF535A54A107}"/>
+          </ac:spMkLst>
+        </pc:spChg>
+        <pc:spChg chg="add del">
+          <ac:chgData name="Brooke Taylor" userId="cb809024d88b5de5" providerId="LiveId" clId="{64E839F8-BAE3-4197-B080-5F39667F52ED}" dt="2017-12-14T20:09:29.133" v="2663"/>
+          <ac:spMkLst>
+            <pc:docMk/>
+            <pc:sldMk cId="931317673" sldId="269"/>
+            <ac:spMk id="24" creationId="{12D6DD79-B260-4D9C-959C-9F7765F17306}"/>
+          </ac:spMkLst>
+        </pc:spChg>
+        <pc:spChg chg="add del">
+          <ac:chgData name="Brooke Taylor" userId="cb809024d88b5de5" providerId="LiveId" clId="{64E839F8-BAE3-4197-B080-5F39667F52ED}" dt="2017-12-14T20:09:29.133" v="2663"/>
+          <ac:spMkLst>
+            <pc:docMk/>
+            <pc:sldMk cId="931317673" sldId="269"/>
+            <ac:spMk id="25" creationId="{B57FCF22-3DCA-42F5-9A59-B8D19DB27FC6}"/>
+          </ac:spMkLst>
+        </pc:spChg>
+        <pc:spChg chg="add del">
+          <ac:chgData name="Brooke Taylor" userId="cb809024d88b5de5" providerId="LiveId" clId="{64E839F8-BAE3-4197-B080-5F39667F52ED}" dt="2017-12-14T20:09:29.133" v="2663"/>
+          <ac:spMkLst>
+            <pc:docMk/>
+            <pc:sldMk cId="931317673" sldId="269"/>
+            <ac:spMk id="26" creationId="{A5DA8A13-038A-4EA2-8EC9-BB5DB54D5129}"/>
+          </ac:spMkLst>
+        </pc:spChg>
+        <pc:spChg chg="add del">
+          <ac:chgData name="Brooke Taylor" userId="cb809024d88b5de5" providerId="LiveId" clId="{64E839F8-BAE3-4197-B080-5F39667F52ED}" dt="2017-12-14T20:09:29.133" v="2663"/>
+          <ac:spMkLst>
+            <pc:docMk/>
+            <pc:sldMk cId="931317673" sldId="269"/>
+            <ac:spMk id="27" creationId="{876D7D94-2F7A-45B1-88A8-3626E2B0D4E9}"/>
+          </ac:spMkLst>
+        </pc:spChg>
+        <pc:spChg chg="add del">
+          <ac:chgData name="Brooke Taylor" userId="cb809024d88b5de5" providerId="LiveId" clId="{64E839F8-BAE3-4197-B080-5F39667F52ED}" dt="2017-12-14T20:09:29.133" v="2663"/>
+          <ac:spMkLst>
+            <pc:docMk/>
+            <pc:sldMk cId="931317673" sldId="269"/>
+            <ac:spMk id="28" creationId="{4FD02246-D4A3-4479-9D7A-8CC136C8E021}"/>
+          </ac:spMkLst>
+        </pc:spChg>
+        <pc:spChg chg="add del">
+          <ac:chgData name="Brooke Taylor" userId="cb809024d88b5de5" providerId="LiveId" clId="{64E839F8-BAE3-4197-B080-5F39667F52ED}" dt="2017-12-14T20:09:29.133" v="2663"/>
+          <ac:spMkLst>
+            <pc:docMk/>
+            <pc:sldMk cId="931317673" sldId="269"/>
+            <ac:spMk id="29" creationId="{C281B993-E19E-493C-84B5-F637D1BAEA8E}"/>
+          </ac:spMkLst>
+        </pc:spChg>
+        <pc:spChg chg="add del">
+          <ac:chgData name="Brooke Taylor" userId="cb809024d88b5de5" providerId="LiveId" clId="{64E839F8-BAE3-4197-B080-5F39667F52ED}" dt="2017-12-14T20:09:29.133" v="2663"/>
+          <ac:spMkLst>
+            <pc:docMk/>
+            <pc:sldMk cId="931317673" sldId="269"/>
+            <ac:spMk id="30" creationId="{6650BA6C-D21F-4E41-9C6E-5D3122C8DB40}"/>
+          </ac:spMkLst>
+        </pc:spChg>
+        <pc:spChg chg="add del">
+          <ac:chgData name="Brooke Taylor" userId="cb809024d88b5de5" providerId="LiveId" clId="{64E839F8-BAE3-4197-B080-5F39667F52ED}" dt="2017-12-14T20:09:29.133" v="2663"/>
+          <ac:spMkLst>
+            <pc:docMk/>
+            <pc:sldMk cId="931317673" sldId="269"/>
+            <ac:spMk id="31" creationId="{E023C460-9049-4CF6-B822-FF369797DA75}"/>
+          </ac:spMkLst>
+        </pc:spChg>
+        <pc:spChg chg="add del">
+          <ac:chgData name="Brooke Taylor" userId="cb809024d88b5de5" providerId="LiveId" clId="{64E839F8-BAE3-4197-B080-5F39667F52ED}" dt="2017-12-14T20:09:29.133" v="2663"/>
+          <ac:spMkLst>
+            <pc:docMk/>
+            <pc:sldMk cId="931317673" sldId="269"/>
+            <ac:spMk id="32" creationId="{EB4766DB-28B2-422F-8214-0528400BF8BC}"/>
+          </ac:spMkLst>
+        </pc:spChg>
+        <pc:spChg chg="add del">
+          <ac:chgData name="Brooke Taylor" userId="cb809024d88b5de5" providerId="LiveId" clId="{64E839F8-BAE3-4197-B080-5F39667F52ED}" dt="2017-12-14T20:09:29.133" v="2663"/>
+          <ac:spMkLst>
+            <pc:docMk/>
+            <pc:sldMk cId="931317673" sldId="269"/>
+            <ac:spMk id="33" creationId="{6CB58843-C89D-4C8D-981E-57039EE7D37E}"/>
+          </ac:spMkLst>
+        </pc:spChg>
+        <pc:spChg chg="add del">
+          <ac:chgData name="Brooke Taylor" userId="cb809024d88b5de5" providerId="LiveId" clId="{64E839F8-BAE3-4197-B080-5F39667F52ED}" dt="2017-12-14T20:09:29.133" v="2663"/>
+          <ac:spMkLst>
+            <pc:docMk/>
+            <pc:sldMk cId="931317673" sldId="269"/>
+            <ac:spMk id="34" creationId="{A5D28319-39D4-4741-9EB1-51A27BF8DBFA}"/>
+          </ac:spMkLst>
+        </pc:spChg>
+        <pc:spChg chg="add del">
+          <ac:chgData name="Brooke Taylor" userId="cb809024d88b5de5" providerId="LiveId" clId="{64E839F8-BAE3-4197-B080-5F39667F52ED}" dt="2017-12-14T20:09:29.133" v="2663"/>
+          <ac:spMkLst>
+            <pc:docMk/>
+            <pc:sldMk cId="931317673" sldId="269"/>
+            <ac:spMk id="35" creationId="{D3C68748-25F6-45C3-96E4-A69A6EC27415}"/>
+          </ac:spMkLst>
+        </pc:spChg>
+        <pc:spChg chg="add del">
+          <ac:chgData name="Brooke Taylor" userId="cb809024d88b5de5" providerId="LiveId" clId="{64E839F8-BAE3-4197-B080-5F39667F52ED}" dt="2017-12-14T20:09:29.133" v="2663"/>
+          <ac:spMkLst>
+            <pc:docMk/>
+            <pc:sldMk cId="931317673" sldId="269"/>
+            <ac:spMk id="36" creationId="{6201A427-A683-4A44-A9FB-A29DF2C4ADE8}"/>
+          </ac:spMkLst>
+        </pc:spChg>
+        <pc:spChg chg="add del">
+          <ac:chgData name="Brooke Taylor" userId="cb809024d88b5de5" providerId="LiveId" clId="{64E839F8-BAE3-4197-B080-5F39667F52ED}" dt="2017-12-14T20:09:29.133" v="2663"/>
+          <ac:spMkLst>
+            <pc:docMk/>
+            <pc:sldMk cId="931317673" sldId="269"/>
+            <ac:spMk id="37" creationId="{1D2A71BE-5718-4458-A0A5-0426BCE471CE}"/>
+          </ac:spMkLst>
+        </pc:spChg>
+        <pc:spChg chg="add del">
+          <ac:chgData name="Brooke Taylor" userId="cb809024d88b5de5" providerId="LiveId" clId="{64E839F8-BAE3-4197-B080-5F39667F52ED}" dt="2017-12-14T20:09:29.133" v="2663"/>
+          <ac:spMkLst>
+            <pc:docMk/>
+            <pc:sldMk cId="931317673" sldId="269"/>
+            <ac:spMk id="38" creationId="{EA5D53E6-E72F-4D3B-A756-1C41FB6C0D80}"/>
+          </ac:spMkLst>
+        </pc:spChg>
+        <pc:grpChg chg="add del">
+          <ac:chgData name="Brooke Taylor" userId="cb809024d88b5de5" providerId="LiveId" clId="{64E839F8-BAE3-4197-B080-5F39667F52ED}" dt="2017-12-14T20:09:29.133" v="2663"/>
+          <ac:grpSpMkLst>
+            <pc:docMk/>
+            <pc:sldMk cId="931317673" sldId="269"/>
+            <ac:grpSpMk id="7" creationId="{E7CCC18B-16DE-4016-BC9A-76AD9ED4BC59}"/>
+          </ac:grpSpMkLst>
+        </pc:grpChg>
+        <pc:picChg chg="add mod ord">
+          <ac:chgData name="Brooke Taylor" userId="cb809024d88b5de5" providerId="LiveId" clId="{64E839F8-BAE3-4197-B080-5F39667F52ED}" dt="2017-12-14T20:09:40.882" v="2667" actId="171"/>
+          <ac:picMkLst>
+            <pc:docMk/>
+            <pc:sldMk cId="931317673" sldId="269"/>
+            <ac:picMk id="3" creationId="{55B16393-8CFF-496D-A273-636A465DDF0B}"/>
+          </ac:picMkLst>
+        </pc:picChg>
         <pc:picChg chg="add mod">
           <ac:chgData name="Brooke Taylor" userId="cb809024d88b5de5" providerId="LiveId" clId="{64E839F8-BAE3-4197-B080-5F39667F52ED}" dt="2017-12-13T05:20:57.039" v="2343" actId="12788"/>
           <ac:picMkLst>
@@ -687,9 +952,17 @@
             <ac:picMk id="5" creationId="{DF5E9D33-8D23-4A68-9812-98F1678B5C4B}"/>
           </ac:picMkLst>
         </pc:picChg>
+        <pc:picChg chg="add del">
+          <ac:chgData name="Brooke Taylor" userId="cb809024d88b5de5" providerId="LiveId" clId="{64E839F8-BAE3-4197-B080-5F39667F52ED}" dt="2017-12-14T20:09:43.697" v="2668" actId="478"/>
+          <ac:picMkLst>
+            <pc:docMk/>
+            <pc:sldMk cId="931317673" sldId="269"/>
+            <ac:picMk id="6" creationId="{1EA352CD-1217-4F29-BFC1-8434BA7152CF}"/>
+          </ac:picMkLst>
+        </pc:picChg>
       </pc:sldChg>
       <pc:sldChg chg="addSp delSp modSp add ord modTransition modNotesTx">
-        <pc:chgData name="Brooke Taylor" userId="cb809024d88b5de5" providerId="LiveId" clId="{64E839F8-BAE3-4197-B080-5F39667F52ED}" dt="2017-12-14T19:15:17.039" v="2609"/>
+        <pc:chgData name="Brooke Taylor" userId="cb809024d88b5de5" providerId="LiveId" clId="{64E839F8-BAE3-4197-B080-5F39667F52ED}" dt="2017-12-14T19:15:17.039" v="2609" actId="20577"/>
         <pc:sldMkLst>
           <pc:docMk/>
           <pc:sldMk cId="2507992030" sldId="270"/>
@@ -744,7 +1017,7 @@
         </pc:spChg>
       </pc:sldChg>
       <pc:sldChg chg="addSp delSp modSp add modTransition">
-        <pc:chgData name="Brooke Taylor" userId="cb809024d88b5de5" providerId="LiveId" clId="{64E839F8-BAE3-4197-B080-5F39667F52ED}" dt="2017-12-14T19:15:17.039" v="2609"/>
+        <pc:chgData name="Brooke Taylor" userId="cb809024d88b5de5" providerId="LiveId" clId="{64E839F8-BAE3-4197-B080-5F39667F52ED}" dt="2017-12-14T19:15:17.039" v="2609" actId="20577"/>
         <pc:sldMkLst>
           <pc:docMk/>
           <pc:sldMk cId="2401087165" sldId="271"/>
@@ -799,7 +1072,7 @@
         </pc:spChg>
       </pc:sldChg>
       <pc:sldChg chg="addSp delSp modSp add modTransition modNotesTx">
-        <pc:chgData name="Brooke Taylor" userId="cb809024d88b5de5" providerId="LiveId" clId="{64E839F8-BAE3-4197-B080-5F39667F52ED}" dt="2017-12-14T19:15:17.039" v="2609"/>
+        <pc:chgData name="Brooke Taylor" userId="cb809024d88b5de5" providerId="LiveId" clId="{64E839F8-BAE3-4197-B080-5F39667F52ED}" dt="2017-12-14T20:09:52.800" v="2672"/>
         <pc:sldMkLst>
           <pc:docMk/>
           <pc:sldMk cId="518891357" sldId="272"/>
@@ -860,9 +1133,25 @@
             <ac:picMk id="5" creationId="{365001EB-5949-48BC-9E64-424D8E39137C}"/>
           </ac:picMkLst>
         </pc:picChg>
+        <pc:picChg chg="add del">
+          <ac:chgData name="Brooke Taylor" userId="cb809024d88b5de5" providerId="LiveId" clId="{64E839F8-BAE3-4197-B080-5F39667F52ED}" dt="2017-12-14T20:09:52.345" v="2671" actId="478"/>
+          <ac:picMkLst>
+            <pc:docMk/>
+            <pc:sldMk cId="518891357" sldId="272"/>
+            <ac:picMk id="5" creationId="{284C9305-9F64-4515-B7F6-B887FF1C3B00}"/>
+          </ac:picMkLst>
+        </pc:picChg>
+        <pc:picChg chg="add">
+          <ac:chgData name="Brooke Taylor" userId="cb809024d88b5de5" providerId="LiveId" clId="{64E839F8-BAE3-4197-B080-5F39667F52ED}" dt="2017-12-14T20:09:52.800" v="2672"/>
+          <ac:picMkLst>
+            <pc:docMk/>
+            <pc:sldMk cId="518891357" sldId="272"/>
+            <ac:picMk id="6" creationId="{CDFA7F17-596B-4712-98B0-76FE8BE2B81D}"/>
+          </ac:picMkLst>
+        </pc:picChg>
       </pc:sldChg>
       <pc:sldChg chg="addSp delSp modSp add modTransition modNotesTx">
-        <pc:chgData name="Brooke Taylor" userId="cb809024d88b5de5" providerId="LiveId" clId="{64E839F8-BAE3-4197-B080-5F39667F52ED}" dt="2017-12-14T19:15:17.039" v="2609"/>
+        <pc:chgData name="Brooke Taylor" userId="cb809024d88b5de5" providerId="LiveId" clId="{64E839F8-BAE3-4197-B080-5F39667F52ED}" dt="2017-12-14T20:09:48.039" v="2670"/>
         <pc:sldMkLst>
           <pc:docMk/>
           <pc:sldMk cId="3709083137" sldId="273"/>
@@ -916,6 +1205,14 @@
           </ac:picMkLst>
         </pc:picChg>
         <pc:picChg chg="add del">
+          <ac:chgData name="Brooke Taylor" userId="cb809024d88b5de5" providerId="LiveId" clId="{64E839F8-BAE3-4197-B080-5F39667F52ED}" dt="2017-12-14T20:09:47.721" v="2669" actId="478"/>
+          <ac:picMkLst>
+            <pc:docMk/>
+            <pc:sldMk cId="3709083137" sldId="273"/>
+            <ac:picMk id="5" creationId="{A6A63E55-578B-41EA-8122-DE8526838D5B}"/>
+          </ac:picMkLst>
+        </pc:picChg>
+        <pc:picChg chg="add del">
           <ac:chgData name="Brooke Taylor" userId="cb809024d88b5de5" providerId="LiveId" clId="{64E839F8-BAE3-4197-B080-5F39667F52ED}" dt="2017-12-13T05:04:59.437" v="1886" actId="313"/>
           <ac:picMkLst>
             <pc:docMk/>
@@ -923,9 +1220,17 @@
             <ac:picMk id="5" creationId="{B432B9ED-1680-4819-A623-677A8BCC99F1}"/>
           </ac:picMkLst>
         </pc:picChg>
+        <pc:picChg chg="add">
+          <ac:chgData name="Brooke Taylor" userId="cb809024d88b5de5" providerId="LiveId" clId="{64E839F8-BAE3-4197-B080-5F39667F52ED}" dt="2017-12-14T20:09:48.039" v="2670"/>
+          <ac:picMkLst>
+            <pc:docMk/>
+            <pc:sldMk cId="3709083137" sldId="273"/>
+            <ac:picMk id="6" creationId="{8D92F421-59C6-4E7A-AD5A-9D0EE98E3B31}"/>
+          </ac:picMkLst>
+        </pc:picChg>
       </pc:sldChg>
       <pc:sldChg chg="addSp delSp modSp add ord modTransition modNotesTx">
-        <pc:chgData name="Brooke Taylor" userId="cb809024d88b5de5" providerId="LiveId" clId="{64E839F8-BAE3-4197-B080-5F39667F52ED}" dt="2017-12-14T19:15:17.039" v="2609"/>
+        <pc:chgData name="Brooke Taylor" userId="cb809024d88b5de5" providerId="LiveId" clId="{64E839F8-BAE3-4197-B080-5F39667F52ED}" dt="2017-12-14T19:15:17.039" v="2609" actId="20577"/>
         <pc:sldMkLst>
           <pc:docMk/>
           <pc:sldMk cId="3163671574" sldId="274"/>
@@ -972,7 +1277,7 @@
         </pc:picChg>
       </pc:sldChg>
       <pc:sldChg chg="addSp delSp modSp add modTransition modNotesTx">
-        <pc:chgData name="Brooke Taylor" userId="cb809024d88b5de5" providerId="LiveId" clId="{64E839F8-BAE3-4197-B080-5F39667F52ED}" dt="2017-12-14T19:15:17.039" v="2609"/>
+        <pc:chgData name="Brooke Taylor" userId="cb809024d88b5de5" providerId="LiveId" clId="{64E839F8-BAE3-4197-B080-5F39667F52ED}" dt="2017-12-14T19:15:17.039" v="2609" actId="20577"/>
         <pc:sldMkLst>
           <pc:docMk/>
           <pc:sldMk cId="3749200995" sldId="275"/>
@@ -1058,7 +1363,7 @@
         </pc:spChg>
       </pc:sldChg>
       <pc:sldChg chg="modSp add modTransition">
-        <pc:chgData name="Brooke Taylor" userId="cb809024d88b5de5" providerId="LiveId" clId="{64E839F8-BAE3-4197-B080-5F39667F52ED}" dt="2017-12-14T19:15:17.039" v="2609"/>
+        <pc:chgData name="Brooke Taylor" userId="cb809024d88b5de5" providerId="LiveId" clId="{64E839F8-BAE3-4197-B080-5F39667F52ED}" dt="2017-12-14T19:15:17.039" v="2609" actId="20577"/>
         <pc:sldMkLst>
           <pc:docMk/>
           <pc:sldMk cId="1675900481" sldId="277"/>
@@ -1073,7 +1378,7 @@
         </pc:spChg>
       </pc:sldChg>
       <pc:sldChg chg="addSp delSp modSp add modTransition modNotesTx">
-        <pc:chgData name="Brooke Taylor" userId="cb809024d88b5de5" providerId="LiveId" clId="{64E839F8-BAE3-4197-B080-5F39667F52ED}" dt="2017-12-14T19:15:17.039" v="2609"/>
+        <pc:chgData name="Brooke Taylor" userId="cb809024d88b5de5" providerId="LiveId" clId="{64E839F8-BAE3-4197-B080-5F39667F52ED}" dt="2017-12-14T19:15:17.039" v="2609" actId="20577"/>
         <pc:sldMkLst>
           <pc:docMk/>
           <pc:sldMk cId="687624691" sldId="278"/>
@@ -1184,7 +1489,7 @@
         </pc:picChg>
       </pc:sldChg>
       <pc:sldChg chg="addSp delSp modSp add modTransition modNotesTx">
-        <pc:chgData name="Brooke Taylor" userId="cb809024d88b5de5" providerId="LiveId" clId="{64E839F8-BAE3-4197-B080-5F39667F52ED}" dt="2017-12-14T19:15:17.039" v="2609"/>
+        <pc:chgData name="Brooke Taylor" userId="cb809024d88b5de5" providerId="LiveId" clId="{64E839F8-BAE3-4197-B080-5F39667F52ED}" dt="2017-12-14T19:15:17.039" v="2609" actId="20577"/>
         <pc:sldMkLst>
           <pc:docMk/>
           <pc:sldMk cId="649205620" sldId="279"/>
@@ -1222,8 +1527,8 @@
           </ac:spMkLst>
         </pc:spChg>
       </pc:sldChg>
-      <pc:sldChg chg="addSp delSp modSp add modTransition modNotesTx">
-        <pc:chgData name="Brooke Taylor" userId="cb809024d88b5de5" providerId="LiveId" clId="{64E839F8-BAE3-4197-B080-5F39667F52ED}" dt="2017-12-14T19:15:17.039" v="2609"/>
+      <pc:sldChg chg="addSp delSp modSp add modTransition modAnim modNotesTx">
+        <pc:chgData name="Brooke Taylor" userId="cb809024d88b5de5" providerId="LiveId" clId="{64E839F8-BAE3-4197-B080-5F39667F52ED}" dt="2017-12-14T20:09:58.313" v="2674"/>
         <pc:sldMkLst>
           <pc:docMk/>
           <pc:sldMk cId="2117871772" sldId="280"/>
@@ -1260,6 +1565,22 @@
             <ac:spMk id="6" creationId="{97A18868-2467-4887-A75B-CA60EE2DC0C3}"/>
           </ac:spMkLst>
         </pc:spChg>
+        <pc:grpChg chg="add del">
+          <ac:chgData name="Brooke Taylor" userId="cb809024d88b5de5" providerId="LiveId" clId="{64E839F8-BAE3-4197-B080-5F39667F52ED}" dt="2017-12-14T19:29:07.132" v="2639"/>
+          <ac:grpSpMkLst>
+            <pc:docMk/>
+            <pc:sldMk cId="2117871772" sldId="280"/>
+            <ac:grpSpMk id="5" creationId="{8E25A9E6-901E-4ECF-B730-3848FC7EC801}"/>
+          </ac:grpSpMkLst>
+        </pc:grpChg>
+        <pc:picChg chg="add del">
+          <ac:chgData name="Brooke Taylor" userId="cb809024d88b5de5" providerId="LiveId" clId="{64E839F8-BAE3-4197-B080-5F39667F52ED}" dt="2017-12-14T19:29:10.948" v="2641"/>
+          <ac:picMkLst>
+            <pc:docMk/>
+            <pc:sldMk cId="2117871772" sldId="280"/>
+            <ac:picMk id="3" creationId="{35E99A75-4DEE-4A27-AAD7-45B1A9446FA9}"/>
+          </ac:picMkLst>
+        </pc:picChg>
         <pc:picChg chg="add mod">
           <ac:chgData name="Brooke Taylor" userId="cb809024d88b5de5" providerId="LiveId" clId="{64E839F8-BAE3-4197-B080-5F39667F52ED}" dt="2017-12-13T05:30:31.340" v="2571" actId="12788"/>
           <ac:picMkLst>
@@ -1268,9 +1589,33 @@
             <ac:picMk id="4" creationId="{7C0D7061-060F-487A-9728-5755E13ED480}"/>
           </ac:picMkLst>
         </pc:picChg>
+        <pc:picChg chg="add del">
+          <ac:chgData name="Brooke Taylor" userId="cb809024d88b5de5" providerId="LiveId" clId="{64E839F8-BAE3-4197-B080-5F39667F52ED}" dt="2017-12-14T19:29:15.513" v="2643"/>
+          <ac:picMkLst>
+            <pc:docMk/>
+            <pc:sldMk cId="2117871772" sldId="280"/>
+            <ac:picMk id="9" creationId="{30A95851-D7DA-461B-BD3E-C76E4F0F0FAE}"/>
+          </ac:picMkLst>
+        </pc:picChg>
+        <pc:picChg chg="add del mod">
+          <ac:chgData name="Brooke Taylor" userId="cb809024d88b5de5" providerId="LiveId" clId="{64E839F8-BAE3-4197-B080-5F39667F52ED}" dt="2017-12-14T20:09:58.009" v="2673" actId="478"/>
+          <ac:picMkLst>
+            <pc:docMk/>
+            <pc:sldMk cId="2117871772" sldId="280"/>
+            <ac:picMk id="10" creationId="{D69B29D9-C0D2-4779-9FA7-0C825F8FAC5A}"/>
+          </ac:picMkLst>
+        </pc:picChg>
+        <pc:picChg chg="add">
+          <ac:chgData name="Brooke Taylor" userId="cb809024d88b5de5" providerId="LiveId" clId="{64E839F8-BAE3-4197-B080-5F39667F52ED}" dt="2017-12-14T20:09:58.313" v="2674"/>
+          <ac:picMkLst>
+            <pc:docMk/>
+            <pc:sldMk cId="2117871772" sldId="280"/>
+            <ac:picMk id="11" creationId="{C20E1457-DA93-4F3F-8425-ADF51E0550E7}"/>
+          </ac:picMkLst>
+        </pc:picChg>
       </pc:sldChg>
       <pc:sldChg chg="addSp delSp modSp add ord modTransition">
-        <pc:chgData name="Brooke Taylor" userId="cb809024d88b5de5" providerId="LiveId" clId="{64E839F8-BAE3-4197-B080-5F39667F52ED}" dt="2017-12-14T19:15:17.039" v="2609"/>
+        <pc:chgData name="Brooke Taylor" userId="cb809024d88b5de5" providerId="LiveId" clId="{64E839F8-BAE3-4197-B080-5F39667F52ED}" dt="2017-12-14T19:15:17.039" v="2609" actId="20577"/>
         <pc:sldMkLst>
           <pc:docMk/>
           <pc:sldMk cId="118655642" sldId="281"/>
@@ -1317,7 +1662,7 @@
         </pc:picChg>
       </pc:sldChg>
       <pc:sldChg chg="addSp delSp modSp add modTransition modNotesTx">
-        <pc:chgData name="Brooke Taylor" userId="cb809024d88b5de5" providerId="LiveId" clId="{64E839F8-BAE3-4197-B080-5F39667F52ED}" dt="2017-12-14T19:15:17.039" v="2609"/>
+        <pc:chgData name="Brooke Taylor" userId="cb809024d88b5de5" providerId="LiveId" clId="{64E839F8-BAE3-4197-B080-5F39667F52ED}" dt="2017-12-14T19:15:17.039" v="2609" actId="20577"/>
         <pc:sldMkLst>
           <pc:docMk/>
           <pc:sldMk cId="1504402160" sldId="282"/>
@@ -1370,6 +1715,157 @@
             <ac:picMk id="5" creationId="{B096E520-CD44-4FDA-982E-81254AC35B74}"/>
           </ac:picMkLst>
         </pc:picChg>
+      </pc:sldChg>
+      <pc:sldChg chg="modSp add setBg">
+        <pc:chgData name="Brooke Taylor" userId="cb809024d88b5de5" providerId="LiveId" clId="{64E839F8-BAE3-4197-B080-5F39667F52ED}" dt="2017-12-14T20:08:36.200" v="2661" actId="14100"/>
+        <pc:sldMkLst>
+          <pc:docMk/>
+          <pc:sldMk cId="1936896649" sldId="283"/>
+        </pc:sldMkLst>
+        <pc:spChg chg="mod">
+          <ac:chgData name="Brooke Taylor" userId="cb809024d88b5de5" providerId="LiveId" clId="{64E839F8-BAE3-4197-B080-5F39667F52ED}" dt="2017-12-14T20:08:00.960" v="2656" actId="14100"/>
+          <ac:spMkLst>
+            <pc:docMk/>
+            <pc:sldMk cId="1936896649" sldId="283"/>
+            <ac:spMk id="13" creationId="{8DDFBDED-2D99-49BC-9DAD-123FEEC43674}"/>
+          </ac:spMkLst>
+        </pc:spChg>
+        <pc:spChg chg="mod">
+          <ac:chgData name="Brooke Taylor" userId="cb809024d88b5de5" providerId="LiveId" clId="{64E839F8-BAE3-4197-B080-5F39667F52ED}" dt="2017-12-14T20:08:00.960" v="2656" actId="14100"/>
+          <ac:spMkLst>
+            <pc:docMk/>
+            <pc:sldMk cId="1936896649" sldId="283"/>
+            <ac:spMk id="14" creationId="{7C1A86F5-C6B0-4264-86E0-F5A049A22BA4}"/>
+          </ac:spMkLst>
+        </pc:spChg>
+        <pc:spChg chg="mod">
+          <ac:chgData name="Brooke Taylor" userId="cb809024d88b5de5" providerId="LiveId" clId="{64E839F8-BAE3-4197-B080-5F39667F52ED}" dt="2017-12-14T20:08:00.960" v="2656" actId="14100"/>
+          <ac:spMkLst>
+            <pc:docMk/>
+            <pc:sldMk cId="1936896649" sldId="283"/>
+            <ac:spMk id="15" creationId="{0D05D635-7B8A-425D-9D02-CAEF3215DFE7}"/>
+          </ac:spMkLst>
+        </pc:spChg>
+        <pc:spChg chg="mod">
+          <ac:chgData name="Brooke Taylor" userId="cb809024d88b5de5" providerId="LiveId" clId="{64E839F8-BAE3-4197-B080-5F39667F52ED}" dt="2017-12-14T20:08:06.849" v="2657" actId="14100"/>
+          <ac:spMkLst>
+            <pc:docMk/>
+            <pc:sldMk cId="1936896649" sldId="283"/>
+            <ac:spMk id="20" creationId="{AE9DF939-673B-4820-989A-E20D1C4DCFA2}"/>
+          </ac:spMkLst>
+        </pc:spChg>
+        <pc:spChg chg="mod">
+          <ac:chgData name="Brooke Taylor" userId="cb809024d88b5de5" providerId="LiveId" clId="{64E839F8-BAE3-4197-B080-5F39667F52ED}" dt="2017-12-14T20:08:20.956" v="2659" actId="14100"/>
+          <ac:spMkLst>
+            <pc:docMk/>
+            <pc:sldMk cId="1936896649" sldId="283"/>
+            <ac:spMk id="21" creationId="{7C0A0B50-965B-4C29-B041-2444B4849A22}"/>
+          </ac:spMkLst>
+        </pc:spChg>
+        <pc:spChg chg="mod">
+          <ac:chgData name="Brooke Taylor" userId="cb809024d88b5de5" providerId="LiveId" clId="{64E839F8-BAE3-4197-B080-5F39667F52ED}" dt="2017-12-14T20:08:14.486" v="2658" actId="14100"/>
+          <ac:spMkLst>
+            <pc:docMk/>
+            <pc:sldMk cId="1936896649" sldId="283"/>
+            <ac:spMk id="22" creationId="{DFBC9DA8-4E34-4F78-B838-D40A02AAC954}"/>
+          </ac:spMkLst>
+        </pc:spChg>
+        <pc:spChg chg="mod">
+          <ac:chgData name="Brooke Taylor" userId="cb809024d88b5de5" providerId="LiveId" clId="{64E839F8-BAE3-4197-B080-5F39667F52ED}" dt="2017-12-14T20:08:36.200" v="2661" actId="14100"/>
+          <ac:spMkLst>
+            <pc:docMk/>
+            <pc:sldMk cId="1936896649" sldId="283"/>
+            <ac:spMk id="24" creationId="{9BE40033-09CD-4866-A4F6-6B7AEFF755BA}"/>
+          </ac:spMkLst>
+        </pc:spChg>
+        <pc:spChg chg="mod">
+          <ac:chgData name="Brooke Taylor" userId="cb809024d88b5de5" providerId="LiveId" clId="{64E839F8-BAE3-4197-B080-5F39667F52ED}" dt="2017-12-14T20:08:30.653" v="2660" actId="14100"/>
+          <ac:spMkLst>
+            <pc:docMk/>
+            <pc:sldMk cId="1936896649" sldId="283"/>
+            <ac:spMk id="25" creationId="{50B1E217-A495-47F3-9A6C-B1A8DAE2D853}"/>
+          </ac:spMkLst>
+        </pc:spChg>
+        <pc:spChg chg="mod">
+          <ac:chgData name="Brooke Taylor" userId="cb809024d88b5de5" providerId="LiveId" clId="{64E839F8-BAE3-4197-B080-5F39667F52ED}" dt="2017-12-14T20:08:06.849" v="2657" actId="14100"/>
+          <ac:spMkLst>
+            <pc:docMk/>
+            <pc:sldMk cId="1936896649" sldId="283"/>
+            <ac:spMk id="32" creationId="{EE1C86EE-A9DD-47C2-ABB3-FA2B3FC49534}"/>
+          </ac:spMkLst>
+        </pc:spChg>
+        <pc:spChg chg="mod">
+          <ac:chgData name="Brooke Taylor" userId="cb809024d88b5de5" providerId="LiveId" clId="{64E839F8-BAE3-4197-B080-5F39667F52ED}" dt="2017-12-14T20:08:20.956" v="2659" actId="14100"/>
+          <ac:spMkLst>
+            <pc:docMk/>
+            <pc:sldMk cId="1936896649" sldId="283"/>
+            <ac:spMk id="33" creationId="{0A7168CC-E18D-443C-A23B-B45059D9C3C5}"/>
+          </ac:spMkLst>
+        </pc:spChg>
+        <pc:spChg chg="mod">
+          <ac:chgData name="Brooke Taylor" userId="cb809024d88b5de5" providerId="LiveId" clId="{64E839F8-BAE3-4197-B080-5F39667F52ED}" dt="2017-12-14T20:08:14.486" v="2658" actId="14100"/>
+          <ac:spMkLst>
+            <pc:docMk/>
+            <pc:sldMk cId="1936896649" sldId="283"/>
+            <ac:spMk id="34" creationId="{F24879B3-79C9-41C1-9069-E53AAD96ECA1}"/>
+          </ac:spMkLst>
+        </pc:spChg>
+        <pc:spChg chg="mod">
+          <ac:chgData name="Brooke Taylor" userId="cb809024d88b5de5" providerId="LiveId" clId="{64E839F8-BAE3-4197-B080-5F39667F52ED}" dt="2017-12-14T20:08:36.200" v="2661" actId="14100"/>
+          <ac:spMkLst>
+            <pc:docMk/>
+            <pc:sldMk cId="1936896649" sldId="283"/>
+            <ac:spMk id="36" creationId="{610AEC14-8959-40FC-A7F0-CF95C1C9FF1B}"/>
+          </ac:spMkLst>
+        </pc:spChg>
+        <pc:spChg chg="mod">
+          <ac:chgData name="Brooke Taylor" userId="cb809024d88b5de5" providerId="LiveId" clId="{64E839F8-BAE3-4197-B080-5F39667F52ED}" dt="2017-12-14T20:08:30.653" v="2660" actId="14100"/>
+          <ac:spMkLst>
+            <pc:docMk/>
+            <pc:sldMk cId="1936896649" sldId="283"/>
+            <ac:spMk id="37" creationId="{67D3E844-B9D5-4A5D-9D60-E163CFEF6F68}"/>
+          </ac:spMkLst>
+        </pc:spChg>
+        <pc:spChg chg="mod">
+          <ac:chgData name="Brooke Taylor" userId="cb809024d88b5de5" providerId="LiveId" clId="{64E839F8-BAE3-4197-B080-5F39667F52ED}" dt="2017-12-14T20:08:06.849" v="2657" actId="14100"/>
+          <ac:spMkLst>
+            <pc:docMk/>
+            <pc:sldMk cId="1936896649" sldId="283"/>
+            <ac:spMk id="38" creationId="{3F3CEA71-8CB0-4E69-846A-8BF415B5173D}"/>
+          </ac:spMkLst>
+        </pc:spChg>
+        <pc:spChg chg="mod">
+          <ac:chgData name="Brooke Taylor" userId="cb809024d88b5de5" providerId="LiveId" clId="{64E839F8-BAE3-4197-B080-5F39667F52ED}" dt="2017-12-14T20:08:20.956" v="2659" actId="14100"/>
+          <ac:spMkLst>
+            <pc:docMk/>
+            <pc:sldMk cId="1936896649" sldId="283"/>
+            <ac:spMk id="39" creationId="{E70ADD9D-506A-49B3-8B32-1EE8A2A54E9D}"/>
+          </ac:spMkLst>
+        </pc:spChg>
+        <pc:spChg chg="mod">
+          <ac:chgData name="Brooke Taylor" userId="cb809024d88b5de5" providerId="LiveId" clId="{64E839F8-BAE3-4197-B080-5F39667F52ED}" dt="2017-12-14T20:08:14.486" v="2658" actId="14100"/>
+          <ac:spMkLst>
+            <pc:docMk/>
+            <pc:sldMk cId="1936896649" sldId="283"/>
+            <ac:spMk id="40" creationId="{EB1BE4CD-D970-4B74-9B5F-6032802DE165}"/>
+          </ac:spMkLst>
+        </pc:spChg>
+        <pc:spChg chg="mod">
+          <ac:chgData name="Brooke Taylor" userId="cb809024d88b5de5" providerId="LiveId" clId="{64E839F8-BAE3-4197-B080-5F39667F52ED}" dt="2017-12-14T20:08:36.200" v="2661" actId="14100"/>
+          <ac:spMkLst>
+            <pc:docMk/>
+            <pc:sldMk cId="1936896649" sldId="283"/>
+            <ac:spMk id="42" creationId="{78BB2DB0-5DBD-483F-A6C8-BA2DC2BACA7D}"/>
+          </ac:spMkLst>
+        </pc:spChg>
+        <pc:spChg chg="mod">
+          <ac:chgData name="Brooke Taylor" userId="cb809024d88b5de5" providerId="LiveId" clId="{64E839F8-BAE3-4197-B080-5F39667F52ED}" dt="2017-12-14T20:08:30.653" v="2660" actId="14100"/>
+          <ac:spMkLst>
+            <pc:docMk/>
+            <pc:sldMk cId="1936896649" sldId="283"/>
+            <ac:spMk id="43" creationId="{F9130D2B-E53C-4F4E-A2C4-A8B724CCB6F9}"/>
+          </ac:spMkLst>
+        </pc:spChg>
       </pc:sldChg>
       <pc:sldMasterChg chg="modSldLayout">
         <pc:chgData name="Brooke Taylor" userId="cb809024d88b5de5" providerId="LiveId" clId="{64E839F8-BAE3-4197-B080-5F39667F52ED}" dt="2017-12-13T05:15:58.704" v="2166" actId="242"/>
@@ -1914,7 +2410,7 @@
           <a:p>
             <a:fld id="{E036C5E8-C651-4855-8408-5DA77CFDB230}" type="slidenum">
               <a:rPr lang="en-US" smtClean="0"/>
-              <a:t>18</a:t>
+              <a:t>19</a:t>
             </a:fld>
             <a:endParaRPr lang="en-US"/>
           </a:p>
@@ -2001,7 +2497,7 @@
           <a:p>
             <a:fld id="{E036C5E8-C651-4855-8408-5DA77CFDB230}" type="slidenum">
               <a:rPr lang="en-US" smtClean="0"/>
-              <a:t>19</a:t>
+              <a:t>20</a:t>
             </a:fld>
             <a:endParaRPr lang="en-US"/>
           </a:p>
@@ -2088,7 +2584,7 @@
           <a:p>
             <a:fld id="{E036C5E8-C651-4855-8408-5DA77CFDB230}" type="slidenum">
               <a:rPr lang="en-US" smtClean="0"/>
-              <a:t>20</a:t>
+              <a:t>21</a:t>
             </a:fld>
             <a:endParaRPr lang="en-US"/>
           </a:p>
@@ -2175,7 +2671,7 @@
           <a:p>
             <a:fld id="{E036C5E8-C651-4855-8408-5DA77CFDB230}" type="slidenum">
               <a:rPr lang="en-US" smtClean="0"/>
-              <a:t>21</a:t>
+              <a:t>22</a:t>
             </a:fld>
             <a:endParaRPr lang="en-US"/>
           </a:p>
@@ -2262,7 +2758,7 @@
           <a:p>
             <a:fld id="{E036C5E8-C651-4855-8408-5DA77CFDB230}" type="slidenum">
               <a:rPr lang="en-US" smtClean="0"/>
-              <a:t>22</a:t>
+              <a:t>23</a:t>
             </a:fld>
             <a:endParaRPr lang="en-US"/>
           </a:p>
@@ -2349,7 +2845,7 @@
           <a:p>
             <a:fld id="{E036C5E8-C651-4855-8408-5DA77CFDB230}" type="slidenum">
               <a:rPr lang="en-US" smtClean="0"/>
-              <a:t>23</a:t>
+              <a:t>24</a:t>
             </a:fld>
             <a:endParaRPr lang="en-US"/>
           </a:p>
@@ -2436,7 +2932,7 @@
           <a:p>
             <a:fld id="{E036C5E8-C651-4855-8408-5DA77CFDB230}" type="slidenum">
               <a:rPr lang="en-US" smtClean="0"/>
-              <a:t>25</a:t>
+              <a:t>26</a:t>
             </a:fld>
             <a:endParaRPr lang="en-US"/>
           </a:p>
@@ -2541,7 +3037,7 @@
           <a:p>
             <a:fld id="{E036C5E8-C651-4855-8408-5DA77CFDB230}" type="slidenum">
               <a:rPr lang="en-US" smtClean="0"/>
-              <a:t>27</a:t>
+              <a:t>28</a:t>
             </a:fld>
             <a:endParaRPr lang="en-US"/>
           </a:p>
@@ -3153,7 +3649,7 @@
           <a:p>
             <a:fld id="{E036C5E8-C651-4855-8408-5DA77CFDB230}" type="slidenum">
               <a:rPr lang="en-US" smtClean="0"/>
-              <a:t>16</a:t>
+              <a:t>17</a:t>
             </a:fld>
             <a:endParaRPr lang="en-US"/>
           </a:p>
@@ -3241,7 +3737,7 @@
           <a:p>
             <a:fld id="{E036C5E8-C651-4855-8408-5DA77CFDB230}" type="slidenum">
               <a:rPr lang="en-US" smtClean="0"/>
-              <a:t>17</a:t>
+              <a:t>18</a:t>
             </a:fld>
             <a:endParaRPr lang="en-US"/>
           </a:p>
@@ -12618,13 +13114,13 @@
   <p:clrMapOvr>
     <a:masterClrMapping/>
   </p:clrMapOvr>
-  <mc:AlternateContent xmlns:mc="http://schemas.openxmlformats.org/markup-compatibility/2006">
-    <mc:Choice xmlns:p14="http://schemas.microsoft.com/office/powerpoint/2010/main" Requires="p14">
+  <mc:AlternateContent xmlns:mc="http://schemas.openxmlformats.org/markup-compatibility/2006" xmlns:p14="http://schemas.microsoft.com/office/powerpoint/2010/main">
+    <mc:Choice Requires="p14">
       <p:transition spd="med" p14:dur="700">
         <p:fade/>
       </p:transition>
     </mc:Choice>
-    <mc:Fallback>
+    <mc:Fallback xmlns="">
       <p:transition spd="med">
         <p:fade/>
       </p:transition>
@@ -12738,13 +13234,13 @@
   <p:clrMapOvr>
     <a:masterClrMapping/>
   </p:clrMapOvr>
-  <mc:AlternateContent xmlns:mc="http://schemas.openxmlformats.org/markup-compatibility/2006">
-    <mc:Choice xmlns:p14="http://schemas.microsoft.com/office/powerpoint/2010/main" Requires="p14">
+  <mc:AlternateContent xmlns:mc="http://schemas.openxmlformats.org/markup-compatibility/2006" xmlns:p14="http://schemas.microsoft.com/office/powerpoint/2010/main">
+    <mc:Choice Requires="p14">
       <p:transition spd="med" p14:dur="700">
         <p:fade/>
       </p:transition>
     </mc:Choice>
-    <mc:Fallback>
+    <mc:Fallback xmlns="">
       <p:transition spd="med">
         <p:fade/>
       </p:transition>
@@ -13231,13 +13727,13 @@
   <p:clrMapOvr>
     <a:masterClrMapping/>
   </p:clrMapOvr>
-  <mc:AlternateContent xmlns:mc="http://schemas.openxmlformats.org/markup-compatibility/2006">
-    <mc:Choice xmlns:p14="http://schemas.microsoft.com/office/powerpoint/2010/main" Requires="p14">
+  <mc:AlternateContent xmlns:mc="http://schemas.openxmlformats.org/markup-compatibility/2006" xmlns:p14="http://schemas.microsoft.com/office/powerpoint/2010/main">
+    <mc:Choice Requires="p14">
       <p:transition spd="med" p14:dur="700">
         <p:fade/>
       </p:transition>
     </mc:Choice>
-    <mc:Fallback>
+    <mc:Fallback xmlns="">
       <p:transition spd="med">
         <p:fade/>
       </p:transition>
@@ -14400,13 +14896,13 @@
   <p:clrMapOvr>
     <a:masterClrMapping/>
   </p:clrMapOvr>
-  <mc:AlternateContent xmlns:mc="http://schemas.openxmlformats.org/markup-compatibility/2006">
-    <mc:Choice xmlns:p14="http://schemas.microsoft.com/office/powerpoint/2010/main" Requires="p14">
+  <mc:AlternateContent xmlns:mc="http://schemas.openxmlformats.org/markup-compatibility/2006" xmlns:p14="http://schemas.microsoft.com/office/powerpoint/2010/main">
+    <mc:Choice Requires="p14">
       <p:transition spd="med" p14:dur="700">
         <p:fade/>
       </p:transition>
     </mc:Choice>
-    <mc:Fallback>
+    <mc:Fallback xmlns="">
       <p:transition spd="med">
         <p:fade/>
       </p:transition>
@@ -17247,13 +17743,13 @@
   <p:clrMapOvr>
     <a:masterClrMapping/>
   </p:clrMapOvr>
-  <mc:AlternateContent xmlns:mc="http://schemas.openxmlformats.org/markup-compatibility/2006">
-    <mc:Choice xmlns:p14="http://schemas.microsoft.com/office/powerpoint/2010/main" Requires="p14">
+  <mc:AlternateContent xmlns:mc="http://schemas.openxmlformats.org/markup-compatibility/2006" xmlns:p14="http://schemas.microsoft.com/office/powerpoint/2010/main">
+    <mc:Choice Requires="p14">
       <p:transition spd="med" p14:dur="700">
         <p:fade/>
       </p:transition>
     </mc:Choice>
-    <mc:Fallback>
+    <mc:Fallback xmlns="">
       <p:transition spd="med">
         <p:fade/>
       </p:transition>
@@ -20094,13 +20590,13 @@
   <p:clrMapOvr>
     <a:masterClrMapping/>
   </p:clrMapOvr>
-  <mc:AlternateContent xmlns:mc="http://schemas.openxmlformats.org/markup-compatibility/2006">
-    <mc:Choice xmlns:p14="http://schemas.microsoft.com/office/powerpoint/2010/main" Requires="p14">
+  <mc:AlternateContent xmlns:mc="http://schemas.openxmlformats.org/markup-compatibility/2006" xmlns:p14="http://schemas.microsoft.com/office/powerpoint/2010/main">
+    <mc:Choice Requires="p14">
       <p:transition spd="med" p14:dur="700">
         <p:fade/>
       </p:transition>
     </mc:Choice>
-    <mc:Fallback>
+    <mc:Fallback xmlns="">
       <p:transition spd="med">
         <p:fade/>
       </p:transition>
@@ -20126,6 +20622,2823 @@
           <a:chExt cx="0" cy="0"/>
         </a:xfrm>
       </p:grpSpPr>
+      <p:grpSp>
+        <p:nvGrpSpPr>
+          <p:cNvPr id="16" name="Group 15">
+            <a:extLst>
+              <a:ext uri="{FF2B5EF4-FFF2-40B4-BE49-F238E27FC236}">
+                <a16:creationId xmlns:a16="http://schemas.microsoft.com/office/drawing/2014/main" id="{4A270C28-325C-4125-9415-372F51959213}"/>
+              </a:ext>
+            </a:extLst>
+          </p:cNvPr>
+          <p:cNvGrpSpPr/>
+          <p:nvPr/>
+        </p:nvGrpSpPr>
+        <p:grpSpPr>
+          <a:xfrm>
+            <a:off x="609600" y="1963970"/>
+            <a:ext cx="10972800" cy="4480560"/>
+            <a:chOff x="704959" y="1543643"/>
+            <a:chExt cx="10972800" cy="4572000"/>
+          </a:xfrm>
+        </p:grpSpPr>
+        <p:sp>
+          <p:nvSpPr>
+            <p:cNvPr id="17" name="Rectangle 16">
+              <a:extLst>
+                <a:ext uri="{FF2B5EF4-FFF2-40B4-BE49-F238E27FC236}">
+                  <a16:creationId xmlns:a16="http://schemas.microsoft.com/office/drawing/2014/main" id="{23CBFCB8-0DCC-41EE-A8F1-52A203960BEF}"/>
+                </a:ext>
+              </a:extLst>
+            </p:cNvPr>
+            <p:cNvSpPr/>
+            <p:nvPr/>
+          </p:nvSpPr>
+          <p:spPr>
+            <a:xfrm>
+              <a:off x="704959" y="1543643"/>
+              <a:ext cx="10972800" cy="4572000"/>
+            </a:xfrm>
+            <a:prstGeom prst="rect">
+              <a:avLst/>
+            </a:prstGeom>
+            <a:solidFill>
+              <a:schemeClr val="accent6"/>
+            </a:solidFill>
+            <a:ln w="9000">
+              <a:solidFill>
+                <a:schemeClr val="tx1"/>
+              </a:solidFill>
+            </a:ln>
+          </p:spPr>
+          <p:style>
+            <a:lnRef idx="2">
+              <a:schemeClr val="accent1">
+                <a:shade val="50000"/>
+              </a:schemeClr>
+            </a:lnRef>
+            <a:fillRef idx="1">
+              <a:schemeClr val="accent1"/>
+            </a:fillRef>
+            <a:effectRef idx="0">
+              <a:schemeClr val="accent1"/>
+            </a:effectRef>
+            <a:fontRef idx="minor">
+              <a:schemeClr val="lt1"/>
+            </a:fontRef>
+          </p:style>
+          <p:txBody>
+            <a:bodyPr rtlCol="0" anchor="ctr"/>
+            <a:lstStyle/>
+            <a:p>
+              <a:pPr marL="0" marR="0" lvl="0" indent="0" algn="ctr" defTabSz="457200" rtl="0" eaLnBrk="1" fontAlgn="auto" latinLnBrk="0" hangingPunct="1">
+                <a:lnSpc>
+                  <a:spcPct val="100000"/>
+                </a:lnSpc>
+                <a:spcBef>
+                  <a:spcPts val="0"/>
+                </a:spcBef>
+                <a:spcAft>
+                  <a:spcPts val="0"/>
+                </a:spcAft>
+                <a:buClrTx/>
+                <a:buSzTx/>
+                <a:buFontTx/>
+                <a:buNone/>
+                <a:tabLst/>
+                <a:defRPr/>
+              </a:pPr>
+              <a:endParaRPr kumimoji="0" lang="en-US" sz="1800" b="0" i="0" u="none" strike="noStrike" kern="1200" cap="none" spc="0" normalizeH="0" baseline="0" noProof="0">
+                <a:ln>
+                  <a:noFill/>
+                </a:ln>
+                <a:solidFill>
+                  <a:srgbClr val="000000"/>
+                </a:solidFill>
+                <a:effectLst/>
+                <a:uLnTx/>
+                <a:uFillTx/>
+                <a:latin typeface="Calibri" panose="020F0502020204030204"/>
+                <a:ea typeface="+mn-ea"/>
+                <a:cs typeface="+mn-cs"/>
+              </a:endParaRPr>
+            </a:p>
+          </p:txBody>
+        </p:sp>
+        <p:sp>
+          <p:nvSpPr>
+            <p:cNvPr id="18" name="Rectangle 17">
+              <a:extLst>
+                <a:ext uri="{FF2B5EF4-FFF2-40B4-BE49-F238E27FC236}">
+                  <a16:creationId xmlns:a16="http://schemas.microsoft.com/office/drawing/2014/main" id="{AB33C4CA-05B4-4D92-AAC9-930D10856072}"/>
+                </a:ext>
+              </a:extLst>
+            </p:cNvPr>
+            <p:cNvSpPr/>
+            <p:nvPr/>
+          </p:nvSpPr>
+          <p:spPr>
+            <a:xfrm>
+              <a:off x="704959" y="1543643"/>
+              <a:ext cx="4467188" cy="4572000"/>
+            </a:xfrm>
+            <a:prstGeom prst="rect">
+              <a:avLst/>
+            </a:prstGeom>
+            <a:solidFill>
+              <a:srgbClr val="002B82"/>
+            </a:solidFill>
+            <a:ln w="9000">
+              <a:solidFill>
+                <a:schemeClr val="tx1"/>
+              </a:solidFill>
+            </a:ln>
+          </p:spPr>
+          <p:style>
+            <a:lnRef idx="2">
+              <a:schemeClr val="accent1">
+                <a:shade val="50000"/>
+              </a:schemeClr>
+            </a:lnRef>
+            <a:fillRef idx="1">
+              <a:schemeClr val="accent1"/>
+            </a:fillRef>
+            <a:effectRef idx="0">
+              <a:schemeClr val="accent1"/>
+            </a:effectRef>
+            <a:fontRef idx="minor">
+              <a:schemeClr val="lt1"/>
+            </a:fontRef>
+          </p:style>
+          <p:txBody>
+            <a:bodyPr rtlCol="0" anchor="ctr"/>
+            <a:lstStyle/>
+            <a:p>
+              <a:pPr marL="0" marR="0" lvl="0" indent="0" algn="ctr" defTabSz="457200" rtl="0" eaLnBrk="1" fontAlgn="auto" latinLnBrk="0" hangingPunct="1">
+                <a:lnSpc>
+                  <a:spcPct val="100000"/>
+                </a:lnSpc>
+                <a:spcBef>
+                  <a:spcPts val="0"/>
+                </a:spcBef>
+                <a:spcAft>
+                  <a:spcPts val="0"/>
+                </a:spcAft>
+                <a:buClrTx/>
+                <a:buSzTx/>
+                <a:buFontTx/>
+                <a:buNone/>
+                <a:tabLst/>
+                <a:defRPr/>
+              </a:pPr>
+              <a:endParaRPr kumimoji="0" lang="en-US" sz="1800" b="0" i="0" u="none" strike="noStrike" kern="1200" cap="none" spc="0" normalizeH="0" baseline="0" noProof="0" dirty="0">
+                <a:ln>
+                  <a:noFill/>
+                </a:ln>
+                <a:solidFill>
+                  <a:srgbClr val="000000"/>
+                </a:solidFill>
+                <a:effectLst/>
+                <a:uLnTx/>
+                <a:uFillTx/>
+                <a:latin typeface="Calibri" panose="020F0502020204030204"/>
+                <a:ea typeface="+mn-ea"/>
+                <a:cs typeface="+mn-cs"/>
+              </a:endParaRPr>
+            </a:p>
+          </p:txBody>
+        </p:sp>
+        <p:sp>
+          <p:nvSpPr>
+            <p:cNvPr id="19" name="Rectangle 18">
+              <a:extLst>
+                <a:ext uri="{FF2B5EF4-FFF2-40B4-BE49-F238E27FC236}">
+                  <a16:creationId xmlns:a16="http://schemas.microsoft.com/office/drawing/2014/main" id="{573D4B3B-3B6C-4639-909E-107026F0D9B6}"/>
+                </a:ext>
+              </a:extLst>
+            </p:cNvPr>
+            <p:cNvSpPr/>
+            <p:nvPr/>
+          </p:nvSpPr>
+          <p:spPr>
+            <a:xfrm>
+              <a:off x="4362381" y="1543643"/>
+              <a:ext cx="3657777" cy="4572000"/>
+            </a:xfrm>
+            <a:prstGeom prst="rect">
+              <a:avLst/>
+            </a:prstGeom>
+            <a:solidFill>
+              <a:srgbClr val="D00000"/>
+            </a:solidFill>
+            <a:ln w="9000">
+              <a:solidFill>
+                <a:schemeClr val="tx1"/>
+              </a:solidFill>
+            </a:ln>
+          </p:spPr>
+          <p:style>
+            <a:lnRef idx="2">
+              <a:schemeClr val="accent1">
+                <a:shade val="50000"/>
+              </a:schemeClr>
+            </a:lnRef>
+            <a:fillRef idx="1">
+              <a:schemeClr val="accent1"/>
+            </a:fillRef>
+            <a:effectRef idx="0">
+              <a:schemeClr val="accent1"/>
+            </a:effectRef>
+            <a:fontRef idx="minor">
+              <a:schemeClr val="lt1"/>
+            </a:fontRef>
+          </p:style>
+          <p:txBody>
+            <a:bodyPr rtlCol="0" anchor="ctr"/>
+            <a:lstStyle/>
+            <a:p>
+              <a:pPr marL="0" marR="0" lvl="0" indent="0" algn="ctr" defTabSz="457200" rtl="0" eaLnBrk="1" fontAlgn="auto" latinLnBrk="0" hangingPunct="1">
+                <a:lnSpc>
+                  <a:spcPct val="100000"/>
+                </a:lnSpc>
+                <a:spcBef>
+                  <a:spcPts val="0"/>
+                </a:spcBef>
+                <a:spcAft>
+                  <a:spcPts val="0"/>
+                </a:spcAft>
+                <a:buClrTx/>
+                <a:buSzTx/>
+                <a:buFontTx/>
+                <a:buNone/>
+                <a:tabLst/>
+                <a:defRPr/>
+              </a:pPr>
+              <a:endParaRPr kumimoji="0" lang="en-US" sz="1800" b="0" i="0" u="none" strike="noStrike" kern="1200" cap="none" spc="0" normalizeH="0" baseline="0" noProof="0" dirty="0">
+                <a:ln>
+                  <a:noFill/>
+                </a:ln>
+                <a:solidFill>
+                  <a:srgbClr val="000000"/>
+                </a:solidFill>
+                <a:effectLst/>
+                <a:uLnTx/>
+                <a:uFillTx/>
+                <a:latin typeface="Calibri" panose="020F0502020204030204"/>
+                <a:ea typeface="+mn-ea"/>
+                <a:cs typeface="+mn-cs"/>
+              </a:endParaRPr>
+            </a:p>
+          </p:txBody>
+        </p:sp>
+      </p:grpSp>
+      <p:sp>
+        <p:nvSpPr>
+          <p:cNvPr id="6" name="Rectangle 5">
+            <a:extLst>
+              <a:ext uri="{FF2B5EF4-FFF2-40B4-BE49-F238E27FC236}">
+                <a16:creationId xmlns:a16="http://schemas.microsoft.com/office/drawing/2014/main" id="{6A81C573-BC97-4346-9B22-675EEEE1471D}"/>
+              </a:ext>
+            </a:extLst>
+          </p:cNvPr>
+          <p:cNvSpPr/>
+          <p:nvPr/>
+        </p:nvSpPr>
+        <p:spPr>
+          <a:xfrm>
+            <a:off x="7924800" y="1963970"/>
+            <a:ext cx="3657600" cy="640080"/>
+          </a:xfrm>
+          <a:prstGeom prst="rect">
+            <a:avLst/>
+          </a:prstGeom>
+          <a:solidFill>
+            <a:schemeClr val="accent6">
+              <a:lumMod val="20000"/>
+              <a:lumOff val="80000"/>
+            </a:schemeClr>
+          </a:solidFill>
+          <a:ln w="9000">
+            <a:solidFill>
+              <a:schemeClr val="tx1"/>
+            </a:solidFill>
+          </a:ln>
+        </p:spPr>
+        <p:style>
+          <a:lnRef idx="2">
+            <a:schemeClr val="accent1">
+              <a:shade val="50000"/>
+            </a:schemeClr>
+          </a:lnRef>
+          <a:fillRef idx="1">
+            <a:schemeClr val="accent1"/>
+          </a:fillRef>
+          <a:effectRef idx="0">
+            <a:schemeClr val="accent1"/>
+          </a:effectRef>
+          <a:fontRef idx="minor">
+            <a:schemeClr val="lt1"/>
+          </a:fontRef>
+        </p:style>
+        <p:txBody>
+          <a:bodyPr rtlCol="0" anchor="ctr"/>
+          <a:lstStyle/>
+          <a:p>
+            <a:pPr marL="0" marR="0" lvl="0" indent="0" algn="ctr" defTabSz="457200" rtl="0" eaLnBrk="1" fontAlgn="auto" latinLnBrk="0" hangingPunct="1">
+              <a:lnSpc>
+                <a:spcPct val="100000"/>
+              </a:lnSpc>
+              <a:spcBef>
+                <a:spcPts val="0"/>
+              </a:spcBef>
+              <a:spcAft>
+                <a:spcPts val="0"/>
+              </a:spcAft>
+              <a:buClrTx/>
+              <a:buSzTx/>
+              <a:buFontTx/>
+              <a:buNone/>
+              <a:tabLst/>
+              <a:defRPr/>
+            </a:pPr>
+            <a:endParaRPr kumimoji="0" lang="en-US" sz="1800" b="0" i="0" u="none" strike="noStrike" kern="1200" cap="none" spc="0" normalizeH="0" baseline="0" noProof="0" dirty="0">
+              <a:ln>
+                <a:noFill/>
+              </a:ln>
+              <a:solidFill>
+                <a:srgbClr val="000000"/>
+              </a:solidFill>
+              <a:effectLst/>
+              <a:uLnTx/>
+              <a:uFillTx/>
+              <a:latin typeface="Calibri" panose="020F0502020204030204"/>
+              <a:ea typeface="+mn-ea"/>
+              <a:cs typeface="+mn-cs"/>
+            </a:endParaRPr>
+          </a:p>
+        </p:txBody>
+      </p:sp>
+      <p:sp>
+        <p:nvSpPr>
+          <p:cNvPr id="26" name="Rectangle 25">
+            <a:extLst>
+              <a:ext uri="{FF2B5EF4-FFF2-40B4-BE49-F238E27FC236}">
+                <a16:creationId xmlns:a16="http://schemas.microsoft.com/office/drawing/2014/main" id="{3C85AD0D-5E51-481B-85D0-EC621E6161CA}"/>
+              </a:ext>
+            </a:extLst>
+          </p:cNvPr>
+          <p:cNvSpPr/>
+          <p:nvPr/>
+        </p:nvSpPr>
+        <p:spPr>
+          <a:xfrm>
+            <a:off x="7924800" y="2604050"/>
+            <a:ext cx="3657600" cy="640080"/>
+          </a:xfrm>
+          <a:prstGeom prst="rect">
+            <a:avLst/>
+          </a:prstGeom>
+          <a:solidFill>
+            <a:schemeClr val="accent6">
+              <a:lumMod val="40000"/>
+              <a:lumOff val="60000"/>
+            </a:schemeClr>
+          </a:solidFill>
+          <a:ln w="9000">
+            <a:solidFill>
+              <a:schemeClr val="tx1"/>
+            </a:solidFill>
+          </a:ln>
+        </p:spPr>
+        <p:style>
+          <a:lnRef idx="2">
+            <a:schemeClr val="accent1">
+              <a:shade val="50000"/>
+            </a:schemeClr>
+          </a:lnRef>
+          <a:fillRef idx="1">
+            <a:schemeClr val="accent1"/>
+          </a:fillRef>
+          <a:effectRef idx="0">
+            <a:schemeClr val="accent1"/>
+          </a:effectRef>
+          <a:fontRef idx="minor">
+            <a:schemeClr val="lt1"/>
+          </a:fontRef>
+        </p:style>
+        <p:txBody>
+          <a:bodyPr rtlCol="0" anchor="ctr"/>
+          <a:lstStyle/>
+          <a:p>
+            <a:pPr marL="0" marR="0" lvl="0" indent="0" algn="ctr" defTabSz="457200" rtl="0" eaLnBrk="1" fontAlgn="auto" latinLnBrk="0" hangingPunct="1">
+              <a:lnSpc>
+                <a:spcPct val="100000"/>
+              </a:lnSpc>
+              <a:spcBef>
+                <a:spcPts val="0"/>
+              </a:spcBef>
+              <a:spcAft>
+                <a:spcPts val="0"/>
+              </a:spcAft>
+              <a:buClrTx/>
+              <a:buSzTx/>
+              <a:buFontTx/>
+              <a:buNone/>
+              <a:tabLst/>
+              <a:defRPr/>
+            </a:pPr>
+            <a:endParaRPr kumimoji="0" lang="en-US" sz="1800" b="0" i="0" u="none" strike="noStrike" kern="1200" cap="none" spc="0" normalizeH="0" baseline="0" noProof="0" dirty="0">
+              <a:ln>
+                <a:noFill/>
+              </a:ln>
+              <a:solidFill>
+                <a:srgbClr val="000000"/>
+              </a:solidFill>
+              <a:effectLst/>
+              <a:uLnTx/>
+              <a:uFillTx/>
+              <a:latin typeface="Calibri" panose="020F0502020204030204"/>
+              <a:ea typeface="+mn-ea"/>
+              <a:cs typeface="+mn-cs"/>
+            </a:endParaRPr>
+          </a:p>
+        </p:txBody>
+      </p:sp>
+      <p:sp>
+        <p:nvSpPr>
+          <p:cNvPr id="27" name="Rectangle 26">
+            <a:extLst>
+              <a:ext uri="{FF2B5EF4-FFF2-40B4-BE49-F238E27FC236}">
+                <a16:creationId xmlns:a16="http://schemas.microsoft.com/office/drawing/2014/main" id="{8E76C6A5-3ED4-4D32-8E9D-E5CB7DC4C841}"/>
+              </a:ext>
+            </a:extLst>
+          </p:cNvPr>
+          <p:cNvSpPr/>
+          <p:nvPr/>
+        </p:nvSpPr>
+        <p:spPr>
+          <a:xfrm>
+            <a:off x="7924800" y="3244130"/>
+            <a:ext cx="3657600" cy="640080"/>
+          </a:xfrm>
+          <a:prstGeom prst="rect">
+            <a:avLst/>
+          </a:prstGeom>
+          <a:solidFill>
+            <a:schemeClr val="accent6">
+              <a:lumMod val="60000"/>
+              <a:lumOff val="40000"/>
+            </a:schemeClr>
+          </a:solidFill>
+          <a:ln w="9000">
+            <a:solidFill>
+              <a:schemeClr val="tx1"/>
+            </a:solidFill>
+          </a:ln>
+        </p:spPr>
+        <p:style>
+          <a:lnRef idx="2">
+            <a:schemeClr val="accent1">
+              <a:shade val="50000"/>
+            </a:schemeClr>
+          </a:lnRef>
+          <a:fillRef idx="1">
+            <a:schemeClr val="accent1"/>
+          </a:fillRef>
+          <a:effectRef idx="0">
+            <a:schemeClr val="accent1"/>
+          </a:effectRef>
+          <a:fontRef idx="minor">
+            <a:schemeClr val="lt1"/>
+          </a:fontRef>
+        </p:style>
+        <p:txBody>
+          <a:bodyPr rtlCol="0" anchor="ctr"/>
+          <a:lstStyle/>
+          <a:p>
+            <a:pPr marL="0" marR="0" lvl="0" indent="0" algn="ctr" defTabSz="457200" rtl="0" eaLnBrk="1" fontAlgn="auto" latinLnBrk="0" hangingPunct="1">
+              <a:lnSpc>
+                <a:spcPct val="100000"/>
+              </a:lnSpc>
+              <a:spcBef>
+                <a:spcPts val="0"/>
+              </a:spcBef>
+              <a:spcAft>
+                <a:spcPts val="0"/>
+              </a:spcAft>
+              <a:buClrTx/>
+              <a:buSzTx/>
+              <a:buFontTx/>
+              <a:buNone/>
+              <a:tabLst/>
+              <a:defRPr/>
+            </a:pPr>
+            <a:endParaRPr kumimoji="0" lang="en-US" sz="1800" b="0" i="0" u="none" strike="noStrike" kern="1200" cap="none" spc="0" normalizeH="0" baseline="0" noProof="0" dirty="0">
+              <a:ln>
+                <a:noFill/>
+              </a:ln>
+              <a:solidFill>
+                <a:srgbClr val="000000"/>
+              </a:solidFill>
+              <a:effectLst/>
+              <a:uLnTx/>
+              <a:uFillTx/>
+              <a:latin typeface="Calibri" panose="020F0502020204030204"/>
+              <a:ea typeface="+mn-ea"/>
+              <a:cs typeface="+mn-cs"/>
+            </a:endParaRPr>
+          </a:p>
+        </p:txBody>
+      </p:sp>
+      <p:sp>
+        <p:nvSpPr>
+          <p:cNvPr id="28" name="Rectangle 27">
+            <a:extLst>
+              <a:ext uri="{FF2B5EF4-FFF2-40B4-BE49-F238E27FC236}">
+                <a16:creationId xmlns:a16="http://schemas.microsoft.com/office/drawing/2014/main" id="{A4C57119-6F41-47D6-9624-9BE505380489}"/>
+              </a:ext>
+            </a:extLst>
+          </p:cNvPr>
+          <p:cNvSpPr/>
+          <p:nvPr/>
+        </p:nvSpPr>
+        <p:spPr>
+          <a:xfrm>
+            <a:off x="7924800" y="3884210"/>
+            <a:ext cx="3657600" cy="640080"/>
+          </a:xfrm>
+          <a:prstGeom prst="rect">
+            <a:avLst/>
+          </a:prstGeom>
+          <a:solidFill>
+            <a:srgbClr val="669E40"/>
+          </a:solidFill>
+          <a:ln w="9000">
+            <a:solidFill>
+              <a:schemeClr val="tx1"/>
+            </a:solidFill>
+          </a:ln>
+        </p:spPr>
+        <p:style>
+          <a:lnRef idx="2">
+            <a:schemeClr val="accent1">
+              <a:shade val="50000"/>
+            </a:schemeClr>
+          </a:lnRef>
+          <a:fillRef idx="1">
+            <a:schemeClr val="accent1"/>
+          </a:fillRef>
+          <a:effectRef idx="0">
+            <a:schemeClr val="accent1"/>
+          </a:effectRef>
+          <a:fontRef idx="minor">
+            <a:schemeClr val="lt1"/>
+          </a:fontRef>
+        </p:style>
+        <p:txBody>
+          <a:bodyPr rtlCol="0" anchor="ctr"/>
+          <a:lstStyle/>
+          <a:p>
+            <a:pPr marL="0" marR="0" lvl="0" indent="0" algn="ctr" defTabSz="457200" rtl="0" eaLnBrk="1" fontAlgn="auto" latinLnBrk="0" hangingPunct="1">
+              <a:lnSpc>
+                <a:spcPct val="100000"/>
+              </a:lnSpc>
+              <a:spcBef>
+                <a:spcPts val="0"/>
+              </a:spcBef>
+              <a:spcAft>
+                <a:spcPts val="0"/>
+              </a:spcAft>
+              <a:buClrTx/>
+              <a:buSzTx/>
+              <a:buFontTx/>
+              <a:buNone/>
+              <a:tabLst/>
+              <a:defRPr/>
+            </a:pPr>
+            <a:endParaRPr kumimoji="0" lang="en-US" sz="1800" b="0" i="0" u="none" strike="noStrike" kern="1200" cap="none" spc="0" normalizeH="0" baseline="0" noProof="0" dirty="0">
+              <a:ln>
+                <a:noFill/>
+              </a:ln>
+              <a:solidFill>
+                <a:srgbClr val="000000"/>
+              </a:solidFill>
+              <a:effectLst/>
+              <a:uLnTx/>
+              <a:uFillTx/>
+              <a:latin typeface="Calibri" panose="020F0502020204030204"/>
+              <a:ea typeface="+mn-ea"/>
+              <a:cs typeface="+mn-cs"/>
+            </a:endParaRPr>
+          </a:p>
+        </p:txBody>
+      </p:sp>
+      <p:sp>
+        <p:nvSpPr>
+          <p:cNvPr id="29" name="Rectangle 28">
+            <a:extLst>
+              <a:ext uri="{FF2B5EF4-FFF2-40B4-BE49-F238E27FC236}">
+                <a16:creationId xmlns:a16="http://schemas.microsoft.com/office/drawing/2014/main" id="{64893DCD-28B4-4B6E-8702-BF7106558501}"/>
+              </a:ext>
+            </a:extLst>
+          </p:cNvPr>
+          <p:cNvSpPr/>
+          <p:nvPr/>
+        </p:nvSpPr>
+        <p:spPr>
+          <a:xfrm>
+            <a:off x="7924800" y="4524290"/>
+            <a:ext cx="3657600" cy="640080"/>
+          </a:xfrm>
+          <a:prstGeom prst="rect">
+            <a:avLst/>
+          </a:prstGeom>
+          <a:solidFill>
+            <a:schemeClr val="accent6">
+              <a:lumMod val="75000"/>
+            </a:schemeClr>
+          </a:solidFill>
+          <a:ln w="9000">
+            <a:solidFill>
+              <a:schemeClr val="tx1"/>
+            </a:solidFill>
+          </a:ln>
+        </p:spPr>
+        <p:style>
+          <a:lnRef idx="2">
+            <a:schemeClr val="accent1">
+              <a:shade val="50000"/>
+            </a:schemeClr>
+          </a:lnRef>
+          <a:fillRef idx="1">
+            <a:schemeClr val="accent1"/>
+          </a:fillRef>
+          <a:effectRef idx="0">
+            <a:schemeClr val="accent1"/>
+          </a:effectRef>
+          <a:fontRef idx="minor">
+            <a:schemeClr val="lt1"/>
+          </a:fontRef>
+        </p:style>
+        <p:txBody>
+          <a:bodyPr rtlCol="0" anchor="ctr"/>
+          <a:lstStyle/>
+          <a:p>
+            <a:pPr marL="0" marR="0" lvl="0" indent="0" algn="ctr" defTabSz="457200" rtl="0" eaLnBrk="1" fontAlgn="auto" latinLnBrk="0" hangingPunct="1">
+              <a:lnSpc>
+                <a:spcPct val="100000"/>
+              </a:lnSpc>
+              <a:spcBef>
+                <a:spcPts val="0"/>
+              </a:spcBef>
+              <a:spcAft>
+                <a:spcPts val="0"/>
+              </a:spcAft>
+              <a:buClrTx/>
+              <a:buSzTx/>
+              <a:buFontTx/>
+              <a:buNone/>
+              <a:tabLst/>
+              <a:defRPr/>
+            </a:pPr>
+            <a:endParaRPr kumimoji="0" lang="en-US" sz="1800" b="0" i="0" u="none" strike="noStrike" kern="1200" cap="none" spc="0" normalizeH="0" baseline="0" noProof="0" dirty="0">
+              <a:ln>
+                <a:noFill/>
+              </a:ln>
+              <a:solidFill>
+                <a:srgbClr val="000000"/>
+              </a:solidFill>
+              <a:effectLst/>
+              <a:uLnTx/>
+              <a:uFillTx/>
+              <a:latin typeface="Calibri" panose="020F0502020204030204"/>
+              <a:ea typeface="+mn-ea"/>
+              <a:cs typeface="+mn-cs"/>
+            </a:endParaRPr>
+          </a:p>
+        </p:txBody>
+      </p:sp>
+      <p:sp>
+        <p:nvSpPr>
+          <p:cNvPr id="30" name="Rectangle 29">
+            <a:extLst>
+              <a:ext uri="{FF2B5EF4-FFF2-40B4-BE49-F238E27FC236}">
+                <a16:creationId xmlns:a16="http://schemas.microsoft.com/office/drawing/2014/main" id="{01159BDA-D143-4243-8682-D03DB851C4D7}"/>
+              </a:ext>
+            </a:extLst>
+          </p:cNvPr>
+          <p:cNvSpPr/>
+          <p:nvPr/>
+        </p:nvSpPr>
+        <p:spPr>
+          <a:xfrm>
+            <a:off x="7924800" y="5164370"/>
+            <a:ext cx="3657600" cy="640080"/>
+          </a:xfrm>
+          <a:prstGeom prst="rect">
+            <a:avLst/>
+          </a:prstGeom>
+          <a:solidFill>
+            <a:schemeClr val="accent6">
+              <a:lumMod val="50000"/>
+            </a:schemeClr>
+          </a:solidFill>
+          <a:ln w="9000">
+            <a:solidFill>
+              <a:schemeClr val="tx1"/>
+            </a:solidFill>
+          </a:ln>
+        </p:spPr>
+        <p:style>
+          <a:lnRef idx="2">
+            <a:schemeClr val="accent1">
+              <a:shade val="50000"/>
+            </a:schemeClr>
+          </a:lnRef>
+          <a:fillRef idx="1">
+            <a:schemeClr val="accent1"/>
+          </a:fillRef>
+          <a:effectRef idx="0">
+            <a:schemeClr val="accent1"/>
+          </a:effectRef>
+          <a:fontRef idx="minor">
+            <a:schemeClr val="lt1"/>
+          </a:fontRef>
+        </p:style>
+        <p:txBody>
+          <a:bodyPr rtlCol="0" anchor="ctr"/>
+          <a:lstStyle/>
+          <a:p>
+            <a:pPr marL="0" marR="0" lvl="0" indent="0" algn="ctr" defTabSz="457200" rtl="0" eaLnBrk="1" fontAlgn="auto" latinLnBrk="0" hangingPunct="1">
+              <a:lnSpc>
+                <a:spcPct val="100000"/>
+              </a:lnSpc>
+              <a:spcBef>
+                <a:spcPts val="0"/>
+              </a:spcBef>
+              <a:spcAft>
+                <a:spcPts val="0"/>
+              </a:spcAft>
+              <a:buClrTx/>
+              <a:buSzTx/>
+              <a:buFontTx/>
+              <a:buNone/>
+              <a:tabLst/>
+              <a:defRPr/>
+            </a:pPr>
+            <a:endParaRPr kumimoji="0" lang="en-US" sz="1800" b="0" i="0" u="none" strike="noStrike" kern="1200" cap="none" spc="0" normalizeH="0" baseline="0" noProof="0" dirty="0">
+              <a:ln>
+                <a:noFill/>
+              </a:ln>
+              <a:solidFill>
+                <a:srgbClr val="000000"/>
+              </a:solidFill>
+              <a:effectLst/>
+              <a:uLnTx/>
+              <a:uFillTx/>
+              <a:latin typeface="Calibri" panose="020F0502020204030204"/>
+              <a:ea typeface="+mn-ea"/>
+              <a:cs typeface="+mn-cs"/>
+            </a:endParaRPr>
+          </a:p>
+        </p:txBody>
+      </p:sp>
+      <p:sp>
+        <p:nvSpPr>
+          <p:cNvPr id="31" name="Rectangle 30">
+            <a:extLst>
+              <a:ext uri="{FF2B5EF4-FFF2-40B4-BE49-F238E27FC236}">
+                <a16:creationId xmlns:a16="http://schemas.microsoft.com/office/drawing/2014/main" id="{7BB0CC8D-3E9F-410D-A20F-B0F51D0BBA5E}"/>
+              </a:ext>
+            </a:extLst>
+          </p:cNvPr>
+          <p:cNvSpPr/>
+          <p:nvPr/>
+        </p:nvSpPr>
+        <p:spPr>
+          <a:xfrm>
+            <a:off x="7924800" y="5804450"/>
+            <a:ext cx="3657600" cy="640080"/>
+          </a:xfrm>
+          <a:prstGeom prst="rect">
+            <a:avLst/>
+          </a:prstGeom>
+          <a:solidFill>
+            <a:srgbClr val="2C451B"/>
+          </a:solidFill>
+          <a:ln w="9000">
+            <a:solidFill>
+              <a:schemeClr val="tx1"/>
+            </a:solidFill>
+          </a:ln>
+        </p:spPr>
+        <p:style>
+          <a:lnRef idx="2">
+            <a:schemeClr val="accent1">
+              <a:shade val="50000"/>
+            </a:schemeClr>
+          </a:lnRef>
+          <a:fillRef idx="1">
+            <a:schemeClr val="accent1"/>
+          </a:fillRef>
+          <a:effectRef idx="0">
+            <a:schemeClr val="accent1"/>
+          </a:effectRef>
+          <a:fontRef idx="minor">
+            <a:schemeClr val="lt1"/>
+          </a:fontRef>
+        </p:style>
+        <p:txBody>
+          <a:bodyPr rtlCol="0" anchor="ctr"/>
+          <a:lstStyle/>
+          <a:p>
+            <a:pPr marL="0" marR="0" lvl="0" indent="0" algn="ctr" defTabSz="457200" rtl="0" eaLnBrk="1" fontAlgn="auto" latinLnBrk="0" hangingPunct="1">
+              <a:lnSpc>
+                <a:spcPct val="100000"/>
+              </a:lnSpc>
+              <a:spcBef>
+                <a:spcPts val="0"/>
+              </a:spcBef>
+              <a:spcAft>
+                <a:spcPts val="0"/>
+              </a:spcAft>
+              <a:buClrTx/>
+              <a:buSzTx/>
+              <a:buFontTx/>
+              <a:buNone/>
+              <a:tabLst/>
+              <a:defRPr/>
+            </a:pPr>
+            <a:endParaRPr kumimoji="0" lang="en-US" sz="1800" b="0" i="0" u="none" strike="noStrike" kern="1200" cap="none" spc="0" normalizeH="0" baseline="0" noProof="0" dirty="0">
+              <a:ln>
+                <a:noFill/>
+              </a:ln>
+              <a:solidFill>
+                <a:srgbClr val="000000"/>
+              </a:solidFill>
+              <a:effectLst/>
+              <a:uLnTx/>
+              <a:uFillTx/>
+              <a:latin typeface="Calibri" panose="020F0502020204030204"/>
+              <a:ea typeface="+mn-ea"/>
+              <a:cs typeface="+mn-cs"/>
+            </a:endParaRPr>
+          </a:p>
+        </p:txBody>
+      </p:sp>
+      <p:sp>
+        <p:nvSpPr>
+          <p:cNvPr id="13" name="Rectangle 12">
+            <a:extLst>
+              <a:ext uri="{FF2B5EF4-FFF2-40B4-BE49-F238E27FC236}">
+                <a16:creationId xmlns:a16="http://schemas.microsoft.com/office/drawing/2014/main" id="{8DDFBDED-2D99-49BC-9DAD-123FEEC43674}"/>
+              </a:ext>
+            </a:extLst>
+          </p:cNvPr>
+          <p:cNvSpPr/>
+          <p:nvPr/>
+        </p:nvSpPr>
+        <p:spPr>
+          <a:xfrm>
+            <a:off x="7924800" y="1963970"/>
+            <a:ext cx="961103" cy="505765"/>
+          </a:xfrm>
+          <a:prstGeom prst="rect">
+            <a:avLst/>
+          </a:prstGeom>
+          <a:solidFill>
+            <a:schemeClr val="accent1">
+              <a:lumMod val="20000"/>
+              <a:lumOff val="80000"/>
+            </a:schemeClr>
+          </a:solidFill>
+          <a:ln w="9000">
+            <a:solidFill>
+              <a:schemeClr val="tx1"/>
+            </a:solidFill>
+          </a:ln>
+        </p:spPr>
+        <p:style>
+          <a:lnRef idx="2">
+            <a:schemeClr val="accent1">
+              <a:shade val="50000"/>
+            </a:schemeClr>
+          </a:lnRef>
+          <a:fillRef idx="1">
+            <a:schemeClr val="accent1"/>
+          </a:fillRef>
+          <a:effectRef idx="0">
+            <a:schemeClr val="accent1"/>
+          </a:effectRef>
+          <a:fontRef idx="minor">
+            <a:schemeClr val="lt1"/>
+          </a:fontRef>
+        </p:style>
+        <p:txBody>
+          <a:bodyPr rtlCol="0" anchor="ctr"/>
+          <a:lstStyle/>
+          <a:p>
+            <a:pPr marL="0" marR="0" lvl="0" indent="0" algn="ctr" defTabSz="457200" rtl="0" eaLnBrk="1" fontAlgn="auto" latinLnBrk="0" hangingPunct="1">
+              <a:lnSpc>
+                <a:spcPct val="100000"/>
+              </a:lnSpc>
+              <a:spcBef>
+                <a:spcPts val="0"/>
+              </a:spcBef>
+              <a:spcAft>
+                <a:spcPts val="0"/>
+              </a:spcAft>
+              <a:buClrTx/>
+              <a:buSzTx/>
+              <a:buFontTx/>
+              <a:buNone/>
+              <a:tabLst/>
+              <a:defRPr/>
+            </a:pPr>
+            <a:endParaRPr kumimoji="0" lang="en-US" sz="1800" b="0" i="0" u="none" strike="noStrike" kern="1200" cap="none" spc="0" normalizeH="0" baseline="0" noProof="0" dirty="0">
+              <a:ln>
+                <a:noFill/>
+              </a:ln>
+              <a:solidFill>
+                <a:srgbClr val="000000"/>
+              </a:solidFill>
+              <a:effectLst/>
+              <a:uLnTx/>
+              <a:uFillTx/>
+              <a:latin typeface="Calibri" panose="020F0502020204030204"/>
+              <a:ea typeface="+mn-ea"/>
+              <a:cs typeface="+mn-cs"/>
+            </a:endParaRPr>
+          </a:p>
+        </p:txBody>
+      </p:sp>
+      <p:sp>
+        <p:nvSpPr>
+          <p:cNvPr id="14" name="Rectangle 13">
+            <a:extLst>
+              <a:ext uri="{FF2B5EF4-FFF2-40B4-BE49-F238E27FC236}">
+                <a16:creationId xmlns:a16="http://schemas.microsoft.com/office/drawing/2014/main" id="{7C1A86F5-C6B0-4264-86E0-F5A049A22BA4}"/>
+              </a:ext>
+            </a:extLst>
+          </p:cNvPr>
+          <p:cNvSpPr/>
+          <p:nvPr/>
+        </p:nvSpPr>
+        <p:spPr>
+          <a:xfrm>
+            <a:off x="8885903" y="1963970"/>
+            <a:ext cx="1782097" cy="505765"/>
+          </a:xfrm>
+          <a:prstGeom prst="rect">
+            <a:avLst/>
+          </a:prstGeom>
+          <a:solidFill>
+            <a:srgbClr val="FFCDCD"/>
+          </a:solidFill>
+          <a:ln w="9000">
+            <a:solidFill>
+              <a:schemeClr val="tx1"/>
+            </a:solidFill>
+          </a:ln>
+        </p:spPr>
+        <p:style>
+          <a:lnRef idx="2">
+            <a:schemeClr val="accent1">
+              <a:shade val="50000"/>
+            </a:schemeClr>
+          </a:lnRef>
+          <a:fillRef idx="1">
+            <a:schemeClr val="accent1"/>
+          </a:fillRef>
+          <a:effectRef idx="0">
+            <a:schemeClr val="accent1"/>
+          </a:effectRef>
+          <a:fontRef idx="minor">
+            <a:schemeClr val="lt1"/>
+          </a:fontRef>
+        </p:style>
+        <p:txBody>
+          <a:bodyPr rtlCol="0" anchor="ctr"/>
+          <a:lstStyle/>
+          <a:p>
+            <a:pPr marL="0" marR="0" lvl="0" indent="0" algn="ctr" defTabSz="457200" rtl="0" eaLnBrk="1" fontAlgn="auto" latinLnBrk="0" hangingPunct="1">
+              <a:lnSpc>
+                <a:spcPct val="100000"/>
+              </a:lnSpc>
+              <a:spcBef>
+                <a:spcPts val="0"/>
+              </a:spcBef>
+              <a:spcAft>
+                <a:spcPts val="0"/>
+              </a:spcAft>
+              <a:buClrTx/>
+              <a:buSzTx/>
+              <a:buFontTx/>
+              <a:buNone/>
+              <a:tabLst/>
+              <a:defRPr/>
+            </a:pPr>
+            <a:endParaRPr kumimoji="0" lang="en-US" sz="1800" b="0" i="0" u="none" strike="noStrike" kern="1200" cap="none" spc="0" normalizeH="0" baseline="0" noProof="0" dirty="0">
+              <a:ln>
+                <a:noFill/>
+              </a:ln>
+              <a:solidFill>
+                <a:srgbClr val="000000"/>
+              </a:solidFill>
+              <a:effectLst/>
+              <a:uLnTx/>
+              <a:uFillTx/>
+              <a:latin typeface="Calibri" panose="020F0502020204030204"/>
+              <a:ea typeface="+mn-ea"/>
+              <a:cs typeface="+mn-cs"/>
+            </a:endParaRPr>
+          </a:p>
+        </p:txBody>
+      </p:sp>
+      <p:sp>
+        <p:nvSpPr>
+          <p:cNvPr id="15" name="Rectangle 14">
+            <a:extLst>
+              <a:ext uri="{FF2B5EF4-FFF2-40B4-BE49-F238E27FC236}">
+                <a16:creationId xmlns:a16="http://schemas.microsoft.com/office/drawing/2014/main" id="{0D05D635-7B8A-425D-9D02-CAEF3215DFE7}"/>
+              </a:ext>
+            </a:extLst>
+          </p:cNvPr>
+          <p:cNvSpPr/>
+          <p:nvPr/>
+        </p:nvSpPr>
+        <p:spPr>
+          <a:xfrm>
+            <a:off x="10668000" y="1963970"/>
+            <a:ext cx="914400" cy="505765"/>
+          </a:xfrm>
+          <a:prstGeom prst="rect">
+            <a:avLst/>
+          </a:prstGeom>
+          <a:solidFill>
+            <a:schemeClr val="accent6">
+              <a:lumMod val="20000"/>
+              <a:lumOff val="80000"/>
+            </a:schemeClr>
+          </a:solidFill>
+          <a:ln w="9000">
+            <a:solidFill>
+              <a:schemeClr val="tx1"/>
+            </a:solidFill>
+          </a:ln>
+        </p:spPr>
+        <p:style>
+          <a:lnRef idx="2">
+            <a:schemeClr val="accent1">
+              <a:shade val="50000"/>
+            </a:schemeClr>
+          </a:lnRef>
+          <a:fillRef idx="1">
+            <a:schemeClr val="accent1"/>
+          </a:fillRef>
+          <a:effectRef idx="0">
+            <a:schemeClr val="accent1"/>
+          </a:effectRef>
+          <a:fontRef idx="minor">
+            <a:schemeClr val="lt1"/>
+          </a:fontRef>
+        </p:style>
+        <p:txBody>
+          <a:bodyPr rtlCol="0" anchor="ctr"/>
+          <a:lstStyle/>
+          <a:p>
+            <a:pPr marL="0" marR="0" lvl="0" indent="0" algn="ctr" defTabSz="457200" rtl="0" eaLnBrk="1" fontAlgn="auto" latinLnBrk="0" hangingPunct="1">
+              <a:lnSpc>
+                <a:spcPct val="100000"/>
+              </a:lnSpc>
+              <a:spcBef>
+                <a:spcPts val="0"/>
+              </a:spcBef>
+              <a:spcAft>
+                <a:spcPts val="0"/>
+              </a:spcAft>
+              <a:buClrTx/>
+              <a:buSzTx/>
+              <a:buFontTx/>
+              <a:buNone/>
+              <a:tabLst/>
+              <a:defRPr/>
+            </a:pPr>
+            <a:endParaRPr kumimoji="0" lang="en-US" sz="1800" b="0" i="0" u="none" strike="noStrike" kern="1200" cap="none" spc="0" normalizeH="0" baseline="0" noProof="0" dirty="0">
+              <a:ln>
+                <a:noFill/>
+              </a:ln>
+              <a:solidFill>
+                <a:srgbClr val="000000"/>
+              </a:solidFill>
+              <a:effectLst/>
+              <a:uLnTx/>
+              <a:uFillTx/>
+              <a:latin typeface="Calibri" panose="020F0502020204030204"/>
+              <a:ea typeface="+mn-ea"/>
+              <a:cs typeface="+mn-cs"/>
+            </a:endParaRPr>
+          </a:p>
+        </p:txBody>
+      </p:sp>
+      <p:sp>
+        <p:nvSpPr>
+          <p:cNvPr id="20" name="Rectangle 19">
+            <a:extLst>
+              <a:ext uri="{FF2B5EF4-FFF2-40B4-BE49-F238E27FC236}">
+                <a16:creationId xmlns:a16="http://schemas.microsoft.com/office/drawing/2014/main" id="{AE9DF939-673B-4820-989A-E20D1C4DCFA2}"/>
+              </a:ext>
+            </a:extLst>
+          </p:cNvPr>
+          <p:cNvSpPr/>
+          <p:nvPr/>
+        </p:nvSpPr>
+        <p:spPr>
+          <a:xfrm>
+            <a:off x="7924800" y="2469735"/>
+            <a:ext cx="1371600" cy="774395"/>
+          </a:xfrm>
+          <a:prstGeom prst="rect">
+            <a:avLst/>
+          </a:prstGeom>
+          <a:solidFill>
+            <a:schemeClr val="accent1">
+              <a:lumMod val="40000"/>
+              <a:lumOff val="60000"/>
+            </a:schemeClr>
+          </a:solidFill>
+          <a:ln w="9000">
+            <a:solidFill>
+              <a:schemeClr val="tx1"/>
+            </a:solidFill>
+          </a:ln>
+        </p:spPr>
+        <p:style>
+          <a:lnRef idx="2">
+            <a:schemeClr val="accent1">
+              <a:shade val="50000"/>
+            </a:schemeClr>
+          </a:lnRef>
+          <a:fillRef idx="1">
+            <a:schemeClr val="accent1"/>
+          </a:fillRef>
+          <a:effectRef idx="0">
+            <a:schemeClr val="accent1"/>
+          </a:effectRef>
+          <a:fontRef idx="minor">
+            <a:schemeClr val="lt1"/>
+          </a:fontRef>
+        </p:style>
+        <p:txBody>
+          <a:bodyPr rtlCol="0" anchor="ctr"/>
+          <a:lstStyle/>
+          <a:p>
+            <a:pPr marL="0" marR="0" lvl="0" indent="0" algn="ctr" defTabSz="457200" rtl="0" eaLnBrk="1" fontAlgn="auto" latinLnBrk="0" hangingPunct="1">
+              <a:lnSpc>
+                <a:spcPct val="100000"/>
+              </a:lnSpc>
+              <a:spcBef>
+                <a:spcPts val="0"/>
+              </a:spcBef>
+              <a:spcAft>
+                <a:spcPts val="0"/>
+              </a:spcAft>
+              <a:buClrTx/>
+              <a:buSzTx/>
+              <a:buFontTx/>
+              <a:buNone/>
+              <a:tabLst/>
+              <a:defRPr/>
+            </a:pPr>
+            <a:endParaRPr kumimoji="0" lang="en-US" sz="1800" b="0" i="0" u="none" strike="noStrike" kern="1200" cap="none" spc="0" normalizeH="0" baseline="0" noProof="0" dirty="0">
+              <a:ln>
+                <a:noFill/>
+              </a:ln>
+              <a:solidFill>
+                <a:srgbClr val="000000"/>
+              </a:solidFill>
+              <a:effectLst/>
+              <a:uLnTx/>
+              <a:uFillTx/>
+              <a:latin typeface="Calibri" panose="020F0502020204030204"/>
+              <a:ea typeface="+mn-ea"/>
+              <a:cs typeface="+mn-cs"/>
+            </a:endParaRPr>
+          </a:p>
+        </p:txBody>
+      </p:sp>
+      <p:sp>
+        <p:nvSpPr>
+          <p:cNvPr id="21" name="Rectangle 20">
+            <a:extLst>
+              <a:ext uri="{FF2B5EF4-FFF2-40B4-BE49-F238E27FC236}">
+                <a16:creationId xmlns:a16="http://schemas.microsoft.com/office/drawing/2014/main" id="{7C0A0B50-965B-4C29-B041-2444B4849A22}"/>
+              </a:ext>
+            </a:extLst>
+          </p:cNvPr>
+          <p:cNvSpPr/>
+          <p:nvPr/>
+        </p:nvSpPr>
+        <p:spPr>
+          <a:xfrm>
+            <a:off x="7924800" y="3244130"/>
+            <a:ext cx="1536112" cy="1080042"/>
+          </a:xfrm>
+          <a:prstGeom prst="rect">
+            <a:avLst/>
+          </a:prstGeom>
+          <a:solidFill>
+            <a:schemeClr val="accent1">
+              <a:lumMod val="60000"/>
+              <a:lumOff val="40000"/>
+            </a:schemeClr>
+          </a:solidFill>
+          <a:ln w="9000">
+            <a:solidFill>
+              <a:schemeClr val="tx1"/>
+            </a:solidFill>
+          </a:ln>
+        </p:spPr>
+        <p:style>
+          <a:lnRef idx="2">
+            <a:schemeClr val="accent1">
+              <a:shade val="50000"/>
+            </a:schemeClr>
+          </a:lnRef>
+          <a:fillRef idx="1">
+            <a:schemeClr val="accent1"/>
+          </a:fillRef>
+          <a:effectRef idx="0">
+            <a:schemeClr val="accent1"/>
+          </a:effectRef>
+          <a:fontRef idx="minor">
+            <a:schemeClr val="lt1"/>
+          </a:fontRef>
+        </p:style>
+        <p:txBody>
+          <a:bodyPr rtlCol="0" anchor="ctr"/>
+          <a:lstStyle/>
+          <a:p>
+            <a:pPr marL="0" marR="0" lvl="0" indent="0" algn="ctr" defTabSz="457200" rtl="0" eaLnBrk="1" fontAlgn="auto" latinLnBrk="0" hangingPunct="1">
+              <a:lnSpc>
+                <a:spcPct val="100000"/>
+              </a:lnSpc>
+              <a:spcBef>
+                <a:spcPts val="0"/>
+              </a:spcBef>
+              <a:spcAft>
+                <a:spcPts val="0"/>
+              </a:spcAft>
+              <a:buClrTx/>
+              <a:buSzTx/>
+              <a:buFontTx/>
+              <a:buNone/>
+              <a:tabLst/>
+              <a:defRPr/>
+            </a:pPr>
+            <a:endParaRPr kumimoji="0" lang="en-US" sz="1800" b="0" i="0" u="none" strike="noStrike" kern="1200" cap="none" spc="0" normalizeH="0" baseline="0" noProof="0" dirty="0">
+              <a:ln>
+                <a:noFill/>
+              </a:ln>
+              <a:solidFill>
+                <a:srgbClr val="000000"/>
+              </a:solidFill>
+              <a:effectLst/>
+              <a:uLnTx/>
+              <a:uFillTx/>
+              <a:latin typeface="Calibri" panose="020F0502020204030204"/>
+              <a:ea typeface="+mn-ea"/>
+              <a:cs typeface="+mn-cs"/>
+            </a:endParaRPr>
+          </a:p>
+        </p:txBody>
+      </p:sp>
+      <p:sp>
+        <p:nvSpPr>
+          <p:cNvPr id="22" name="Rectangle 21">
+            <a:extLst>
+              <a:ext uri="{FF2B5EF4-FFF2-40B4-BE49-F238E27FC236}">
+                <a16:creationId xmlns:a16="http://schemas.microsoft.com/office/drawing/2014/main" id="{DFBC9DA8-4E34-4F78-B838-D40A02AAC954}"/>
+              </a:ext>
+            </a:extLst>
+          </p:cNvPr>
+          <p:cNvSpPr/>
+          <p:nvPr/>
+        </p:nvSpPr>
+        <p:spPr>
+          <a:xfrm>
+            <a:off x="7924800" y="4324172"/>
+            <a:ext cx="2391518" cy="200118"/>
+          </a:xfrm>
+          <a:prstGeom prst="rect">
+            <a:avLst/>
+          </a:prstGeom>
+          <a:solidFill>
+            <a:srgbClr val="678CCF"/>
+          </a:solidFill>
+          <a:ln w="9000">
+            <a:solidFill>
+              <a:schemeClr val="tx1"/>
+            </a:solidFill>
+          </a:ln>
+        </p:spPr>
+        <p:style>
+          <a:lnRef idx="2">
+            <a:schemeClr val="accent1">
+              <a:shade val="50000"/>
+            </a:schemeClr>
+          </a:lnRef>
+          <a:fillRef idx="1">
+            <a:schemeClr val="accent1"/>
+          </a:fillRef>
+          <a:effectRef idx="0">
+            <a:schemeClr val="accent1"/>
+          </a:effectRef>
+          <a:fontRef idx="minor">
+            <a:schemeClr val="lt1"/>
+          </a:fontRef>
+        </p:style>
+        <p:txBody>
+          <a:bodyPr rtlCol="0" anchor="ctr"/>
+          <a:lstStyle/>
+          <a:p>
+            <a:pPr marL="0" marR="0" lvl="0" indent="0" algn="ctr" defTabSz="457200" rtl="0" eaLnBrk="1" fontAlgn="auto" latinLnBrk="0" hangingPunct="1">
+              <a:lnSpc>
+                <a:spcPct val="100000"/>
+              </a:lnSpc>
+              <a:spcBef>
+                <a:spcPts val="0"/>
+              </a:spcBef>
+              <a:spcAft>
+                <a:spcPts val="0"/>
+              </a:spcAft>
+              <a:buClrTx/>
+              <a:buSzTx/>
+              <a:buFontTx/>
+              <a:buNone/>
+              <a:tabLst/>
+              <a:defRPr/>
+            </a:pPr>
+            <a:endParaRPr kumimoji="0" lang="en-US" sz="1800" b="0" i="0" u="none" strike="noStrike" kern="1200" cap="none" spc="0" normalizeH="0" baseline="0" noProof="0" dirty="0">
+              <a:ln>
+                <a:noFill/>
+              </a:ln>
+              <a:solidFill>
+                <a:srgbClr val="000000"/>
+              </a:solidFill>
+              <a:effectLst/>
+              <a:uLnTx/>
+              <a:uFillTx/>
+              <a:latin typeface="Calibri" panose="020F0502020204030204"/>
+              <a:ea typeface="+mn-ea"/>
+              <a:cs typeface="+mn-cs"/>
+            </a:endParaRPr>
+          </a:p>
+        </p:txBody>
+      </p:sp>
+      <p:sp>
+        <p:nvSpPr>
+          <p:cNvPr id="23" name="Rectangle 22">
+            <a:extLst>
+              <a:ext uri="{FF2B5EF4-FFF2-40B4-BE49-F238E27FC236}">
+                <a16:creationId xmlns:a16="http://schemas.microsoft.com/office/drawing/2014/main" id="{ED7FAB91-6942-47DE-9E7B-DE332A2FCAE4}"/>
+              </a:ext>
+            </a:extLst>
+          </p:cNvPr>
+          <p:cNvSpPr/>
+          <p:nvPr/>
+        </p:nvSpPr>
+        <p:spPr>
+          <a:xfrm>
+            <a:off x="7924800" y="4524290"/>
+            <a:ext cx="1371600" cy="640080"/>
+          </a:xfrm>
+          <a:prstGeom prst="rect">
+            <a:avLst/>
+          </a:prstGeom>
+          <a:solidFill>
+            <a:schemeClr val="accent1"/>
+          </a:solidFill>
+          <a:ln w="9000">
+            <a:solidFill>
+              <a:schemeClr val="tx1"/>
+            </a:solidFill>
+          </a:ln>
+        </p:spPr>
+        <p:style>
+          <a:lnRef idx="2">
+            <a:schemeClr val="accent1">
+              <a:shade val="50000"/>
+            </a:schemeClr>
+          </a:lnRef>
+          <a:fillRef idx="1">
+            <a:schemeClr val="accent1"/>
+          </a:fillRef>
+          <a:effectRef idx="0">
+            <a:schemeClr val="accent1"/>
+          </a:effectRef>
+          <a:fontRef idx="minor">
+            <a:schemeClr val="lt1"/>
+          </a:fontRef>
+        </p:style>
+        <p:txBody>
+          <a:bodyPr rtlCol="0" anchor="ctr"/>
+          <a:lstStyle/>
+          <a:p>
+            <a:pPr marL="0" marR="0" lvl="0" indent="0" algn="ctr" defTabSz="457200" rtl="0" eaLnBrk="1" fontAlgn="auto" latinLnBrk="0" hangingPunct="1">
+              <a:lnSpc>
+                <a:spcPct val="100000"/>
+              </a:lnSpc>
+              <a:spcBef>
+                <a:spcPts val="0"/>
+              </a:spcBef>
+              <a:spcAft>
+                <a:spcPts val="0"/>
+              </a:spcAft>
+              <a:buClrTx/>
+              <a:buSzTx/>
+              <a:buFontTx/>
+              <a:buNone/>
+              <a:tabLst/>
+              <a:defRPr/>
+            </a:pPr>
+            <a:endParaRPr kumimoji="0" lang="en-US" sz="1800" b="0" i="0" u="none" strike="noStrike" kern="1200" cap="none" spc="0" normalizeH="0" baseline="0" noProof="0" dirty="0">
+              <a:ln>
+                <a:noFill/>
+              </a:ln>
+              <a:solidFill>
+                <a:srgbClr val="000000"/>
+              </a:solidFill>
+              <a:effectLst/>
+              <a:uLnTx/>
+              <a:uFillTx/>
+              <a:latin typeface="Calibri" panose="020F0502020204030204"/>
+              <a:ea typeface="+mn-ea"/>
+              <a:cs typeface="+mn-cs"/>
+            </a:endParaRPr>
+          </a:p>
+        </p:txBody>
+      </p:sp>
+      <p:sp>
+        <p:nvSpPr>
+          <p:cNvPr id="24" name="Rectangle 23">
+            <a:extLst>
+              <a:ext uri="{FF2B5EF4-FFF2-40B4-BE49-F238E27FC236}">
+                <a16:creationId xmlns:a16="http://schemas.microsoft.com/office/drawing/2014/main" id="{9BE40033-09CD-4866-A4F6-6B7AEFF755BA}"/>
+              </a:ext>
+            </a:extLst>
+          </p:cNvPr>
+          <p:cNvSpPr/>
+          <p:nvPr/>
+        </p:nvSpPr>
+        <p:spPr>
+          <a:xfrm>
+            <a:off x="7924800" y="5164369"/>
+            <a:ext cx="1587910" cy="843321"/>
+          </a:xfrm>
+          <a:prstGeom prst="rect">
+            <a:avLst/>
+          </a:prstGeom>
+          <a:solidFill>
+            <a:schemeClr val="accent1">
+              <a:lumMod val="75000"/>
+            </a:schemeClr>
+          </a:solidFill>
+          <a:ln w="9000">
+            <a:solidFill>
+              <a:schemeClr val="tx1"/>
+            </a:solidFill>
+          </a:ln>
+        </p:spPr>
+        <p:style>
+          <a:lnRef idx="2">
+            <a:schemeClr val="accent1">
+              <a:shade val="50000"/>
+            </a:schemeClr>
+          </a:lnRef>
+          <a:fillRef idx="1">
+            <a:schemeClr val="accent1"/>
+          </a:fillRef>
+          <a:effectRef idx="0">
+            <a:schemeClr val="accent1"/>
+          </a:effectRef>
+          <a:fontRef idx="minor">
+            <a:schemeClr val="lt1"/>
+          </a:fontRef>
+        </p:style>
+        <p:txBody>
+          <a:bodyPr rtlCol="0" anchor="ctr"/>
+          <a:lstStyle/>
+          <a:p>
+            <a:pPr marL="0" marR="0" lvl="0" indent="0" algn="ctr" defTabSz="457200" rtl="0" eaLnBrk="1" fontAlgn="auto" latinLnBrk="0" hangingPunct="1">
+              <a:lnSpc>
+                <a:spcPct val="100000"/>
+              </a:lnSpc>
+              <a:spcBef>
+                <a:spcPts val="0"/>
+              </a:spcBef>
+              <a:spcAft>
+                <a:spcPts val="0"/>
+              </a:spcAft>
+              <a:buClrTx/>
+              <a:buSzTx/>
+              <a:buFontTx/>
+              <a:buNone/>
+              <a:tabLst/>
+              <a:defRPr/>
+            </a:pPr>
+            <a:endParaRPr kumimoji="0" lang="en-US" sz="1800" b="0" i="0" u="none" strike="noStrike" kern="1200" cap="none" spc="0" normalizeH="0" baseline="0" noProof="0" dirty="0">
+              <a:ln>
+                <a:noFill/>
+              </a:ln>
+              <a:solidFill>
+                <a:srgbClr val="000000"/>
+              </a:solidFill>
+              <a:effectLst/>
+              <a:uLnTx/>
+              <a:uFillTx/>
+              <a:latin typeface="Calibri" panose="020F0502020204030204"/>
+              <a:ea typeface="+mn-ea"/>
+              <a:cs typeface="+mn-cs"/>
+            </a:endParaRPr>
+          </a:p>
+        </p:txBody>
+      </p:sp>
+      <p:sp>
+        <p:nvSpPr>
+          <p:cNvPr id="25" name="Rectangle 24">
+            <a:extLst>
+              <a:ext uri="{FF2B5EF4-FFF2-40B4-BE49-F238E27FC236}">
+                <a16:creationId xmlns:a16="http://schemas.microsoft.com/office/drawing/2014/main" id="{50B1E217-A495-47F3-9A6C-B1A8DAE2D853}"/>
+              </a:ext>
+            </a:extLst>
+          </p:cNvPr>
+          <p:cNvSpPr/>
+          <p:nvPr/>
+        </p:nvSpPr>
+        <p:spPr>
+          <a:xfrm>
+            <a:off x="7924800" y="6007692"/>
+            <a:ext cx="1130710" cy="436837"/>
+          </a:xfrm>
+          <a:prstGeom prst="rect">
+            <a:avLst/>
+          </a:prstGeom>
+          <a:solidFill>
+            <a:schemeClr val="accent1">
+              <a:lumMod val="50000"/>
+            </a:schemeClr>
+          </a:solidFill>
+          <a:ln w="9000">
+            <a:solidFill>
+              <a:schemeClr val="tx1"/>
+            </a:solidFill>
+          </a:ln>
+        </p:spPr>
+        <p:style>
+          <a:lnRef idx="2">
+            <a:schemeClr val="accent1">
+              <a:shade val="50000"/>
+            </a:schemeClr>
+          </a:lnRef>
+          <a:fillRef idx="1">
+            <a:schemeClr val="accent1"/>
+          </a:fillRef>
+          <a:effectRef idx="0">
+            <a:schemeClr val="accent1"/>
+          </a:effectRef>
+          <a:fontRef idx="minor">
+            <a:schemeClr val="lt1"/>
+          </a:fontRef>
+        </p:style>
+        <p:txBody>
+          <a:bodyPr rtlCol="0" anchor="ctr"/>
+          <a:lstStyle/>
+          <a:p>
+            <a:pPr marL="0" marR="0" lvl="0" indent="0" algn="ctr" defTabSz="457200" rtl="0" eaLnBrk="1" fontAlgn="auto" latinLnBrk="0" hangingPunct="1">
+              <a:lnSpc>
+                <a:spcPct val="100000"/>
+              </a:lnSpc>
+              <a:spcBef>
+                <a:spcPts val="0"/>
+              </a:spcBef>
+              <a:spcAft>
+                <a:spcPts val="0"/>
+              </a:spcAft>
+              <a:buClrTx/>
+              <a:buSzTx/>
+              <a:buFontTx/>
+              <a:buNone/>
+              <a:tabLst/>
+              <a:defRPr/>
+            </a:pPr>
+            <a:endParaRPr kumimoji="0" lang="en-US" sz="1800" b="0" i="0" u="none" strike="noStrike" kern="1200" cap="none" spc="0" normalizeH="0" baseline="0" noProof="0" dirty="0">
+              <a:ln>
+                <a:noFill/>
+              </a:ln>
+              <a:solidFill>
+                <a:srgbClr val="000000"/>
+              </a:solidFill>
+              <a:effectLst/>
+              <a:uLnTx/>
+              <a:uFillTx/>
+              <a:latin typeface="Calibri" panose="020F0502020204030204"/>
+              <a:ea typeface="+mn-ea"/>
+              <a:cs typeface="+mn-cs"/>
+            </a:endParaRPr>
+          </a:p>
+        </p:txBody>
+      </p:sp>
+      <p:sp>
+        <p:nvSpPr>
+          <p:cNvPr id="32" name="Rectangle 31">
+            <a:extLst>
+              <a:ext uri="{FF2B5EF4-FFF2-40B4-BE49-F238E27FC236}">
+                <a16:creationId xmlns:a16="http://schemas.microsoft.com/office/drawing/2014/main" id="{EE1C86EE-A9DD-47C2-ABB3-FA2B3FC49534}"/>
+              </a:ext>
+            </a:extLst>
+          </p:cNvPr>
+          <p:cNvSpPr/>
+          <p:nvPr/>
+        </p:nvSpPr>
+        <p:spPr>
+          <a:xfrm>
+            <a:off x="9296400" y="2469735"/>
+            <a:ext cx="1371600" cy="774395"/>
+          </a:xfrm>
+          <a:prstGeom prst="rect">
+            <a:avLst/>
+          </a:prstGeom>
+          <a:solidFill>
+            <a:srgbClr val="FFA7A7"/>
+          </a:solidFill>
+          <a:ln w="9000">
+            <a:solidFill>
+              <a:schemeClr val="tx1"/>
+            </a:solidFill>
+          </a:ln>
+        </p:spPr>
+        <p:style>
+          <a:lnRef idx="2">
+            <a:schemeClr val="accent1">
+              <a:shade val="50000"/>
+            </a:schemeClr>
+          </a:lnRef>
+          <a:fillRef idx="1">
+            <a:schemeClr val="accent1"/>
+          </a:fillRef>
+          <a:effectRef idx="0">
+            <a:schemeClr val="accent1"/>
+          </a:effectRef>
+          <a:fontRef idx="minor">
+            <a:schemeClr val="lt1"/>
+          </a:fontRef>
+        </p:style>
+        <p:txBody>
+          <a:bodyPr rtlCol="0" anchor="ctr"/>
+          <a:lstStyle/>
+          <a:p>
+            <a:pPr marL="0" marR="0" lvl="0" indent="0" algn="ctr" defTabSz="457200" rtl="0" eaLnBrk="1" fontAlgn="auto" latinLnBrk="0" hangingPunct="1">
+              <a:lnSpc>
+                <a:spcPct val="100000"/>
+              </a:lnSpc>
+              <a:spcBef>
+                <a:spcPts val="0"/>
+              </a:spcBef>
+              <a:spcAft>
+                <a:spcPts val="0"/>
+              </a:spcAft>
+              <a:buClrTx/>
+              <a:buSzTx/>
+              <a:buFontTx/>
+              <a:buNone/>
+              <a:tabLst/>
+              <a:defRPr/>
+            </a:pPr>
+            <a:endParaRPr kumimoji="0" lang="en-US" sz="1800" b="0" i="0" u="none" strike="noStrike" kern="1200" cap="none" spc="0" normalizeH="0" baseline="0" noProof="0" dirty="0">
+              <a:ln>
+                <a:noFill/>
+              </a:ln>
+              <a:solidFill>
+                <a:srgbClr val="000000"/>
+              </a:solidFill>
+              <a:effectLst/>
+              <a:uLnTx/>
+              <a:uFillTx/>
+              <a:latin typeface="Calibri" panose="020F0502020204030204"/>
+              <a:ea typeface="+mn-ea"/>
+              <a:cs typeface="+mn-cs"/>
+            </a:endParaRPr>
+          </a:p>
+        </p:txBody>
+      </p:sp>
+      <p:sp>
+        <p:nvSpPr>
+          <p:cNvPr id="33" name="Rectangle 32">
+            <a:extLst>
+              <a:ext uri="{FF2B5EF4-FFF2-40B4-BE49-F238E27FC236}">
+                <a16:creationId xmlns:a16="http://schemas.microsoft.com/office/drawing/2014/main" id="{0A7168CC-E18D-443C-A23B-B45059D9C3C5}"/>
+              </a:ext>
+            </a:extLst>
+          </p:cNvPr>
+          <p:cNvSpPr/>
+          <p:nvPr/>
+        </p:nvSpPr>
+        <p:spPr>
+          <a:xfrm>
+            <a:off x="9461090" y="3244130"/>
+            <a:ext cx="1206910" cy="1080042"/>
+          </a:xfrm>
+          <a:prstGeom prst="rect">
+            <a:avLst/>
+          </a:prstGeom>
+          <a:solidFill>
+            <a:srgbClr val="FF7979"/>
+          </a:solidFill>
+          <a:ln w="9000">
+            <a:solidFill>
+              <a:schemeClr val="tx1"/>
+            </a:solidFill>
+          </a:ln>
+        </p:spPr>
+        <p:style>
+          <a:lnRef idx="2">
+            <a:schemeClr val="accent1">
+              <a:shade val="50000"/>
+            </a:schemeClr>
+          </a:lnRef>
+          <a:fillRef idx="1">
+            <a:schemeClr val="accent1"/>
+          </a:fillRef>
+          <a:effectRef idx="0">
+            <a:schemeClr val="accent1"/>
+          </a:effectRef>
+          <a:fontRef idx="minor">
+            <a:schemeClr val="lt1"/>
+          </a:fontRef>
+        </p:style>
+        <p:txBody>
+          <a:bodyPr rtlCol="0" anchor="ctr"/>
+          <a:lstStyle/>
+          <a:p>
+            <a:pPr marL="0" marR="0" lvl="0" indent="0" algn="ctr" defTabSz="457200" rtl="0" eaLnBrk="1" fontAlgn="auto" latinLnBrk="0" hangingPunct="1">
+              <a:lnSpc>
+                <a:spcPct val="100000"/>
+              </a:lnSpc>
+              <a:spcBef>
+                <a:spcPts val="0"/>
+              </a:spcBef>
+              <a:spcAft>
+                <a:spcPts val="0"/>
+              </a:spcAft>
+              <a:buClrTx/>
+              <a:buSzTx/>
+              <a:buFontTx/>
+              <a:buNone/>
+              <a:tabLst/>
+              <a:defRPr/>
+            </a:pPr>
+            <a:endParaRPr kumimoji="0" lang="en-US" sz="1800" b="0" i="0" u="none" strike="noStrike" kern="1200" cap="none" spc="0" normalizeH="0" baseline="0" noProof="0" dirty="0">
+              <a:ln>
+                <a:noFill/>
+              </a:ln>
+              <a:solidFill>
+                <a:srgbClr val="000000"/>
+              </a:solidFill>
+              <a:effectLst/>
+              <a:uLnTx/>
+              <a:uFillTx/>
+              <a:latin typeface="Calibri" panose="020F0502020204030204"/>
+              <a:ea typeface="+mn-ea"/>
+              <a:cs typeface="+mn-cs"/>
+            </a:endParaRPr>
+          </a:p>
+        </p:txBody>
+      </p:sp>
+      <p:sp>
+        <p:nvSpPr>
+          <p:cNvPr id="34" name="Rectangle 33">
+            <a:extLst>
+              <a:ext uri="{FF2B5EF4-FFF2-40B4-BE49-F238E27FC236}">
+                <a16:creationId xmlns:a16="http://schemas.microsoft.com/office/drawing/2014/main" id="{F24879B3-79C9-41C1-9069-E53AAD96ECA1}"/>
+              </a:ext>
+            </a:extLst>
+          </p:cNvPr>
+          <p:cNvSpPr/>
+          <p:nvPr/>
+        </p:nvSpPr>
+        <p:spPr>
+          <a:xfrm>
+            <a:off x="10316496" y="4324172"/>
+            <a:ext cx="567814" cy="200118"/>
+          </a:xfrm>
+          <a:prstGeom prst="rect">
+            <a:avLst/>
+          </a:prstGeom>
+          <a:solidFill>
+            <a:srgbClr val="FF3737"/>
+          </a:solidFill>
+          <a:ln w="9000">
+            <a:solidFill>
+              <a:schemeClr val="tx1"/>
+            </a:solidFill>
+          </a:ln>
+        </p:spPr>
+        <p:style>
+          <a:lnRef idx="2">
+            <a:schemeClr val="accent1">
+              <a:shade val="50000"/>
+            </a:schemeClr>
+          </a:lnRef>
+          <a:fillRef idx="1">
+            <a:schemeClr val="accent1"/>
+          </a:fillRef>
+          <a:effectRef idx="0">
+            <a:schemeClr val="accent1"/>
+          </a:effectRef>
+          <a:fontRef idx="minor">
+            <a:schemeClr val="lt1"/>
+          </a:fontRef>
+        </p:style>
+        <p:txBody>
+          <a:bodyPr rtlCol="0" anchor="ctr"/>
+          <a:lstStyle/>
+          <a:p>
+            <a:pPr marL="0" marR="0" lvl="0" indent="0" algn="ctr" defTabSz="457200" rtl="0" eaLnBrk="1" fontAlgn="auto" latinLnBrk="0" hangingPunct="1">
+              <a:lnSpc>
+                <a:spcPct val="100000"/>
+              </a:lnSpc>
+              <a:spcBef>
+                <a:spcPts val="0"/>
+              </a:spcBef>
+              <a:spcAft>
+                <a:spcPts val="0"/>
+              </a:spcAft>
+              <a:buClrTx/>
+              <a:buSzTx/>
+              <a:buFontTx/>
+              <a:buNone/>
+              <a:tabLst/>
+              <a:defRPr/>
+            </a:pPr>
+            <a:endParaRPr kumimoji="0" lang="en-US" sz="1800" b="0" i="0" u="none" strike="noStrike" kern="1200" cap="none" spc="0" normalizeH="0" baseline="0" noProof="0" dirty="0">
+              <a:ln>
+                <a:noFill/>
+              </a:ln>
+              <a:solidFill>
+                <a:srgbClr val="000000"/>
+              </a:solidFill>
+              <a:effectLst/>
+              <a:uLnTx/>
+              <a:uFillTx/>
+              <a:latin typeface="Calibri" panose="020F0502020204030204"/>
+              <a:ea typeface="+mn-ea"/>
+              <a:cs typeface="+mn-cs"/>
+            </a:endParaRPr>
+          </a:p>
+        </p:txBody>
+      </p:sp>
+      <p:sp>
+        <p:nvSpPr>
+          <p:cNvPr id="35" name="Rectangle 34">
+            <a:extLst>
+              <a:ext uri="{FF2B5EF4-FFF2-40B4-BE49-F238E27FC236}">
+                <a16:creationId xmlns:a16="http://schemas.microsoft.com/office/drawing/2014/main" id="{83878158-0329-4AB4-AC14-6D770EE2575B}"/>
+              </a:ext>
+            </a:extLst>
+          </p:cNvPr>
+          <p:cNvSpPr/>
+          <p:nvPr/>
+        </p:nvSpPr>
+        <p:spPr>
+          <a:xfrm>
+            <a:off x="9296400" y="4524290"/>
+            <a:ext cx="1371600" cy="640080"/>
+          </a:xfrm>
+          <a:prstGeom prst="rect">
+            <a:avLst/>
+          </a:prstGeom>
+          <a:solidFill>
+            <a:srgbClr val="FA0000"/>
+          </a:solidFill>
+          <a:ln w="9000">
+            <a:solidFill>
+              <a:schemeClr val="tx1"/>
+            </a:solidFill>
+          </a:ln>
+        </p:spPr>
+        <p:style>
+          <a:lnRef idx="2">
+            <a:schemeClr val="accent1">
+              <a:shade val="50000"/>
+            </a:schemeClr>
+          </a:lnRef>
+          <a:fillRef idx="1">
+            <a:schemeClr val="accent1"/>
+          </a:fillRef>
+          <a:effectRef idx="0">
+            <a:schemeClr val="accent1"/>
+          </a:effectRef>
+          <a:fontRef idx="minor">
+            <a:schemeClr val="lt1"/>
+          </a:fontRef>
+        </p:style>
+        <p:txBody>
+          <a:bodyPr rtlCol="0" anchor="ctr"/>
+          <a:lstStyle/>
+          <a:p>
+            <a:pPr marL="0" marR="0" lvl="0" indent="0" algn="ctr" defTabSz="457200" rtl="0" eaLnBrk="1" fontAlgn="auto" latinLnBrk="0" hangingPunct="1">
+              <a:lnSpc>
+                <a:spcPct val="100000"/>
+              </a:lnSpc>
+              <a:spcBef>
+                <a:spcPts val="0"/>
+              </a:spcBef>
+              <a:spcAft>
+                <a:spcPts val="0"/>
+              </a:spcAft>
+              <a:buClrTx/>
+              <a:buSzTx/>
+              <a:buFontTx/>
+              <a:buNone/>
+              <a:tabLst/>
+              <a:defRPr/>
+            </a:pPr>
+            <a:endParaRPr kumimoji="0" lang="en-US" sz="1800" b="0" i="0" u="none" strike="noStrike" kern="1200" cap="none" spc="0" normalizeH="0" baseline="0" noProof="0" dirty="0">
+              <a:ln>
+                <a:noFill/>
+              </a:ln>
+              <a:solidFill>
+                <a:srgbClr val="000000"/>
+              </a:solidFill>
+              <a:effectLst/>
+              <a:uLnTx/>
+              <a:uFillTx/>
+              <a:latin typeface="Calibri" panose="020F0502020204030204"/>
+              <a:ea typeface="+mn-ea"/>
+              <a:cs typeface="+mn-cs"/>
+            </a:endParaRPr>
+          </a:p>
+        </p:txBody>
+      </p:sp>
+      <p:sp>
+        <p:nvSpPr>
+          <p:cNvPr id="36" name="Rectangle 35">
+            <a:extLst>
+              <a:ext uri="{FF2B5EF4-FFF2-40B4-BE49-F238E27FC236}">
+                <a16:creationId xmlns:a16="http://schemas.microsoft.com/office/drawing/2014/main" id="{610AEC14-8959-40FC-A7F0-CF95C1C9FF1B}"/>
+              </a:ext>
+            </a:extLst>
+          </p:cNvPr>
+          <p:cNvSpPr/>
+          <p:nvPr/>
+        </p:nvSpPr>
+        <p:spPr>
+          <a:xfrm>
+            <a:off x="9512710" y="5164369"/>
+            <a:ext cx="1155468" cy="843321"/>
+          </a:xfrm>
+          <a:prstGeom prst="rect">
+            <a:avLst/>
+          </a:prstGeom>
+          <a:solidFill>
+            <a:srgbClr val="D20000"/>
+          </a:solidFill>
+          <a:ln w="9000">
+            <a:solidFill>
+              <a:schemeClr val="tx1"/>
+            </a:solidFill>
+          </a:ln>
+        </p:spPr>
+        <p:style>
+          <a:lnRef idx="2">
+            <a:schemeClr val="accent1">
+              <a:shade val="50000"/>
+            </a:schemeClr>
+          </a:lnRef>
+          <a:fillRef idx="1">
+            <a:schemeClr val="accent1"/>
+          </a:fillRef>
+          <a:effectRef idx="0">
+            <a:schemeClr val="accent1"/>
+          </a:effectRef>
+          <a:fontRef idx="minor">
+            <a:schemeClr val="lt1"/>
+          </a:fontRef>
+        </p:style>
+        <p:txBody>
+          <a:bodyPr rtlCol="0" anchor="ctr"/>
+          <a:lstStyle/>
+          <a:p>
+            <a:pPr marL="0" marR="0" lvl="0" indent="0" algn="ctr" defTabSz="457200" rtl="0" eaLnBrk="1" fontAlgn="auto" latinLnBrk="0" hangingPunct="1">
+              <a:lnSpc>
+                <a:spcPct val="100000"/>
+              </a:lnSpc>
+              <a:spcBef>
+                <a:spcPts val="0"/>
+              </a:spcBef>
+              <a:spcAft>
+                <a:spcPts val="0"/>
+              </a:spcAft>
+              <a:buClrTx/>
+              <a:buSzTx/>
+              <a:buFontTx/>
+              <a:buNone/>
+              <a:tabLst/>
+              <a:defRPr/>
+            </a:pPr>
+            <a:endParaRPr kumimoji="0" lang="en-US" sz="1800" b="0" i="0" u="none" strike="noStrike" kern="1200" cap="none" spc="0" normalizeH="0" baseline="0" noProof="0" dirty="0">
+              <a:ln>
+                <a:noFill/>
+              </a:ln>
+              <a:solidFill>
+                <a:srgbClr val="000000"/>
+              </a:solidFill>
+              <a:effectLst/>
+              <a:uLnTx/>
+              <a:uFillTx/>
+              <a:latin typeface="Calibri" panose="020F0502020204030204"/>
+              <a:ea typeface="+mn-ea"/>
+              <a:cs typeface="+mn-cs"/>
+            </a:endParaRPr>
+          </a:p>
+        </p:txBody>
+      </p:sp>
+      <p:sp>
+        <p:nvSpPr>
+          <p:cNvPr id="37" name="Rectangle 36">
+            <a:extLst>
+              <a:ext uri="{FF2B5EF4-FFF2-40B4-BE49-F238E27FC236}">
+                <a16:creationId xmlns:a16="http://schemas.microsoft.com/office/drawing/2014/main" id="{67D3E844-B9D5-4A5D-9D60-E163CFEF6F68}"/>
+              </a:ext>
+            </a:extLst>
+          </p:cNvPr>
+          <p:cNvSpPr/>
+          <p:nvPr/>
+        </p:nvSpPr>
+        <p:spPr>
+          <a:xfrm>
+            <a:off x="9055510" y="6007692"/>
+            <a:ext cx="1155290" cy="436837"/>
+          </a:xfrm>
+          <a:prstGeom prst="rect">
+            <a:avLst/>
+          </a:prstGeom>
+          <a:solidFill>
+            <a:srgbClr val="B00000"/>
+          </a:solidFill>
+          <a:ln w="9000">
+            <a:solidFill>
+              <a:schemeClr val="tx1"/>
+            </a:solidFill>
+          </a:ln>
+        </p:spPr>
+        <p:style>
+          <a:lnRef idx="2">
+            <a:schemeClr val="accent1">
+              <a:shade val="50000"/>
+            </a:schemeClr>
+          </a:lnRef>
+          <a:fillRef idx="1">
+            <a:schemeClr val="accent1"/>
+          </a:fillRef>
+          <a:effectRef idx="0">
+            <a:schemeClr val="accent1"/>
+          </a:effectRef>
+          <a:fontRef idx="minor">
+            <a:schemeClr val="lt1"/>
+          </a:fontRef>
+        </p:style>
+        <p:txBody>
+          <a:bodyPr rtlCol="0" anchor="ctr"/>
+          <a:lstStyle/>
+          <a:p>
+            <a:pPr marL="0" marR="0" lvl="0" indent="0" algn="ctr" defTabSz="457200" rtl="0" eaLnBrk="1" fontAlgn="auto" latinLnBrk="0" hangingPunct="1">
+              <a:lnSpc>
+                <a:spcPct val="100000"/>
+              </a:lnSpc>
+              <a:spcBef>
+                <a:spcPts val="0"/>
+              </a:spcBef>
+              <a:spcAft>
+                <a:spcPts val="0"/>
+              </a:spcAft>
+              <a:buClrTx/>
+              <a:buSzTx/>
+              <a:buFontTx/>
+              <a:buNone/>
+              <a:tabLst/>
+              <a:defRPr/>
+            </a:pPr>
+            <a:endParaRPr kumimoji="0" lang="en-US" sz="1800" b="0" i="0" u="none" strike="noStrike" kern="1200" cap="none" spc="0" normalizeH="0" baseline="0" noProof="0" dirty="0">
+              <a:ln>
+                <a:noFill/>
+              </a:ln>
+              <a:solidFill>
+                <a:srgbClr val="000000"/>
+              </a:solidFill>
+              <a:effectLst/>
+              <a:uLnTx/>
+              <a:uFillTx/>
+              <a:latin typeface="Calibri" panose="020F0502020204030204"/>
+              <a:ea typeface="+mn-ea"/>
+              <a:cs typeface="+mn-cs"/>
+            </a:endParaRPr>
+          </a:p>
+        </p:txBody>
+      </p:sp>
+      <p:sp>
+        <p:nvSpPr>
+          <p:cNvPr id="38" name="Rectangle 37">
+            <a:extLst>
+              <a:ext uri="{FF2B5EF4-FFF2-40B4-BE49-F238E27FC236}">
+                <a16:creationId xmlns:a16="http://schemas.microsoft.com/office/drawing/2014/main" id="{3F3CEA71-8CB0-4E69-846A-8BF415B5173D}"/>
+              </a:ext>
+            </a:extLst>
+          </p:cNvPr>
+          <p:cNvSpPr/>
+          <p:nvPr/>
+        </p:nvSpPr>
+        <p:spPr>
+          <a:xfrm>
+            <a:off x="10668000" y="2469735"/>
+            <a:ext cx="914400" cy="774395"/>
+          </a:xfrm>
+          <a:prstGeom prst="rect">
+            <a:avLst/>
+          </a:prstGeom>
+          <a:solidFill>
+            <a:schemeClr val="accent6">
+              <a:lumMod val="40000"/>
+              <a:lumOff val="60000"/>
+            </a:schemeClr>
+          </a:solidFill>
+          <a:ln w="9000">
+            <a:solidFill>
+              <a:schemeClr val="tx1"/>
+            </a:solidFill>
+          </a:ln>
+        </p:spPr>
+        <p:style>
+          <a:lnRef idx="2">
+            <a:schemeClr val="accent1">
+              <a:shade val="50000"/>
+            </a:schemeClr>
+          </a:lnRef>
+          <a:fillRef idx="1">
+            <a:schemeClr val="accent1"/>
+          </a:fillRef>
+          <a:effectRef idx="0">
+            <a:schemeClr val="accent1"/>
+          </a:effectRef>
+          <a:fontRef idx="minor">
+            <a:schemeClr val="lt1"/>
+          </a:fontRef>
+        </p:style>
+        <p:txBody>
+          <a:bodyPr rtlCol="0" anchor="ctr"/>
+          <a:lstStyle/>
+          <a:p>
+            <a:pPr marL="0" marR="0" lvl="0" indent="0" algn="ctr" defTabSz="457200" rtl="0" eaLnBrk="1" fontAlgn="auto" latinLnBrk="0" hangingPunct="1">
+              <a:lnSpc>
+                <a:spcPct val="100000"/>
+              </a:lnSpc>
+              <a:spcBef>
+                <a:spcPts val="0"/>
+              </a:spcBef>
+              <a:spcAft>
+                <a:spcPts val="0"/>
+              </a:spcAft>
+              <a:buClrTx/>
+              <a:buSzTx/>
+              <a:buFontTx/>
+              <a:buNone/>
+              <a:tabLst/>
+              <a:defRPr/>
+            </a:pPr>
+            <a:endParaRPr kumimoji="0" lang="en-US" sz="1800" b="0" i="0" u="none" strike="noStrike" kern="1200" cap="none" spc="0" normalizeH="0" baseline="0" noProof="0" dirty="0">
+              <a:ln>
+                <a:noFill/>
+              </a:ln>
+              <a:solidFill>
+                <a:srgbClr val="000000"/>
+              </a:solidFill>
+              <a:effectLst/>
+              <a:uLnTx/>
+              <a:uFillTx/>
+              <a:latin typeface="Calibri" panose="020F0502020204030204"/>
+              <a:ea typeface="+mn-ea"/>
+              <a:cs typeface="+mn-cs"/>
+            </a:endParaRPr>
+          </a:p>
+        </p:txBody>
+      </p:sp>
+      <p:sp>
+        <p:nvSpPr>
+          <p:cNvPr id="39" name="Rectangle 38">
+            <a:extLst>
+              <a:ext uri="{FF2B5EF4-FFF2-40B4-BE49-F238E27FC236}">
+                <a16:creationId xmlns:a16="http://schemas.microsoft.com/office/drawing/2014/main" id="{E70ADD9D-506A-49B3-8B32-1EE8A2A54E9D}"/>
+              </a:ext>
+            </a:extLst>
+          </p:cNvPr>
+          <p:cNvSpPr/>
+          <p:nvPr/>
+        </p:nvSpPr>
+        <p:spPr>
+          <a:xfrm>
+            <a:off x="10567219" y="3244130"/>
+            <a:ext cx="1015181" cy="1080042"/>
+          </a:xfrm>
+          <a:prstGeom prst="rect">
+            <a:avLst/>
+          </a:prstGeom>
+          <a:solidFill>
+            <a:schemeClr val="accent6">
+              <a:lumMod val="60000"/>
+              <a:lumOff val="40000"/>
+            </a:schemeClr>
+          </a:solidFill>
+          <a:ln w="9000">
+            <a:solidFill>
+              <a:schemeClr val="tx1"/>
+            </a:solidFill>
+          </a:ln>
+        </p:spPr>
+        <p:style>
+          <a:lnRef idx="2">
+            <a:schemeClr val="accent1">
+              <a:shade val="50000"/>
+            </a:schemeClr>
+          </a:lnRef>
+          <a:fillRef idx="1">
+            <a:schemeClr val="accent1"/>
+          </a:fillRef>
+          <a:effectRef idx="0">
+            <a:schemeClr val="accent1"/>
+          </a:effectRef>
+          <a:fontRef idx="minor">
+            <a:schemeClr val="lt1"/>
+          </a:fontRef>
+        </p:style>
+        <p:txBody>
+          <a:bodyPr rtlCol="0" anchor="ctr"/>
+          <a:lstStyle/>
+          <a:p>
+            <a:pPr marL="0" marR="0" lvl="0" indent="0" algn="ctr" defTabSz="457200" rtl="0" eaLnBrk="1" fontAlgn="auto" latinLnBrk="0" hangingPunct="1">
+              <a:lnSpc>
+                <a:spcPct val="100000"/>
+              </a:lnSpc>
+              <a:spcBef>
+                <a:spcPts val="0"/>
+              </a:spcBef>
+              <a:spcAft>
+                <a:spcPts val="0"/>
+              </a:spcAft>
+              <a:buClrTx/>
+              <a:buSzTx/>
+              <a:buFontTx/>
+              <a:buNone/>
+              <a:tabLst/>
+              <a:defRPr/>
+            </a:pPr>
+            <a:endParaRPr kumimoji="0" lang="en-US" sz="1800" b="0" i="0" u="none" strike="noStrike" kern="1200" cap="none" spc="0" normalizeH="0" baseline="0" noProof="0" dirty="0">
+              <a:ln>
+                <a:noFill/>
+              </a:ln>
+              <a:solidFill>
+                <a:srgbClr val="000000"/>
+              </a:solidFill>
+              <a:effectLst/>
+              <a:uLnTx/>
+              <a:uFillTx/>
+              <a:latin typeface="Calibri" panose="020F0502020204030204"/>
+              <a:ea typeface="+mn-ea"/>
+              <a:cs typeface="+mn-cs"/>
+            </a:endParaRPr>
+          </a:p>
+        </p:txBody>
+      </p:sp>
+      <p:sp>
+        <p:nvSpPr>
+          <p:cNvPr id="40" name="Rectangle 39">
+            <a:extLst>
+              <a:ext uri="{FF2B5EF4-FFF2-40B4-BE49-F238E27FC236}">
+                <a16:creationId xmlns:a16="http://schemas.microsoft.com/office/drawing/2014/main" id="{EB1BE4CD-D970-4B74-9B5F-6032802DE165}"/>
+              </a:ext>
+            </a:extLst>
+          </p:cNvPr>
+          <p:cNvSpPr/>
+          <p:nvPr/>
+        </p:nvSpPr>
+        <p:spPr>
+          <a:xfrm>
+            <a:off x="10884310" y="4324172"/>
+            <a:ext cx="698090" cy="200118"/>
+          </a:xfrm>
+          <a:prstGeom prst="rect">
+            <a:avLst/>
+          </a:prstGeom>
+          <a:solidFill>
+            <a:schemeClr val="accent6"/>
+          </a:solidFill>
+          <a:ln w="9000">
+            <a:solidFill>
+              <a:schemeClr val="tx1"/>
+            </a:solidFill>
+          </a:ln>
+        </p:spPr>
+        <p:style>
+          <a:lnRef idx="2">
+            <a:schemeClr val="accent1">
+              <a:shade val="50000"/>
+            </a:schemeClr>
+          </a:lnRef>
+          <a:fillRef idx="1">
+            <a:schemeClr val="accent1"/>
+          </a:fillRef>
+          <a:effectRef idx="0">
+            <a:schemeClr val="accent1"/>
+          </a:effectRef>
+          <a:fontRef idx="minor">
+            <a:schemeClr val="lt1"/>
+          </a:fontRef>
+        </p:style>
+        <p:txBody>
+          <a:bodyPr rtlCol="0" anchor="ctr"/>
+          <a:lstStyle/>
+          <a:p>
+            <a:pPr marL="0" marR="0" lvl="0" indent="0" algn="ctr" defTabSz="457200" rtl="0" eaLnBrk="1" fontAlgn="auto" latinLnBrk="0" hangingPunct="1">
+              <a:lnSpc>
+                <a:spcPct val="100000"/>
+              </a:lnSpc>
+              <a:spcBef>
+                <a:spcPts val="0"/>
+              </a:spcBef>
+              <a:spcAft>
+                <a:spcPts val="0"/>
+              </a:spcAft>
+              <a:buClrTx/>
+              <a:buSzTx/>
+              <a:buFontTx/>
+              <a:buNone/>
+              <a:tabLst/>
+              <a:defRPr/>
+            </a:pPr>
+            <a:endParaRPr kumimoji="0" lang="en-US" sz="1800" b="0" i="0" u="none" strike="noStrike" kern="1200" cap="none" spc="0" normalizeH="0" baseline="0" noProof="0" dirty="0">
+              <a:ln>
+                <a:noFill/>
+              </a:ln>
+              <a:solidFill>
+                <a:srgbClr val="000000"/>
+              </a:solidFill>
+              <a:effectLst/>
+              <a:uLnTx/>
+              <a:uFillTx/>
+              <a:latin typeface="Calibri" panose="020F0502020204030204"/>
+              <a:ea typeface="+mn-ea"/>
+              <a:cs typeface="+mn-cs"/>
+            </a:endParaRPr>
+          </a:p>
+        </p:txBody>
+      </p:sp>
+      <p:sp>
+        <p:nvSpPr>
+          <p:cNvPr id="41" name="Rectangle 40">
+            <a:extLst>
+              <a:ext uri="{FF2B5EF4-FFF2-40B4-BE49-F238E27FC236}">
+                <a16:creationId xmlns:a16="http://schemas.microsoft.com/office/drawing/2014/main" id="{0B0D87E7-7DFD-49B3-8941-09318BF3C186}"/>
+              </a:ext>
+            </a:extLst>
+          </p:cNvPr>
+          <p:cNvSpPr/>
+          <p:nvPr/>
+        </p:nvSpPr>
+        <p:spPr>
+          <a:xfrm>
+            <a:off x="10668000" y="4524290"/>
+            <a:ext cx="914400" cy="640080"/>
+          </a:xfrm>
+          <a:prstGeom prst="rect">
+            <a:avLst/>
+          </a:prstGeom>
+          <a:solidFill>
+            <a:schemeClr val="accent6">
+              <a:lumMod val="75000"/>
+            </a:schemeClr>
+          </a:solidFill>
+          <a:ln w="9000">
+            <a:solidFill>
+              <a:schemeClr val="tx1"/>
+            </a:solidFill>
+          </a:ln>
+        </p:spPr>
+        <p:style>
+          <a:lnRef idx="2">
+            <a:schemeClr val="accent1">
+              <a:shade val="50000"/>
+            </a:schemeClr>
+          </a:lnRef>
+          <a:fillRef idx="1">
+            <a:schemeClr val="accent1"/>
+          </a:fillRef>
+          <a:effectRef idx="0">
+            <a:schemeClr val="accent1"/>
+          </a:effectRef>
+          <a:fontRef idx="minor">
+            <a:schemeClr val="lt1"/>
+          </a:fontRef>
+        </p:style>
+        <p:txBody>
+          <a:bodyPr rtlCol="0" anchor="ctr"/>
+          <a:lstStyle/>
+          <a:p>
+            <a:pPr marL="0" marR="0" lvl="0" indent="0" algn="ctr" defTabSz="457200" rtl="0" eaLnBrk="1" fontAlgn="auto" latinLnBrk="0" hangingPunct="1">
+              <a:lnSpc>
+                <a:spcPct val="100000"/>
+              </a:lnSpc>
+              <a:spcBef>
+                <a:spcPts val="0"/>
+              </a:spcBef>
+              <a:spcAft>
+                <a:spcPts val="0"/>
+              </a:spcAft>
+              <a:buClrTx/>
+              <a:buSzTx/>
+              <a:buFontTx/>
+              <a:buNone/>
+              <a:tabLst/>
+              <a:defRPr/>
+            </a:pPr>
+            <a:endParaRPr kumimoji="0" lang="en-US" sz="1800" b="0" i="0" u="none" strike="noStrike" kern="1200" cap="none" spc="0" normalizeH="0" baseline="0" noProof="0" dirty="0">
+              <a:ln>
+                <a:noFill/>
+              </a:ln>
+              <a:solidFill>
+                <a:srgbClr val="000000"/>
+              </a:solidFill>
+              <a:effectLst/>
+              <a:uLnTx/>
+              <a:uFillTx/>
+              <a:latin typeface="Calibri" panose="020F0502020204030204"/>
+              <a:ea typeface="+mn-ea"/>
+              <a:cs typeface="+mn-cs"/>
+            </a:endParaRPr>
+          </a:p>
+        </p:txBody>
+      </p:sp>
+      <p:sp>
+        <p:nvSpPr>
+          <p:cNvPr id="42" name="Rectangle 41">
+            <a:extLst>
+              <a:ext uri="{FF2B5EF4-FFF2-40B4-BE49-F238E27FC236}">
+                <a16:creationId xmlns:a16="http://schemas.microsoft.com/office/drawing/2014/main" id="{78BB2DB0-5DBD-483F-A6C8-BA2DC2BACA7D}"/>
+              </a:ext>
+            </a:extLst>
+          </p:cNvPr>
+          <p:cNvSpPr/>
+          <p:nvPr/>
+        </p:nvSpPr>
+        <p:spPr>
+          <a:xfrm>
+            <a:off x="10668000" y="5164369"/>
+            <a:ext cx="914400" cy="843321"/>
+          </a:xfrm>
+          <a:prstGeom prst="rect">
+            <a:avLst/>
+          </a:prstGeom>
+          <a:solidFill>
+            <a:schemeClr val="accent6">
+              <a:lumMod val="50000"/>
+            </a:schemeClr>
+          </a:solidFill>
+          <a:ln w="9000">
+            <a:solidFill>
+              <a:schemeClr val="tx1"/>
+            </a:solidFill>
+          </a:ln>
+        </p:spPr>
+        <p:style>
+          <a:lnRef idx="2">
+            <a:schemeClr val="accent1">
+              <a:shade val="50000"/>
+            </a:schemeClr>
+          </a:lnRef>
+          <a:fillRef idx="1">
+            <a:schemeClr val="accent1"/>
+          </a:fillRef>
+          <a:effectRef idx="0">
+            <a:schemeClr val="accent1"/>
+          </a:effectRef>
+          <a:fontRef idx="minor">
+            <a:schemeClr val="lt1"/>
+          </a:fontRef>
+        </p:style>
+        <p:txBody>
+          <a:bodyPr rtlCol="0" anchor="ctr"/>
+          <a:lstStyle/>
+          <a:p>
+            <a:pPr marL="0" marR="0" lvl="0" indent="0" algn="ctr" defTabSz="457200" rtl="0" eaLnBrk="1" fontAlgn="auto" latinLnBrk="0" hangingPunct="1">
+              <a:lnSpc>
+                <a:spcPct val="100000"/>
+              </a:lnSpc>
+              <a:spcBef>
+                <a:spcPts val="0"/>
+              </a:spcBef>
+              <a:spcAft>
+                <a:spcPts val="0"/>
+              </a:spcAft>
+              <a:buClrTx/>
+              <a:buSzTx/>
+              <a:buFontTx/>
+              <a:buNone/>
+              <a:tabLst/>
+              <a:defRPr/>
+            </a:pPr>
+            <a:endParaRPr kumimoji="0" lang="en-US" sz="1800" b="0" i="0" u="none" strike="noStrike" kern="1200" cap="none" spc="0" normalizeH="0" baseline="0" noProof="0" dirty="0">
+              <a:ln>
+                <a:noFill/>
+              </a:ln>
+              <a:solidFill>
+                <a:srgbClr val="000000"/>
+              </a:solidFill>
+              <a:effectLst/>
+              <a:uLnTx/>
+              <a:uFillTx/>
+              <a:latin typeface="Calibri" panose="020F0502020204030204"/>
+              <a:ea typeface="+mn-ea"/>
+              <a:cs typeface="+mn-cs"/>
+            </a:endParaRPr>
+          </a:p>
+        </p:txBody>
+      </p:sp>
+      <p:sp>
+        <p:nvSpPr>
+          <p:cNvPr id="43" name="Rectangle 42">
+            <a:extLst>
+              <a:ext uri="{FF2B5EF4-FFF2-40B4-BE49-F238E27FC236}">
+                <a16:creationId xmlns:a16="http://schemas.microsoft.com/office/drawing/2014/main" id="{F9130D2B-E53C-4F4E-A2C4-A8B724CCB6F9}"/>
+              </a:ext>
+            </a:extLst>
+          </p:cNvPr>
+          <p:cNvSpPr/>
+          <p:nvPr/>
+        </p:nvSpPr>
+        <p:spPr>
+          <a:xfrm>
+            <a:off x="10210800" y="6007692"/>
+            <a:ext cx="1371600" cy="436837"/>
+          </a:xfrm>
+          <a:prstGeom prst="rect">
+            <a:avLst/>
+          </a:prstGeom>
+          <a:solidFill>
+            <a:srgbClr val="2C451B"/>
+          </a:solidFill>
+          <a:ln w="9000">
+            <a:solidFill>
+              <a:schemeClr val="tx1"/>
+            </a:solidFill>
+          </a:ln>
+        </p:spPr>
+        <p:style>
+          <a:lnRef idx="2">
+            <a:schemeClr val="accent1">
+              <a:shade val="50000"/>
+            </a:schemeClr>
+          </a:lnRef>
+          <a:fillRef idx="1">
+            <a:schemeClr val="accent1"/>
+          </a:fillRef>
+          <a:effectRef idx="0">
+            <a:schemeClr val="accent1"/>
+          </a:effectRef>
+          <a:fontRef idx="minor">
+            <a:schemeClr val="lt1"/>
+          </a:fontRef>
+        </p:style>
+        <p:txBody>
+          <a:bodyPr rtlCol="0" anchor="ctr"/>
+          <a:lstStyle/>
+          <a:p>
+            <a:pPr marL="0" marR="0" lvl="0" indent="0" algn="ctr" defTabSz="457200" rtl="0" eaLnBrk="1" fontAlgn="auto" latinLnBrk="0" hangingPunct="1">
+              <a:lnSpc>
+                <a:spcPct val="100000"/>
+              </a:lnSpc>
+              <a:spcBef>
+                <a:spcPts val="0"/>
+              </a:spcBef>
+              <a:spcAft>
+                <a:spcPts val="0"/>
+              </a:spcAft>
+              <a:buClrTx/>
+              <a:buSzTx/>
+              <a:buFontTx/>
+              <a:buNone/>
+              <a:tabLst/>
+              <a:defRPr/>
+            </a:pPr>
+            <a:endParaRPr kumimoji="0" lang="en-US" sz="1800" b="0" i="0" u="none" strike="noStrike" kern="1200" cap="none" spc="0" normalizeH="0" baseline="0" noProof="0" dirty="0">
+              <a:ln>
+                <a:noFill/>
+              </a:ln>
+              <a:solidFill>
+                <a:srgbClr val="000000"/>
+              </a:solidFill>
+              <a:effectLst/>
+              <a:uLnTx/>
+              <a:uFillTx/>
+              <a:latin typeface="Calibri" panose="020F0502020204030204"/>
+              <a:ea typeface="+mn-ea"/>
+              <a:cs typeface="+mn-cs"/>
+            </a:endParaRPr>
+          </a:p>
+        </p:txBody>
+      </p:sp>
+      <p:sp>
+        <p:nvSpPr>
+          <p:cNvPr id="44" name="Title 1">
+            <a:extLst>
+              <a:ext uri="{FF2B5EF4-FFF2-40B4-BE49-F238E27FC236}">
+                <a16:creationId xmlns:a16="http://schemas.microsoft.com/office/drawing/2014/main" id="{02A8AED4-D0FA-477A-9B33-E27A074B76FF}"/>
+              </a:ext>
+            </a:extLst>
+          </p:cNvPr>
+          <p:cNvSpPr txBox="1">
+            <a:spLocks/>
+          </p:cNvSpPr>
+          <p:nvPr/>
+        </p:nvSpPr>
+        <p:spPr>
+          <a:xfrm>
+            <a:off x="1484311" y="154858"/>
+            <a:ext cx="10018713" cy="1752599"/>
+          </a:xfrm>
+          <a:prstGeom prst="rect">
+            <a:avLst/>
+          </a:prstGeom>
+          <a:effectLst/>
+        </p:spPr>
+        <p:txBody>
+          <a:bodyPr vert="horz" lIns="91440" tIns="45720" rIns="91440" bIns="45720" rtlCol="0" anchor="ctr">
+            <a:normAutofit/>
+          </a:bodyPr>
+          <a:lstStyle>
+            <a:lvl1pPr algn="ctr" defTabSz="457200" rtl="0" eaLnBrk="1" latinLnBrk="0" hangingPunct="1">
+              <a:spcBef>
+                <a:spcPct val="0"/>
+              </a:spcBef>
+              <a:buNone/>
+              <a:defRPr sz="4000" kern="1200" cap="none">
+                <a:ln w="3175" cmpd="sng">
+                  <a:noFill/>
+                </a:ln>
+                <a:solidFill>
+                  <a:schemeClr val="tx1"/>
+                </a:solidFill>
+                <a:effectLst/>
+                <a:latin typeface="+mj-lt"/>
+                <a:ea typeface="+mj-ea"/>
+                <a:cs typeface="+mj-cs"/>
+              </a:defRPr>
+            </a:lvl1pPr>
+            <a:lvl2pPr eaLnBrk="1" hangingPunct="1">
+              <a:defRPr>
+                <a:solidFill>
+                  <a:schemeClr val="tx2"/>
+                </a:solidFill>
+              </a:defRPr>
+            </a:lvl2pPr>
+            <a:lvl3pPr eaLnBrk="1" hangingPunct="1">
+              <a:defRPr>
+                <a:solidFill>
+                  <a:schemeClr val="tx2"/>
+                </a:solidFill>
+              </a:defRPr>
+            </a:lvl3pPr>
+            <a:lvl4pPr eaLnBrk="1" hangingPunct="1">
+              <a:defRPr>
+                <a:solidFill>
+                  <a:schemeClr val="tx2"/>
+                </a:solidFill>
+              </a:defRPr>
+            </a:lvl4pPr>
+            <a:lvl5pPr eaLnBrk="1" hangingPunct="1">
+              <a:defRPr>
+                <a:solidFill>
+                  <a:schemeClr val="tx2"/>
+                </a:solidFill>
+              </a:defRPr>
+            </a:lvl5pPr>
+            <a:lvl6pPr eaLnBrk="1" hangingPunct="1">
+              <a:defRPr>
+                <a:solidFill>
+                  <a:schemeClr val="tx2"/>
+                </a:solidFill>
+              </a:defRPr>
+            </a:lvl6pPr>
+            <a:lvl7pPr eaLnBrk="1" hangingPunct="1">
+              <a:defRPr>
+                <a:solidFill>
+                  <a:schemeClr val="tx2"/>
+                </a:solidFill>
+              </a:defRPr>
+            </a:lvl7pPr>
+            <a:lvl8pPr eaLnBrk="1" hangingPunct="1">
+              <a:defRPr>
+                <a:solidFill>
+                  <a:schemeClr val="tx2"/>
+                </a:solidFill>
+              </a:defRPr>
+            </a:lvl8pPr>
+            <a:lvl9pPr eaLnBrk="1" hangingPunct="1">
+              <a:defRPr>
+                <a:solidFill>
+                  <a:schemeClr val="tx2"/>
+                </a:solidFill>
+              </a:defRPr>
+            </a:lvl9pPr>
+          </a:lstStyle>
+          <a:p>
+            <a:pPr marL="0" marR="0" lvl="0" indent="0" algn="ctr" defTabSz="457200" rtl="0" eaLnBrk="1" fontAlgn="auto" latinLnBrk="0" hangingPunct="1">
+              <a:lnSpc>
+                <a:spcPct val="100000"/>
+              </a:lnSpc>
+              <a:spcBef>
+                <a:spcPct val="0"/>
+              </a:spcBef>
+              <a:spcAft>
+                <a:spcPts val="0"/>
+              </a:spcAft>
+              <a:buClrTx/>
+              <a:buSzTx/>
+              <a:buFontTx/>
+              <a:buNone/>
+              <a:tabLst/>
+              <a:defRPr/>
+            </a:pPr>
+            <a:r>
+              <a:rPr kumimoji="0" lang="en-US" sz="4000" b="0" i="0" u="none" strike="noStrike" kern="1200" cap="none" spc="0" normalizeH="0" baseline="0" noProof="0" dirty="0">
+                <a:ln w="3175" cmpd="sng">
+                  <a:noFill/>
+                </a:ln>
+                <a:solidFill>
+                  <a:srgbClr val="000000"/>
+                </a:solidFill>
+                <a:effectLst/>
+                <a:uLnTx/>
+                <a:uFillTx/>
+                <a:latin typeface="Corbel" panose="020B0503020204020204"/>
+                <a:ea typeface="+mj-ea"/>
+                <a:cs typeface="+mj-cs"/>
+              </a:rPr>
+              <a:t>Final Voting Decisions</a:t>
+            </a:r>
+          </a:p>
+        </p:txBody>
+      </p:sp>
+    </p:spTree>
+    <p:extLst>
+      <p:ext uri="{BB962C8B-B14F-4D97-AF65-F5344CB8AC3E}">
+        <p14:creationId xmlns:p14="http://schemas.microsoft.com/office/powerpoint/2010/main" val="1936896649"/>
+      </p:ext>
+    </p:extLst>
+  </p:cSld>
+  <p:clrMapOvr>
+    <a:masterClrMapping/>
+  </p:clrMapOvr>
+  <mc:AlternateContent xmlns:mc="http://schemas.openxmlformats.org/markup-compatibility/2006" xmlns:p14="http://schemas.microsoft.com/office/powerpoint/2010/main">
+    <mc:Choice Requires="p14">
+      <p:transition spd="med" p14:dur="700">
+        <p:fade/>
+      </p:transition>
+    </mc:Choice>
+    <mc:Fallback xmlns="">
+      <p:transition spd="med">
+        <p:fade/>
+      </p:transition>
+    </mc:Fallback>
+  </mc:AlternateContent>
+</p:sld>
+</file>
+
+<file path=ppt/slides/slide16.xml><?xml version="1.0" encoding="utf-8"?>
+<p:sld xmlns:a="http://schemas.openxmlformats.org/drawingml/2006/main" xmlns:r="http://schemas.openxmlformats.org/officeDocument/2006/relationships" xmlns:p="http://schemas.openxmlformats.org/presentationml/2006/main">
+  <p:cSld>
+    <p:spTree>
+      <p:nvGrpSpPr>
+        <p:cNvPr id="1" name=""/>
+        <p:cNvGrpSpPr/>
+        <p:nvPr/>
+      </p:nvGrpSpPr>
+      <p:grpSpPr>
+        <a:xfrm>
+          <a:off x="0" y="0"/>
+          <a:ext cx="0" cy="0"/>
+          <a:chOff x="0" y="0"/>
+          <a:chExt cx="0" cy="0"/>
+        </a:xfrm>
+      </p:grpSpPr>
       <p:sp>
         <p:nvSpPr>
           <p:cNvPr id="4" name="Title 3">
@@ -20189,13 +23502,13 @@
   <p:clrMapOvr>
     <a:masterClrMapping/>
   </p:clrMapOvr>
-  <mc:AlternateContent xmlns:mc="http://schemas.openxmlformats.org/markup-compatibility/2006">
-    <mc:Choice xmlns:p14="http://schemas.microsoft.com/office/powerpoint/2010/main" Requires="p14">
+  <mc:AlternateContent xmlns:mc="http://schemas.openxmlformats.org/markup-compatibility/2006" xmlns:p14="http://schemas.microsoft.com/office/powerpoint/2010/main">
+    <mc:Choice Requires="p14">
       <p:transition spd="med" p14:dur="700">
         <p:fade/>
       </p:transition>
     </mc:Choice>
-    <mc:Fallback>
+    <mc:Fallback xmlns="">
       <p:transition spd="med">
         <p:fade/>
       </p:transition>
@@ -20204,7 +23517,7 @@
 </p:sld>
 </file>
 
-<file path=ppt/slides/slide16.xml><?xml version="1.0" encoding="utf-8"?>
+<file path=ppt/slides/slide17.xml><?xml version="1.0" encoding="utf-8"?>
 <p:sld xmlns:a="http://schemas.openxmlformats.org/drawingml/2006/main" xmlns:r="http://schemas.openxmlformats.org/officeDocument/2006/relationships" xmlns:p="http://schemas.openxmlformats.org/presentationml/2006/main">
   <p:cSld>
     <p:spTree>
@@ -20309,6 +23622,36 @@
           </a:prstGeom>
         </p:spPr>
       </p:pic>
+      <p:pic>
+        <p:nvPicPr>
+          <p:cNvPr id="3" name="Picture 2">
+            <a:extLst>
+              <a:ext uri="{FF2B5EF4-FFF2-40B4-BE49-F238E27FC236}">
+                <a16:creationId xmlns:a16="http://schemas.microsoft.com/office/drawing/2014/main" id="{55B16393-8CFF-496D-A273-636A465DDF0B}"/>
+              </a:ext>
+            </a:extLst>
+          </p:cNvPr>
+          <p:cNvPicPr>
+            <a:picLocks noChangeAspect="1"/>
+          </p:cNvPicPr>
+          <p:nvPr/>
+        </p:nvPicPr>
+        <p:blipFill>
+          <a:blip r:embed="rId5"/>
+          <a:stretch>
+            <a:fillRect/>
+          </a:stretch>
+        </p:blipFill>
+        <p:spPr>
+          <a:xfrm>
+            <a:off x="195878" y="255790"/>
+            <a:ext cx="2657207" cy="1085899"/>
+          </a:xfrm>
+          <a:prstGeom prst="rect">
+            <a:avLst/>
+          </a:prstGeom>
+        </p:spPr>
+      </p:pic>
     </p:spTree>
     <p:extLst>
       <p:ext uri="{BB962C8B-B14F-4D97-AF65-F5344CB8AC3E}">
@@ -20319,13 +23662,13 @@
   <p:clrMapOvr>
     <a:masterClrMapping/>
   </p:clrMapOvr>
-  <mc:AlternateContent xmlns:mc="http://schemas.openxmlformats.org/markup-compatibility/2006">
-    <mc:Choice xmlns:p14="http://schemas.microsoft.com/office/powerpoint/2010/main" Requires="p14">
+  <mc:AlternateContent xmlns:mc="http://schemas.openxmlformats.org/markup-compatibility/2006" xmlns:p14="http://schemas.microsoft.com/office/powerpoint/2010/main">
+    <mc:Choice Requires="p14">
       <p:transition spd="med" p14:dur="700">
         <p:fade/>
       </p:transition>
     </mc:Choice>
-    <mc:Fallback>
+    <mc:Fallback xmlns="">
       <p:transition spd="med">
         <p:fade/>
       </p:transition>
@@ -20334,7 +23677,7 @@
 </p:sld>
 </file>
 
-<file path=ppt/slides/slide17.xml><?xml version="1.0" encoding="utf-8"?>
+<file path=ppt/slides/slide18.xml><?xml version="1.0" encoding="utf-8"?>
 <p:sld xmlns:a="http://schemas.openxmlformats.org/drawingml/2006/main" xmlns:r="http://schemas.openxmlformats.org/officeDocument/2006/relationships" xmlns:p="http://schemas.openxmlformats.org/presentationml/2006/main">
   <p:cSld>
     <p:spTree>
@@ -20409,6 +23752,36 @@
           </a:prstGeom>
         </p:spPr>
       </p:pic>
+      <p:pic>
+        <p:nvPicPr>
+          <p:cNvPr id="6" name="Picture 5">
+            <a:extLst>
+              <a:ext uri="{FF2B5EF4-FFF2-40B4-BE49-F238E27FC236}">
+                <a16:creationId xmlns:a16="http://schemas.microsoft.com/office/drawing/2014/main" id="{8D92F421-59C6-4E7A-AD5A-9D0EE98E3B31}"/>
+              </a:ext>
+            </a:extLst>
+          </p:cNvPr>
+          <p:cNvPicPr>
+            <a:picLocks noChangeAspect="1"/>
+          </p:cNvPicPr>
+          <p:nvPr/>
+        </p:nvPicPr>
+        <p:blipFill>
+          <a:blip r:embed="rId4"/>
+          <a:stretch>
+            <a:fillRect/>
+          </a:stretch>
+        </p:blipFill>
+        <p:spPr>
+          <a:xfrm>
+            <a:off x="195878" y="255790"/>
+            <a:ext cx="2657207" cy="1085899"/>
+          </a:xfrm>
+          <a:prstGeom prst="rect">
+            <a:avLst/>
+          </a:prstGeom>
+        </p:spPr>
+      </p:pic>
     </p:spTree>
     <p:extLst>
       <p:ext uri="{BB962C8B-B14F-4D97-AF65-F5344CB8AC3E}">
@@ -20419,13 +23792,13 @@
   <p:clrMapOvr>
     <a:masterClrMapping/>
   </p:clrMapOvr>
-  <mc:AlternateContent xmlns:mc="http://schemas.openxmlformats.org/markup-compatibility/2006">
-    <mc:Choice xmlns:p14="http://schemas.microsoft.com/office/powerpoint/2010/main" Requires="p14">
+  <mc:AlternateContent xmlns:mc="http://schemas.openxmlformats.org/markup-compatibility/2006" xmlns:p14="http://schemas.microsoft.com/office/powerpoint/2010/main">
+    <mc:Choice Requires="p14">
       <p:transition spd="med" p14:dur="700">
         <p:fade/>
       </p:transition>
     </mc:Choice>
-    <mc:Fallback>
+    <mc:Fallback xmlns="">
       <p:transition spd="med">
         <p:fade/>
       </p:transition>
@@ -20434,7 +23807,7 @@
 </p:sld>
 </file>
 
-<file path=ppt/slides/slide18.xml><?xml version="1.0" encoding="utf-8"?>
+<file path=ppt/slides/slide19.xml><?xml version="1.0" encoding="utf-8"?>
 <p:sld xmlns:a="http://schemas.openxmlformats.org/drawingml/2006/main" xmlns:r="http://schemas.openxmlformats.org/officeDocument/2006/relationships" xmlns:p="http://schemas.openxmlformats.org/presentationml/2006/main">
   <p:cSld>
     <p:spTree>
@@ -20520,143 +23893,13 @@
   <p:clrMapOvr>
     <a:masterClrMapping/>
   </p:clrMapOvr>
-  <mc:AlternateContent xmlns:mc="http://schemas.openxmlformats.org/markup-compatibility/2006">
-    <mc:Choice xmlns:p14="http://schemas.microsoft.com/office/powerpoint/2010/main" Requires="p14">
+  <mc:AlternateContent xmlns:mc="http://schemas.openxmlformats.org/markup-compatibility/2006" xmlns:p14="http://schemas.microsoft.com/office/powerpoint/2010/main">
+    <mc:Choice Requires="p14">
       <p:transition spd="med" p14:dur="700">
         <p:fade/>
       </p:transition>
     </mc:Choice>
-    <mc:Fallback>
-      <p:transition spd="med">
-        <p:fade/>
-      </p:transition>
-    </mc:Fallback>
-  </mc:AlternateContent>
-</p:sld>
-</file>
-
-<file path=ppt/slides/slide19.xml><?xml version="1.0" encoding="utf-8"?>
-<p:sld xmlns:a="http://schemas.openxmlformats.org/drawingml/2006/main" xmlns:r="http://schemas.openxmlformats.org/officeDocument/2006/relationships" xmlns:p="http://schemas.openxmlformats.org/presentationml/2006/main">
-  <p:cSld>
-    <p:spTree>
-      <p:nvGrpSpPr>
-        <p:cNvPr id="1" name=""/>
-        <p:cNvGrpSpPr/>
-        <p:nvPr/>
-      </p:nvGrpSpPr>
-      <p:grpSpPr>
-        <a:xfrm>
-          <a:off x="0" y="0"/>
-          <a:ext cx="0" cy="0"/>
-          <a:chOff x="0" y="0"/>
-          <a:chExt cx="0" cy="0"/>
-        </a:xfrm>
-      </p:grpSpPr>
-      <p:sp>
-        <p:nvSpPr>
-          <p:cNvPr id="2" name="Title 1">
-            <a:extLst>
-              <a:ext uri="{FF2B5EF4-FFF2-40B4-BE49-F238E27FC236}">
-                <a16:creationId xmlns:a16="http://schemas.microsoft.com/office/drawing/2014/main" id="{C3DD979F-40FE-4519-89C6-8817E05AE58A}"/>
-              </a:ext>
-            </a:extLst>
-          </p:cNvPr>
-          <p:cNvSpPr>
-            <a:spLocks noGrp="1"/>
-          </p:cNvSpPr>
-          <p:nvPr>
-            <p:ph type="title"/>
-          </p:nvPr>
-        </p:nvSpPr>
-        <p:spPr/>
-        <p:txBody>
-          <a:bodyPr/>
-          <a:lstStyle/>
-          <a:p>
-            <a:r>
-              <a:rPr lang="en-US"/>
-              <a:t>List of Events</a:t>
-            </a:r>
-            <a:endParaRPr lang="en-US" dirty="0"/>
-          </a:p>
-        </p:txBody>
-      </p:sp>
-      <p:sp>
-        <p:nvSpPr>
-          <p:cNvPr id="3" name="Content Placeholder 2">
-            <a:extLst>
-              <a:ext uri="{FF2B5EF4-FFF2-40B4-BE49-F238E27FC236}">
-                <a16:creationId xmlns:a16="http://schemas.microsoft.com/office/drawing/2014/main" id="{FA6930F8-1D6C-4E85-BD98-F27D23D719F0}"/>
-              </a:ext>
-            </a:extLst>
-          </p:cNvPr>
-          <p:cNvSpPr>
-            <a:spLocks noGrp="1"/>
-          </p:cNvSpPr>
-          <p:nvPr>
-            <p:ph idx="1"/>
-          </p:nvPr>
-        </p:nvSpPr>
-        <p:spPr/>
-        <p:txBody>
-          <a:bodyPr/>
-          <a:lstStyle/>
-          <a:p>
-            <a:r>
-              <a:rPr lang="en-US"/>
-              <a:t>Sex scandal (by Democrat or by Republican)</a:t>
-            </a:r>
-          </a:p>
-          <a:p>
-            <a:r>
-              <a:rPr lang="en-US"/>
-              <a:t>Economic upturn and economic downturn</a:t>
-            </a:r>
-          </a:p>
-          <a:p>
-            <a:r>
-              <a:rPr lang="en-US"/>
-              <a:t>Terrorist attack</a:t>
-            </a:r>
-          </a:p>
-          <a:p>
-            <a:r>
-              <a:rPr lang="en-US"/>
-              <a:t>Environmental disaster</a:t>
-            </a:r>
-          </a:p>
-          <a:p>
-            <a:r>
-              <a:rPr lang="en-US"/>
-              <a:t>War starts</a:t>
-            </a:r>
-          </a:p>
-          <a:p>
-            <a:r>
-              <a:rPr lang="en-US"/>
-              <a:t>Political debate</a:t>
-            </a:r>
-            <a:endParaRPr lang="en-US" dirty="0"/>
-          </a:p>
-        </p:txBody>
-      </p:sp>
-    </p:spTree>
-    <p:extLst>
-      <p:ext uri="{BB962C8B-B14F-4D97-AF65-F5344CB8AC3E}">
-        <p14:creationId xmlns:p14="http://schemas.microsoft.com/office/powerpoint/2010/main" val="2507992030"/>
-      </p:ext>
-    </p:extLst>
-  </p:cSld>
-  <p:clrMapOvr>
-    <a:masterClrMapping/>
-  </p:clrMapOvr>
-  <mc:AlternateContent xmlns:mc="http://schemas.openxmlformats.org/markup-compatibility/2006">
-    <mc:Choice xmlns:p14="http://schemas.microsoft.com/office/powerpoint/2010/main" Requires="p14">
-      <p:transition spd="med" p14:dur="700">
-        <p:fade/>
-      </p:transition>
-    </mc:Choice>
-    <mc:Fallback>
+    <mc:Fallback xmlns="">
       <p:transition spd="med">
         <p:fade/>
       </p:transition>
@@ -20745,13 +23988,13 @@
   <p:clrMapOvr>
     <a:masterClrMapping/>
   </p:clrMapOvr>
-  <mc:AlternateContent xmlns:mc="http://schemas.openxmlformats.org/markup-compatibility/2006">
-    <mc:Choice xmlns:p14="http://schemas.microsoft.com/office/powerpoint/2010/main" Requires="p14">
+  <mc:AlternateContent xmlns:mc="http://schemas.openxmlformats.org/markup-compatibility/2006" xmlns:p14="http://schemas.microsoft.com/office/powerpoint/2010/main">
+    <mc:Choice Requires="p14">
       <p:transition spd="med" p14:dur="700">
         <p:fade/>
       </p:transition>
     </mc:Choice>
-    <mc:Fallback>
+    <mc:Fallback xmlns="">
       <p:transition spd="med">
         <p:fade/>
       </p:transition>
@@ -20761,6 +24004,136 @@
 </file>
 
 <file path=ppt/slides/slide20.xml><?xml version="1.0" encoding="utf-8"?>
+<p:sld xmlns:a="http://schemas.openxmlformats.org/drawingml/2006/main" xmlns:r="http://schemas.openxmlformats.org/officeDocument/2006/relationships" xmlns:p="http://schemas.openxmlformats.org/presentationml/2006/main">
+  <p:cSld>
+    <p:spTree>
+      <p:nvGrpSpPr>
+        <p:cNvPr id="1" name=""/>
+        <p:cNvGrpSpPr/>
+        <p:nvPr/>
+      </p:nvGrpSpPr>
+      <p:grpSpPr>
+        <a:xfrm>
+          <a:off x="0" y="0"/>
+          <a:ext cx="0" cy="0"/>
+          <a:chOff x="0" y="0"/>
+          <a:chExt cx="0" cy="0"/>
+        </a:xfrm>
+      </p:grpSpPr>
+      <p:sp>
+        <p:nvSpPr>
+          <p:cNvPr id="2" name="Title 1">
+            <a:extLst>
+              <a:ext uri="{FF2B5EF4-FFF2-40B4-BE49-F238E27FC236}">
+                <a16:creationId xmlns:a16="http://schemas.microsoft.com/office/drawing/2014/main" id="{C3DD979F-40FE-4519-89C6-8817E05AE58A}"/>
+              </a:ext>
+            </a:extLst>
+          </p:cNvPr>
+          <p:cNvSpPr>
+            <a:spLocks noGrp="1"/>
+          </p:cNvSpPr>
+          <p:nvPr>
+            <p:ph type="title"/>
+          </p:nvPr>
+        </p:nvSpPr>
+        <p:spPr/>
+        <p:txBody>
+          <a:bodyPr/>
+          <a:lstStyle/>
+          <a:p>
+            <a:r>
+              <a:rPr lang="en-US"/>
+              <a:t>List of Events</a:t>
+            </a:r>
+            <a:endParaRPr lang="en-US" dirty="0"/>
+          </a:p>
+        </p:txBody>
+      </p:sp>
+      <p:sp>
+        <p:nvSpPr>
+          <p:cNvPr id="3" name="Content Placeholder 2">
+            <a:extLst>
+              <a:ext uri="{FF2B5EF4-FFF2-40B4-BE49-F238E27FC236}">
+                <a16:creationId xmlns:a16="http://schemas.microsoft.com/office/drawing/2014/main" id="{FA6930F8-1D6C-4E85-BD98-F27D23D719F0}"/>
+              </a:ext>
+            </a:extLst>
+          </p:cNvPr>
+          <p:cNvSpPr>
+            <a:spLocks noGrp="1"/>
+          </p:cNvSpPr>
+          <p:nvPr>
+            <p:ph idx="1"/>
+          </p:nvPr>
+        </p:nvSpPr>
+        <p:spPr/>
+        <p:txBody>
+          <a:bodyPr/>
+          <a:lstStyle/>
+          <a:p>
+            <a:r>
+              <a:rPr lang="en-US"/>
+              <a:t>Sex scandal (by Democrat or by Republican)</a:t>
+            </a:r>
+          </a:p>
+          <a:p>
+            <a:r>
+              <a:rPr lang="en-US"/>
+              <a:t>Economic upturn and economic downturn</a:t>
+            </a:r>
+          </a:p>
+          <a:p>
+            <a:r>
+              <a:rPr lang="en-US"/>
+              <a:t>Terrorist attack</a:t>
+            </a:r>
+          </a:p>
+          <a:p>
+            <a:r>
+              <a:rPr lang="en-US"/>
+              <a:t>Environmental disaster</a:t>
+            </a:r>
+          </a:p>
+          <a:p>
+            <a:r>
+              <a:rPr lang="en-US"/>
+              <a:t>War starts</a:t>
+            </a:r>
+          </a:p>
+          <a:p>
+            <a:r>
+              <a:rPr lang="en-US"/>
+              <a:t>Political debate</a:t>
+            </a:r>
+            <a:endParaRPr lang="en-US" dirty="0"/>
+          </a:p>
+        </p:txBody>
+      </p:sp>
+    </p:spTree>
+    <p:extLst>
+      <p:ext uri="{BB962C8B-B14F-4D97-AF65-F5344CB8AC3E}">
+        <p14:creationId xmlns:p14="http://schemas.microsoft.com/office/powerpoint/2010/main" val="2507992030"/>
+      </p:ext>
+    </p:extLst>
+  </p:cSld>
+  <p:clrMapOvr>
+    <a:masterClrMapping/>
+  </p:clrMapOvr>
+  <mc:AlternateContent xmlns:mc="http://schemas.openxmlformats.org/markup-compatibility/2006" xmlns:p14="http://schemas.microsoft.com/office/powerpoint/2010/main">
+    <mc:Choice Requires="p14">
+      <p:transition spd="med" p14:dur="700">
+        <p:fade/>
+      </p:transition>
+    </mc:Choice>
+    <mc:Fallback xmlns="">
+      <p:transition spd="med">
+        <p:fade/>
+      </p:transition>
+    </mc:Fallback>
+  </mc:AlternateContent>
+</p:sld>
+</file>
+
+<file path=ppt/slides/slide21.xml><?xml version="1.0" encoding="utf-8"?>
 <p:sld xmlns:a="http://schemas.openxmlformats.org/drawingml/2006/main" xmlns:r="http://schemas.openxmlformats.org/officeDocument/2006/relationships" xmlns:p="http://schemas.openxmlformats.org/presentationml/2006/main">
   <p:cSld>
     <p:spTree>
@@ -20835,6 +24208,36 @@
           </a:prstGeom>
         </p:spPr>
       </p:pic>
+      <p:pic>
+        <p:nvPicPr>
+          <p:cNvPr id="6" name="Picture 5">
+            <a:extLst>
+              <a:ext uri="{FF2B5EF4-FFF2-40B4-BE49-F238E27FC236}">
+                <a16:creationId xmlns:a16="http://schemas.microsoft.com/office/drawing/2014/main" id="{CDFA7F17-596B-4712-98B0-76FE8BE2B81D}"/>
+              </a:ext>
+            </a:extLst>
+          </p:cNvPr>
+          <p:cNvPicPr>
+            <a:picLocks noChangeAspect="1"/>
+          </p:cNvPicPr>
+          <p:nvPr/>
+        </p:nvPicPr>
+        <p:blipFill>
+          <a:blip r:embed="rId4"/>
+          <a:stretch>
+            <a:fillRect/>
+          </a:stretch>
+        </p:blipFill>
+        <p:spPr>
+          <a:xfrm>
+            <a:off x="195878" y="255790"/>
+            <a:ext cx="2657207" cy="1085899"/>
+          </a:xfrm>
+          <a:prstGeom prst="rect">
+            <a:avLst/>
+          </a:prstGeom>
+        </p:spPr>
+      </p:pic>
     </p:spTree>
     <p:extLst>
       <p:ext uri="{BB962C8B-B14F-4D97-AF65-F5344CB8AC3E}">
@@ -20845,13 +24248,13 @@
   <p:clrMapOvr>
     <a:masterClrMapping/>
   </p:clrMapOvr>
-  <mc:AlternateContent xmlns:mc="http://schemas.openxmlformats.org/markup-compatibility/2006">
-    <mc:Choice xmlns:p14="http://schemas.microsoft.com/office/powerpoint/2010/main" Requires="p14">
+  <mc:AlternateContent xmlns:mc="http://schemas.openxmlformats.org/markup-compatibility/2006" xmlns:p14="http://schemas.microsoft.com/office/powerpoint/2010/main">
+    <mc:Choice Requires="p14">
       <p:transition spd="med" p14:dur="700">
         <p:fade/>
       </p:transition>
     </mc:Choice>
-    <mc:Fallback>
+    <mc:Fallback xmlns="">
       <p:transition spd="med">
         <p:fade/>
       </p:transition>
@@ -20860,7 +24263,7 @@
 </p:sld>
 </file>
 
-<file path=ppt/slides/slide21.xml><?xml version="1.0" encoding="utf-8"?>
+<file path=ppt/slides/slide22.xml><?xml version="1.0" encoding="utf-8"?>
 <p:sld xmlns:a="http://schemas.openxmlformats.org/drawingml/2006/main" xmlns:r="http://schemas.openxmlformats.org/officeDocument/2006/relationships" xmlns:p="http://schemas.openxmlformats.org/presentationml/2006/main">
   <p:cSld>
     <p:spTree>
@@ -21050,13 +24453,13 @@
   <p:clrMapOvr>
     <a:masterClrMapping/>
   </p:clrMapOvr>
-  <mc:AlternateContent xmlns:mc="http://schemas.openxmlformats.org/markup-compatibility/2006">
-    <mc:Choice xmlns:p14="http://schemas.microsoft.com/office/powerpoint/2010/main" Requires="p14">
+  <mc:AlternateContent xmlns:mc="http://schemas.openxmlformats.org/markup-compatibility/2006" xmlns:p14="http://schemas.microsoft.com/office/powerpoint/2010/main">
+    <mc:Choice Requires="p14">
       <p:transition spd="med" p14:dur="700">
         <p:fade/>
       </p:transition>
     </mc:Choice>
-    <mc:Fallback>
+    <mc:Fallback xmlns="">
       <p:transition spd="med">
         <p:fade/>
       </p:transition>
@@ -21065,7 +24468,7 @@
 </p:sld>
 </file>
 
-<file path=ppt/slides/slide22.xml><?xml version="1.0" encoding="utf-8"?>
+<file path=ppt/slides/slide23.xml><?xml version="1.0" encoding="utf-8"?>
 <p:sld xmlns:a="http://schemas.openxmlformats.org/drawingml/2006/main" xmlns:r="http://schemas.openxmlformats.org/officeDocument/2006/relationships" xmlns:p="http://schemas.openxmlformats.org/presentationml/2006/main">
   <p:cSld>
     <p:spTree>
@@ -21151,13 +24554,13 @@
   <p:clrMapOvr>
     <a:masterClrMapping/>
   </p:clrMapOvr>
-  <mc:AlternateContent xmlns:mc="http://schemas.openxmlformats.org/markup-compatibility/2006">
-    <mc:Choice xmlns:p14="http://schemas.microsoft.com/office/powerpoint/2010/main" Requires="p14">
+  <mc:AlternateContent xmlns:mc="http://schemas.openxmlformats.org/markup-compatibility/2006" xmlns:p14="http://schemas.microsoft.com/office/powerpoint/2010/main">
+    <mc:Choice Requires="p14">
       <p:transition spd="med" p14:dur="700">
         <p:fade/>
       </p:transition>
     </mc:Choice>
-    <mc:Fallback>
+    <mc:Fallback xmlns="">
       <p:transition spd="med">
         <p:fade/>
       </p:transition>
@@ -21166,7 +24569,7 @@
 </p:sld>
 </file>
 
-<file path=ppt/slides/slide23.xml><?xml version="1.0" encoding="utf-8"?>
+<file path=ppt/slides/slide24.xml><?xml version="1.0" encoding="utf-8"?>
 <p:sld xmlns:a="http://schemas.openxmlformats.org/drawingml/2006/main" xmlns:r="http://schemas.openxmlformats.org/officeDocument/2006/relationships" xmlns:p="http://schemas.openxmlformats.org/presentationml/2006/main">
   <p:cSld>
     <p:spTree>
@@ -21242,6 +24645,36 @@
           </a:prstGeom>
         </p:spPr>
       </p:pic>
+      <p:pic>
+        <p:nvPicPr>
+          <p:cNvPr id="11" name="Picture 10">
+            <a:extLst>
+              <a:ext uri="{FF2B5EF4-FFF2-40B4-BE49-F238E27FC236}">
+                <a16:creationId xmlns:a16="http://schemas.microsoft.com/office/drawing/2014/main" id="{C20E1457-DA93-4F3F-8425-ADF51E0550E7}"/>
+              </a:ext>
+            </a:extLst>
+          </p:cNvPr>
+          <p:cNvPicPr>
+            <a:picLocks noChangeAspect="1"/>
+          </p:cNvPicPr>
+          <p:nvPr/>
+        </p:nvPicPr>
+        <p:blipFill>
+          <a:blip r:embed="rId4"/>
+          <a:stretch>
+            <a:fillRect/>
+          </a:stretch>
+        </p:blipFill>
+        <p:spPr>
+          <a:xfrm>
+            <a:off x="195878" y="255790"/>
+            <a:ext cx="2657207" cy="1085899"/>
+          </a:xfrm>
+          <a:prstGeom prst="rect">
+            <a:avLst/>
+          </a:prstGeom>
+        </p:spPr>
+      </p:pic>
     </p:spTree>
     <p:extLst>
       <p:ext uri="{BB962C8B-B14F-4D97-AF65-F5344CB8AC3E}">
@@ -21252,109 +24685,13 @@
   <p:clrMapOvr>
     <a:masterClrMapping/>
   </p:clrMapOvr>
-  <mc:AlternateContent xmlns:mc="http://schemas.openxmlformats.org/markup-compatibility/2006">
-    <mc:Choice xmlns:p14="http://schemas.microsoft.com/office/powerpoint/2010/main" Requires="p14">
+  <mc:AlternateContent xmlns:mc="http://schemas.openxmlformats.org/markup-compatibility/2006" xmlns:p14="http://schemas.microsoft.com/office/powerpoint/2010/main">
+    <mc:Choice Requires="p14">
       <p:transition spd="med" p14:dur="700">
         <p:fade/>
       </p:transition>
     </mc:Choice>
-    <mc:Fallback>
-      <p:transition spd="med">
-        <p:fade/>
-      </p:transition>
-    </mc:Fallback>
-  </mc:AlternateContent>
-</p:sld>
-</file>
-
-<file path=ppt/slides/slide24.xml><?xml version="1.0" encoding="utf-8"?>
-<p:sld xmlns:a="http://schemas.openxmlformats.org/drawingml/2006/main" xmlns:r="http://schemas.openxmlformats.org/officeDocument/2006/relationships" xmlns:p="http://schemas.openxmlformats.org/presentationml/2006/main">
-  <p:cSld>
-    <p:spTree>
-      <p:nvGrpSpPr>
-        <p:cNvPr id="1" name=""/>
-        <p:cNvGrpSpPr/>
-        <p:nvPr/>
-      </p:nvGrpSpPr>
-      <p:grpSpPr>
-        <a:xfrm>
-          <a:off x="0" y="0"/>
-          <a:ext cx="0" cy="0"/>
-          <a:chOff x="0" y="0"/>
-          <a:chExt cx="0" cy="0"/>
-        </a:xfrm>
-      </p:grpSpPr>
-      <p:sp>
-        <p:nvSpPr>
-          <p:cNvPr id="4" name="Title 3">
-            <a:extLst>
-              <a:ext uri="{FF2B5EF4-FFF2-40B4-BE49-F238E27FC236}">
-                <a16:creationId xmlns:a16="http://schemas.microsoft.com/office/drawing/2014/main" id="{903FC904-FF96-47EE-9E35-FAB09FC45D9D}"/>
-              </a:ext>
-            </a:extLst>
-          </p:cNvPr>
-          <p:cNvSpPr>
-            <a:spLocks noGrp="1"/>
-          </p:cNvSpPr>
-          <p:nvPr>
-            <p:ph type="title"/>
-          </p:nvPr>
-        </p:nvSpPr>
-        <p:spPr/>
-        <p:txBody>
-          <a:bodyPr/>
-          <a:lstStyle/>
-          <a:p>
-            <a:r>
-              <a:rPr lang="en-US"/>
-              <a:t>IV. Decisions and Drawbacks</a:t>
-            </a:r>
-            <a:endParaRPr lang="en-US" dirty="0"/>
-          </a:p>
-        </p:txBody>
-      </p:sp>
-      <p:sp>
-        <p:nvSpPr>
-          <p:cNvPr id="7" name="Text Placeholder 6">
-            <a:extLst>
-              <a:ext uri="{FF2B5EF4-FFF2-40B4-BE49-F238E27FC236}">
-                <a16:creationId xmlns:a16="http://schemas.microsoft.com/office/drawing/2014/main" id="{93EEF00A-A23A-4734-A55D-B8800A5D7EC9}"/>
-              </a:ext>
-            </a:extLst>
-          </p:cNvPr>
-          <p:cNvSpPr>
-            <a:spLocks noGrp="1"/>
-          </p:cNvSpPr>
-          <p:nvPr>
-            <p:ph type="body" idx="1"/>
-          </p:nvPr>
-        </p:nvSpPr>
-        <p:spPr/>
-        <p:txBody>
-          <a:bodyPr/>
-          <a:lstStyle/>
-          <a:p>
-            <a:endParaRPr lang="en-US"/>
-          </a:p>
-        </p:txBody>
-      </p:sp>
-    </p:spTree>
-    <p:extLst>
-      <p:ext uri="{BB962C8B-B14F-4D97-AF65-F5344CB8AC3E}">
-        <p14:creationId xmlns:p14="http://schemas.microsoft.com/office/powerpoint/2010/main" val="2401087165"/>
-      </p:ext>
-    </p:extLst>
-  </p:cSld>
-  <p:clrMapOvr>
-    <a:masterClrMapping/>
-  </p:clrMapOvr>
-  <mc:AlternateContent xmlns:mc="http://schemas.openxmlformats.org/markup-compatibility/2006">
-    <mc:Choice xmlns:p14="http://schemas.microsoft.com/office/powerpoint/2010/main" Requires="p14">
-      <p:transition spd="med" p14:dur="700">
-        <p:fade/>
-      </p:transition>
-    </mc:Choice>
-    <mc:Fallback>
+    <mc:Fallback xmlns="">
       <p:transition spd="med">
         <p:fade/>
       </p:transition>
@@ -21382,10 +24719,10 @@
       </p:grpSpPr>
       <p:sp>
         <p:nvSpPr>
-          <p:cNvPr id="2" name="Title 1">
+          <p:cNvPr id="4" name="Title 3">
             <a:extLst>
               <a:ext uri="{FF2B5EF4-FFF2-40B4-BE49-F238E27FC236}">
-                <a16:creationId xmlns:a16="http://schemas.microsoft.com/office/drawing/2014/main" id="{7EBC5EDE-AAF5-4406-B1FB-09C6481EFA8F}"/>
+                <a16:creationId xmlns:a16="http://schemas.microsoft.com/office/drawing/2014/main" id="{903FC904-FF96-47EE-9E35-FAB09FC45D9D}"/>
               </a:ext>
             </a:extLst>
           </p:cNvPr>
@@ -21403,7 +24740,7 @@
           <a:p>
             <a:r>
               <a:rPr lang="en-US"/>
-              <a:t>Slightly-Informed but Arbitrary Decisions</a:t>
+              <a:t>IV. Decisions and Drawbacks</a:t>
             </a:r>
             <a:endParaRPr lang="en-US" dirty="0"/>
           </a:p>
@@ -21411,10 +24748,10 @@
       </p:sp>
       <p:sp>
         <p:nvSpPr>
-          <p:cNvPr id="3" name="Content Placeholder 2">
+          <p:cNvPr id="7" name="Text Placeholder 6">
             <a:extLst>
               <a:ext uri="{FF2B5EF4-FFF2-40B4-BE49-F238E27FC236}">
-                <a16:creationId xmlns:a16="http://schemas.microsoft.com/office/drawing/2014/main" id="{EFAEE3ED-29AB-4D3F-9B5B-B1EF45A25107}"/>
+                <a16:creationId xmlns:a16="http://schemas.microsoft.com/office/drawing/2014/main" id="{93EEF00A-A23A-4734-A55D-B8800A5D7EC9}"/>
               </a:ext>
             </a:extLst>
           </p:cNvPr>
@@ -21422,7 +24759,7 @@
             <a:spLocks noGrp="1"/>
           </p:cNvSpPr>
           <p:nvPr>
-            <p:ph idx="1"/>
+            <p:ph type="body" idx="1"/>
           </p:nvPr>
         </p:nvSpPr>
         <p:spPr/>
@@ -21430,55 +24767,27 @@
           <a:bodyPr/>
           <a:lstStyle/>
           <a:p>
-            <a:r>
-              <a:rPr lang="en-US" dirty="0"/>
-              <a:t>How much an opinion changes</a:t>
-            </a:r>
-          </a:p>
-          <a:p>
-            <a:r>
-              <a:rPr lang="en-US" dirty="0"/>
-              <a:t>How often an event occurs</a:t>
-            </a:r>
-          </a:p>
-          <a:p>
-            <a:r>
-              <a:rPr lang="en-US" dirty="0"/>
-              <a:t>Choosing from a random group to keep importance parameter balanced</a:t>
-            </a:r>
-          </a:p>
-          <a:p>
-            <a:pPr lvl="1"/>
-            <a:r>
-              <a:rPr lang="en-US" dirty="0"/>
-              <a:t>Candidate profile remains fixed in importance</a:t>
-            </a:r>
-          </a:p>
-          <a:p>
-            <a:r>
-              <a:rPr lang="en-US" dirty="0"/>
-              <a:t>Initial importance ratios for groups (initialization in general)</a:t>
-            </a:r>
+            <a:endParaRPr lang="en-US"/>
           </a:p>
         </p:txBody>
       </p:sp>
     </p:spTree>
     <p:extLst>
       <p:ext uri="{BB962C8B-B14F-4D97-AF65-F5344CB8AC3E}">
-        <p14:creationId xmlns:p14="http://schemas.microsoft.com/office/powerpoint/2010/main" val="3041520044"/>
+        <p14:creationId xmlns:p14="http://schemas.microsoft.com/office/powerpoint/2010/main" val="2401087165"/>
       </p:ext>
     </p:extLst>
   </p:cSld>
   <p:clrMapOvr>
     <a:masterClrMapping/>
   </p:clrMapOvr>
-  <mc:AlternateContent xmlns:mc="http://schemas.openxmlformats.org/markup-compatibility/2006">
-    <mc:Choice xmlns:p14="http://schemas.microsoft.com/office/powerpoint/2010/main" Requires="p14">
+  <mc:AlternateContent xmlns:mc="http://schemas.openxmlformats.org/markup-compatibility/2006" xmlns:p14="http://schemas.microsoft.com/office/powerpoint/2010/main">
+    <mc:Choice Requires="p14">
       <p:transition spd="med" p14:dur="700">
         <p:fade/>
       </p:transition>
     </mc:Choice>
-    <mc:Fallback>
+    <mc:Fallback xmlns="">
       <p:transition spd="med">
         <p:fade/>
       </p:transition>
@@ -21506,10 +24815,10 @@
       </p:grpSpPr>
       <p:sp>
         <p:nvSpPr>
-          <p:cNvPr id="4" name="Title 3">
+          <p:cNvPr id="2" name="Title 1">
             <a:extLst>
               <a:ext uri="{FF2B5EF4-FFF2-40B4-BE49-F238E27FC236}">
-                <a16:creationId xmlns:a16="http://schemas.microsoft.com/office/drawing/2014/main" id="{BCED0135-CB4C-4A30-9981-F8C4862A23A7}"/>
+                <a16:creationId xmlns:a16="http://schemas.microsoft.com/office/drawing/2014/main" id="{7EBC5EDE-AAF5-4406-B1FB-09C6481EFA8F}"/>
               </a:ext>
             </a:extLst>
           </p:cNvPr>
@@ -21526,18 +24835,19 @@
           <a:lstStyle/>
           <a:p>
             <a:r>
-              <a:rPr lang="en-US" b="1" dirty="0"/>
-              <a:t>Showcase</a:t>
+              <a:rPr lang="en-US"/>
+              <a:t>Slightly-Informed but Arbitrary Decisions</a:t>
             </a:r>
-          </a:p>
-        </p:txBody>
-      </p:sp>
-      <p:sp>
-        <p:nvSpPr>
-          <p:cNvPr id="5" name="Text Placeholder 4">
+            <a:endParaRPr lang="en-US" dirty="0"/>
+          </a:p>
+        </p:txBody>
+      </p:sp>
+      <p:sp>
+        <p:nvSpPr>
+          <p:cNvPr id="3" name="Content Placeholder 2">
             <a:extLst>
               <a:ext uri="{FF2B5EF4-FFF2-40B4-BE49-F238E27FC236}">
-                <a16:creationId xmlns:a16="http://schemas.microsoft.com/office/drawing/2014/main" id="{346A94D0-EA9E-41D4-AC24-761C06D018E9}"/>
+                <a16:creationId xmlns:a16="http://schemas.microsoft.com/office/drawing/2014/main" id="{EFAEE3ED-29AB-4D3F-9B5B-B1EF45A25107}"/>
               </a:ext>
             </a:extLst>
           </p:cNvPr>
@@ -21545,7 +24855,7 @@
             <a:spLocks noGrp="1"/>
           </p:cNvSpPr>
           <p:nvPr>
-            <p:ph type="body" idx="1"/>
+            <p:ph idx="1"/>
           </p:nvPr>
         </p:nvSpPr>
         <p:spPr/>
@@ -21553,27 +24863,55 @@
           <a:bodyPr/>
           <a:lstStyle/>
           <a:p>
-            <a:endParaRPr lang="en-US"/>
+            <a:r>
+              <a:rPr lang="en-US" dirty="0"/>
+              <a:t>How much an opinion changes</a:t>
+            </a:r>
+          </a:p>
+          <a:p>
+            <a:r>
+              <a:rPr lang="en-US" dirty="0"/>
+              <a:t>How often an event occurs</a:t>
+            </a:r>
+          </a:p>
+          <a:p>
+            <a:r>
+              <a:rPr lang="en-US" dirty="0"/>
+              <a:t>Choosing from a random group to keep importance parameter balanced</a:t>
+            </a:r>
+          </a:p>
+          <a:p>
+            <a:pPr lvl="1"/>
+            <a:r>
+              <a:rPr lang="en-US" dirty="0"/>
+              <a:t>Candidate profile remains fixed in importance</a:t>
+            </a:r>
+          </a:p>
+          <a:p>
+            <a:r>
+              <a:rPr lang="en-US" dirty="0"/>
+              <a:t>Initial importance ratios for groups (initialization in general)</a:t>
+            </a:r>
           </a:p>
         </p:txBody>
       </p:sp>
     </p:spTree>
     <p:extLst>
       <p:ext uri="{BB962C8B-B14F-4D97-AF65-F5344CB8AC3E}">
-        <p14:creationId xmlns:p14="http://schemas.microsoft.com/office/powerpoint/2010/main" val="3847192227"/>
+        <p14:creationId xmlns:p14="http://schemas.microsoft.com/office/powerpoint/2010/main" val="3041520044"/>
       </p:ext>
     </p:extLst>
   </p:cSld>
   <p:clrMapOvr>
     <a:masterClrMapping/>
   </p:clrMapOvr>
-  <mc:AlternateContent xmlns:mc="http://schemas.openxmlformats.org/markup-compatibility/2006">
-    <mc:Choice xmlns:p14="http://schemas.microsoft.com/office/powerpoint/2010/main" Requires="p14">
+  <mc:AlternateContent xmlns:mc="http://schemas.openxmlformats.org/markup-compatibility/2006" xmlns:p14="http://schemas.microsoft.com/office/powerpoint/2010/main">
+    <mc:Choice Requires="p14">
       <p:transition spd="med" p14:dur="700">
         <p:fade/>
       </p:transition>
     </mc:Choice>
-    <mc:Fallback>
+    <mc:Fallback xmlns="">
       <p:transition spd="med">
         <p:fade/>
       </p:transition>
@@ -21601,6 +24939,101 @@
       </p:grpSpPr>
       <p:sp>
         <p:nvSpPr>
+          <p:cNvPr id="4" name="Title 3">
+            <a:extLst>
+              <a:ext uri="{FF2B5EF4-FFF2-40B4-BE49-F238E27FC236}">
+                <a16:creationId xmlns:a16="http://schemas.microsoft.com/office/drawing/2014/main" id="{BCED0135-CB4C-4A30-9981-F8C4862A23A7}"/>
+              </a:ext>
+            </a:extLst>
+          </p:cNvPr>
+          <p:cNvSpPr>
+            <a:spLocks noGrp="1"/>
+          </p:cNvSpPr>
+          <p:nvPr>
+            <p:ph type="title"/>
+          </p:nvPr>
+        </p:nvSpPr>
+        <p:spPr/>
+        <p:txBody>
+          <a:bodyPr/>
+          <a:lstStyle/>
+          <a:p>
+            <a:r>
+              <a:rPr lang="en-US" b="1" dirty="0"/>
+              <a:t>Showcase</a:t>
+            </a:r>
+          </a:p>
+        </p:txBody>
+      </p:sp>
+      <p:sp>
+        <p:nvSpPr>
+          <p:cNvPr id="5" name="Text Placeholder 4">
+            <a:extLst>
+              <a:ext uri="{FF2B5EF4-FFF2-40B4-BE49-F238E27FC236}">
+                <a16:creationId xmlns:a16="http://schemas.microsoft.com/office/drawing/2014/main" id="{346A94D0-EA9E-41D4-AC24-761C06D018E9}"/>
+              </a:ext>
+            </a:extLst>
+          </p:cNvPr>
+          <p:cNvSpPr>
+            <a:spLocks noGrp="1"/>
+          </p:cNvSpPr>
+          <p:nvPr>
+            <p:ph type="body" idx="1"/>
+          </p:nvPr>
+        </p:nvSpPr>
+        <p:spPr/>
+        <p:txBody>
+          <a:bodyPr/>
+          <a:lstStyle/>
+          <a:p>
+            <a:endParaRPr lang="en-US"/>
+          </a:p>
+        </p:txBody>
+      </p:sp>
+    </p:spTree>
+    <p:extLst>
+      <p:ext uri="{BB962C8B-B14F-4D97-AF65-F5344CB8AC3E}">
+        <p14:creationId xmlns:p14="http://schemas.microsoft.com/office/powerpoint/2010/main" val="3847192227"/>
+      </p:ext>
+    </p:extLst>
+  </p:cSld>
+  <p:clrMapOvr>
+    <a:masterClrMapping/>
+  </p:clrMapOvr>
+  <mc:AlternateContent xmlns:mc="http://schemas.openxmlformats.org/markup-compatibility/2006" xmlns:p14="http://schemas.microsoft.com/office/powerpoint/2010/main">
+    <mc:Choice Requires="p14">
+      <p:transition spd="med" p14:dur="700">
+        <p:fade/>
+      </p:transition>
+    </mc:Choice>
+    <mc:Fallback xmlns="">
+      <p:transition spd="med">
+        <p:fade/>
+      </p:transition>
+    </mc:Fallback>
+  </mc:AlternateContent>
+</p:sld>
+</file>
+
+<file path=ppt/slides/slide28.xml><?xml version="1.0" encoding="utf-8"?>
+<p:sld xmlns:a="http://schemas.openxmlformats.org/drawingml/2006/main" xmlns:r="http://schemas.openxmlformats.org/officeDocument/2006/relationships" xmlns:p="http://schemas.openxmlformats.org/presentationml/2006/main">
+  <p:cSld>
+    <p:spTree>
+      <p:nvGrpSpPr>
+        <p:cNvPr id="1" name=""/>
+        <p:cNvGrpSpPr/>
+        <p:nvPr/>
+      </p:nvGrpSpPr>
+      <p:grpSpPr>
+        <a:xfrm>
+          <a:off x="0" y="0"/>
+          <a:ext cx="0" cy="0"/>
+          <a:chOff x="0" y="0"/>
+          <a:chExt cx="0" cy="0"/>
+        </a:xfrm>
+      </p:grpSpPr>
+      <p:sp>
+        <p:nvSpPr>
           <p:cNvPr id="2" name="Title 1">
             <a:extLst>
               <a:ext uri="{FF2B5EF4-FFF2-40B4-BE49-F238E27FC236}">
@@ -21631,10 +25064,10 @@
       </p:sp>
       <p:sp>
         <p:nvSpPr>
-          <p:cNvPr id="7" name="Text Placeholder 6">
+          <p:cNvPr id="4" name="Text Placeholder 3">
             <a:extLst>
               <a:ext uri="{FF2B5EF4-FFF2-40B4-BE49-F238E27FC236}">
-                <a16:creationId xmlns:a16="http://schemas.microsoft.com/office/drawing/2014/main" id="{298377E8-A3E7-4B4E-828D-27F0765E5369}"/>
+                <a16:creationId xmlns:a16="http://schemas.microsoft.com/office/drawing/2014/main" id="{5CF1CF50-BD7D-40C4-9C86-AF94DF2AF5E9}"/>
               </a:ext>
             </a:extLst>
           </p:cNvPr>
@@ -21650,16 +25083,57 @@
           <a:bodyPr/>
           <a:lstStyle/>
           <a:p>
-            <a:r>
-              <a:rPr lang="en-US" dirty="0">
-                <a:hlinkClick r:id="rId3" action="ppaction://hlinkfile"/>
-              </a:rPr>
-              <a:t>C:\Users\btayl\Documents\finalSim.py</a:t>
-            </a:r>
-            <a:endParaRPr lang="en-US" dirty="0"/>
-          </a:p>
-        </p:txBody>
-      </p:sp>
+            <a:endParaRPr lang="en-US"/>
+          </a:p>
+        </p:txBody>
+      </p:sp>
+      <p:pic>
+        <p:nvPicPr>
+          <p:cNvPr id="1028" name="Picture 4" descr="Image result for computer clipart">
+            <a:extLst>
+              <a:ext uri="{FF2B5EF4-FFF2-40B4-BE49-F238E27FC236}">
+                <a16:creationId xmlns:a16="http://schemas.microsoft.com/office/drawing/2014/main" id="{E1CB41D1-9648-4C72-9E8B-8F89F84820EB}"/>
+              </a:ext>
+            </a:extLst>
+          </p:cNvPr>
+          <p:cNvPicPr>
+            <a:picLocks noChangeAspect="1" noChangeArrowheads="1"/>
+          </p:cNvPicPr>
+          <p:nvPr/>
+        </p:nvPicPr>
+        <p:blipFill>
+          <a:blip r:embed="rId3">
+            <a:extLst>
+              <a:ext uri="{28A0092B-C50C-407E-A947-70E740481C1C}">
+                <a14:useLocalDpi xmlns:a14="http://schemas.microsoft.com/office/drawing/2010/main" val="0"/>
+              </a:ext>
+            </a:extLst>
+          </a:blip>
+          <a:srcRect/>
+          <a:stretch>
+            <a:fillRect/>
+          </a:stretch>
+        </p:blipFill>
+        <p:spPr bwMode="auto">
+          <a:xfrm>
+            <a:off x="4762582" y="3733800"/>
+            <a:ext cx="2666835" cy="2465462"/>
+          </a:xfrm>
+          <a:prstGeom prst="rect">
+            <a:avLst/>
+          </a:prstGeom>
+          <a:noFill/>
+          <a:extLst>
+            <a:ext uri="{909E8E84-426E-40DD-AFC4-6F175D3DCCD1}">
+              <a14:hiddenFill xmlns:a14="http://schemas.microsoft.com/office/drawing/2010/main">
+                <a:solidFill>
+                  <a:srgbClr val="FFFFFF"/>
+                </a:solidFill>
+              </a14:hiddenFill>
+            </a:ext>
+          </a:extLst>
+        </p:spPr>
+      </p:pic>
     </p:spTree>
     <p:extLst>
       <p:ext uri="{BB962C8B-B14F-4D97-AF65-F5344CB8AC3E}">
@@ -21670,13 +25144,13 @@
   <p:clrMapOvr>
     <a:masterClrMapping/>
   </p:clrMapOvr>
-  <mc:AlternateContent xmlns:mc="http://schemas.openxmlformats.org/markup-compatibility/2006">
-    <mc:Choice xmlns:p14="http://schemas.microsoft.com/office/powerpoint/2010/main" Requires="p14">
+  <mc:AlternateContent xmlns:mc="http://schemas.openxmlformats.org/markup-compatibility/2006" xmlns:p14="http://schemas.microsoft.com/office/powerpoint/2010/main">
+    <mc:Choice Requires="p14">
       <p:transition spd="med" p14:dur="700">
         <p:fade/>
       </p:transition>
     </mc:Choice>
-    <mc:Fallback>
+    <mc:Fallback xmlns="">
       <p:transition spd="med">
         <p:fade/>
       </p:transition>
@@ -21795,13 +25269,13 @@
   <p:clrMapOvr>
     <a:masterClrMapping/>
   </p:clrMapOvr>
-  <mc:AlternateContent xmlns:mc="http://schemas.openxmlformats.org/markup-compatibility/2006">
-    <mc:Choice xmlns:p14="http://schemas.microsoft.com/office/powerpoint/2010/main" Requires="p14">
+  <mc:AlternateContent xmlns:mc="http://schemas.openxmlformats.org/markup-compatibility/2006" xmlns:p14="http://schemas.microsoft.com/office/powerpoint/2010/main">
+    <mc:Choice Requires="p14">
       <p:transition spd="med" p14:dur="700">
         <p:fade/>
       </p:transition>
     </mc:Choice>
-    <mc:Fallback>
+    <mc:Fallback xmlns="">
       <p:transition spd="med">
         <p:fade/>
       </p:transition>
@@ -21890,13 +25364,13 @@
   <p:clrMapOvr>
     <a:masterClrMapping/>
   </p:clrMapOvr>
-  <mc:AlternateContent xmlns:mc="http://schemas.openxmlformats.org/markup-compatibility/2006">
-    <mc:Choice xmlns:p14="http://schemas.microsoft.com/office/powerpoint/2010/main" Requires="p14">
+  <mc:AlternateContent xmlns:mc="http://schemas.openxmlformats.org/markup-compatibility/2006" xmlns:p14="http://schemas.microsoft.com/office/powerpoint/2010/main">
+    <mc:Choice Requires="p14">
       <p:transition spd="med" p14:dur="700">
         <p:fade/>
       </p:transition>
     </mc:Choice>
-    <mc:Fallback>
+    <mc:Fallback xmlns="">
       <p:transition spd="med">
         <p:fade/>
       </p:transition>
@@ -21985,13 +25459,13 @@
   <p:clrMapOvr>
     <a:masterClrMapping/>
   </p:clrMapOvr>
-  <mc:AlternateContent xmlns:mc="http://schemas.openxmlformats.org/markup-compatibility/2006">
-    <mc:Choice xmlns:p14="http://schemas.microsoft.com/office/powerpoint/2010/main" Requires="p14">
+  <mc:AlternateContent xmlns:mc="http://schemas.openxmlformats.org/markup-compatibility/2006" xmlns:p14="http://schemas.microsoft.com/office/powerpoint/2010/main">
+    <mc:Choice Requires="p14">
       <p:transition spd="med" p14:dur="700">
         <p:fade/>
       </p:transition>
     </mc:Choice>
-    <mc:Fallback>
+    <mc:Fallback xmlns="">
       <p:transition spd="med">
         <p:fade/>
       </p:transition>
@@ -22129,13 +25603,13 @@
   <p:clrMapOvr>
     <a:masterClrMapping/>
   </p:clrMapOvr>
-  <mc:AlternateContent xmlns:mc="http://schemas.openxmlformats.org/markup-compatibility/2006">
-    <mc:Choice xmlns:p14="http://schemas.microsoft.com/office/powerpoint/2010/main" Requires="p14">
+  <mc:AlternateContent xmlns:mc="http://schemas.openxmlformats.org/markup-compatibility/2006" xmlns:p14="http://schemas.microsoft.com/office/powerpoint/2010/main">
+    <mc:Choice Requires="p14">
       <p:transition spd="med" p14:dur="700">
         <p:fade/>
       </p:transition>
     </mc:Choice>
-    <mc:Fallback>
+    <mc:Fallback xmlns="">
       <p:transition spd="med">
         <p:fade/>
       </p:transition>
@@ -22278,13 +25752,13 @@
   <p:clrMapOvr>
     <a:masterClrMapping/>
   </p:clrMapOvr>
-  <mc:AlternateContent xmlns:mc="http://schemas.openxmlformats.org/markup-compatibility/2006">
-    <mc:Choice xmlns:p14="http://schemas.microsoft.com/office/powerpoint/2010/main" Requires="p14">
+  <mc:AlternateContent xmlns:mc="http://schemas.openxmlformats.org/markup-compatibility/2006" xmlns:p14="http://schemas.microsoft.com/office/powerpoint/2010/main">
+    <mc:Choice Requires="p14">
       <p:transition spd="med" p14:dur="700">
         <p:fade/>
       </p:transition>
     </mc:Choice>
-    <mc:Fallback>
+    <mc:Fallback xmlns="">
       <p:transition spd="med">
         <p:fade/>
       </p:transition>
@@ -22373,13 +25847,13 @@
   <p:clrMapOvr>
     <a:masterClrMapping/>
   </p:clrMapOvr>
-  <mc:AlternateContent xmlns:mc="http://schemas.openxmlformats.org/markup-compatibility/2006">
-    <mc:Choice xmlns:p14="http://schemas.microsoft.com/office/powerpoint/2010/main" Requires="p14">
+  <mc:AlternateContent xmlns:mc="http://schemas.openxmlformats.org/markup-compatibility/2006" xmlns:p14="http://schemas.microsoft.com/office/powerpoint/2010/main">
+    <mc:Choice Requires="p14">
       <p:transition spd="med" p14:dur="700">
         <p:fade/>
       </p:transition>
     </mc:Choice>
-    <mc:Fallback>
+    <mc:Fallback xmlns="">
       <p:transition spd="med">
         <p:fade/>
       </p:transition>
@@ -22491,13 +25965,13 @@
   <p:clrMapOvr>
     <a:masterClrMapping/>
   </p:clrMapOvr>
-  <mc:AlternateContent xmlns:mc="http://schemas.openxmlformats.org/markup-compatibility/2006">
-    <mc:Choice xmlns:p14="http://schemas.microsoft.com/office/powerpoint/2010/main" Requires="p14">
+  <mc:AlternateContent xmlns:mc="http://schemas.openxmlformats.org/markup-compatibility/2006" xmlns:p14="http://schemas.microsoft.com/office/powerpoint/2010/main">
+    <mc:Choice Requires="p14">
       <p:transition spd="med" p14:dur="700">
         <p:fade/>
       </p:transition>
     </mc:Choice>
-    <mc:Fallback>
+    <mc:Fallback xmlns="">
       <p:transition spd="med">
         <p:fade/>
       </p:transition>

--- a/Final Presentation 2.pptx
+++ b/Final Presentation 2.pptx
@@ -148,7 +148,7 @@
   <pc:docChgLst>
     <pc:chgData name="Brooke Taylor" userId="cb809024d88b5de5" providerId="LiveId" clId="{64E839F8-BAE3-4197-B080-5F39667F52ED}"/>
     <pc:docChg chg="undo custSel addSld delSld modSld sldOrd modMainMaster">
-      <pc:chgData name="Brooke Taylor" userId="cb809024d88b5de5" providerId="LiveId" clId="{64E839F8-BAE3-4197-B080-5F39667F52ED}" dt="2017-12-14T20:12:13.644" v="2680" actId="1076"/>
+      <pc:chgData name="Brooke Taylor" userId="cb809024d88b5de5" providerId="LiveId" clId="{64E839F8-BAE3-4197-B080-5F39667F52ED}" dt="2017-12-15T05:56:29.598" v="2717" actId="1076"/>
       <pc:docMkLst>
         <pc:docMk/>
       </pc:docMkLst>
@@ -315,7 +315,7 @@
         </pc:spChg>
       </pc:sldChg>
       <pc:sldChg chg="addSp delSp modSp modTransition modNotesTx">
-        <pc:chgData name="Brooke Taylor" userId="cb809024d88b5de5" providerId="LiveId" clId="{64E839F8-BAE3-4197-B080-5F39667F52ED}" dt="2017-12-14T20:12:13.644" v="2680" actId="1076"/>
+        <pc:chgData name="Brooke Taylor" userId="cb809024d88b5de5" providerId="LiveId" clId="{64E839F8-BAE3-4197-B080-5F39667F52ED}" dt="2017-12-15T05:56:29.598" v="2717" actId="1076"/>
         <pc:sldMkLst>
           <pc:docMk/>
           <pc:sldMk cId="3809937203" sldId="262"/>
@@ -336,6 +336,14 @@
             <ac:spMk id="3" creationId="{1190CB5F-5388-46FC-B9EE-096420D57445}"/>
           </ac:spMkLst>
         </pc:spChg>
+        <pc:spChg chg="add del mod">
+          <ac:chgData name="Brooke Taylor" userId="cb809024d88b5de5" providerId="LiveId" clId="{64E839F8-BAE3-4197-B080-5F39667F52ED}" dt="2017-12-13T05:16:45.195" v="2184" actId="20577"/>
+          <ac:spMkLst>
+            <pc:docMk/>
+            <pc:sldMk cId="3809937203" sldId="262"/>
+            <ac:spMk id="4" creationId="{E1B3876E-6F1B-4114-B3D0-CBA7213C2DAA}"/>
+          </ac:spMkLst>
+        </pc:spChg>
         <pc:spChg chg="add mod">
           <ac:chgData name="Brooke Taylor" userId="cb809024d88b5de5" providerId="LiveId" clId="{64E839F8-BAE3-4197-B080-5F39667F52ED}" dt="2017-12-14T20:12:04.953" v="2676" actId="478"/>
           <ac:spMkLst>
@@ -345,11 +353,11 @@
           </ac:spMkLst>
         </pc:spChg>
         <pc:spChg chg="add del mod">
-          <ac:chgData name="Brooke Taylor" userId="cb809024d88b5de5" providerId="LiveId" clId="{64E839F8-BAE3-4197-B080-5F39667F52ED}" dt="2017-12-13T05:16:45.195" v="2184" actId="20577"/>
+          <ac:chgData name="Brooke Taylor" userId="cb809024d88b5de5" providerId="LiveId" clId="{64E839F8-BAE3-4197-B080-5F39667F52ED}" dt="2017-12-14T19:21:06.111" v="2629" actId="20577"/>
           <ac:spMkLst>
             <pc:docMk/>
             <pc:sldMk cId="3809937203" sldId="262"/>
-            <ac:spMk id="4" creationId="{E1B3876E-6F1B-4114-B3D0-CBA7213C2DAA}"/>
+            <ac:spMk id="5" creationId="{1EBDDC96-DEF6-4ABC-9B26-359D205D5868}"/>
           </ac:spMkLst>
         </pc:spChg>
         <pc:spChg chg="add del mod">
@@ -358,14 +366,6 @@
             <pc:docMk/>
             <pc:sldMk cId="3809937203" sldId="262"/>
             <ac:spMk id="5" creationId="{883C9FE5-744D-43BE-8133-73C1856331AD}"/>
-          </ac:spMkLst>
-        </pc:spChg>
-        <pc:spChg chg="add del mod">
-          <ac:chgData name="Brooke Taylor" userId="cb809024d88b5de5" providerId="LiveId" clId="{64E839F8-BAE3-4197-B080-5F39667F52ED}" dt="2017-12-14T19:21:06.111" v="2629" actId="20577"/>
-          <ac:spMkLst>
-            <pc:docMk/>
-            <pc:sldMk cId="3809937203" sldId="262"/>
-            <ac:spMk id="5" creationId="{1EBDDC96-DEF6-4ABC-9B26-359D205D5868}"/>
           </ac:spMkLst>
         </pc:spChg>
         <pc:spChg chg="add del mod">
@@ -393,7 +393,7 @@
           </ac:picMkLst>
         </pc:picChg>
         <pc:picChg chg="add mod">
-          <ac:chgData name="Brooke Taylor" userId="cb809024d88b5de5" providerId="LiveId" clId="{64E839F8-BAE3-4197-B080-5F39667F52ED}" dt="2017-12-14T20:12:13.644" v="2680" actId="1076"/>
+          <ac:chgData name="Brooke Taylor" userId="cb809024d88b5de5" providerId="LiveId" clId="{64E839F8-BAE3-4197-B080-5F39667F52ED}" dt="2017-12-15T05:56:29.598" v="2717" actId="1076"/>
           <ac:picMkLst>
             <pc:docMk/>
             <pc:sldMk cId="3809937203" sldId="262"/>
@@ -511,7 +511,7 @@
         </pc:spChg>
       </pc:sldChg>
       <pc:sldChg chg="addSp delSp modSp modTransition">
-        <pc:chgData name="Brooke Taylor" userId="cb809024d88b5de5" providerId="LiveId" clId="{64E839F8-BAE3-4197-B080-5F39667F52ED}" dt="2017-12-14T19:17:30.210" v="2615" actId="14100"/>
+        <pc:chgData name="Brooke Taylor" userId="cb809024d88b5de5" providerId="LiveId" clId="{64E839F8-BAE3-4197-B080-5F39667F52ED}" dt="2017-12-15T05:54:43.603" v="2710" actId="20577"/>
         <pc:sldMkLst>
           <pc:docMk/>
           <pc:sldMk cId="71787495" sldId="266"/>
@@ -557,7 +557,7 @@
           </ac:spMkLst>
         </pc:spChg>
         <pc:spChg chg="add mod">
-          <ac:chgData name="Brooke Taylor" userId="cb809024d88b5de5" providerId="LiveId" clId="{64E839F8-BAE3-4197-B080-5F39667F52ED}" dt="2017-12-13T05:20:02.839" v="2321" actId="20577"/>
+          <ac:chgData name="Brooke Taylor" userId="cb809024d88b5de5" providerId="LiveId" clId="{64E839F8-BAE3-4197-B080-5F39667F52ED}" dt="2017-12-15T05:54:43.603" v="2710" actId="20577"/>
           <ac:spMkLst>
             <pc:docMk/>
             <pc:sldMk cId="71787495" sldId="266"/>
@@ -589,7 +589,7 @@
         </pc:spChg>
       </pc:sldChg>
       <pc:sldChg chg="addSp delSp modSp add modTransition modNotesTx">
-        <pc:chgData name="Brooke Taylor" userId="cb809024d88b5de5" providerId="LiveId" clId="{64E839F8-BAE3-4197-B080-5F39667F52ED}" dt="2017-12-14T19:15:17.039" v="2609" actId="20577"/>
+        <pc:chgData name="Brooke Taylor" userId="cb809024d88b5de5" providerId="LiveId" clId="{64E839F8-BAE3-4197-B080-5F39667F52ED}" dt="2017-12-15T05:54:00.619" v="2699" actId="20577"/>
         <pc:sldMkLst>
           <pc:docMk/>
           <pc:sldMk cId="1609058928" sldId="268"/>
@@ -611,7 +611,7 @@
           </ac:spMkLst>
         </pc:spChg>
         <pc:spChg chg="add mod">
-          <ac:chgData name="Brooke Taylor" userId="cb809024d88b5de5" providerId="LiveId" clId="{64E839F8-BAE3-4197-B080-5F39667F52ED}" dt="2017-12-13T03:18:40.463" v="340" actId="20577"/>
+          <ac:chgData name="Brooke Taylor" userId="cb809024d88b5de5" providerId="LiveId" clId="{64E839F8-BAE3-4197-B080-5F39667F52ED}" dt="2017-12-15T05:54:00.619" v="2699" actId="20577"/>
           <ac:spMkLst>
             <pc:docMk/>
             <pc:sldMk cId="1609058928" sldId="268"/>
@@ -697,7 +697,7 @@
           </ac:spMkLst>
         </pc:spChg>
         <pc:spChg chg="add del">
-          <ac:chgData name="Brooke Taylor" userId="cb809024d88b5de5" providerId="LiveId" clId="{64E839F8-BAE3-4197-B080-5F39667F52ED}" dt="2017-12-14T20:09:29.133" v="2663"/>
+          <ac:chgData name="Brooke Taylor" userId="cb809024d88b5de5" providerId="LiveId" clId="{64E839F8-BAE3-4197-B080-5F39667F52ED}" dt="2017-12-14T20:09:29.133" v="2663" actId="478"/>
           <ac:spMkLst>
             <pc:docMk/>
             <pc:sldMk cId="931317673" sldId="269"/>
@@ -705,7 +705,7 @@
           </ac:spMkLst>
         </pc:spChg>
         <pc:spChg chg="add del">
-          <ac:chgData name="Brooke Taylor" userId="cb809024d88b5de5" providerId="LiveId" clId="{64E839F8-BAE3-4197-B080-5F39667F52ED}" dt="2017-12-14T20:09:29.133" v="2663"/>
+          <ac:chgData name="Brooke Taylor" userId="cb809024d88b5de5" providerId="LiveId" clId="{64E839F8-BAE3-4197-B080-5F39667F52ED}" dt="2017-12-14T20:09:29.133" v="2663" actId="478"/>
           <ac:spMkLst>
             <pc:docMk/>
             <pc:sldMk cId="931317673" sldId="269"/>
@@ -713,7 +713,7 @@
           </ac:spMkLst>
         </pc:spChg>
         <pc:spChg chg="add del">
-          <ac:chgData name="Brooke Taylor" userId="cb809024d88b5de5" providerId="LiveId" clId="{64E839F8-BAE3-4197-B080-5F39667F52ED}" dt="2017-12-14T20:09:29.133" v="2663"/>
+          <ac:chgData name="Brooke Taylor" userId="cb809024d88b5de5" providerId="LiveId" clId="{64E839F8-BAE3-4197-B080-5F39667F52ED}" dt="2017-12-14T20:09:29.133" v="2663" actId="478"/>
           <ac:spMkLst>
             <pc:docMk/>
             <pc:sldMk cId="931317673" sldId="269"/>
@@ -721,7 +721,7 @@
           </ac:spMkLst>
         </pc:spChg>
         <pc:spChg chg="add del">
-          <ac:chgData name="Brooke Taylor" userId="cb809024d88b5de5" providerId="LiveId" clId="{64E839F8-BAE3-4197-B080-5F39667F52ED}" dt="2017-12-14T20:09:29.133" v="2663"/>
+          <ac:chgData name="Brooke Taylor" userId="cb809024d88b5de5" providerId="LiveId" clId="{64E839F8-BAE3-4197-B080-5F39667F52ED}" dt="2017-12-14T20:09:29.133" v="2663" actId="478"/>
           <ac:spMkLst>
             <pc:docMk/>
             <pc:sldMk cId="931317673" sldId="269"/>
@@ -729,7 +729,7 @@
           </ac:spMkLst>
         </pc:spChg>
         <pc:spChg chg="add del">
-          <ac:chgData name="Brooke Taylor" userId="cb809024d88b5de5" providerId="LiveId" clId="{64E839F8-BAE3-4197-B080-5F39667F52ED}" dt="2017-12-14T20:09:29.133" v="2663"/>
+          <ac:chgData name="Brooke Taylor" userId="cb809024d88b5de5" providerId="LiveId" clId="{64E839F8-BAE3-4197-B080-5F39667F52ED}" dt="2017-12-14T20:09:29.133" v="2663" actId="478"/>
           <ac:spMkLst>
             <pc:docMk/>
             <pc:sldMk cId="931317673" sldId="269"/>
@@ -737,7 +737,7 @@
           </ac:spMkLst>
         </pc:spChg>
         <pc:spChg chg="add del">
-          <ac:chgData name="Brooke Taylor" userId="cb809024d88b5de5" providerId="LiveId" clId="{64E839F8-BAE3-4197-B080-5F39667F52ED}" dt="2017-12-14T20:09:29.133" v="2663"/>
+          <ac:chgData name="Brooke Taylor" userId="cb809024d88b5de5" providerId="LiveId" clId="{64E839F8-BAE3-4197-B080-5F39667F52ED}" dt="2017-12-14T20:09:29.133" v="2663" actId="478"/>
           <ac:spMkLst>
             <pc:docMk/>
             <pc:sldMk cId="931317673" sldId="269"/>
@@ -745,7 +745,7 @@
           </ac:spMkLst>
         </pc:spChg>
         <pc:spChg chg="add del">
-          <ac:chgData name="Brooke Taylor" userId="cb809024d88b5de5" providerId="LiveId" clId="{64E839F8-BAE3-4197-B080-5F39667F52ED}" dt="2017-12-14T20:09:29.133" v="2663"/>
+          <ac:chgData name="Brooke Taylor" userId="cb809024d88b5de5" providerId="LiveId" clId="{64E839F8-BAE3-4197-B080-5F39667F52ED}" dt="2017-12-14T20:09:29.133" v="2663" actId="478"/>
           <ac:spMkLst>
             <pc:docMk/>
             <pc:sldMk cId="931317673" sldId="269"/>
@@ -753,7 +753,7 @@
           </ac:spMkLst>
         </pc:spChg>
         <pc:spChg chg="add del">
-          <ac:chgData name="Brooke Taylor" userId="cb809024d88b5de5" providerId="LiveId" clId="{64E839F8-BAE3-4197-B080-5F39667F52ED}" dt="2017-12-14T20:09:29.133" v="2663"/>
+          <ac:chgData name="Brooke Taylor" userId="cb809024d88b5de5" providerId="LiveId" clId="{64E839F8-BAE3-4197-B080-5F39667F52ED}" dt="2017-12-14T20:09:29.133" v="2663" actId="478"/>
           <ac:spMkLst>
             <pc:docMk/>
             <pc:sldMk cId="931317673" sldId="269"/>
@@ -761,7 +761,7 @@
           </ac:spMkLst>
         </pc:spChg>
         <pc:spChg chg="add del">
-          <ac:chgData name="Brooke Taylor" userId="cb809024d88b5de5" providerId="LiveId" clId="{64E839F8-BAE3-4197-B080-5F39667F52ED}" dt="2017-12-14T20:09:29.133" v="2663"/>
+          <ac:chgData name="Brooke Taylor" userId="cb809024d88b5de5" providerId="LiveId" clId="{64E839F8-BAE3-4197-B080-5F39667F52ED}" dt="2017-12-14T20:09:29.133" v="2663" actId="478"/>
           <ac:spMkLst>
             <pc:docMk/>
             <pc:sldMk cId="931317673" sldId="269"/>
@@ -769,7 +769,7 @@
           </ac:spMkLst>
         </pc:spChg>
         <pc:spChg chg="add del">
-          <ac:chgData name="Brooke Taylor" userId="cb809024d88b5de5" providerId="LiveId" clId="{64E839F8-BAE3-4197-B080-5F39667F52ED}" dt="2017-12-14T20:09:29.133" v="2663"/>
+          <ac:chgData name="Brooke Taylor" userId="cb809024d88b5de5" providerId="LiveId" clId="{64E839F8-BAE3-4197-B080-5F39667F52ED}" dt="2017-12-14T20:09:29.133" v="2663" actId="478"/>
           <ac:spMkLst>
             <pc:docMk/>
             <pc:sldMk cId="931317673" sldId="269"/>
@@ -777,7 +777,7 @@
           </ac:spMkLst>
         </pc:spChg>
         <pc:spChg chg="add del">
-          <ac:chgData name="Brooke Taylor" userId="cb809024d88b5de5" providerId="LiveId" clId="{64E839F8-BAE3-4197-B080-5F39667F52ED}" dt="2017-12-14T20:09:29.133" v="2663"/>
+          <ac:chgData name="Brooke Taylor" userId="cb809024d88b5de5" providerId="LiveId" clId="{64E839F8-BAE3-4197-B080-5F39667F52ED}" dt="2017-12-14T20:09:29.133" v="2663" actId="478"/>
           <ac:spMkLst>
             <pc:docMk/>
             <pc:sldMk cId="931317673" sldId="269"/>
@@ -785,7 +785,7 @@
           </ac:spMkLst>
         </pc:spChg>
         <pc:spChg chg="add del">
-          <ac:chgData name="Brooke Taylor" userId="cb809024d88b5de5" providerId="LiveId" clId="{64E839F8-BAE3-4197-B080-5F39667F52ED}" dt="2017-12-14T20:09:29.133" v="2663"/>
+          <ac:chgData name="Brooke Taylor" userId="cb809024d88b5de5" providerId="LiveId" clId="{64E839F8-BAE3-4197-B080-5F39667F52ED}" dt="2017-12-14T20:09:29.133" v="2663" actId="478"/>
           <ac:spMkLst>
             <pc:docMk/>
             <pc:sldMk cId="931317673" sldId="269"/>
@@ -793,7 +793,7 @@
           </ac:spMkLst>
         </pc:spChg>
         <pc:spChg chg="add del">
-          <ac:chgData name="Brooke Taylor" userId="cb809024d88b5de5" providerId="LiveId" clId="{64E839F8-BAE3-4197-B080-5F39667F52ED}" dt="2017-12-14T20:09:29.133" v="2663"/>
+          <ac:chgData name="Brooke Taylor" userId="cb809024d88b5de5" providerId="LiveId" clId="{64E839F8-BAE3-4197-B080-5F39667F52ED}" dt="2017-12-14T20:09:29.133" v="2663" actId="478"/>
           <ac:spMkLst>
             <pc:docMk/>
             <pc:sldMk cId="931317673" sldId="269"/>
@@ -801,7 +801,7 @@
           </ac:spMkLst>
         </pc:spChg>
         <pc:spChg chg="add del">
-          <ac:chgData name="Brooke Taylor" userId="cb809024d88b5de5" providerId="LiveId" clId="{64E839F8-BAE3-4197-B080-5F39667F52ED}" dt="2017-12-14T20:09:29.133" v="2663"/>
+          <ac:chgData name="Brooke Taylor" userId="cb809024d88b5de5" providerId="LiveId" clId="{64E839F8-BAE3-4197-B080-5F39667F52ED}" dt="2017-12-14T20:09:29.133" v="2663" actId="478"/>
           <ac:spMkLst>
             <pc:docMk/>
             <pc:sldMk cId="931317673" sldId="269"/>
@@ -809,7 +809,7 @@
           </ac:spMkLst>
         </pc:spChg>
         <pc:spChg chg="add del">
-          <ac:chgData name="Brooke Taylor" userId="cb809024d88b5de5" providerId="LiveId" clId="{64E839F8-BAE3-4197-B080-5F39667F52ED}" dt="2017-12-14T20:09:29.133" v="2663"/>
+          <ac:chgData name="Brooke Taylor" userId="cb809024d88b5de5" providerId="LiveId" clId="{64E839F8-BAE3-4197-B080-5F39667F52ED}" dt="2017-12-14T20:09:29.133" v="2663" actId="478"/>
           <ac:spMkLst>
             <pc:docMk/>
             <pc:sldMk cId="931317673" sldId="269"/>
@@ -817,7 +817,7 @@
           </ac:spMkLst>
         </pc:spChg>
         <pc:spChg chg="add del">
-          <ac:chgData name="Brooke Taylor" userId="cb809024d88b5de5" providerId="LiveId" clId="{64E839F8-BAE3-4197-B080-5F39667F52ED}" dt="2017-12-14T20:09:29.133" v="2663"/>
+          <ac:chgData name="Brooke Taylor" userId="cb809024d88b5de5" providerId="LiveId" clId="{64E839F8-BAE3-4197-B080-5F39667F52ED}" dt="2017-12-14T20:09:29.133" v="2663" actId="478"/>
           <ac:spMkLst>
             <pc:docMk/>
             <pc:sldMk cId="931317673" sldId="269"/>
@@ -825,7 +825,7 @@
           </ac:spMkLst>
         </pc:spChg>
         <pc:spChg chg="add del">
-          <ac:chgData name="Brooke Taylor" userId="cb809024d88b5de5" providerId="LiveId" clId="{64E839F8-BAE3-4197-B080-5F39667F52ED}" dt="2017-12-14T20:09:29.133" v="2663"/>
+          <ac:chgData name="Brooke Taylor" userId="cb809024d88b5de5" providerId="LiveId" clId="{64E839F8-BAE3-4197-B080-5F39667F52ED}" dt="2017-12-14T20:09:29.133" v="2663" actId="478"/>
           <ac:spMkLst>
             <pc:docMk/>
             <pc:sldMk cId="931317673" sldId="269"/>
@@ -833,7 +833,7 @@
           </ac:spMkLst>
         </pc:spChg>
         <pc:spChg chg="add del">
-          <ac:chgData name="Brooke Taylor" userId="cb809024d88b5de5" providerId="LiveId" clId="{64E839F8-BAE3-4197-B080-5F39667F52ED}" dt="2017-12-14T20:09:29.133" v="2663"/>
+          <ac:chgData name="Brooke Taylor" userId="cb809024d88b5de5" providerId="LiveId" clId="{64E839F8-BAE3-4197-B080-5F39667F52ED}" dt="2017-12-14T20:09:29.133" v="2663" actId="478"/>
           <ac:spMkLst>
             <pc:docMk/>
             <pc:sldMk cId="931317673" sldId="269"/>
@@ -841,7 +841,7 @@
           </ac:spMkLst>
         </pc:spChg>
         <pc:spChg chg="add del">
-          <ac:chgData name="Brooke Taylor" userId="cb809024d88b5de5" providerId="LiveId" clId="{64E839F8-BAE3-4197-B080-5F39667F52ED}" dt="2017-12-14T20:09:29.133" v="2663"/>
+          <ac:chgData name="Brooke Taylor" userId="cb809024d88b5de5" providerId="LiveId" clId="{64E839F8-BAE3-4197-B080-5F39667F52ED}" dt="2017-12-14T20:09:29.133" v="2663" actId="478"/>
           <ac:spMkLst>
             <pc:docMk/>
             <pc:sldMk cId="931317673" sldId="269"/>
@@ -849,7 +849,7 @@
           </ac:spMkLst>
         </pc:spChg>
         <pc:spChg chg="add del">
-          <ac:chgData name="Brooke Taylor" userId="cb809024d88b5de5" providerId="LiveId" clId="{64E839F8-BAE3-4197-B080-5F39667F52ED}" dt="2017-12-14T20:09:29.133" v="2663"/>
+          <ac:chgData name="Brooke Taylor" userId="cb809024d88b5de5" providerId="LiveId" clId="{64E839F8-BAE3-4197-B080-5F39667F52ED}" dt="2017-12-14T20:09:29.133" v="2663" actId="478"/>
           <ac:spMkLst>
             <pc:docMk/>
             <pc:sldMk cId="931317673" sldId="269"/>
@@ -857,7 +857,7 @@
           </ac:spMkLst>
         </pc:spChg>
         <pc:spChg chg="add del">
-          <ac:chgData name="Brooke Taylor" userId="cb809024d88b5de5" providerId="LiveId" clId="{64E839F8-BAE3-4197-B080-5F39667F52ED}" dt="2017-12-14T20:09:29.133" v="2663"/>
+          <ac:chgData name="Brooke Taylor" userId="cb809024d88b5de5" providerId="LiveId" clId="{64E839F8-BAE3-4197-B080-5F39667F52ED}" dt="2017-12-14T20:09:29.133" v="2663" actId="478"/>
           <ac:spMkLst>
             <pc:docMk/>
             <pc:sldMk cId="931317673" sldId="269"/>
@@ -865,7 +865,7 @@
           </ac:spMkLst>
         </pc:spChg>
         <pc:spChg chg="add del">
-          <ac:chgData name="Brooke Taylor" userId="cb809024d88b5de5" providerId="LiveId" clId="{64E839F8-BAE3-4197-B080-5F39667F52ED}" dt="2017-12-14T20:09:29.133" v="2663"/>
+          <ac:chgData name="Brooke Taylor" userId="cb809024d88b5de5" providerId="LiveId" clId="{64E839F8-BAE3-4197-B080-5F39667F52ED}" dt="2017-12-14T20:09:29.133" v="2663" actId="478"/>
           <ac:spMkLst>
             <pc:docMk/>
             <pc:sldMk cId="931317673" sldId="269"/>
@@ -873,7 +873,7 @@
           </ac:spMkLst>
         </pc:spChg>
         <pc:spChg chg="add del">
-          <ac:chgData name="Brooke Taylor" userId="cb809024d88b5de5" providerId="LiveId" clId="{64E839F8-BAE3-4197-B080-5F39667F52ED}" dt="2017-12-14T20:09:29.133" v="2663"/>
+          <ac:chgData name="Brooke Taylor" userId="cb809024d88b5de5" providerId="LiveId" clId="{64E839F8-BAE3-4197-B080-5F39667F52ED}" dt="2017-12-14T20:09:29.133" v="2663" actId="478"/>
           <ac:spMkLst>
             <pc:docMk/>
             <pc:sldMk cId="931317673" sldId="269"/>
@@ -881,7 +881,7 @@
           </ac:spMkLst>
         </pc:spChg>
         <pc:spChg chg="add del">
-          <ac:chgData name="Brooke Taylor" userId="cb809024d88b5de5" providerId="LiveId" clId="{64E839F8-BAE3-4197-B080-5F39667F52ED}" dt="2017-12-14T20:09:29.133" v="2663"/>
+          <ac:chgData name="Brooke Taylor" userId="cb809024d88b5de5" providerId="LiveId" clId="{64E839F8-BAE3-4197-B080-5F39667F52ED}" dt="2017-12-14T20:09:29.133" v="2663" actId="478"/>
           <ac:spMkLst>
             <pc:docMk/>
             <pc:sldMk cId="931317673" sldId="269"/>
@@ -889,7 +889,7 @@
           </ac:spMkLst>
         </pc:spChg>
         <pc:spChg chg="add del">
-          <ac:chgData name="Brooke Taylor" userId="cb809024d88b5de5" providerId="LiveId" clId="{64E839F8-BAE3-4197-B080-5F39667F52ED}" dt="2017-12-14T20:09:29.133" v="2663"/>
+          <ac:chgData name="Brooke Taylor" userId="cb809024d88b5de5" providerId="LiveId" clId="{64E839F8-BAE3-4197-B080-5F39667F52ED}" dt="2017-12-14T20:09:29.133" v="2663" actId="478"/>
           <ac:spMkLst>
             <pc:docMk/>
             <pc:sldMk cId="931317673" sldId="269"/>
@@ -897,7 +897,7 @@
           </ac:spMkLst>
         </pc:spChg>
         <pc:spChg chg="add del">
-          <ac:chgData name="Brooke Taylor" userId="cb809024d88b5de5" providerId="LiveId" clId="{64E839F8-BAE3-4197-B080-5F39667F52ED}" dt="2017-12-14T20:09:29.133" v="2663"/>
+          <ac:chgData name="Brooke Taylor" userId="cb809024d88b5de5" providerId="LiveId" clId="{64E839F8-BAE3-4197-B080-5F39667F52ED}" dt="2017-12-14T20:09:29.133" v="2663" actId="478"/>
           <ac:spMkLst>
             <pc:docMk/>
             <pc:sldMk cId="931317673" sldId="269"/>
@@ -905,7 +905,7 @@
           </ac:spMkLst>
         </pc:spChg>
         <pc:spChg chg="add del">
-          <ac:chgData name="Brooke Taylor" userId="cb809024d88b5de5" providerId="LiveId" clId="{64E839F8-BAE3-4197-B080-5F39667F52ED}" dt="2017-12-14T20:09:29.133" v="2663"/>
+          <ac:chgData name="Brooke Taylor" userId="cb809024d88b5de5" providerId="LiveId" clId="{64E839F8-BAE3-4197-B080-5F39667F52ED}" dt="2017-12-14T20:09:29.133" v="2663" actId="478"/>
           <ac:spMkLst>
             <pc:docMk/>
             <pc:sldMk cId="931317673" sldId="269"/>
@@ -913,7 +913,7 @@
           </ac:spMkLst>
         </pc:spChg>
         <pc:spChg chg="add del">
-          <ac:chgData name="Brooke Taylor" userId="cb809024d88b5de5" providerId="LiveId" clId="{64E839F8-BAE3-4197-B080-5F39667F52ED}" dt="2017-12-14T20:09:29.133" v="2663"/>
+          <ac:chgData name="Brooke Taylor" userId="cb809024d88b5de5" providerId="LiveId" clId="{64E839F8-BAE3-4197-B080-5F39667F52ED}" dt="2017-12-14T20:09:29.133" v="2663" actId="478"/>
           <ac:spMkLst>
             <pc:docMk/>
             <pc:sldMk cId="931317673" sldId="269"/>
@@ -921,7 +921,7 @@
           </ac:spMkLst>
         </pc:spChg>
         <pc:grpChg chg="add del">
-          <ac:chgData name="Brooke Taylor" userId="cb809024d88b5de5" providerId="LiveId" clId="{64E839F8-BAE3-4197-B080-5F39667F52ED}" dt="2017-12-14T20:09:29.133" v="2663"/>
+          <ac:chgData name="Brooke Taylor" userId="cb809024d88b5de5" providerId="LiveId" clId="{64E839F8-BAE3-4197-B080-5F39667F52ED}" dt="2017-12-14T20:09:29.133" v="2663" actId="478"/>
           <ac:grpSpMkLst>
             <pc:docMk/>
             <pc:sldMk cId="931317673" sldId="269"/>
@@ -1072,7 +1072,7 @@
         </pc:spChg>
       </pc:sldChg>
       <pc:sldChg chg="addSp delSp modSp add modTransition modNotesTx">
-        <pc:chgData name="Brooke Taylor" userId="cb809024d88b5de5" providerId="LiveId" clId="{64E839F8-BAE3-4197-B080-5F39667F52ED}" dt="2017-12-14T20:09:52.800" v="2672"/>
+        <pc:chgData name="Brooke Taylor" userId="cb809024d88b5de5" providerId="LiveId" clId="{64E839F8-BAE3-4197-B080-5F39667F52ED}" dt="2017-12-14T20:09:52.800" v="2672" actId="1076"/>
         <pc:sldMkLst>
           <pc:docMk/>
           <pc:sldMk cId="518891357" sldId="272"/>
@@ -1125,6 +1125,14 @@
             <ac:picMk id="4" creationId="{C0DF1FCE-8BD1-4D9B-9A38-786EF1A7B8BB}"/>
           </ac:picMkLst>
         </pc:picChg>
+        <pc:picChg chg="add del">
+          <ac:chgData name="Brooke Taylor" userId="cb809024d88b5de5" providerId="LiveId" clId="{64E839F8-BAE3-4197-B080-5F39667F52ED}" dt="2017-12-14T20:09:52.345" v="2671" actId="478"/>
+          <ac:picMkLst>
+            <pc:docMk/>
+            <pc:sldMk cId="518891357" sldId="272"/>
+            <ac:picMk id="5" creationId="{284C9305-9F64-4515-B7F6-B887FF1C3B00}"/>
+          </ac:picMkLst>
+        </pc:picChg>
         <pc:picChg chg="add del mod">
           <ac:chgData name="Brooke Taylor" userId="cb809024d88b5de5" providerId="LiveId" clId="{64E839F8-BAE3-4197-B080-5F39667F52ED}" dt="2017-12-13T05:23:00.544" v="2420" actId="1076"/>
           <ac:picMkLst>
@@ -1133,16 +1141,8 @@
             <ac:picMk id="5" creationId="{365001EB-5949-48BC-9E64-424D8E39137C}"/>
           </ac:picMkLst>
         </pc:picChg>
-        <pc:picChg chg="add del">
-          <ac:chgData name="Brooke Taylor" userId="cb809024d88b5de5" providerId="LiveId" clId="{64E839F8-BAE3-4197-B080-5F39667F52ED}" dt="2017-12-14T20:09:52.345" v="2671" actId="478"/>
-          <ac:picMkLst>
-            <pc:docMk/>
-            <pc:sldMk cId="518891357" sldId="272"/>
-            <ac:picMk id="5" creationId="{284C9305-9F64-4515-B7F6-B887FF1C3B00}"/>
-          </ac:picMkLst>
-        </pc:picChg>
         <pc:picChg chg="add">
-          <ac:chgData name="Brooke Taylor" userId="cb809024d88b5de5" providerId="LiveId" clId="{64E839F8-BAE3-4197-B080-5F39667F52ED}" dt="2017-12-14T20:09:52.800" v="2672"/>
+          <ac:chgData name="Brooke Taylor" userId="cb809024d88b5de5" providerId="LiveId" clId="{64E839F8-BAE3-4197-B080-5F39667F52ED}" dt="2017-12-14T20:09:52.800" v="2672" actId="1076"/>
           <ac:picMkLst>
             <pc:docMk/>
             <pc:sldMk cId="518891357" sldId="272"/>
@@ -1151,7 +1151,7 @@
         </pc:picChg>
       </pc:sldChg>
       <pc:sldChg chg="addSp delSp modSp add modTransition modNotesTx">
-        <pc:chgData name="Brooke Taylor" userId="cb809024d88b5de5" providerId="LiveId" clId="{64E839F8-BAE3-4197-B080-5F39667F52ED}" dt="2017-12-14T20:09:48.039" v="2670"/>
+        <pc:chgData name="Brooke Taylor" userId="cb809024d88b5de5" providerId="LiveId" clId="{64E839F8-BAE3-4197-B080-5F39667F52ED}" dt="2017-12-14T20:09:48.039" v="2670" actId="1076"/>
         <pc:sldMkLst>
           <pc:docMk/>
           <pc:sldMk cId="3709083137" sldId="273"/>
@@ -1205,6 +1205,14 @@
           </ac:picMkLst>
         </pc:picChg>
         <pc:picChg chg="add del">
+          <ac:chgData name="Brooke Taylor" userId="cb809024d88b5de5" providerId="LiveId" clId="{64E839F8-BAE3-4197-B080-5F39667F52ED}" dt="2017-12-13T05:04:59.437" v="1886" actId="313"/>
+          <ac:picMkLst>
+            <pc:docMk/>
+            <pc:sldMk cId="3709083137" sldId="273"/>
+            <ac:picMk id="5" creationId="{B432B9ED-1680-4819-A623-677A8BCC99F1}"/>
+          </ac:picMkLst>
+        </pc:picChg>
+        <pc:picChg chg="add del">
           <ac:chgData name="Brooke Taylor" userId="cb809024d88b5de5" providerId="LiveId" clId="{64E839F8-BAE3-4197-B080-5F39667F52ED}" dt="2017-12-14T20:09:47.721" v="2669" actId="478"/>
           <ac:picMkLst>
             <pc:docMk/>
@@ -1212,16 +1220,8 @@
             <ac:picMk id="5" creationId="{A6A63E55-578B-41EA-8122-DE8526838D5B}"/>
           </ac:picMkLst>
         </pc:picChg>
-        <pc:picChg chg="add del">
-          <ac:chgData name="Brooke Taylor" userId="cb809024d88b5de5" providerId="LiveId" clId="{64E839F8-BAE3-4197-B080-5F39667F52ED}" dt="2017-12-13T05:04:59.437" v="1886" actId="313"/>
-          <ac:picMkLst>
-            <pc:docMk/>
-            <pc:sldMk cId="3709083137" sldId="273"/>
-            <ac:picMk id="5" creationId="{B432B9ED-1680-4819-A623-677A8BCC99F1}"/>
-          </ac:picMkLst>
-        </pc:picChg>
         <pc:picChg chg="add">
-          <ac:chgData name="Brooke Taylor" userId="cb809024d88b5de5" providerId="LiveId" clId="{64E839F8-BAE3-4197-B080-5F39667F52ED}" dt="2017-12-14T20:09:48.039" v="2670"/>
+          <ac:chgData name="Brooke Taylor" userId="cb809024d88b5de5" providerId="LiveId" clId="{64E839F8-BAE3-4197-B080-5F39667F52ED}" dt="2017-12-14T20:09:48.039" v="2670" actId="1076"/>
           <ac:picMkLst>
             <pc:docMk/>
             <pc:sldMk cId="3709083137" sldId="273"/>
@@ -1489,13 +1489,13 @@
         </pc:picChg>
       </pc:sldChg>
       <pc:sldChg chg="addSp delSp modSp add modTransition modNotesTx">
-        <pc:chgData name="Brooke Taylor" userId="cb809024d88b5de5" providerId="LiveId" clId="{64E839F8-BAE3-4197-B080-5F39667F52ED}" dt="2017-12-14T19:15:17.039" v="2609" actId="20577"/>
+        <pc:chgData name="Brooke Taylor" userId="cb809024d88b5de5" providerId="LiveId" clId="{64E839F8-BAE3-4197-B080-5F39667F52ED}" dt="2017-12-15T05:54:14.111" v="2706" actId="20577"/>
         <pc:sldMkLst>
           <pc:docMk/>
           <pc:sldMk cId="649205620" sldId="279"/>
         </pc:sldMkLst>
         <pc:spChg chg="mod">
-          <ac:chgData name="Brooke Taylor" userId="cb809024d88b5de5" providerId="LiveId" clId="{64E839F8-BAE3-4197-B080-5F39667F52ED}" dt="2017-12-13T03:53:41.075" v="1226" actId="20577"/>
+          <ac:chgData name="Brooke Taylor" userId="cb809024d88b5de5" providerId="LiveId" clId="{64E839F8-BAE3-4197-B080-5F39667F52ED}" dt="2017-12-15T05:54:14.111" v="2706" actId="20577"/>
           <ac:spMkLst>
             <pc:docMk/>
             <pc:sldMk cId="649205620" sldId="279"/>
@@ -1528,7 +1528,7 @@
         </pc:spChg>
       </pc:sldChg>
       <pc:sldChg chg="addSp delSp modSp add modTransition modAnim modNotesTx">
-        <pc:chgData name="Brooke Taylor" userId="cb809024d88b5de5" providerId="LiveId" clId="{64E839F8-BAE3-4197-B080-5F39667F52ED}" dt="2017-12-14T20:09:58.313" v="2674"/>
+        <pc:chgData name="Brooke Taylor" userId="cb809024d88b5de5" providerId="LiveId" clId="{64E839F8-BAE3-4197-B080-5F39667F52ED}" dt="2017-12-14T20:09:58.313" v="2674" actId="1076"/>
         <pc:sldMkLst>
           <pc:docMk/>
           <pc:sldMk cId="2117871772" sldId="280"/>
@@ -1566,7 +1566,7 @@
           </ac:spMkLst>
         </pc:spChg>
         <pc:grpChg chg="add del">
-          <ac:chgData name="Brooke Taylor" userId="cb809024d88b5de5" providerId="LiveId" clId="{64E839F8-BAE3-4197-B080-5F39667F52ED}" dt="2017-12-14T19:29:07.132" v="2639"/>
+          <ac:chgData name="Brooke Taylor" userId="cb809024d88b5de5" providerId="LiveId" clId="{64E839F8-BAE3-4197-B080-5F39667F52ED}" dt="2017-12-14T19:29:07.132" v="2639" actId="1076"/>
           <ac:grpSpMkLst>
             <pc:docMk/>
             <pc:sldMk cId="2117871772" sldId="280"/>
@@ -1574,7 +1574,7 @@
           </ac:grpSpMkLst>
         </pc:grpChg>
         <pc:picChg chg="add del">
-          <ac:chgData name="Brooke Taylor" userId="cb809024d88b5de5" providerId="LiveId" clId="{64E839F8-BAE3-4197-B080-5F39667F52ED}" dt="2017-12-14T19:29:10.948" v="2641"/>
+          <ac:chgData name="Brooke Taylor" userId="cb809024d88b5de5" providerId="LiveId" clId="{64E839F8-BAE3-4197-B080-5F39667F52ED}" dt="2017-12-14T19:29:10.948" v="2641" actId="1076"/>
           <ac:picMkLst>
             <pc:docMk/>
             <pc:sldMk cId="2117871772" sldId="280"/>
@@ -1590,7 +1590,7 @@
           </ac:picMkLst>
         </pc:picChg>
         <pc:picChg chg="add del">
-          <ac:chgData name="Brooke Taylor" userId="cb809024d88b5de5" providerId="LiveId" clId="{64E839F8-BAE3-4197-B080-5F39667F52ED}" dt="2017-12-14T19:29:15.513" v="2643"/>
+          <ac:chgData name="Brooke Taylor" userId="cb809024d88b5de5" providerId="LiveId" clId="{64E839F8-BAE3-4197-B080-5F39667F52ED}" dt="2017-12-14T19:29:15.513" v="2643" actId="1076"/>
           <ac:picMkLst>
             <pc:docMk/>
             <pc:sldMk cId="2117871772" sldId="280"/>
@@ -1606,7 +1606,7 @@
           </ac:picMkLst>
         </pc:picChg>
         <pc:picChg chg="add">
-          <ac:chgData name="Brooke Taylor" userId="cb809024d88b5de5" providerId="LiveId" clId="{64E839F8-BAE3-4197-B080-5F39667F52ED}" dt="2017-12-14T20:09:58.313" v="2674"/>
+          <ac:chgData name="Brooke Taylor" userId="cb809024d88b5de5" providerId="LiveId" clId="{64E839F8-BAE3-4197-B080-5F39667F52ED}" dt="2017-12-14T20:09:58.313" v="2674" actId="1076"/>
           <ac:picMkLst>
             <pc:docMk/>
             <pc:sldMk cId="2117871772" sldId="280"/>
@@ -1717,7 +1717,7 @@
         </pc:picChg>
       </pc:sldChg>
       <pc:sldChg chg="modSp add setBg">
-        <pc:chgData name="Brooke Taylor" userId="cb809024d88b5de5" providerId="LiveId" clId="{64E839F8-BAE3-4197-B080-5F39667F52ED}" dt="2017-12-14T20:08:36.200" v="2661" actId="14100"/>
+        <pc:chgData name="Brooke Taylor" userId="cb809024d88b5de5" providerId="LiveId" clId="{64E839F8-BAE3-4197-B080-5F39667F52ED}" dt="2017-12-15T05:54:49.859" v="2715" actId="20577"/>
         <pc:sldMkLst>
           <pc:docMk/>
           <pc:sldMk cId="1936896649" sldId="283"/>
@@ -1866,6 +1866,14 @@
             <ac:spMk id="43" creationId="{F9130D2B-E53C-4F4E-A2C4-A8B724CCB6F9}"/>
           </ac:spMkLst>
         </pc:spChg>
+        <pc:spChg chg="mod">
+          <ac:chgData name="Brooke Taylor" userId="cb809024d88b5de5" providerId="LiveId" clId="{64E839F8-BAE3-4197-B080-5F39667F52ED}" dt="2017-12-15T05:54:49.859" v="2715" actId="20577"/>
+          <ac:spMkLst>
+            <pc:docMk/>
+            <pc:sldMk cId="1936896649" sldId="283"/>
+            <ac:spMk id="44" creationId="{02A8AED4-D0FA-477A-9B33-E27A074B76FF}"/>
+          </ac:spMkLst>
+        </pc:spChg>
       </pc:sldChg>
       <pc:sldMasterChg chg="modSldLayout">
         <pc:chgData name="Brooke Taylor" userId="cb809024d88b5de5" providerId="LiveId" clId="{64E839F8-BAE3-4197-B080-5F39667F52ED}" dt="2017-12-13T05:15:58.704" v="2166" actId="242"/>
@@ -3452,7 +3460,7 @@
           <a:p>
             <a:r>
               <a:rPr lang="en-US" dirty="0"/>
-              <a:t>Missy</a:t>
+              <a:t>Brooke</a:t>
             </a:r>
           </a:p>
         </p:txBody>
@@ -13169,7 +13177,7 @@
           <a:p>
             <a:r>
               <a:rPr lang="en-US" dirty="0"/>
-              <a:t>What We Actually Did</a:t>
+              <a:t>What We Decided</a:t>
             </a:r>
           </a:p>
         </p:txBody>
@@ -20575,7 +20583,7 @@
                 <a:ea typeface="+mj-ea"/>
                 <a:cs typeface="+mj-cs"/>
               </a:rPr>
-              <a:t>Final Voting Decisions</a:t>
+              <a:t>Final Voting Decisions (I)</a:t>
             </a:r>
           </a:p>
         </p:txBody>
@@ -23392,7 +23400,7 @@
                 <a:ea typeface="+mj-ea"/>
                 <a:cs typeface="+mj-cs"/>
               </a:rPr>
-              <a:t>Final Voting Decisions</a:t>
+              <a:t>Final Voting Decisions (II)</a:t>
             </a:r>
           </a:p>
         </p:txBody>
@@ -25116,7 +25124,7 @@
         </p:blipFill>
         <p:spPr bwMode="auto">
           <a:xfrm>
-            <a:off x="4762582" y="3733800"/>
+            <a:off x="5160249" y="3733800"/>
             <a:ext cx="2666835" cy="2465462"/>
           </a:xfrm>
           <a:prstGeom prst="rect">
@@ -25901,10 +25909,9 @@
           <a:lstStyle/>
           <a:p>
             <a:r>
-              <a:rPr lang="en-US"/>
-              <a:t>Various Ideas</a:t>
+              <a:rPr lang="en-US" dirty="0"/>
+              <a:t>Brainstorming</a:t>
             </a:r>
-            <a:endParaRPr lang="en-US" dirty="0"/>
           </a:p>
         </p:txBody>
       </p:sp>
